--- a/Infomation/01-实验一 古典密码.pptx
+++ b/Infomation/01-实验一 古典密码.pptx
@@ -1,14 +1,13 @@
 
 <file path=ppt/presentation.xml><?xml version="1.0" encoding="utf-8"?>
-<p:presentation xmlns:a="http://schemas.openxmlformats.org/drawingml/2006/main" xmlns:r="http://schemas.openxmlformats.org/officeDocument/2006/relationships" xmlns:p="http://schemas.openxmlformats.org/presentationml/2006/main" saveSubsetFonts="1">
+<p:presentation xmlns:a="http://schemas.openxmlformats.org/drawingml/2006/main" xmlns:r="http://schemas.openxmlformats.org/officeDocument/2006/relationships" xmlns:p="http://schemas.openxmlformats.org/presentationml/2006/main">
   <p:sldMasterIdLst>
-    <p:sldMasterId id="2147483660" r:id="rId1"/>
+    <p:sldMasterId id="2147483648" r:id="rId1"/>
   </p:sldMasterIdLst>
   <p:notesMasterIdLst>
     <p:notesMasterId r:id="rId24"/>
   </p:notesMasterIdLst>
   <p:sldIdLst>
-    <p:sldId id="302" r:id="rId2"/>
     <p:sldId id="820" r:id="rId3"/>
     <p:sldId id="883" r:id="rId4"/>
     <p:sldId id="985" r:id="rId5"/>
@@ -128,57 +127,7 @@
       </a:defRPr>
     </a:lvl9pPr>
   </p:defaultTextStyle>
-  <p:extLst>
-    <p:ext uri="{EFAFB233-063F-42B5-8137-9DF3F51BA10A}">
-      <p15:sldGuideLst xmlns:p15="http://schemas.microsoft.com/office/powerpoint/2012/main"/>
-    </p:ext>
-  </p:extLst>
 </p:presentation>
-</file>
-
-<file path=ppt/revisionInfo.xml><?xml version="1.0" encoding="utf-8"?>
-<p1510:revInfo xmlns:a="http://schemas.openxmlformats.org/drawingml/2006/main" xmlns:r="http://schemas.openxmlformats.org/officeDocument/2006/relationships" xmlns:p1510="http://schemas.microsoft.com/office/powerpoint/2015/10/main">
-  <p1510:revLst>
-    <p1510:client id="{F19121AB-6071-4A1E-855A-CAEB85924B26}" v="36" dt="2025-02-27T01:00:51.840"/>
-  </p1510:revLst>
-</p1510:revInfo>
-</file>
-
-<file path=ppt/changesInfos/changesInfo1.xml><?xml version="1.0" encoding="utf-8"?>
-<pc:chgInfo xmlns:a="http://schemas.openxmlformats.org/drawingml/2006/main" xmlns:r="http://schemas.openxmlformats.org/officeDocument/2006/relationships" xmlns:ac="http://schemas.microsoft.com/office/drawing/2013/main/command" xmlns:pc="http://schemas.microsoft.com/office/powerpoint/2013/main/command">
-  <pc:docChgLst>
-    <pc:chgData name="chen haoyang" userId="niK/IELJMGzgTetCxr1vfFdbiWsRZGnu1AgUTsNDBs4=" providerId="None" clId="Web-{F19121AB-6071-4A1E-855A-CAEB85924B26}"/>
-    <pc:docChg chg="modSld">
-      <pc:chgData name="chen haoyang" userId="niK/IELJMGzgTetCxr1vfFdbiWsRZGnu1AgUTsNDBs4=" providerId="None" clId="Web-{F19121AB-6071-4A1E-855A-CAEB85924B26}" dt="2025-02-27T01:00:49.168" v="23" actId="20577"/>
-      <pc:docMkLst>
-        <pc:docMk/>
-      </pc:docMkLst>
-      <pc:sldChg chg="modSp">
-        <pc:chgData name="chen haoyang" userId="niK/IELJMGzgTetCxr1vfFdbiWsRZGnu1AgUTsNDBs4=" providerId="None" clId="Web-{F19121AB-6071-4A1E-855A-CAEB85924B26}" dt="2025-02-27T01:00:49.168" v="23" actId="20577"/>
-        <pc:sldMkLst>
-          <pc:docMk/>
-          <pc:sldMk cId="231423668" sldId="953"/>
-        </pc:sldMkLst>
-        <pc:spChg chg="mod">
-          <ac:chgData name="chen haoyang" userId="niK/IELJMGzgTetCxr1vfFdbiWsRZGnu1AgUTsNDBs4=" providerId="None" clId="Web-{F19121AB-6071-4A1E-855A-CAEB85924B26}" dt="2025-02-27T01:00:49.168" v="23" actId="20577"/>
-          <ac:spMkLst>
-            <pc:docMk/>
-            <pc:sldMk cId="231423668" sldId="953"/>
-            <ac:spMk id="5" creationId="{47DB40FD-CBFF-580B-7343-888E385540FB}"/>
-          </ac:spMkLst>
-        </pc:spChg>
-        <pc:spChg chg="mod">
-          <ac:chgData name="chen haoyang" userId="niK/IELJMGzgTetCxr1vfFdbiWsRZGnu1AgUTsNDBs4=" providerId="None" clId="Web-{F19121AB-6071-4A1E-855A-CAEB85924B26}" dt="2025-02-27T01:00:45.855" v="12" actId="1076"/>
-          <ac:spMkLst>
-            <pc:docMk/>
-            <pc:sldMk cId="231423668" sldId="953"/>
-            <ac:spMk id="7" creationId="{701B00B2-E49E-DF7F-8F76-00CA57E63417}"/>
-          </ac:spMkLst>
-        </pc:spChg>
-      </pc:sldChg>
-    </pc:docChg>
-  </pc:docChgLst>
-</pc:chgInfo>
 </file>
 
 <file path=ppt/notesMasters/notesMaster1.xml><?xml version="1.0" encoding="utf-8"?>
@@ -263,7 +212,6 @@
           <a:p>
             <a:fld id="{D7625DF9-4F9C-496A-85AE-54AE27EF2F77}" type="datetimeFigureOut">
               <a:rPr lang="zh-CN" altLang="en-US" smtClean="0"/>
-              <a:t>2025/4/17</a:t>
             </a:fld>
             <a:endParaRPr lang="zh-CN" altLang="en-US"/>
           </a:p>
@@ -330,6 +278,7 @@
               <a:rPr lang="zh-CN" altLang="en-US"/>
               <a:t>单击此处编辑母版文本样式</a:t>
             </a:r>
+            <a:endParaRPr lang="zh-CN" altLang="en-US"/>
           </a:p>
           <a:p>
             <a:pPr lvl="1"/>
@@ -337,6 +286,7 @@
               <a:rPr lang="zh-CN" altLang="en-US"/>
               <a:t>二级</a:t>
             </a:r>
+            <a:endParaRPr lang="zh-CN" altLang="en-US"/>
           </a:p>
           <a:p>
             <a:pPr lvl="2"/>
@@ -344,6 +294,7 @@
               <a:rPr lang="zh-CN" altLang="en-US"/>
               <a:t>三级</a:t>
             </a:r>
+            <a:endParaRPr lang="zh-CN" altLang="en-US"/>
           </a:p>
           <a:p>
             <a:pPr lvl="3"/>
@@ -351,6 +302,7 @@
               <a:rPr lang="zh-CN" altLang="en-US"/>
               <a:t>四级</a:t>
             </a:r>
+            <a:endParaRPr lang="zh-CN" altLang="en-US"/>
           </a:p>
           <a:p>
             <a:pPr lvl="4"/>
@@ -358,6 +310,7 @@
               <a:rPr lang="zh-CN" altLang="en-US"/>
               <a:t>五级</a:t>
             </a:r>
+            <a:endParaRPr lang="zh-CN" altLang="en-US"/>
           </a:p>
         </p:txBody>
       </p:sp>
@@ -421,18 +374,12 @@
           <a:p>
             <a:fld id="{A58C7A66-EA7B-4BF5-9B0A-C1BB8A9E91EE}" type="slidenum">
               <a:rPr lang="zh-CN" altLang="en-US" smtClean="0"/>
-              <a:t>‹#›</a:t>
             </a:fld>
             <a:endParaRPr lang="zh-CN" altLang="en-US"/>
           </a:p>
         </p:txBody>
       </p:sp>
     </p:spTree>
-    <p:extLst>
-      <p:ext uri="{BB962C8B-B14F-4D97-AF65-F5344CB8AC3E}">
-        <p14:creationId xmlns:p14="http://schemas.microsoft.com/office/powerpoint/2010/main" val="825485279"/>
-      </p:ext>
-    </p:extLst>
   </p:cSld>
   <p:clrMap bg1="lt1" tx1="dk1" bg2="lt2" tx2="dk2" accent1="accent1" accent2="accent2" accent3="accent3" accent4="accent4" accent5="accent5" accent6="accent6" hlink="hlink" folHlink="folHlink"/>
   <p:notesStyle>
@@ -661,7 +608,6 @@
           <a:p>
             <a:fld id="{FC40320B-963F-486A-9D71-2B422E455E82}" type="datetimeFigureOut">
               <a:rPr lang="zh-CN" altLang="en-US" smtClean="0"/>
-              <a:t>2025/4/17</a:t>
             </a:fld>
             <a:endParaRPr lang="zh-CN" altLang="en-US"/>
           </a:p>
@@ -703,18 +649,12 @@
           <a:p>
             <a:fld id="{A6CE31B6-BCCB-4E22-B4C3-EC07A1F94DB7}" type="slidenum">
               <a:rPr lang="zh-CN" altLang="en-US" smtClean="0"/>
-              <a:t>‹#›</a:t>
             </a:fld>
             <a:endParaRPr lang="zh-CN" altLang="en-US"/>
           </a:p>
         </p:txBody>
       </p:sp>
     </p:spTree>
-    <p:extLst>
-      <p:ext uri="{BB962C8B-B14F-4D97-AF65-F5344CB8AC3E}">
-        <p14:creationId xmlns:p14="http://schemas.microsoft.com/office/powerpoint/2010/main" val="1200803329"/>
-      </p:ext>
-    </p:extLst>
   </p:cSld>
   <p:clrMapOvr>
     <a:masterClrMapping/>
@@ -782,6 +722,7 @@
               <a:rPr lang="zh-CN" altLang="en-US"/>
               <a:t>单击此处编辑母版文本样式</a:t>
             </a:r>
+            <a:endParaRPr lang="zh-CN" altLang="en-US"/>
           </a:p>
           <a:p>
             <a:pPr lvl="1"/>
@@ -789,6 +730,7 @@
               <a:rPr lang="zh-CN" altLang="en-US"/>
               <a:t>二级</a:t>
             </a:r>
+            <a:endParaRPr lang="zh-CN" altLang="en-US"/>
           </a:p>
           <a:p>
             <a:pPr lvl="2"/>
@@ -796,6 +738,7 @@
               <a:rPr lang="zh-CN" altLang="en-US"/>
               <a:t>三级</a:t>
             </a:r>
+            <a:endParaRPr lang="zh-CN" altLang="en-US"/>
           </a:p>
           <a:p>
             <a:pPr lvl="3"/>
@@ -803,6 +746,7 @@
               <a:rPr lang="zh-CN" altLang="en-US"/>
               <a:t>四级</a:t>
             </a:r>
+            <a:endParaRPr lang="zh-CN" altLang="en-US"/>
           </a:p>
           <a:p>
             <a:pPr lvl="4"/>
@@ -831,7 +775,6 @@
           <a:p>
             <a:fld id="{FC40320B-963F-486A-9D71-2B422E455E82}" type="datetimeFigureOut">
               <a:rPr lang="zh-CN" altLang="en-US" smtClean="0"/>
-              <a:t>2025/4/17</a:t>
             </a:fld>
             <a:endParaRPr lang="zh-CN" altLang="en-US"/>
           </a:p>
@@ -873,18 +816,12 @@
           <a:p>
             <a:fld id="{A6CE31B6-BCCB-4E22-B4C3-EC07A1F94DB7}" type="slidenum">
               <a:rPr lang="zh-CN" altLang="en-US" smtClean="0"/>
-              <a:t>‹#›</a:t>
             </a:fld>
             <a:endParaRPr lang="zh-CN" altLang="en-US"/>
           </a:p>
         </p:txBody>
       </p:sp>
     </p:spTree>
-    <p:extLst>
-      <p:ext uri="{BB962C8B-B14F-4D97-AF65-F5344CB8AC3E}">
-        <p14:creationId xmlns:p14="http://schemas.microsoft.com/office/powerpoint/2010/main" val="4243872292"/>
-      </p:ext>
-    </p:extLst>
   </p:cSld>
   <p:clrMapOvr>
     <a:masterClrMapping/>
@@ -962,6 +899,7 @@
               <a:rPr lang="zh-CN" altLang="en-US"/>
               <a:t>单击此处编辑母版文本样式</a:t>
             </a:r>
+            <a:endParaRPr lang="zh-CN" altLang="en-US"/>
           </a:p>
           <a:p>
             <a:pPr lvl="1"/>
@@ -969,6 +907,7 @@
               <a:rPr lang="zh-CN" altLang="en-US"/>
               <a:t>二级</a:t>
             </a:r>
+            <a:endParaRPr lang="zh-CN" altLang="en-US"/>
           </a:p>
           <a:p>
             <a:pPr lvl="2"/>
@@ -976,6 +915,7 @@
               <a:rPr lang="zh-CN" altLang="en-US"/>
               <a:t>三级</a:t>
             </a:r>
+            <a:endParaRPr lang="zh-CN" altLang="en-US"/>
           </a:p>
           <a:p>
             <a:pPr lvl="3"/>
@@ -983,6 +923,7 @@
               <a:rPr lang="zh-CN" altLang="en-US"/>
               <a:t>四级</a:t>
             </a:r>
+            <a:endParaRPr lang="zh-CN" altLang="en-US"/>
           </a:p>
           <a:p>
             <a:pPr lvl="4"/>
@@ -1011,7 +952,6 @@
           <a:p>
             <a:fld id="{FC40320B-963F-486A-9D71-2B422E455E82}" type="datetimeFigureOut">
               <a:rPr lang="zh-CN" altLang="en-US" smtClean="0"/>
-              <a:t>2025/4/17</a:t>
             </a:fld>
             <a:endParaRPr lang="zh-CN" altLang="en-US"/>
           </a:p>
@@ -1053,18 +993,12 @@
           <a:p>
             <a:fld id="{A6CE31B6-BCCB-4E22-B4C3-EC07A1F94DB7}" type="slidenum">
               <a:rPr lang="zh-CN" altLang="en-US" smtClean="0"/>
-              <a:t>‹#›</a:t>
             </a:fld>
             <a:endParaRPr lang="zh-CN" altLang="en-US"/>
           </a:p>
         </p:txBody>
       </p:sp>
     </p:spTree>
-    <p:extLst>
-      <p:ext uri="{BB962C8B-B14F-4D97-AF65-F5344CB8AC3E}">
-        <p14:creationId xmlns:p14="http://schemas.microsoft.com/office/powerpoint/2010/main" val="2827739978"/>
-      </p:ext>
-    </p:extLst>
   </p:cSld>
   <p:clrMapOvr>
     <a:masterClrMapping/>
@@ -1132,6 +1066,7 @@
               <a:rPr lang="zh-CN" altLang="en-US"/>
               <a:t>单击此处编辑母版文本样式</a:t>
             </a:r>
+            <a:endParaRPr lang="zh-CN" altLang="en-US"/>
           </a:p>
           <a:p>
             <a:pPr lvl="1"/>
@@ -1139,6 +1074,7 @@
               <a:rPr lang="zh-CN" altLang="en-US"/>
               <a:t>二级</a:t>
             </a:r>
+            <a:endParaRPr lang="zh-CN" altLang="en-US"/>
           </a:p>
           <a:p>
             <a:pPr lvl="2"/>
@@ -1146,6 +1082,7 @@
               <a:rPr lang="zh-CN" altLang="en-US"/>
               <a:t>三级</a:t>
             </a:r>
+            <a:endParaRPr lang="zh-CN" altLang="en-US"/>
           </a:p>
           <a:p>
             <a:pPr lvl="3"/>
@@ -1153,6 +1090,7 @@
               <a:rPr lang="zh-CN" altLang="en-US"/>
               <a:t>四级</a:t>
             </a:r>
+            <a:endParaRPr lang="zh-CN" altLang="en-US"/>
           </a:p>
           <a:p>
             <a:pPr lvl="4"/>
@@ -1181,7 +1119,6 @@
           <a:p>
             <a:fld id="{FC40320B-963F-486A-9D71-2B422E455E82}" type="datetimeFigureOut">
               <a:rPr lang="zh-CN" altLang="en-US" smtClean="0"/>
-              <a:t>2025/4/17</a:t>
             </a:fld>
             <a:endParaRPr lang="zh-CN" altLang="en-US"/>
           </a:p>
@@ -1223,18 +1160,12 @@
           <a:p>
             <a:fld id="{A6CE31B6-BCCB-4E22-B4C3-EC07A1F94DB7}" type="slidenum">
               <a:rPr lang="zh-CN" altLang="en-US" smtClean="0"/>
-              <a:t>‹#›</a:t>
             </a:fld>
             <a:endParaRPr lang="zh-CN" altLang="en-US"/>
           </a:p>
         </p:txBody>
       </p:sp>
     </p:spTree>
-    <p:extLst>
-      <p:ext uri="{BB962C8B-B14F-4D97-AF65-F5344CB8AC3E}">
-        <p14:creationId xmlns:p14="http://schemas.microsoft.com/office/powerpoint/2010/main" val="2978141136"/>
-      </p:ext>
-    </p:extLst>
   </p:cSld>
   <p:clrMapOvr>
     <a:masterClrMapping/>
@@ -1407,6 +1338,7 @@
               <a:rPr lang="zh-CN" altLang="en-US"/>
               <a:t>单击此处编辑母版文本样式</a:t>
             </a:r>
+            <a:endParaRPr lang="zh-CN" altLang="en-US"/>
           </a:p>
         </p:txBody>
       </p:sp>
@@ -1427,7 +1359,6 @@
           <a:p>
             <a:fld id="{FC40320B-963F-486A-9D71-2B422E455E82}" type="datetimeFigureOut">
               <a:rPr lang="zh-CN" altLang="en-US" smtClean="0"/>
-              <a:t>2025/4/17</a:t>
             </a:fld>
             <a:endParaRPr lang="zh-CN" altLang="en-US"/>
           </a:p>
@@ -1469,18 +1400,12 @@
           <a:p>
             <a:fld id="{A6CE31B6-BCCB-4E22-B4C3-EC07A1F94DB7}" type="slidenum">
               <a:rPr lang="zh-CN" altLang="en-US" smtClean="0"/>
-              <a:t>‹#›</a:t>
             </a:fld>
             <a:endParaRPr lang="zh-CN" altLang="en-US"/>
           </a:p>
         </p:txBody>
       </p:sp>
     </p:spTree>
-    <p:extLst>
-      <p:ext uri="{BB962C8B-B14F-4D97-AF65-F5344CB8AC3E}">
-        <p14:creationId xmlns:p14="http://schemas.microsoft.com/office/powerpoint/2010/main" val="2007963769"/>
-      </p:ext>
-    </p:extLst>
   </p:cSld>
   <p:clrMapOvr>
     <a:masterClrMapping/>
@@ -1553,6 +1478,7 @@
               <a:rPr lang="zh-CN" altLang="en-US"/>
               <a:t>单击此处编辑母版文本样式</a:t>
             </a:r>
+            <a:endParaRPr lang="zh-CN" altLang="en-US"/>
           </a:p>
           <a:p>
             <a:pPr lvl="1"/>
@@ -1560,6 +1486,7 @@
               <a:rPr lang="zh-CN" altLang="en-US"/>
               <a:t>二级</a:t>
             </a:r>
+            <a:endParaRPr lang="zh-CN" altLang="en-US"/>
           </a:p>
           <a:p>
             <a:pPr lvl="2"/>
@@ -1567,6 +1494,7 @@
               <a:rPr lang="zh-CN" altLang="en-US"/>
               <a:t>三级</a:t>
             </a:r>
+            <a:endParaRPr lang="zh-CN" altLang="en-US"/>
           </a:p>
           <a:p>
             <a:pPr lvl="3"/>
@@ -1574,6 +1502,7 @@
               <a:rPr lang="zh-CN" altLang="en-US"/>
               <a:t>四级</a:t>
             </a:r>
+            <a:endParaRPr lang="zh-CN" altLang="en-US"/>
           </a:p>
           <a:p>
             <a:pPr lvl="4"/>
@@ -1610,6 +1539,7 @@
               <a:rPr lang="zh-CN" altLang="en-US"/>
               <a:t>单击此处编辑母版文本样式</a:t>
             </a:r>
+            <a:endParaRPr lang="zh-CN" altLang="en-US"/>
           </a:p>
           <a:p>
             <a:pPr lvl="1"/>
@@ -1617,6 +1547,7 @@
               <a:rPr lang="zh-CN" altLang="en-US"/>
               <a:t>二级</a:t>
             </a:r>
+            <a:endParaRPr lang="zh-CN" altLang="en-US"/>
           </a:p>
           <a:p>
             <a:pPr lvl="2"/>
@@ -1624,6 +1555,7 @@
               <a:rPr lang="zh-CN" altLang="en-US"/>
               <a:t>三级</a:t>
             </a:r>
+            <a:endParaRPr lang="zh-CN" altLang="en-US"/>
           </a:p>
           <a:p>
             <a:pPr lvl="3"/>
@@ -1631,6 +1563,7 @@
               <a:rPr lang="zh-CN" altLang="en-US"/>
               <a:t>四级</a:t>
             </a:r>
+            <a:endParaRPr lang="zh-CN" altLang="en-US"/>
           </a:p>
           <a:p>
             <a:pPr lvl="4"/>
@@ -1659,7 +1592,6 @@
           <a:p>
             <a:fld id="{FC40320B-963F-486A-9D71-2B422E455E82}" type="datetimeFigureOut">
               <a:rPr lang="zh-CN" altLang="en-US" smtClean="0"/>
-              <a:t>2025/4/17</a:t>
             </a:fld>
             <a:endParaRPr lang="zh-CN" altLang="en-US"/>
           </a:p>
@@ -1701,18 +1633,12 @@
           <a:p>
             <a:fld id="{A6CE31B6-BCCB-4E22-B4C3-EC07A1F94DB7}" type="slidenum">
               <a:rPr lang="zh-CN" altLang="en-US" smtClean="0"/>
-              <a:t>‹#›</a:t>
             </a:fld>
             <a:endParaRPr lang="zh-CN" altLang="en-US"/>
           </a:p>
         </p:txBody>
       </p:sp>
     </p:spTree>
-    <p:extLst>
-      <p:ext uri="{BB962C8B-B14F-4D97-AF65-F5344CB8AC3E}">
-        <p14:creationId xmlns:p14="http://schemas.microsoft.com/office/powerpoint/2010/main" val="1429201164"/>
-      </p:ext>
-    </p:extLst>
   </p:cSld>
   <p:clrMapOvr>
     <a:masterClrMapping/>
@@ -1827,6 +1753,7 @@
               <a:rPr lang="zh-CN" altLang="en-US"/>
               <a:t>单击此处编辑母版文本样式</a:t>
             </a:r>
+            <a:endParaRPr lang="zh-CN" altLang="en-US"/>
           </a:p>
         </p:txBody>
       </p:sp>
@@ -1855,6 +1782,7 @@
               <a:rPr lang="zh-CN" altLang="en-US"/>
               <a:t>单击此处编辑母版文本样式</a:t>
             </a:r>
+            <a:endParaRPr lang="zh-CN" altLang="en-US"/>
           </a:p>
           <a:p>
             <a:pPr lvl="1"/>
@@ -1862,6 +1790,7 @@
               <a:rPr lang="zh-CN" altLang="en-US"/>
               <a:t>二级</a:t>
             </a:r>
+            <a:endParaRPr lang="zh-CN" altLang="en-US"/>
           </a:p>
           <a:p>
             <a:pPr lvl="2"/>
@@ -1869,6 +1798,7 @@
               <a:rPr lang="zh-CN" altLang="en-US"/>
               <a:t>三级</a:t>
             </a:r>
+            <a:endParaRPr lang="zh-CN" altLang="en-US"/>
           </a:p>
           <a:p>
             <a:pPr lvl="3"/>
@@ -1876,6 +1806,7 @@
               <a:rPr lang="zh-CN" altLang="en-US"/>
               <a:t>四级</a:t>
             </a:r>
+            <a:endParaRPr lang="zh-CN" altLang="en-US"/>
           </a:p>
           <a:p>
             <a:pPr lvl="4"/>
@@ -1949,6 +1880,7 @@
               <a:rPr lang="zh-CN" altLang="en-US"/>
               <a:t>单击此处编辑母版文本样式</a:t>
             </a:r>
+            <a:endParaRPr lang="zh-CN" altLang="en-US"/>
           </a:p>
         </p:txBody>
       </p:sp>
@@ -1977,6 +1909,7 @@
               <a:rPr lang="zh-CN" altLang="en-US"/>
               <a:t>单击此处编辑母版文本样式</a:t>
             </a:r>
+            <a:endParaRPr lang="zh-CN" altLang="en-US"/>
           </a:p>
           <a:p>
             <a:pPr lvl="1"/>
@@ -1984,6 +1917,7 @@
               <a:rPr lang="zh-CN" altLang="en-US"/>
               <a:t>二级</a:t>
             </a:r>
+            <a:endParaRPr lang="zh-CN" altLang="en-US"/>
           </a:p>
           <a:p>
             <a:pPr lvl="2"/>
@@ -1991,6 +1925,7 @@
               <a:rPr lang="zh-CN" altLang="en-US"/>
               <a:t>三级</a:t>
             </a:r>
+            <a:endParaRPr lang="zh-CN" altLang="en-US"/>
           </a:p>
           <a:p>
             <a:pPr lvl="3"/>
@@ -1998,6 +1933,7 @@
               <a:rPr lang="zh-CN" altLang="en-US"/>
               <a:t>四级</a:t>
             </a:r>
+            <a:endParaRPr lang="zh-CN" altLang="en-US"/>
           </a:p>
           <a:p>
             <a:pPr lvl="4"/>
@@ -2026,7 +1962,6 @@
           <a:p>
             <a:fld id="{FC40320B-963F-486A-9D71-2B422E455E82}" type="datetimeFigureOut">
               <a:rPr lang="zh-CN" altLang="en-US" smtClean="0"/>
-              <a:t>2025/4/17</a:t>
             </a:fld>
             <a:endParaRPr lang="zh-CN" altLang="en-US"/>
           </a:p>
@@ -2068,18 +2003,12 @@
           <a:p>
             <a:fld id="{A6CE31B6-BCCB-4E22-B4C3-EC07A1F94DB7}" type="slidenum">
               <a:rPr lang="zh-CN" altLang="en-US" smtClean="0"/>
-              <a:t>‹#›</a:t>
             </a:fld>
             <a:endParaRPr lang="zh-CN" altLang="en-US"/>
           </a:p>
         </p:txBody>
       </p:sp>
     </p:spTree>
-    <p:extLst>
-      <p:ext uri="{BB962C8B-B14F-4D97-AF65-F5344CB8AC3E}">
-        <p14:creationId xmlns:p14="http://schemas.microsoft.com/office/powerpoint/2010/main" val="102628383"/>
-      </p:ext>
-    </p:extLst>
   </p:cSld>
   <p:clrMapOvr>
     <a:masterClrMapping/>
@@ -2144,7 +2073,6 @@
           <a:p>
             <a:fld id="{FC40320B-963F-486A-9D71-2B422E455E82}" type="datetimeFigureOut">
               <a:rPr lang="zh-CN" altLang="en-US" smtClean="0"/>
-              <a:t>2025/4/17</a:t>
             </a:fld>
             <a:endParaRPr lang="zh-CN" altLang="en-US"/>
           </a:p>
@@ -2186,18 +2114,12 @@
           <a:p>
             <a:fld id="{A6CE31B6-BCCB-4E22-B4C3-EC07A1F94DB7}" type="slidenum">
               <a:rPr lang="zh-CN" altLang="en-US" smtClean="0"/>
-              <a:t>‹#›</a:t>
             </a:fld>
             <a:endParaRPr lang="zh-CN" altLang="en-US"/>
           </a:p>
         </p:txBody>
       </p:sp>
     </p:spTree>
-    <p:extLst>
-      <p:ext uri="{BB962C8B-B14F-4D97-AF65-F5344CB8AC3E}">
-        <p14:creationId xmlns:p14="http://schemas.microsoft.com/office/powerpoint/2010/main" val="3590677501"/>
-      </p:ext>
-    </p:extLst>
   </p:cSld>
   <p:clrMapOvr>
     <a:masterClrMapping/>
@@ -2239,7 +2161,6 @@
           <a:p>
             <a:fld id="{FC40320B-963F-486A-9D71-2B422E455E82}" type="datetimeFigureOut">
               <a:rPr lang="zh-CN" altLang="en-US" smtClean="0"/>
-              <a:t>2025/4/17</a:t>
             </a:fld>
             <a:endParaRPr lang="zh-CN" altLang="en-US"/>
           </a:p>
@@ -2281,18 +2202,12 @@
           <a:p>
             <a:fld id="{A6CE31B6-BCCB-4E22-B4C3-EC07A1F94DB7}" type="slidenum">
               <a:rPr lang="zh-CN" altLang="en-US" smtClean="0"/>
-              <a:t>‹#›</a:t>
             </a:fld>
             <a:endParaRPr lang="zh-CN" altLang="en-US"/>
           </a:p>
         </p:txBody>
       </p:sp>
     </p:spTree>
-    <p:extLst>
-      <p:ext uri="{BB962C8B-B14F-4D97-AF65-F5344CB8AC3E}">
-        <p14:creationId xmlns:p14="http://schemas.microsoft.com/office/powerpoint/2010/main" val="178904956"/>
-      </p:ext>
-    </p:extLst>
   </p:cSld>
   <p:clrMapOvr>
     <a:masterClrMapping/>
@@ -2402,6 +2317,7 @@
               <a:rPr lang="zh-CN" altLang="en-US"/>
               <a:t>单击此处编辑母版文本样式</a:t>
             </a:r>
+            <a:endParaRPr lang="zh-CN" altLang="en-US"/>
           </a:p>
           <a:p>
             <a:pPr lvl="1"/>
@@ -2409,6 +2325,7 @@
               <a:rPr lang="zh-CN" altLang="en-US"/>
               <a:t>二级</a:t>
             </a:r>
+            <a:endParaRPr lang="zh-CN" altLang="en-US"/>
           </a:p>
           <a:p>
             <a:pPr lvl="2"/>
@@ -2416,6 +2333,7 @@
               <a:rPr lang="zh-CN" altLang="en-US"/>
               <a:t>三级</a:t>
             </a:r>
+            <a:endParaRPr lang="zh-CN" altLang="en-US"/>
           </a:p>
           <a:p>
             <a:pPr lvl="3"/>
@@ -2423,6 +2341,7 @@
               <a:rPr lang="zh-CN" altLang="en-US"/>
               <a:t>四级</a:t>
             </a:r>
+            <a:endParaRPr lang="zh-CN" altLang="en-US"/>
           </a:p>
           <a:p>
             <a:pPr lvl="4"/>
@@ -2496,6 +2415,7 @@
               <a:rPr lang="zh-CN" altLang="en-US"/>
               <a:t>单击此处编辑母版文本样式</a:t>
             </a:r>
+            <a:endParaRPr lang="zh-CN" altLang="en-US"/>
           </a:p>
         </p:txBody>
       </p:sp>
@@ -2516,7 +2436,6 @@
           <a:p>
             <a:fld id="{FC40320B-963F-486A-9D71-2B422E455E82}" type="datetimeFigureOut">
               <a:rPr lang="zh-CN" altLang="en-US" smtClean="0"/>
-              <a:t>2025/4/17</a:t>
             </a:fld>
             <a:endParaRPr lang="zh-CN" altLang="en-US"/>
           </a:p>
@@ -2558,18 +2477,12 @@
           <a:p>
             <a:fld id="{A6CE31B6-BCCB-4E22-B4C3-EC07A1F94DB7}" type="slidenum">
               <a:rPr lang="zh-CN" altLang="en-US" smtClean="0"/>
-              <a:t>‹#›</a:t>
             </a:fld>
             <a:endParaRPr lang="zh-CN" altLang="en-US"/>
           </a:p>
         </p:txBody>
       </p:sp>
     </p:spTree>
-    <p:extLst>
-      <p:ext uri="{BB962C8B-B14F-4D97-AF65-F5344CB8AC3E}">
-        <p14:creationId xmlns:p14="http://schemas.microsoft.com/office/powerpoint/2010/main" val="3746255794"/>
-      </p:ext>
-    </p:extLst>
   </p:cSld>
   <p:clrMapOvr>
     <a:masterClrMapping/>
@@ -2753,6 +2666,7 @@
               <a:rPr lang="zh-CN" altLang="en-US"/>
               <a:t>单击此处编辑母版文本样式</a:t>
             </a:r>
+            <a:endParaRPr lang="zh-CN" altLang="en-US"/>
           </a:p>
         </p:txBody>
       </p:sp>
@@ -2773,7 +2687,6 @@
           <a:p>
             <a:fld id="{FC40320B-963F-486A-9D71-2B422E455E82}" type="datetimeFigureOut">
               <a:rPr lang="zh-CN" altLang="en-US" smtClean="0"/>
-              <a:t>2025/4/17</a:t>
             </a:fld>
             <a:endParaRPr lang="zh-CN" altLang="en-US"/>
           </a:p>
@@ -2815,18 +2728,12 @@
           <a:p>
             <a:fld id="{A6CE31B6-BCCB-4E22-B4C3-EC07A1F94DB7}" type="slidenum">
               <a:rPr lang="zh-CN" altLang="en-US" smtClean="0"/>
-              <a:t>‹#›</a:t>
             </a:fld>
             <a:endParaRPr lang="zh-CN" altLang="en-US"/>
           </a:p>
         </p:txBody>
       </p:sp>
     </p:spTree>
-    <p:extLst>
-      <p:ext uri="{BB962C8B-B14F-4D97-AF65-F5344CB8AC3E}">
-        <p14:creationId xmlns:p14="http://schemas.microsoft.com/office/powerpoint/2010/main" val="2653716593"/>
-      </p:ext>
-    </p:extLst>
   </p:cSld>
   <p:clrMapOvr>
     <a:masterClrMapping/>
@@ -2919,6 +2826,7 @@
               <a:rPr lang="zh-CN" altLang="en-US"/>
               <a:t>单击此处编辑母版文本样式</a:t>
             </a:r>
+            <a:endParaRPr lang="zh-CN" altLang="en-US"/>
           </a:p>
           <a:p>
             <a:pPr lvl="1"/>
@@ -2926,6 +2834,7 @@
               <a:rPr lang="zh-CN" altLang="en-US"/>
               <a:t>二级</a:t>
             </a:r>
+            <a:endParaRPr lang="zh-CN" altLang="en-US"/>
           </a:p>
           <a:p>
             <a:pPr lvl="2"/>
@@ -2933,6 +2842,7 @@
               <a:rPr lang="zh-CN" altLang="en-US"/>
               <a:t>三级</a:t>
             </a:r>
+            <a:endParaRPr lang="zh-CN" altLang="en-US"/>
           </a:p>
           <a:p>
             <a:pPr lvl="3"/>
@@ -2940,6 +2850,7 @@
               <a:rPr lang="zh-CN" altLang="en-US"/>
               <a:t>四级</a:t>
             </a:r>
+            <a:endParaRPr lang="zh-CN" altLang="en-US"/>
           </a:p>
           <a:p>
             <a:pPr lvl="4"/>
@@ -2986,7 +2897,6 @@
           <a:p>
             <a:fld id="{FC40320B-963F-486A-9D71-2B422E455E82}" type="datetimeFigureOut">
               <a:rPr lang="zh-CN" altLang="en-US" smtClean="0"/>
-              <a:t>2025/4/17</a:t>
             </a:fld>
             <a:endParaRPr lang="zh-CN" altLang="en-US"/>
           </a:p>
@@ -3064,32 +2974,26 @@
           <a:p>
             <a:fld id="{A6CE31B6-BCCB-4E22-B4C3-EC07A1F94DB7}" type="slidenum">
               <a:rPr lang="zh-CN" altLang="en-US" smtClean="0"/>
-              <a:t>‹#›</a:t>
             </a:fld>
             <a:endParaRPr lang="zh-CN" altLang="en-US"/>
           </a:p>
         </p:txBody>
       </p:sp>
     </p:spTree>
-    <p:extLst>
-      <p:ext uri="{BB962C8B-B14F-4D97-AF65-F5344CB8AC3E}">
-        <p14:creationId xmlns:p14="http://schemas.microsoft.com/office/powerpoint/2010/main" val="3141836213"/>
-      </p:ext>
-    </p:extLst>
   </p:cSld>
   <p:clrMap bg1="lt1" tx1="dk1" bg2="lt2" tx2="dk2" accent1="accent1" accent2="accent2" accent3="accent3" accent4="accent4" accent5="accent5" accent6="accent6" hlink="hlink" folHlink="folHlink"/>
   <p:sldLayoutIdLst>
-    <p:sldLayoutId id="2147483661" r:id="rId1"/>
-    <p:sldLayoutId id="2147483662" r:id="rId2"/>
-    <p:sldLayoutId id="2147483663" r:id="rId3"/>
-    <p:sldLayoutId id="2147483664" r:id="rId4"/>
-    <p:sldLayoutId id="2147483665" r:id="rId5"/>
-    <p:sldLayoutId id="2147483666" r:id="rId6"/>
-    <p:sldLayoutId id="2147483667" r:id="rId7"/>
-    <p:sldLayoutId id="2147483668" r:id="rId8"/>
-    <p:sldLayoutId id="2147483669" r:id="rId9"/>
-    <p:sldLayoutId id="2147483670" r:id="rId10"/>
-    <p:sldLayoutId id="2147483671" r:id="rId11"/>
+    <p:sldLayoutId id="2147483649" r:id="rId1"/>
+    <p:sldLayoutId id="2147483650" r:id="rId2"/>
+    <p:sldLayoutId id="2147483651" r:id="rId3"/>
+    <p:sldLayoutId id="2147483652" r:id="rId4"/>
+    <p:sldLayoutId id="2147483653" r:id="rId5"/>
+    <p:sldLayoutId id="2147483654" r:id="rId6"/>
+    <p:sldLayoutId id="2147483655" r:id="rId7"/>
+    <p:sldLayoutId id="2147483656" r:id="rId8"/>
+    <p:sldLayoutId id="2147483657" r:id="rId9"/>
+    <p:sldLayoutId id="2147483658" r:id="rId10"/>
+    <p:sldLayoutId id="2147483659" r:id="rId11"/>
   </p:sldLayoutIdLst>
   <p:txStyles>
     <p:titleStyle>
@@ -3393,13 +3297,7 @@
       </p:grpSpPr>
       <p:sp>
         <p:nvSpPr>
-          <p:cNvPr id="4" name="Title 17">
-            <a:extLst>
-              <a:ext uri="{FF2B5EF4-FFF2-40B4-BE49-F238E27FC236}">
-                <a16:creationId xmlns:a16="http://schemas.microsoft.com/office/drawing/2014/main" id="{8E9958B0-039D-435C-B6EA-45698465CAD1}"/>
-              </a:ext>
-            </a:extLst>
-          </p:cNvPr>
+          <p:cNvPr id="4" name="Title 17"/>
           <p:cNvSpPr>
             <a:spLocks noGrp="1"/>
           </p:cNvSpPr>
@@ -3411,8 +3309,8 @@
         </p:nvSpPr>
         <p:spPr>
           <a:xfrm>
-            <a:off x="1852045" y="1208589"/>
-            <a:ext cx="8389477" cy="1931234"/>
+            <a:off x="1054879" y="2428451"/>
+            <a:ext cx="10082247" cy="833562"/>
           </a:xfrm>
           <a:prstGeom prst="rect">
             <a:avLst/>
@@ -3445,9 +3343,9 @@
           </a:lstStyle>
           <a:p>
             <a:pPr algn="ctr">
-              <a:lnSpc>
-                <a:spcPct val="150000"/>
-              </a:lnSpc>
+              <a:spcAft>
+                <a:spcPts val="1200"/>
+              </a:spcAft>
             </a:pPr>
             <a:r>
               <a:rPr lang="zh-CN" altLang="en-US" sz="4800" spc="0" dirty="0">
@@ -3463,12 +3361,12 @@
                 </a:effectLst>
                 <a:latin typeface="Arial" panose="020B0604020202020204" pitchFamily="34" charset="0"/>
                 <a:ea typeface="黑体" panose="02010609060101010101" pitchFamily="49" charset="-122"/>
-                <a:cs typeface="Times New Roman" panose="02020603050405020304" pitchFamily="18" charset="0"/>
+                <a:cs typeface="微软雅黑" panose="020B0503020204020204" charset="-122"/>
                 <a:sym typeface="+mn-ea"/>
               </a:rPr>
-              <a:t>现代密码学实验</a:t>
-            </a:r>
-            <a:endParaRPr lang="en-US" altLang="zh-CN" sz="6000" spc="0" dirty="0">
+              <a:t>第一章：现代密码学介绍和古典密码</a:t>
+            </a:r>
+            <a:endParaRPr lang="en-US" altLang="zh-CN" spc="0" dirty="0">
               <a:solidFill>
                 <a:schemeClr val="tx1"/>
               </a:solidFill>
@@ -3481,49 +3379,7 @@
               </a:effectLst>
               <a:latin typeface="Arial" panose="020B0604020202020204" pitchFamily="34" charset="0"/>
               <a:ea typeface="黑体" panose="02010609060101010101" pitchFamily="49" charset="-122"/>
-              <a:cs typeface="Times New Roman" panose="02020603050405020304" pitchFamily="18" charset="0"/>
-              <a:sym typeface="+mn-ea"/>
-            </a:endParaRPr>
-          </a:p>
-          <a:p>
-            <a:pPr algn="ctr">
-              <a:lnSpc>
-                <a:spcPct val="150000"/>
-              </a:lnSpc>
-            </a:pPr>
-            <a:r>
-              <a:rPr lang="en-US" altLang="zh-CN" sz="3600" spc="0" dirty="0">
-                <a:solidFill>
-                  <a:schemeClr val="tx1"/>
-                </a:solidFill>
-                <a:effectLst>
-                  <a:outerShdw blurRad="38100" dist="38100" dir="2700000" algn="tl">
-                    <a:srgbClr val="000000">
-                      <a:alpha val="43137"/>
-                    </a:srgbClr>
-                  </a:outerShdw>
-                </a:effectLst>
-                <a:latin typeface="Arial" panose="020B0604020202020204" pitchFamily="34" charset="0"/>
-                <a:ea typeface="黑体" panose="02010609060101010101" pitchFamily="49" charset="-122"/>
-                <a:cs typeface="Times New Roman" panose="02020603050405020304" pitchFamily="18" charset="0"/>
-                <a:sym typeface="+mn-ea"/>
-              </a:rPr>
-              <a:t>Applications of Modern Cryptography</a:t>
-            </a:r>
-            <a:endParaRPr sz="3600" spc="0" dirty="0">
-              <a:solidFill>
-                <a:schemeClr val="tx1"/>
-              </a:solidFill>
-              <a:effectLst>
-                <a:outerShdw blurRad="38100" dist="38100" dir="2700000" algn="tl">
-                  <a:srgbClr val="000000">
-                    <a:alpha val="43137"/>
-                  </a:srgbClr>
-                </a:outerShdw>
-              </a:effectLst>
-              <a:latin typeface="Arial" panose="020B0604020202020204" pitchFamily="34" charset="0"/>
-              <a:ea typeface="黑体" panose="02010609060101010101" pitchFamily="49" charset="-122"/>
-              <a:cs typeface="Times New Roman" panose="02020603050405020304" pitchFamily="18" charset="0"/>
+              <a:cs typeface="微软雅黑" panose="020B0503020204020204" charset="-122"/>
               <a:sym typeface="+mn-ea"/>
             </a:endParaRPr>
           </a:p>
@@ -3531,131 +3387,7 @@
       </p:sp>
       <p:sp>
         <p:nvSpPr>
-          <p:cNvPr id="5" name="文本框 4">
-            <a:extLst>
-              <a:ext uri="{FF2B5EF4-FFF2-40B4-BE49-F238E27FC236}">
-                <a16:creationId xmlns:a16="http://schemas.microsoft.com/office/drawing/2014/main" id="{93CA62A6-C326-41FE-B065-54E39588C6C5}"/>
-              </a:ext>
-            </a:extLst>
-          </p:cNvPr>
-          <p:cNvSpPr txBox="1"/>
-          <p:nvPr/>
-        </p:nvSpPr>
-        <p:spPr>
-          <a:xfrm>
-            <a:off x="3625027" y="3718178"/>
-            <a:ext cx="5551520" cy="1128579"/>
-          </a:xfrm>
-          <a:prstGeom prst="rect">
-            <a:avLst/>
-          </a:prstGeom>
-          <a:noFill/>
-        </p:spPr>
-        <p:txBody>
-          <a:bodyPr wrap="none" rtlCol="0">
-            <a:spAutoFit/>
-          </a:bodyPr>
-          <a:lstStyle/>
-          <a:p>
-            <a:pPr>
-              <a:lnSpc>
-                <a:spcPct val="150000"/>
-              </a:lnSpc>
-            </a:pPr>
-            <a:r>
-              <a:rPr lang="zh-CN" altLang="en-US" sz="2400" b="1" dirty="0">
-                <a:latin typeface="Arial" panose="020B0604020202020204" pitchFamily="34" charset="0"/>
-                <a:ea typeface="黑体" panose="02010609060101010101" pitchFamily="49" charset="-122"/>
-                <a:cs typeface="Times New Roman" panose="02020603050405020304" pitchFamily="18" charset="0"/>
-              </a:rPr>
-              <a:t>主讲教师：戴望辰</a:t>
-            </a:r>
-            <a:endParaRPr lang="en-US" altLang="zh-CN" sz="2400" b="1" dirty="0">
-              <a:latin typeface="Arial" panose="020B0604020202020204" pitchFamily="34" charset="0"/>
-              <a:ea typeface="黑体" panose="02010609060101010101" pitchFamily="49" charset="-122"/>
-              <a:cs typeface="Times New Roman" panose="02020603050405020304" pitchFamily="18" charset="0"/>
-            </a:endParaRPr>
-          </a:p>
-          <a:p>
-            <a:pPr>
-              <a:lnSpc>
-                <a:spcPct val="150000"/>
-              </a:lnSpc>
-            </a:pPr>
-            <a:r>
-              <a:rPr lang="zh-CN" altLang="en-US" sz="2400" b="1" dirty="0">
-                <a:latin typeface="Arial" panose="020B0604020202020204" pitchFamily="34" charset="0"/>
-                <a:ea typeface="黑体" panose="02010609060101010101" pitchFamily="49" charset="-122"/>
-                <a:cs typeface="Times New Roman" panose="02020603050405020304" pitchFamily="18" charset="0"/>
-              </a:rPr>
-              <a:t>电子邮件：</a:t>
-            </a:r>
-            <a:r>
-              <a:rPr lang="en-US" altLang="zh-CN" sz="2400" b="1" dirty="0">
-                <a:latin typeface="Arial" panose="020B0604020202020204" pitchFamily="34" charset="0"/>
-                <a:ea typeface="黑体" panose="02010609060101010101" pitchFamily="49" charset="-122"/>
-                <a:cs typeface="Times New Roman" panose="02020603050405020304" pitchFamily="18" charset="0"/>
-              </a:rPr>
-              <a:t>daiwch@mail.sysu.edu.cn</a:t>
-            </a:r>
-          </a:p>
-        </p:txBody>
-      </p:sp>
-      <p:sp>
-        <p:nvSpPr>
-          <p:cNvPr id="6" name="文本框 5">
-            <a:extLst>
-              <a:ext uri="{FF2B5EF4-FFF2-40B4-BE49-F238E27FC236}">
-                <a16:creationId xmlns:a16="http://schemas.microsoft.com/office/drawing/2014/main" id="{9D83ED0D-1812-4F1C-963E-BDD76DAB2AF0}"/>
-              </a:ext>
-            </a:extLst>
-          </p:cNvPr>
-          <p:cNvSpPr txBox="1"/>
-          <p:nvPr/>
-        </p:nvSpPr>
-        <p:spPr>
-          <a:xfrm>
-            <a:off x="4971327" y="6338858"/>
-            <a:ext cx="2249334" cy="400110"/>
-          </a:xfrm>
-          <a:prstGeom prst="rect">
-            <a:avLst/>
-          </a:prstGeom>
-          <a:noFill/>
-        </p:spPr>
-        <p:txBody>
-          <a:bodyPr wrap="none" rtlCol="0">
-            <a:spAutoFit/>
-          </a:bodyPr>
-          <a:lstStyle/>
-          <a:p>
-            <a:pPr>
-              <a:spcBef>
-                <a:spcPct val="50000"/>
-              </a:spcBef>
-            </a:pPr>
-            <a:r>
-              <a:rPr lang="zh-CN" altLang="en-US" sz="2000" b="1" dirty="0">
-                <a:solidFill>
-                  <a:srgbClr val="006600"/>
-                </a:solidFill>
-                <a:latin typeface="Arial" panose="020B0604020202020204" pitchFamily="34" charset="0"/>
-                <a:ea typeface="黑体" panose="02010609060101010101" pitchFamily="49" charset="-122"/>
-              </a:rPr>
-              <a:t>网络空间安全学院</a:t>
-            </a:r>
-          </a:p>
-        </p:txBody>
-      </p:sp>
-      <p:sp>
-        <p:nvSpPr>
-          <p:cNvPr id="3" name="灯片编号占位符 2">
-            <a:extLst>
-              <a:ext uri="{FF2B5EF4-FFF2-40B4-BE49-F238E27FC236}">
-                <a16:creationId xmlns:a16="http://schemas.microsoft.com/office/drawing/2014/main" id="{53D6B380-C42E-47CD-BCA8-CC70511F521E}"/>
-              </a:ext>
-            </a:extLst>
-          </p:cNvPr>
+          <p:cNvPr id="3" name="灯片编号占位符 2"/>
           <p:cNvSpPr>
             <a:spLocks noGrp="1"/>
           </p:cNvSpPr>
@@ -3673,75 +3405,15 @@
                 <a:latin typeface="Arial" panose="020B0604020202020204" pitchFamily="34" charset="0"/>
                 <a:ea typeface="黑体" panose="02010609060101010101" pitchFamily="49" charset="-122"/>
               </a:rPr>
-              <a:t>1</a:t>
             </a:fld>
-            <a:endParaRPr lang="zh-CN" altLang="en-US" dirty="0">
+            <a:endParaRPr lang="zh-CN" altLang="en-US">
               <a:latin typeface="Arial" panose="020B0604020202020204" pitchFamily="34" charset="0"/>
               <a:ea typeface="黑体" panose="02010609060101010101" pitchFamily="49" charset="-122"/>
             </a:endParaRPr>
           </a:p>
         </p:txBody>
       </p:sp>
-      <p:sp>
-        <p:nvSpPr>
-          <p:cNvPr id="2" name="Text Box 8">
-            <a:extLst>
-              <a:ext uri="{FF2B5EF4-FFF2-40B4-BE49-F238E27FC236}">
-                <a16:creationId xmlns:a16="http://schemas.microsoft.com/office/drawing/2014/main" id="{64712AAA-456B-FA51-7FDB-D26E1DD31064}"/>
-              </a:ext>
-            </a:extLst>
-          </p:cNvPr>
-          <p:cNvSpPr txBox="1">
-            <a:spLocks noChangeArrowheads="1"/>
-          </p:cNvSpPr>
-          <p:nvPr/>
-        </p:nvSpPr>
-        <p:spPr bwMode="auto">
-          <a:xfrm>
-            <a:off x="272375" y="168613"/>
-            <a:ext cx="3131127" cy="400110"/>
-          </a:xfrm>
-          <a:prstGeom prst="rect">
-            <a:avLst/>
-          </a:prstGeom>
-          <a:noFill/>
-          <a:ln w="9525" algn="ctr">
-            <a:noFill/>
-            <a:miter lim="800000"/>
-            <a:headEnd/>
-            <a:tailEnd/>
-          </a:ln>
-        </p:spPr>
-        <p:txBody>
-          <a:bodyPr wrap="square" anchor="b">
-            <a:spAutoFit/>
-          </a:bodyPr>
-          <a:lstStyle/>
-          <a:p>
-            <a:pPr algn="l">
-              <a:spcBef>
-                <a:spcPct val="50000"/>
-              </a:spcBef>
-            </a:pPr>
-            <a:r>
-              <a:rPr lang="zh-CN" altLang="en-US" sz="2000" b="1" dirty="0">
-                <a:solidFill>
-                  <a:srgbClr val="006600"/>
-                </a:solidFill>
-                <a:latin typeface="Arial" panose="020B0604020202020204" pitchFamily="34" charset="0"/>
-                <a:ea typeface="黑体" panose="02010609060101010101" pitchFamily="49" charset="-122"/>
-              </a:rPr>
-              <a:t>本科生专业必修课</a:t>
-            </a:r>
-          </a:p>
-        </p:txBody>
-      </p:sp>
     </p:spTree>
-    <p:extLst>
-      <p:ext uri="{BB962C8B-B14F-4D97-AF65-F5344CB8AC3E}">
-        <p14:creationId xmlns:p14="http://schemas.microsoft.com/office/powerpoint/2010/main" val="154432923"/>
-      </p:ext>
-    </p:extLst>
   </p:cSld>
   <p:clrMapOvr>
     <a:masterClrMapping/>
@@ -3754,13 +3426,7 @@
   <p:cSld>
     <p:spTree>
       <p:nvGrpSpPr>
-        <p:cNvPr id="1" name="">
-          <a:extLst>
-            <a:ext uri="{FF2B5EF4-FFF2-40B4-BE49-F238E27FC236}">
-              <a16:creationId xmlns:a16="http://schemas.microsoft.com/office/drawing/2014/main" id="{930E5CE3-FE9B-19C3-AC51-986792A16381}"/>
-            </a:ext>
-          </a:extLst>
-        </p:cNvPr>
+        <p:cNvPr id="1" name=""/>
         <p:cNvGrpSpPr/>
         <p:nvPr/>
       </p:nvGrpSpPr>
@@ -3774,13 +3440,7 @@
       </p:grpSpPr>
       <p:sp>
         <p:nvSpPr>
-          <p:cNvPr id="4" name="灯片编号占位符 2">
-            <a:extLst>
-              <a:ext uri="{FF2B5EF4-FFF2-40B4-BE49-F238E27FC236}">
-                <a16:creationId xmlns:a16="http://schemas.microsoft.com/office/drawing/2014/main" id="{424C910B-F29D-2B57-5EBF-3D9E1221302D}"/>
-              </a:ext>
-            </a:extLst>
-          </p:cNvPr>
+          <p:cNvPr id="4" name="灯片编号占位符 2"/>
           <p:cNvSpPr>
             <a:spLocks noGrp="1"/>
           </p:cNvSpPr>
@@ -3803,7 +3463,6 @@
                 <a:latin typeface="Arial" panose="020B0604020202020204" pitchFamily="34" charset="0"/>
                 <a:ea typeface="黑体" panose="02010609060101010101" pitchFamily="49" charset="-122"/>
               </a:rPr>
-              <a:t>10</a:t>
             </a:fld>
             <a:endParaRPr lang="zh-CN" altLang="en-US">
               <a:latin typeface="Arial" panose="020B0604020202020204" pitchFamily="34" charset="0"/>
@@ -3814,27 +3473,22 @@
       </p:sp>
       <p:pic>
         <p:nvPicPr>
-          <p:cNvPr id="6" name="图片 5">
-            <a:extLst>
-              <a:ext uri="{FF2B5EF4-FFF2-40B4-BE49-F238E27FC236}">
-                <a16:creationId xmlns:a16="http://schemas.microsoft.com/office/drawing/2014/main" id="{A1C088A8-4B66-D9CC-5AD5-44F34839CA95}"/>
-              </a:ext>
-            </a:extLst>
-          </p:cNvPr>
+          <p:cNvPr id="3" name="图片 2"/>
           <p:cNvPicPr>
             <a:picLocks noChangeAspect="1"/>
           </p:cNvPicPr>
           <p:nvPr/>
         </p:nvPicPr>
         <p:blipFill>
-          <a:blip r:embed="rId3"/>
-          <a:srcRect r="2290"/>
-          <a:stretch/>
+          <a:blip r:embed="rId1"/>
+          <a:stretch>
+            <a:fillRect/>
+          </a:stretch>
         </p:blipFill>
         <p:spPr>
           <a:xfrm>
-            <a:off x="159765" y="1508244"/>
-            <a:ext cx="5991237" cy="4951765"/>
+            <a:off x="2539882" y="1583600"/>
+            <a:ext cx="6753225" cy="4600575"/>
           </a:xfrm>
           <a:prstGeom prst="rect">
             <a:avLst/>
@@ -3843,19 +3497,13 @@
       </p:pic>
       <p:sp>
         <p:nvSpPr>
-          <p:cNvPr id="8" name="文本框 7">
-            <a:extLst>
-              <a:ext uri="{FF2B5EF4-FFF2-40B4-BE49-F238E27FC236}">
-                <a16:creationId xmlns:a16="http://schemas.microsoft.com/office/drawing/2014/main" id="{FBA1C043-B0BB-D1BE-EC6C-03D062E08A9D}"/>
-              </a:ext>
-            </a:extLst>
-          </p:cNvPr>
+          <p:cNvPr id="6" name="文本框 5"/>
           <p:cNvSpPr txBox="1"/>
           <p:nvPr/>
         </p:nvSpPr>
         <p:spPr>
           <a:xfrm>
-            <a:off x="104763" y="966279"/>
+            <a:off x="712465" y="1461621"/>
             <a:ext cx="1893232" cy="494238"/>
           </a:xfrm>
           <a:prstGeom prst="rect">
@@ -3878,99 +3526,23 @@
               <a:rPr lang="zh-CN" altLang="en-US" sz="2000" dirty="0">
                 <a:cs typeface="黑体" panose="02010609060101010101" pitchFamily="49" charset="-122"/>
               </a:rPr>
-              <a:t>加密：</a:t>
-            </a:r>
-          </a:p>
-        </p:txBody>
-      </p:sp>
-      <p:pic>
-        <p:nvPicPr>
-          <p:cNvPr id="9" name="图片 8">
-            <a:extLst>
-              <a:ext uri="{FF2B5EF4-FFF2-40B4-BE49-F238E27FC236}">
-                <a16:creationId xmlns:a16="http://schemas.microsoft.com/office/drawing/2014/main" id="{43942E63-E3AA-EBE4-1BCA-3D57BA13F669}"/>
-              </a:ext>
-            </a:extLst>
-          </p:cNvPr>
-          <p:cNvPicPr>
-            <a:picLocks noChangeAspect="1"/>
-          </p:cNvPicPr>
-          <p:nvPr/>
-        </p:nvPicPr>
-        <p:blipFill rotWithShape="1">
-          <a:blip r:embed="rId4"/>
-          <a:srcRect l="676" r="10655"/>
-          <a:stretch>
-            <a:fillRect/>
-          </a:stretch>
-        </p:blipFill>
-        <p:spPr>
-          <a:xfrm>
-            <a:off x="6248926" y="1508245"/>
-            <a:ext cx="5838311" cy="4951765"/>
-          </a:xfrm>
-          <a:prstGeom prst="rect">
-            <a:avLst/>
-          </a:prstGeom>
-        </p:spPr>
-      </p:pic>
-      <p:sp>
-        <p:nvSpPr>
-          <p:cNvPr id="10" name="文本框 9">
-            <a:extLst>
-              <a:ext uri="{FF2B5EF4-FFF2-40B4-BE49-F238E27FC236}">
-                <a16:creationId xmlns:a16="http://schemas.microsoft.com/office/drawing/2014/main" id="{0E233909-638B-308B-1A78-6417E5A1A78B}"/>
-              </a:ext>
-            </a:extLst>
-          </p:cNvPr>
-          <p:cNvSpPr txBox="1"/>
-          <p:nvPr/>
-        </p:nvSpPr>
-        <p:spPr>
-          <a:xfrm>
-            <a:off x="6248926" y="966279"/>
-            <a:ext cx="1893232" cy="494238"/>
-          </a:xfrm>
-          <a:prstGeom prst="rect">
-            <a:avLst/>
-          </a:prstGeom>
-          <a:noFill/>
-        </p:spPr>
-        <p:txBody>
-          <a:bodyPr wrap="square" rtlCol="0">
-            <a:spAutoFit/>
-          </a:bodyPr>
-          <a:lstStyle/>
-          <a:p>
-            <a:pPr>
-              <a:lnSpc>
-                <a:spcPct val="150000"/>
-              </a:lnSpc>
-            </a:pPr>
-            <a:r>
-              <a:rPr lang="zh-CN" altLang="en-US" sz="2000" dirty="0">
-                <a:cs typeface="黑体" panose="02010609060101010101" pitchFamily="49" charset="-122"/>
-              </a:rPr>
-              <a:t>解密：</a:t>
-            </a:r>
+              <a:t>示例：</a:t>
+            </a:r>
+            <a:endParaRPr lang="zh-CN" altLang="en-US" sz="2000" dirty="0">
+              <a:cs typeface="黑体" panose="02010609060101010101" pitchFamily="49" charset="-122"/>
+            </a:endParaRPr>
           </a:p>
         </p:txBody>
       </p:sp>
       <p:sp>
         <p:nvSpPr>
-          <p:cNvPr id="11" name="Title 17">
-            <a:extLst>
-              <a:ext uri="{FF2B5EF4-FFF2-40B4-BE49-F238E27FC236}">
-                <a16:creationId xmlns:a16="http://schemas.microsoft.com/office/drawing/2014/main" id="{136088FE-4032-DBAB-FB26-CE0548F8C994}"/>
-              </a:ext>
-            </a:extLst>
-          </p:cNvPr>
+          <p:cNvPr id="8" name="Title 17"/>
           <p:cNvSpPr>
             <a:spLocks noGrp="1"/>
           </p:cNvSpPr>
           <p:nvPr>
             <p:custDataLst>
-              <p:tags r:id="rId1"/>
+              <p:tags r:id="rId2"/>
             </p:custDataLst>
           </p:nvPr>
         </p:nvSpPr>
@@ -4047,15 +3619,26 @@
               </a:rPr>
               <a:t> 凯撒密码（位移密码）</a:t>
             </a:r>
+            <a:endParaRPr lang="zh-CN" altLang="en-US" sz="3200" spc="0" dirty="0">
+              <a:solidFill>
+                <a:schemeClr val="tx1"/>
+              </a:solidFill>
+              <a:effectLst>
+                <a:outerShdw blurRad="38100" dist="38100" dir="2700000" algn="tl">
+                  <a:srgbClr val="000000">
+                    <a:alpha val="43137"/>
+                  </a:srgbClr>
+                </a:outerShdw>
+              </a:effectLst>
+              <a:latin typeface="Arial" panose="020B0604020202020204" pitchFamily="34" charset="0"/>
+              <a:ea typeface="黑体" panose="02010609060101010101" pitchFamily="49" charset="-122"/>
+              <a:cs typeface="Times New Roman" panose="02020603050405020304" pitchFamily="18" charset="0"/>
+              <a:sym typeface="+mn-ea"/>
+            </a:endParaRPr>
           </a:p>
         </p:txBody>
       </p:sp>
     </p:spTree>
-    <p:extLst>
-      <p:ext uri="{BB962C8B-B14F-4D97-AF65-F5344CB8AC3E}">
-        <p14:creationId xmlns:p14="http://schemas.microsoft.com/office/powerpoint/2010/main" val="1395758078"/>
-      </p:ext>
-    </p:extLst>
   </p:cSld>
   <p:clrMapOvr>
     <a:masterClrMapping/>
@@ -4068,13 +3651,7 @@
   <p:cSld>
     <p:spTree>
       <p:nvGrpSpPr>
-        <p:cNvPr id="1" name="">
-          <a:extLst>
-            <a:ext uri="{FF2B5EF4-FFF2-40B4-BE49-F238E27FC236}">
-              <a16:creationId xmlns:a16="http://schemas.microsoft.com/office/drawing/2014/main" id="{161B36E1-22F4-2F11-CCEA-3D16F419FD32}"/>
-            </a:ext>
-          </a:extLst>
-        </p:cNvPr>
+        <p:cNvPr id="1" name=""/>
         <p:cNvGrpSpPr/>
         <p:nvPr/>
       </p:nvGrpSpPr>
@@ -4088,255 +3665,7 @@
       </p:grpSpPr>
       <p:sp>
         <p:nvSpPr>
-          <p:cNvPr id="4" name="灯片编号占位符 2">
-            <a:extLst>
-              <a:ext uri="{FF2B5EF4-FFF2-40B4-BE49-F238E27FC236}">
-                <a16:creationId xmlns:a16="http://schemas.microsoft.com/office/drawing/2014/main" id="{BE351022-7D47-216E-5A64-82D1FBC3FEC0}"/>
-              </a:ext>
-            </a:extLst>
-          </p:cNvPr>
-          <p:cNvSpPr>
-            <a:spLocks noGrp="1"/>
-          </p:cNvSpPr>
-          <p:nvPr>
-            <p:ph type="sldNum" sz="quarter" idx="12"/>
-          </p:nvPr>
-        </p:nvSpPr>
-        <p:spPr>
-          <a:xfrm>
-            <a:off x="10134600" y="6492875"/>
-            <a:ext cx="2057400" cy="365125"/>
-          </a:xfrm>
-        </p:spPr>
-        <p:txBody>
-          <a:bodyPr/>
-          <a:lstStyle/>
-          <a:p>
-            <a:fld id="{4CDDC869-2817-46DD-8681-5A192428703D}" type="slidenum">
-              <a:rPr lang="zh-CN" altLang="en-US" smtClean="0">
-                <a:latin typeface="Arial" panose="020B0604020202020204" pitchFamily="34" charset="0"/>
-                <a:ea typeface="黑体" panose="02010609060101010101" pitchFamily="49" charset="-122"/>
-              </a:rPr>
-              <a:t>11</a:t>
-            </a:fld>
-            <a:endParaRPr lang="zh-CN" altLang="en-US">
-              <a:latin typeface="Arial" panose="020B0604020202020204" pitchFamily="34" charset="0"/>
-              <a:ea typeface="黑体" panose="02010609060101010101" pitchFamily="49" charset="-122"/>
-            </a:endParaRPr>
-          </a:p>
-        </p:txBody>
-      </p:sp>
-      <p:pic>
-        <p:nvPicPr>
-          <p:cNvPr id="3" name="图片 2">
-            <a:extLst>
-              <a:ext uri="{FF2B5EF4-FFF2-40B4-BE49-F238E27FC236}">
-                <a16:creationId xmlns:a16="http://schemas.microsoft.com/office/drawing/2014/main" id="{85F67BFE-9106-5F33-18A6-E13E2E85309F}"/>
-              </a:ext>
-            </a:extLst>
-          </p:cNvPr>
-          <p:cNvPicPr>
-            <a:picLocks noChangeAspect="1"/>
-          </p:cNvPicPr>
-          <p:nvPr/>
-        </p:nvPicPr>
-        <p:blipFill>
-          <a:blip r:embed="rId3"/>
-          <a:stretch>
-            <a:fillRect/>
-          </a:stretch>
-        </p:blipFill>
-        <p:spPr>
-          <a:xfrm>
-            <a:off x="2539882" y="1583600"/>
-            <a:ext cx="6753225" cy="4600575"/>
-          </a:xfrm>
-          <a:prstGeom prst="rect">
-            <a:avLst/>
-          </a:prstGeom>
-        </p:spPr>
-      </p:pic>
-      <p:sp>
-        <p:nvSpPr>
-          <p:cNvPr id="6" name="文本框 5">
-            <a:extLst>
-              <a:ext uri="{FF2B5EF4-FFF2-40B4-BE49-F238E27FC236}">
-                <a16:creationId xmlns:a16="http://schemas.microsoft.com/office/drawing/2014/main" id="{1CDE98E8-1DA0-719F-1DFB-C0268931DA2E}"/>
-              </a:ext>
-            </a:extLst>
-          </p:cNvPr>
-          <p:cNvSpPr txBox="1"/>
-          <p:nvPr/>
-        </p:nvSpPr>
-        <p:spPr>
-          <a:xfrm>
-            <a:off x="712465" y="1461621"/>
-            <a:ext cx="1893232" cy="494238"/>
-          </a:xfrm>
-          <a:prstGeom prst="rect">
-            <a:avLst/>
-          </a:prstGeom>
-          <a:noFill/>
-        </p:spPr>
-        <p:txBody>
-          <a:bodyPr wrap="square" rtlCol="0">
-            <a:spAutoFit/>
-          </a:bodyPr>
-          <a:lstStyle/>
-          <a:p>
-            <a:pPr>
-              <a:lnSpc>
-                <a:spcPct val="150000"/>
-              </a:lnSpc>
-            </a:pPr>
-            <a:r>
-              <a:rPr lang="zh-CN" altLang="en-US" sz="2000" dirty="0">
-                <a:cs typeface="黑体" panose="02010609060101010101" pitchFamily="49" charset="-122"/>
-              </a:rPr>
-              <a:t>示例：</a:t>
-            </a:r>
-          </a:p>
-        </p:txBody>
-      </p:sp>
-      <p:sp>
-        <p:nvSpPr>
-          <p:cNvPr id="8" name="Title 17">
-            <a:extLst>
-              <a:ext uri="{FF2B5EF4-FFF2-40B4-BE49-F238E27FC236}">
-                <a16:creationId xmlns:a16="http://schemas.microsoft.com/office/drawing/2014/main" id="{FE0C6865-1CE3-4331-960D-CF0A435F8AF9}"/>
-              </a:ext>
-            </a:extLst>
-          </p:cNvPr>
-          <p:cNvSpPr>
-            <a:spLocks noGrp="1"/>
-          </p:cNvSpPr>
-          <p:nvPr>
-            <p:custDataLst>
-              <p:tags r:id="rId1"/>
-            </p:custDataLst>
-          </p:nvPr>
-        </p:nvSpPr>
-        <p:spPr>
-          <a:xfrm>
-            <a:off x="352270" y="331211"/>
-            <a:ext cx="4984698" cy="587340"/>
-          </a:xfrm>
-          <a:prstGeom prst="rect">
-            <a:avLst/>
-          </a:prstGeom>
-          <a:noFill/>
-        </p:spPr>
-        <p:txBody>
-          <a:bodyPr vert="horz" wrap="none" lIns="90170" tIns="46990" rIns="90170" bIns="46990" rtlCol="0" anchor="ctr" anchorCtr="0">
-            <a:spAutoFit/>
-          </a:bodyPr>
-          <a:lstStyle>
-            <a:lvl1pPr algn="l" defTabSz="914400" rtl="0" eaLnBrk="1" fontAlgn="auto" latinLnBrk="0" hangingPunct="1">
-              <a:lnSpc>
-                <a:spcPct val="100000"/>
-              </a:lnSpc>
-              <a:spcBef>
-                <a:spcPct val="0"/>
-              </a:spcBef>
-              <a:buNone/>
-              <a:defRPr lang="zh-CN" altLang="en-US" sz="2800" b="1" u="none" strike="noStrike" kern="1200" cap="none" spc="300" normalizeH="0" baseline="0">
-                <a:solidFill>
-                  <a:schemeClr val="accent1"/>
-                </a:solidFill>
-                <a:uFillTx/>
-                <a:latin typeface="+mn-lt"/>
-                <a:ea typeface="+mn-ea"/>
-                <a:cs typeface="+mn-cs"/>
-              </a:defRPr>
-            </a:lvl1pPr>
-          </a:lstStyle>
-          <a:p>
-            <a:r>
-              <a:rPr lang="en-US" altLang="zh-CN" sz="3200" spc="0" dirty="0">
-                <a:solidFill>
-                  <a:schemeClr val="tx1"/>
-                </a:solidFill>
-                <a:effectLst>
-                  <a:outerShdw blurRad="38100" dist="38100" dir="2700000" algn="tl">
-                    <a:srgbClr val="000000">
-                      <a:alpha val="43137"/>
-                    </a:srgbClr>
-                  </a:outerShdw>
-                </a:effectLst>
-                <a:latin typeface="Arial" panose="020B0604020202020204" pitchFamily="34" charset="0"/>
-                <a:ea typeface="黑体" panose="02010609060101010101" pitchFamily="49" charset="-122"/>
-                <a:cs typeface="Times New Roman" panose="02020603050405020304" pitchFamily="18" charset="0"/>
-                <a:sym typeface="+mn-ea"/>
-              </a:rPr>
-              <a:t>1.3</a:t>
-            </a:r>
-            <a:r>
-              <a:rPr lang="zh-CN" altLang="en-US" sz="3200" spc="0" dirty="0">
-                <a:solidFill>
-                  <a:schemeClr val="tx1"/>
-                </a:solidFill>
-                <a:effectLst>
-                  <a:outerShdw blurRad="38100" dist="38100" dir="2700000" algn="tl">
-                    <a:srgbClr val="000000">
-                      <a:alpha val="43137"/>
-                    </a:srgbClr>
-                  </a:outerShdw>
-                </a:effectLst>
-                <a:latin typeface="Arial" panose="020B0604020202020204" pitchFamily="34" charset="0"/>
-                <a:ea typeface="黑体" panose="02010609060101010101" pitchFamily="49" charset="-122"/>
-                <a:cs typeface="Times New Roman" panose="02020603050405020304" pitchFamily="18" charset="0"/>
-                <a:sym typeface="+mn-ea"/>
-              </a:rPr>
-              <a:t> 凯撒密码（位移密码）</a:t>
-            </a:r>
-          </a:p>
-        </p:txBody>
-      </p:sp>
-    </p:spTree>
-    <p:extLst>
-      <p:ext uri="{BB962C8B-B14F-4D97-AF65-F5344CB8AC3E}">
-        <p14:creationId xmlns:p14="http://schemas.microsoft.com/office/powerpoint/2010/main" val="1070353619"/>
-      </p:ext>
-    </p:extLst>
-  </p:cSld>
-  <p:clrMapOvr>
-    <a:masterClrMapping/>
-  </p:clrMapOvr>
-</p:sld>
-</file>
-
-<file path=ppt/slides/slide12.xml><?xml version="1.0" encoding="utf-8"?>
-<p:sld xmlns:a="http://schemas.openxmlformats.org/drawingml/2006/main" xmlns:r="http://schemas.openxmlformats.org/officeDocument/2006/relationships" xmlns:p="http://schemas.openxmlformats.org/presentationml/2006/main">
-  <p:cSld>
-    <p:spTree>
-      <p:nvGrpSpPr>
-        <p:cNvPr id="1" name="">
-          <a:extLst>
-            <a:ext uri="{FF2B5EF4-FFF2-40B4-BE49-F238E27FC236}">
-              <a16:creationId xmlns:a16="http://schemas.microsoft.com/office/drawing/2014/main" id="{6564DC1F-44B3-394C-87AC-B9A3601ABE49}"/>
-            </a:ext>
-          </a:extLst>
-        </p:cNvPr>
-        <p:cNvGrpSpPr/>
-        <p:nvPr/>
-      </p:nvGrpSpPr>
-      <p:grpSpPr>
-        <a:xfrm>
-          <a:off x="0" y="0"/>
-          <a:ext cx="0" cy="0"/>
-          <a:chOff x="0" y="0"/>
-          <a:chExt cx="0" cy="0"/>
-        </a:xfrm>
-      </p:grpSpPr>
-      <p:sp>
-        <p:nvSpPr>
-          <p:cNvPr id="2" name="Title 17">
-            <a:extLst>
-              <a:ext uri="{FF2B5EF4-FFF2-40B4-BE49-F238E27FC236}">
-                <a16:creationId xmlns:a16="http://schemas.microsoft.com/office/drawing/2014/main" id="{C093F2F2-5BCA-9A4D-F5CB-14CD8AB8C5DA}"/>
-              </a:ext>
-            </a:extLst>
-          </p:cNvPr>
+          <p:cNvPr id="2" name="Title 17"/>
           <p:cNvSpPr>
             <a:spLocks noGrp="1"/>
           </p:cNvSpPr>
@@ -4419,18 +3748,28 @@
               </a:rPr>
               <a:t> 单表置换密码的破译</a:t>
             </a:r>
+            <a:endParaRPr lang="zh-CN" altLang="en-US" sz="3200" spc="0" dirty="0">
+              <a:solidFill>
+                <a:schemeClr val="tx1"/>
+              </a:solidFill>
+              <a:effectLst>
+                <a:outerShdw blurRad="38100" dist="38100" dir="2700000" algn="tl">
+                  <a:srgbClr val="000000">
+                    <a:alpha val="43137"/>
+                  </a:srgbClr>
+                </a:outerShdw>
+              </a:effectLst>
+              <a:latin typeface="Arial" panose="020B0604020202020204" pitchFamily="34" charset="0"/>
+              <a:ea typeface="黑体" panose="02010609060101010101" pitchFamily="49" charset="-122"/>
+              <a:cs typeface="Times New Roman" panose="02020603050405020304" pitchFamily="18" charset="0"/>
+              <a:sym typeface="+mn-ea"/>
+            </a:endParaRPr>
           </a:p>
         </p:txBody>
       </p:sp>
       <p:sp>
         <p:nvSpPr>
-          <p:cNvPr id="4" name="灯片编号占位符 2">
-            <a:extLst>
-              <a:ext uri="{FF2B5EF4-FFF2-40B4-BE49-F238E27FC236}">
-                <a16:creationId xmlns:a16="http://schemas.microsoft.com/office/drawing/2014/main" id="{8A0C65EB-5813-600E-FA48-8E71E611473C}"/>
-              </a:ext>
-            </a:extLst>
-          </p:cNvPr>
+          <p:cNvPr id="4" name="灯片编号占位符 2"/>
           <p:cNvSpPr>
             <a:spLocks noGrp="1"/>
           </p:cNvSpPr>
@@ -4453,7 +3792,6 @@
                 <a:latin typeface="Arial" panose="020B0604020202020204" pitchFamily="34" charset="0"/>
                 <a:ea typeface="黑体" panose="02010609060101010101" pitchFamily="49" charset="-122"/>
               </a:rPr>
-              <a:t>12</a:t>
             </a:fld>
             <a:endParaRPr lang="zh-CN" altLang="en-US">
               <a:latin typeface="Arial" panose="020B0604020202020204" pitchFamily="34" charset="0"/>
@@ -4464,13 +3802,7 @@
       </p:sp>
       <p:sp>
         <p:nvSpPr>
-          <p:cNvPr id="3" name="矩形: 圆角 2">
-            <a:extLst>
-              <a:ext uri="{FF2B5EF4-FFF2-40B4-BE49-F238E27FC236}">
-                <a16:creationId xmlns:a16="http://schemas.microsoft.com/office/drawing/2014/main" id="{C252EEFC-90DE-95ED-E59B-567E7FCAB559}"/>
-              </a:ext>
-            </a:extLst>
-          </p:cNvPr>
+          <p:cNvPr id="3" name="矩形: 圆角 2"/>
           <p:cNvSpPr/>
           <p:nvPr/>
         </p:nvSpPr>
@@ -4521,22 +3853,16 @@
           <a:p>
             <a:pPr algn="ctr"/>
             <a:endParaRPr lang="zh-CN" altLang="en-US" sz="2000" dirty="0">
-              <a:ea typeface="Microsoft YaHei" panose="020B0503020204020204" pitchFamily="34" charset="-122"/>
+              <a:ea typeface="微软雅黑" panose="020B0503020204020204" charset="-122"/>
             </a:endParaRPr>
           </a:p>
         </p:txBody>
       </p:sp>
-      <mc:AlternateContent xmlns:mc="http://schemas.openxmlformats.org/markup-compatibility/2006" xmlns:a14="http://schemas.microsoft.com/office/drawing/2010/main">
-        <mc:Choice Requires="a14">
+      <mc:AlternateContent xmlns:mc="http://schemas.openxmlformats.org/markup-compatibility/2006">
+        <mc:Choice xmlns:a14="http://schemas.microsoft.com/office/drawing/2010/main" Requires="a14">
           <p:sp>
             <p:nvSpPr>
-              <p:cNvPr id="6" name="文本框 5">
-                <a:extLst>
-                  <a:ext uri="{FF2B5EF4-FFF2-40B4-BE49-F238E27FC236}">
-                    <a16:creationId xmlns:a16="http://schemas.microsoft.com/office/drawing/2014/main" id="{EC373F26-35D3-D602-A5F5-D294D83A17A7}"/>
-                  </a:ext>
-                </a:extLst>
-              </p:cNvPr>
+              <p:cNvPr id="6" name="文本框 5"/>
               <p:cNvSpPr txBox="1"/>
               <p:nvPr/>
             </p:nvSpPr>
@@ -4705,16 +4031,10 @@
             </p:txBody>
           </p:sp>
         </mc:Choice>
-        <mc:Fallback xmlns="">
+        <mc:Fallback>
           <p:sp>
             <p:nvSpPr>
-              <p:cNvPr id="6" name="文本框 5">
-                <a:extLst>
-                  <a:ext uri="{FF2B5EF4-FFF2-40B4-BE49-F238E27FC236}">
-                    <a16:creationId xmlns:a16="http://schemas.microsoft.com/office/drawing/2014/main" id="{EC373F26-35D3-D602-A5F5-D294D83A17A7}"/>
-                  </a:ext>
-                </a:extLst>
-              </p:cNvPr>
+              <p:cNvPr id="6" name="文本框 5"/>
               <p:cNvSpPr txBox="1">
                 <a:spLocks noRot="1" noChangeAspect="1" noMove="1" noResize="1" noEditPoints="1" noAdjustHandles="1" noChangeArrowheads="1" noChangeShapeType="1" noTextEdit="1"/>
               </p:cNvSpPr>
@@ -4728,10 +4048,10 @@
               <a:prstGeom prst="rect">
                 <a:avLst/>
               </a:prstGeom>
-              <a:blipFill>
-                <a:blip r:embed="rId3"/>
+              <a:blipFill rotWithShape="1">
+                <a:blip r:embed="rId2"/>
                 <a:stretch>
-                  <a:fillRect l="-523" b="-6009"/>
+                  <a:fillRect l="-5" t="-19" r="5" b="-1397"/>
                 </a:stretch>
               </a:blipFill>
             </p:spPr>
@@ -4752,13 +4072,7 @@
       </mc:AlternateContent>
       <p:sp>
         <p:nvSpPr>
-          <p:cNvPr id="8" name="文本框 7">
-            <a:extLst>
-              <a:ext uri="{FF2B5EF4-FFF2-40B4-BE49-F238E27FC236}">
-                <a16:creationId xmlns:a16="http://schemas.microsoft.com/office/drawing/2014/main" id="{83D72C29-DDEA-54FA-D8D3-D43251596F0B}"/>
-              </a:ext>
-            </a:extLst>
-          </p:cNvPr>
+          <p:cNvPr id="8" name="文本框 7"/>
           <p:cNvSpPr txBox="1"/>
           <p:nvPr/>
         </p:nvSpPr>
@@ -4819,28 +4133,21 @@
               </a:rPr>
               <a:t>密文：GDOOKVCXEFLGCD</a:t>
             </a:r>
+            <a:endParaRPr lang="zh-CN" altLang="en-US" sz="2400" b="1" dirty="0">
+              <a:latin typeface="Courier New" panose="02070309020205020404" pitchFamily="49" charset="0"/>
+              <a:ea typeface="黑体" panose="02010609060101010101" pitchFamily="49" charset="-122"/>
+              <a:cs typeface="Courier New" panose="02070309020205020404" pitchFamily="49" charset="0"/>
+            </a:endParaRPr>
           </a:p>
         </p:txBody>
       </p:sp>
       <p:graphicFrame>
         <p:nvGraphicFramePr>
-          <p:cNvPr id="9" name="表格 8">
-            <a:extLst>
-              <a:ext uri="{FF2B5EF4-FFF2-40B4-BE49-F238E27FC236}">
-                <a16:creationId xmlns:a16="http://schemas.microsoft.com/office/drawing/2014/main" id="{6417CCA1-FA8F-9B70-B916-0D12CB3754B5}"/>
-              </a:ext>
-            </a:extLst>
-          </p:cNvPr>
+          <p:cNvPr id="9" name="表格 8"/>
           <p:cNvGraphicFramePr>
             <a:graphicFrameLocks noGrp="1"/>
           </p:cNvGraphicFramePr>
-          <p:nvPr>
-            <p:extLst>
-              <p:ext uri="{D42A27DB-BD31-4B8C-83A1-F6EECF244321}">
-                <p14:modId xmlns:p14="http://schemas.microsoft.com/office/powerpoint/2010/main" val="262025367"/>
-              </p:ext>
-            </p:extLst>
-          </p:nvPr>
+          <p:nvPr/>
         </p:nvGraphicFramePr>
         <p:xfrm>
           <a:off x="796425" y="2793823"/>
@@ -4853,195 +4160,33 @@
                 <a:tableStyleId>{5C22544A-7EE6-4342-B048-85BDC9FD1C3A}</a:tableStyleId>
               </a:tblPr>
               <a:tblGrid>
-                <a:gridCol w="827102">
-                  <a:extLst>
-                    <a:ext uri="{9D8B030D-6E8A-4147-A177-3AD203B41FA5}">
-                      <a16:colId xmlns:a16="http://schemas.microsoft.com/office/drawing/2014/main" val="309063450"/>
-                    </a:ext>
-                  </a:extLst>
-                </a:gridCol>
-                <a:gridCol w="375848">
-                  <a:extLst>
-                    <a:ext uri="{9D8B030D-6E8A-4147-A177-3AD203B41FA5}">
-                      <a16:colId xmlns:a16="http://schemas.microsoft.com/office/drawing/2014/main" val="2396636405"/>
-                    </a:ext>
-                  </a:extLst>
-                </a:gridCol>
-                <a:gridCol w="375848">
-                  <a:extLst>
-                    <a:ext uri="{9D8B030D-6E8A-4147-A177-3AD203B41FA5}">
-                      <a16:colId xmlns:a16="http://schemas.microsoft.com/office/drawing/2014/main" val="2283768107"/>
-                    </a:ext>
-                  </a:extLst>
-                </a:gridCol>
-                <a:gridCol w="375848">
-                  <a:extLst>
-                    <a:ext uri="{9D8B030D-6E8A-4147-A177-3AD203B41FA5}">
-                      <a16:colId xmlns:a16="http://schemas.microsoft.com/office/drawing/2014/main" val="3522459277"/>
-                    </a:ext>
-                  </a:extLst>
-                </a:gridCol>
-                <a:gridCol w="375848">
-                  <a:extLst>
-                    <a:ext uri="{9D8B030D-6E8A-4147-A177-3AD203B41FA5}">
-                      <a16:colId xmlns:a16="http://schemas.microsoft.com/office/drawing/2014/main" val="1062611838"/>
-                    </a:ext>
-                  </a:extLst>
-                </a:gridCol>
-                <a:gridCol w="375848">
-                  <a:extLst>
-                    <a:ext uri="{9D8B030D-6E8A-4147-A177-3AD203B41FA5}">
-                      <a16:colId xmlns:a16="http://schemas.microsoft.com/office/drawing/2014/main" val="3340297365"/>
-                    </a:ext>
-                  </a:extLst>
-                </a:gridCol>
-                <a:gridCol w="375848">
-                  <a:extLst>
-                    <a:ext uri="{9D8B030D-6E8A-4147-A177-3AD203B41FA5}">
-                      <a16:colId xmlns:a16="http://schemas.microsoft.com/office/drawing/2014/main" val="1023383534"/>
-                    </a:ext>
-                  </a:extLst>
-                </a:gridCol>
-                <a:gridCol w="375848">
-                  <a:extLst>
-                    <a:ext uri="{9D8B030D-6E8A-4147-A177-3AD203B41FA5}">
-                      <a16:colId xmlns:a16="http://schemas.microsoft.com/office/drawing/2014/main" val="105225585"/>
-                    </a:ext>
-                  </a:extLst>
-                </a:gridCol>
-                <a:gridCol w="375848">
-                  <a:extLst>
-                    <a:ext uri="{9D8B030D-6E8A-4147-A177-3AD203B41FA5}">
-                      <a16:colId xmlns:a16="http://schemas.microsoft.com/office/drawing/2014/main" val="661352603"/>
-                    </a:ext>
-                  </a:extLst>
-                </a:gridCol>
-                <a:gridCol w="375848">
-                  <a:extLst>
-                    <a:ext uri="{9D8B030D-6E8A-4147-A177-3AD203B41FA5}">
-                      <a16:colId xmlns:a16="http://schemas.microsoft.com/office/drawing/2014/main" val="4175228443"/>
-                    </a:ext>
-                  </a:extLst>
-                </a:gridCol>
-                <a:gridCol w="375848">
-                  <a:extLst>
-                    <a:ext uri="{9D8B030D-6E8A-4147-A177-3AD203B41FA5}">
-                      <a16:colId xmlns:a16="http://schemas.microsoft.com/office/drawing/2014/main" val="1785656334"/>
-                    </a:ext>
-                  </a:extLst>
-                </a:gridCol>
-                <a:gridCol w="375848">
-                  <a:extLst>
-                    <a:ext uri="{9D8B030D-6E8A-4147-A177-3AD203B41FA5}">
-                      <a16:colId xmlns:a16="http://schemas.microsoft.com/office/drawing/2014/main" val="2290108442"/>
-                    </a:ext>
-                  </a:extLst>
-                </a:gridCol>
-                <a:gridCol w="375848">
-                  <a:extLst>
-                    <a:ext uri="{9D8B030D-6E8A-4147-A177-3AD203B41FA5}">
-                      <a16:colId xmlns:a16="http://schemas.microsoft.com/office/drawing/2014/main" val="3194305864"/>
-                    </a:ext>
-                  </a:extLst>
-                </a:gridCol>
-                <a:gridCol w="375848">
-                  <a:extLst>
-                    <a:ext uri="{9D8B030D-6E8A-4147-A177-3AD203B41FA5}">
-                      <a16:colId xmlns:a16="http://schemas.microsoft.com/office/drawing/2014/main" val="415036818"/>
-                    </a:ext>
-                  </a:extLst>
-                </a:gridCol>
-                <a:gridCol w="375848">
-                  <a:extLst>
-                    <a:ext uri="{9D8B030D-6E8A-4147-A177-3AD203B41FA5}">
-                      <a16:colId xmlns:a16="http://schemas.microsoft.com/office/drawing/2014/main" val="2548511939"/>
-                    </a:ext>
-                  </a:extLst>
-                </a:gridCol>
-                <a:gridCol w="375848">
-                  <a:extLst>
-                    <a:ext uri="{9D8B030D-6E8A-4147-A177-3AD203B41FA5}">
-                      <a16:colId xmlns:a16="http://schemas.microsoft.com/office/drawing/2014/main" val="1934333656"/>
-                    </a:ext>
-                  </a:extLst>
-                </a:gridCol>
-                <a:gridCol w="375848">
-                  <a:extLst>
-                    <a:ext uri="{9D8B030D-6E8A-4147-A177-3AD203B41FA5}">
-                      <a16:colId xmlns:a16="http://schemas.microsoft.com/office/drawing/2014/main" val="4012928960"/>
-                    </a:ext>
-                  </a:extLst>
-                </a:gridCol>
-                <a:gridCol w="375848">
-                  <a:extLst>
-                    <a:ext uri="{9D8B030D-6E8A-4147-A177-3AD203B41FA5}">
-                      <a16:colId xmlns:a16="http://schemas.microsoft.com/office/drawing/2014/main" val="293507204"/>
-                    </a:ext>
-                  </a:extLst>
-                </a:gridCol>
-                <a:gridCol w="375848">
-                  <a:extLst>
-                    <a:ext uri="{9D8B030D-6E8A-4147-A177-3AD203B41FA5}">
-                      <a16:colId xmlns:a16="http://schemas.microsoft.com/office/drawing/2014/main" val="1356759520"/>
-                    </a:ext>
-                  </a:extLst>
-                </a:gridCol>
-                <a:gridCol w="375848">
-                  <a:extLst>
-                    <a:ext uri="{9D8B030D-6E8A-4147-A177-3AD203B41FA5}">
-                      <a16:colId xmlns:a16="http://schemas.microsoft.com/office/drawing/2014/main" val="4145278236"/>
-                    </a:ext>
-                  </a:extLst>
-                </a:gridCol>
-                <a:gridCol w="375848">
-                  <a:extLst>
-                    <a:ext uri="{9D8B030D-6E8A-4147-A177-3AD203B41FA5}">
-                      <a16:colId xmlns:a16="http://schemas.microsoft.com/office/drawing/2014/main" val="3627925791"/>
-                    </a:ext>
-                  </a:extLst>
-                </a:gridCol>
-                <a:gridCol w="375848">
-                  <a:extLst>
-                    <a:ext uri="{9D8B030D-6E8A-4147-A177-3AD203B41FA5}">
-                      <a16:colId xmlns:a16="http://schemas.microsoft.com/office/drawing/2014/main" val="2981839744"/>
-                    </a:ext>
-                  </a:extLst>
-                </a:gridCol>
-                <a:gridCol w="375848">
-                  <a:extLst>
-                    <a:ext uri="{9D8B030D-6E8A-4147-A177-3AD203B41FA5}">
-                      <a16:colId xmlns:a16="http://schemas.microsoft.com/office/drawing/2014/main" val="3752653398"/>
-                    </a:ext>
-                  </a:extLst>
-                </a:gridCol>
-                <a:gridCol w="375848">
-                  <a:extLst>
-                    <a:ext uri="{9D8B030D-6E8A-4147-A177-3AD203B41FA5}">
-                      <a16:colId xmlns:a16="http://schemas.microsoft.com/office/drawing/2014/main" val="3786291805"/>
-                    </a:ext>
-                  </a:extLst>
-                </a:gridCol>
-                <a:gridCol w="375848">
-                  <a:extLst>
-                    <a:ext uri="{9D8B030D-6E8A-4147-A177-3AD203B41FA5}">
-                      <a16:colId xmlns:a16="http://schemas.microsoft.com/office/drawing/2014/main" val="2096443208"/>
-                    </a:ext>
-                  </a:extLst>
-                </a:gridCol>
-                <a:gridCol w="375848">
-                  <a:extLst>
-                    <a:ext uri="{9D8B030D-6E8A-4147-A177-3AD203B41FA5}">
-                      <a16:colId xmlns:a16="http://schemas.microsoft.com/office/drawing/2014/main" val="1223847407"/>
-                    </a:ext>
-                  </a:extLst>
-                </a:gridCol>
-                <a:gridCol w="375848">
-                  <a:extLst>
-                    <a:ext uri="{9D8B030D-6E8A-4147-A177-3AD203B41FA5}">
-                      <a16:colId xmlns:a16="http://schemas.microsoft.com/office/drawing/2014/main" val="1937214102"/>
-                    </a:ext>
-                  </a:extLst>
-                </a:gridCol>
+                <a:gridCol w="827102"/>
+                <a:gridCol w="375848"/>
+                <a:gridCol w="375848"/>
+                <a:gridCol w="375848"/>
+                <a:gridCol w="375848"/>
+                <a:gridCol w="375848"/>
+                <a:gridCol w="375848"/>
+                <a:gridCol w="375848"/>
+                <a:gridCol w="375848"/>
+                <a:gridCol w="375848"/>
+                <a:gridCol w="375848"/>
+                <a:gridCol w="375848"/>
+                <a:gridCol w="375848"/>
+                <a:gridCol w="375848"/>
+                <a:gridCol w="375848"/>
+                <a:gridCol w="375848"/>
+                <a:gridCol w="375848"/>
+                <a:gridCol w="375848"/>
+                <a:gridCol w="375848"/>
+                <a:gridCol w="375848"/>
+                <a:gridCol w="375848"/>
+                <a:gridCol w="375848"/>
+                <a:gridCol w="375848"/>
+                <a:gridCol w="375848"/>
+                <a:gridCol w="375848"/>
+                <a:gridCol w="375848"/>
+                <a:gridCol w="375848"/>
               </a:tblGrid>
               <a:tr h="396627">
                 <a:tc>
@@ -5084,6 +4229,12 @@
                         </a:rPr>
                         <a:t>a</a:t>
                       </a:r>
+                      <a:endParaRPr lang="en-US" sz="2400" b="1" dirty="0">
+                        <a:effectLst/>
+                        <a:latin typeface="Arial" panose="020B0604020202020204" pitchFamily="34" charset="0"/>
+                        <a:ea typeface="黑体" panose="02010609060101010101" pitchFamily="49" charset="-122"/>
+                        <a:cs typeface="Times New Roman" panose="02020603050405020304" pitchFamily="18" charset="0"/>
+                      </a:endParaRPr>
                     </a:p>
                   </a:txBody>
                   <a:tcPr anchor="ctr"/>
@@ -5103,6 +4254,12 @@
                         </a:rPr>
                         <a:t>b</a:t>
                       </a:r>
+                      <a:endParaRPr lang="en-US" sz="2400" b="1" dirty="0">
+                        <a:effectLst/>
+                        <a:latin typeface="Arial" panose="020B0604020202020204" pitchFamily="34" charset="0"/>
+                        <a:ea typeface="黑体" panose="02010609060101010101" pitchFamily="49" charset="-122"/>
+                        <a:cs typeface="Times New Roman" panose="02020603050405020304" pitchFamily="18" charset="0"/>
+                      </a:endParaRPr>
                     </a:p>
                   </a:txBody>
                   <a:tcPr anchor="ctr"/>
@@ -5122,6 +4279,12 @@
                         </a:rPr>
                         <a:t>c</a:t>
                       </a:r>
+                      <a:endParaRPr lang="en-US" sz="2400" b="1" dirty="0">
+                        <a:effectLst/>
+                        <a:latin typeface="Arial" panose="020B0604020202020204" pitchFamily="34" charset="0"/>
+                        <a:ea typeface="黑体" panose="02010609060101010101" pitchFamily="49" charset="-122"/>
+                        <a:cs typeface="Times New Roman" panose="02020603050405020304" pitchFamily="18" charset="0"/>
+                      </a:endParaRPr>
                     </a:p>
                   </a:txBody>
                   <a:tcPr anchor="ctr"/>
@@ -5141,6 +4304,12 @@
                         </a:rPr>
                         <a:t>d</a:t>
                       </a:r>
+                      <a:endParaRPr lang="en-US" sz="2400" b="1" dirty="0">
+                        <a:effectLst/>
+                        <a:latin typeface="Arial" panose="020B0604020202020204" pitchFamily="34" charset="0"/>
+                        <a:ea typeface="黑体" panose="02010609060101010101" pitchFamily="49" charset="-122"/>
+                        <a:cs typeface="Times New Roman" panose="02020603050405020304" pitchFamily="18" charset="0"/>
+                      </a:endParaRPr>
                     </a:p>
                   </a:txBody>
                   <a:tcPr anchor="ctr"/>
@@ -5160,6 +4329,12 @@
                         </a:rPr>
                         <a:t>e</a:t>
                       </a:r>
+                      <a:endParaRPr lang="en-US" sz="2400" b="1" dirty="0">
+                        <a:effectLst/>
+                        <a:latin typeface="Arial" panose="020B0604020202020204" pitchFamily="34" charset="0"/>
+                        <a:ea typeface="黑体" panose="02010609060101010101" pitchFamily="49" charset="-122"/>
+                        <a:cs typeface="Times New Roman" panose="02020603050405020304" pitchFamily="18" charset="0"/>
+                      </a:endParaRPr>
                     </a:p>
                   </a:txBody>
                   <a:tcPr anchor="ctr"/>
@@ -5179,6 +4354,12 @@
                         </a:rPr>
                         <a:t>f</a:t>
                       </a:r>
+                      <a:endParaRPr lang="en-US" sz="2400" b="1" dirty="0">
+                        <a:effectLst/>
+                        <a:latin typeface="Arial" panose="020B0604020202020204" pitchFamily="34" charset="0"/>
+                        <a:ea typeface="黑体" panose="02010609060101010101" pitchFamily="49" charset="-122"/>
+                        <a:cs typeface="Times New Roman" panose="02020603050405020304" pitchFamily="18" charset="0"/>
+                      </a:endParaRPr>
                     </a:p>
                   </a:txBody>
                   <a:tcPr anchor="ctr"/>
@@ -5198,6 +4379,12 @@
                         </a:rPr>
                         <a:t>g</a:t>
                       </a:r>
+                      <a:endParaRPr lang="en-US" sz="2400" b="1" dirty="0">
+                        <a:effectLst/>
+                        <a:latin typeface="Arial" panose="020B0604020202020204" pitchFamily="34" charset="0"/>
+                        <a:ea typeface="黑体" panose="02010609060101010101" pitchFamily="49" charset="-122"/>
+                        <a:cs typeface="Times New Roman" panose="02020603050405020304" pitchFamily="18" charset="0"/>
+                      </a:endParaRPr>
                     </a:p>
                   </a:txBody>
                   <a:tcPr anchor="ctr"/>
@@ -5217,6 +4404,12 @@
                         </a:rPr>
                         <a:t>h</a:t>
                       </a:r>
+                      <a:endParaRPr lang="en-US" sz="2400" b="1" dirty="0">
+                        <a:effectLst/>
+                        <a:latin typeface="Arial" panose="020B0604020202020204" pitchFamily="34" charset="0"/>
+                        <a:ea typeface="黑体" panose="02010609060101010101" pitchFamily="49" charset="-122"/>
+                        <a:cs typeface="Times New Roman" panose="02020603050405020304" pitchFamily="18" charset="0"/>
+                      </a:endParaRPr>
                     </a:p>
                   </a:txBody>
                   <a:tcPr anchor="ctr"/>
@@ -5261,6 +4454,12 @@
                         </a:rPr>
                         <a:t>j</a:t>
                       </a:r>
+                      <a:endParaRPr lang="en-US" sz="2400" b="1" dirty="0">
+                        <a:effectLst/>
+                        <a:latin typeface="Arial" panose="020B0604020202020204" pitchFamily="34" charset="0"/>
+                        <a:ea typeface="黑体" panose="02010609060101010101" pitchFamily="49" charset="-122"/>
+                        <a:cs typeface="Times New Roman" panose="02020603050405020304" pitchFamily="18" charset="0"/>
+                      </a:endParaRPr>
                     </a:p>
                   </a:txBody>
                   <a:tcPr anchor="ctr"/>
@@ -5280,6 +4479,12 @@
                         </a:rPr>
                         <a:t>k</a:t>
                       </a:r>
+                      <a:endParaRPr lang="en-US" sz="2400" b="1" dirty="0">
+                        <a:effectLst/>
+                        <a:latin typeface="Arial" panose="020B0604020202020204" pitchFamily="34" charset="0"/>
+                        <a:ea typeface="黑体" panose="02010609060101010101" pitchFamily="49" charset="-122"/>
+                        <a:cs typeface="Times New Roman" panose="02020603050405020304" pitchFamily="18" charset="0"/>
+                      </a:endParaRPr>
                     </a:p>
                   </a:txBody>
                   <a:tcPr anchor="ctr"/>
@@ -5299,6 +4504,12 @@
                         </a:rPr>
                         <a:t>l</a:t>
                       </a:r>
+                      <a:endParaRPr lang="en-US" sz="2400" b="1" dirty="0">
+                        <a:effectLst/>
+                        <a:latin typeface="Arial" panose="020B0604020202020204" pitchFamily="34" charset="0"/>
+                        <a:ea typeface="黑体" panose="02010609060101010101" pitchFamily="49" charset="-122"/>
+                        <a:cs typeface="Times New Roman" panose="02020603050405020304" pitchFamily="18" charset="0"/>
+                      </a:endParaRPr>
                     </a:p>
                   </a:txBody>
                   <a:tcPr anchor="ctr"/>
@@ -5318,6 +4529,12 @@
                         </a:rPr>
                         <a:t>m</a:t>
                       </a:r>
+                      <a:endParaRPr lang="en-US" sz="2400" b="1" dirty="0">
+                        <a:effectLst/>
+                        <a:latin typeface="Arial" panose="020B0604020202020204" pitchFamily="34" charset="0"/>
+                        <a:ea typeface="黑体" panose="02010609060101010101" pitchFamily="49" charset="-122"/>
+                        <a:cs typeface="Times New Roman" panose="02020603050405020304" pitchFamily="18" charset="0"/>
+                      </a:endParaRPr>
                     </a:p>
                   </a:txBody>
                   <a:tcPr anchor="ctr"/>
@@ -5337,6 +4554,12 @@
                         </a:rPr>
                         <a:t>n</a:t>
                       </a:r>
+                      <a:endParaRPr lang="en-US" sz="2400" b="1" dirty="0">
+                        <a:effectLst/>
+                        <a:latin typeface="Arial" panose="020B0604020202020204" pitchFamily="34" charset="0"/>
+                        <a:ea typeface="黑体" panose="02010609060101010101" pitchFamily="49" charset="-122"/>
+                        <a:cs typeface="Times New Roman" panose="02020603050405020304" pitchFamily="18" charset="0"/>
+                      </a:endParaRPr>
                     </a:p>
                   </a:txBody>
                   <a:tcPr anchor="ctr"/>
@@ -5356,6 +4579,12 @@
                         </a:rPr>
                         <a:t>o</a:t>
                       </a:r>
+                      <a:endParaRPr lang="en-US" sz="2400" b="1" dirty="0">
+                        <a:effectLst/>
+                        <a:latin typeface="Arial" panose="020B0604020202020204" pitchFamily="34" charset="0"/>
+                        <a:ea typeface="黑体" panose="02010609060101010101" pitchFamily="49" charset="-122"/>
+                        <a:cs typeface="Times New Roman" panose="02020603050405020304" pitchFamily="18" charset="0"/>
+                      </a:endParaRPr>
                     </a:p>
                   </a:txBody>
                   <a:tcPr anchor="ctr"/>
@@ -5375,6 +4604,12 @@
                         </a:rPr>
                         <a:t>p</a:t>
                       </a:r>
+                      <a:endParaRPr lang="en-US" sz="2400" b="1" dirty="0">
+                        <a:effectLst/>
+                        <a:latin typeface="Arial" panose="020B0604020202020204" pitchFamily="34" charset="0"/>
+                        <a:ea typeface="黑体" panose="02010609060101010101" pitchFamily="49" charset="-122"/>
+                        <a:cs typeface="Times New Roman" panose="02020603050405020304" pitchFamily="18" charset="0"/>
+                      </a:endParaRPr>
                     </a:p>
                   </a:txBody>
                   <a:tcPr anchor="ctr"/>
@@ -5394,6 +4629,12 @@
                         </a:rPr>
                         <a:t>q</a:t>
                       </a:r>
+                      <a:endParaRPr lang="en-US" sz="2400" b="1" dirty="0">
+                        <a:effectLst/>
+                        <a:latin typeface="Arial" panose="020B0604020202020204" pitchFamily="34" charset="0"/>
+                        <a:ea typeface="黑体" panose="02010609060101010101" pitchFamily="49" charset="-122"/>
+                        <a:cs typeface="Times New Roman" panose="02020603050405020304" pitchFamily="18" charset="0"/>
+                      </a:endParaRPr>
                     </a:p>
                   </a:txBody>
                   <a:tcPr anchor="ctr"/>
@@ -5413,6 +4654,12 @@
                         </a:rPr>
                         <a:t>r</a:t>
                       </a:r>
+                      <a:endParaRPr lang="en-US" sz="2400" b="1" dirty="0">
+                        <a:effectLst/>
+                        <a:latin typeface="Arial" panose="020B0604020202020204" pitchFamily="34" charset="0"/>
+                        <a:ea typeface="黑体" panose="02010609060101010101" pitchFamily="49" charset="-122"/>
+                        <a:cs typeface="Times New Roman" panose="02020603050405020304" pitchFamily="18" charset="0"/>
+                      </a:endParaRPr>
                     </a:p>
                   </a:txBody>
                   <a:tcPr anchor="ctr"/>
@@ -5432,6 +4679,12 @@
                         </a:rPr>
                         <a:t>s</a:t>
                       </a:r>
+                      <a:endParaRPr lang="en-US" sz="2400" b="1" dirty="0">
+                        <a:effectLst/>
+                        <a:latin typeface="Arial" panose="020B0604020202020204" pitchFamily="34" charset="0"/>
+                        <a:ea typeface="黑体" panose="02010609060101010101" pitchFamily="49" charset="-122"/>
+                        <a:cs typeface="Times New Roman" panose="02020603050405020304" pitchFamily="18" charset="0"/>
+                      </a:endParaRPr>
                     </a:p>
                   </a:txBody>
                   <a:tcPr anchor="ctr"/>
@@ -5451,6 +4704,12 @@
                         </a:rPr>
                         <a:t>t</a:t>
                       </a:r>
+                      <a:endParaRPr lang="en-US" sz="2400" b="1" dirty="0">
+                        <a:effectLst/>
+                        <a:latin typeface="Arial" panose="020B0604020202020204" pitchFamily="34" charset="0"/>
+                        <a:ea typeface="黑体" panose="02010609060101010101" pitchFamily="49" charset="-122"/>
+                        <a:cs typeface="Times New Roman" panose="02020603050405020304" pitchFamily="18" charset="0"/>
+                      </a:endParaRPr>
                     </a:p>
                   </a:txBody>
                   <a:tcPr anchor="ctr"/>
@@ -5470,6 +4729,12 @@
                         </a:rPr>
                         <a:t>u</a:t>
                       </a:r>
+                      <a:endParaRPr lang="en-US" sz="2400" b="1" dirty="0">
+                        <a:effectLst/>
+                        <a:latin typeface="Arial" panose="020B0604020202020204" pitchFamily="34" charset="0"/>
+                        <a:ea typeface="黑体" panose="02010609060101010101" pitchFamily="49" charset="-122"/>
+                        <a:cs typeface="Times New Roman" panose="02020603050405020304" pitchFamily="18" charset="0"/>
+                      </a:endParaRPr>
                     </a:p>
                   </a:txBody>
                   <a:tcPr anchor="ctr"/>
@@ -5489,6 +4754,12 @@
                         </a:rPr>
                         <a:t>v</a:t>
                       </a:r>
+                      <a:endParaRPr lang="en-US" sz="2400" b="1" dirty="0">
+                        <a:effectLst/>
+                        <a:latin typeface="Arial" panose="020B0604020202020204" pitchFamily="34" charset="0"/>
+                        <a:ea typeface="黑体" panose="02010609060101010101" pitchFamily="49" charset="-122"/>
+                        <a:cs typeface="Times New Roman" panose="02020603050405020304" pitchFamily="18" charset="0"/>
+                      </a:endParaRPr>
                     </a:p>
                   </a:txBody>
                   <a:tcPr anchor="ctr"/>
@@ -5508,6 +4779,12 @@
                         </a:rPr>
                         <a:t>w</a:t>
                       </a:r>
+                      <a:endParaRPr lang="en-US" sz="2400" b="1" dirty="0">
+                        <a:effectLst/>
+                        <a:latin typeface="Arial" panose="020B0604020202020204" pitchFamily="34" charset="0"/>
+                        <a:ea typeface="黑体" panose="02010609060101010101" pitchFamily="49" charset="-122"/>
+                        <a:cs typeface="Times New Roman" panose="02020603050405020304" pitchFamily="18" charset="0"/>
+                      </a:endParaRPr>
                     </a:p>
                   </a:txBody>
                   <a:tcPr anchor="ctr"/>
@@ -5527,6 +4804,12 @@
                         </a:rPr>
                         <a:t>x</a:t>
                       </a:r>
+                      <a:endParaRPr lang="en-US" sz="2400" b="1" dirty="0">
+                        <a:effectLst/>
+                        <a:latin typeface="Arial" panose="020B0604020202020204" pitchFamily="34" charset="0"/>
+                        <a:ea typeface="黑体" panose="02010609060101010101" pitchFamily="49" charset="-122"/>
+                        <a:cs typeface="Times New Roman" panose="02020603050405020304" pitchFamily="18" charset="0"/>
+                      </a:endParaRPr>
                     </a:p>
                   </a:txBody>
                   <a:tcPr anchor="ctr"/>
@@ -5546,6 +4829,12 @@
                         </a:rPr>
                         <a:t>y</a:t>
                       </a:r>
+                      <a:endParaRPr lang="en-US" sz="2400" b="1" dirty="0">
+                        <a:effectLst/>
+                        <a:latin typeface="Arial" panose="020B0604020202020204" pitchFamily="34" charset="0"/>
+                        <a:ea typeface="黑体" panose="02010609060101010101" pitchFamily="49" charset="-122"/>
+                        <a:cs typeface="Times New Roman" panose="02020603050405020304" pitchFamily="18" charset="0"/>
+                      </a:endParaRPr>
                     </a:p>
                   </a:txBody>
                   <a:tcPr anchor="ctr"/>
@@ -5565,15 +4854,16 @@
                         </a:rPr>
                         <a:t>z</a:t>
                       </a:r>
+                      <a:endParaRPr lang="en-US" sz="2400" b="1" dirty="0">
+                        <a:effectLst/>
+                        <a:latin typeface="Arial" panose="020B0604020202020204" pitchFamily="34" charset="0"/>
+                        <a:ea typeface="黑体" panose="02010609060101010101" pitchFamily="49" charset="-122"/>
+                        <a:cs typeface="Times New Roman" panose="02020603050405020304" pitchFamily="18" charset="0"/>
+                      </a:endParaRPr>
                     </a:p>
                   </a:txBody>
                   <a:tcPr anchor="ctr"/>
                 </a:tc>
-                <a:extLst>
-                  <a:ext uri="{0D108BD9-81ED-4DB2-BD59-A6C34878D82A}">
-                    <a16:rowId xmlns:a16="http://schemas.microsoft.com/office/drawing/2014/main" val="1619488236"/>
-                  </a:ext>
-                </a:extLst>
               </a:tr>
               <a:tr h="396627">
                 <a:tc>
@@ -5616,6 +4906,12 @@
                         </a:rPr>
                         <a:t>X</a:t>
                       </a:r>
+                      <a:endParaRPr lang="en-US" sz="2400" b="1" dirty="0">
+                        <a:effectLst/>
+                        <a:latin typeface="Arial" panose="020B0604020202020204" pitchFamily="34" charset="0"/>
+                        <a:ea typeface="黑体" panose="02010609060101010101" pitchFamily="49" charset="-122"/>
+                        <a:cs typeface="Times New Roman" panose="02020603050405020304" pitchFamily="18" charset="0"/>
+                      </a:endParaRPr>
                     </a:p>
                   </a:txBody>
                   <a:tcPr anchor="ctr"/>
@@ -5635,6 +4931,12 @@
                         </a:rPr>
                         <a:t>E</a:t>
                       </a:r>
+                      <a:endParaRPr lang="en-US" sz="2400" b="1" dirty="0">
+                        <a:effectLst/>
+                        <a:latin typeface="Arial" panose="020B0604020202020204" pitchFamily="34" charset="0"/>
+                        <a:ea typeface="黑体" panose="02010609060101010101" pitchFamily="49" charset="-122"/>
+                        <a:cs typeface="Times New Roman" panose="02020603050405020304" pitchFamily="18" charset="0"/>
+                      </a:endParaRPr>
                     </a:p>
                   </a:txBody>
                   <a:tcPr anchor="ctr"/>
@@ -5654,6 +4956,12 @@
                         </a:rPr>
                         <a:t>U</a:t>
                       </a:r>
+                      <a:endParaRPr lang="en-US" sz="2400" b="1" dirty="0">
+                        <a:effectLst/>
+                        <a:latin typeface="Arial" panose="020B0604020202020204" pitchFamily="34" charset="0"/>
+                        <a:ea typeface="黑体" panose="02010609060101010101" pitchFamily="49" charset="-122"/>
+                        <a:cs typeface="Times New Roman" panose="02020603050405020304" pitchFamily="18" charset="0"/>
+                      </a:endParaRPr>
                     </a:p>
                   </a:txBody>
                   <a:tcPr anchor="ctr"/>
@@ -5673,6 +4981,12 @@
                         </a:rPr>
                         <a:t>A</a:t>
                       </a:r>
+                      <a:endParaRPr lang="en-US" sz="2400" b="1" dirty="0">
+                        <a:effectLst/>
+                        <a:latin typeface="Arial" panose="020B0604020202020204" pitchFamily="34" charset="0"/>
+                        <a:ea typeface="黑体" panose="02010609060101010101" pitchFamily="49" charset="-122"/>
+                        <a:cs typeface="Times New Roman" panose="02020603050405020304" pitchFamily="18" charset="0"/>
+                      </a:endParaRPr>
                     </a:p>
                   </a:txBody>
                   <a:tcPr anchor="ctr"/>
@@ -5692,6 +5006,12 @@
                         </a:rPr>
                         <a:t>D</a:t>
                       </a:r>
+                      <a:endParaRPr lang="en-US" sz="2400" b="1" dirty="0">
+                        <a:effectLst/>
+                        <a:latin typeface="Arial" panose="020B0604020202020204" pitchFamily="34" charset="0"/>
+                        <a:ea typeface="黑体" panose="02010609060101010101" pitchFamily="49" charset="-122"/>
+                        <a:cs typeface="Times New Roman" panose="02020603050405020304" pitchFamily="18" charset="0"/>
+                      </a:endParaRPr>
                     </a:p>
                   </a:txBody>
                   <a:tcPr anchor="ctr"/>
@@ -5711,6 +5031,12 @@
                         </a:rPr>
                         <a:t>N</a:t>
                       </a:r>
+                      <a:endParaRPr lang="en-US" sz="2400" b="1" dirty="0">
+                        <a:effectLst/>
+                        <a:latin typeface="Arial" panose="020B0604020202020204" pitchFamily="34" charset="0"/>
+                        <a:ea typeface="黑体" panose="02010609060101010101" pitchFamily="49" charset="-122"/>
+                        <a:cs typeface="Times New Roman" panose="02020603050405020304" pitchFamily="18" charset="0"/>
+                      </a:endParaRPr>
                     </a:p>
                   </a:txBody>
                   <a:tcPr anchor="ctr"/>
@@ -5730,6 +5056,12 @@
                         </a:rPr>
                         <a:t>B</a:t>
                       </a:r>
+                      <a:endParaRPr lang="en-US" sz="2400" b="1" dirty="0">
+                        <a:effectLst/>
+                        <a:latin typeface="Arial" panose="020B0604020202020204" pitchFamily="34" charset="0"/>
+                        <a:ea typeface="黑体" panose="02010609060101010101" pitchFamily="49" charset="-122"/>
+                        <a:cs typeface="Times New Roman" panose="02020603050405020304" pitchFamily="18" charset="0"/>
+                      </a:endParaRPr>
                     </a:p>
                   </a:txBody>
                   <a:tcPr anchor="ctr"/>
@@ -5749,6 +5081,12 @@
                         </a:rPr>
                         <a:t>K</a:t>
                       </a:r>
+                      <a:endParaRPr lang="en-US" sz="2400" b="1" dirty="0">
+                        <a:effectLst/>
+                        <a:latin typeface="Arial" panose="020B0604020202020204" pitchFamily="34" charset="0"/>
+                        <a:ea typeface="黑体" panose="02010609060101010101" pitchFamily="49" charset="-122"/>
+                        <a:cs typeface="Times New Roman" panose="02020603050405020304" pitchFamily="18" charset="0"/>
+                      </a:endParaRPr>
                     </a:p>
                   </a:txBody>
                   <a:tcPr anchor="ctr"/>
@@ -5768,6 +5106,12 @@
                         </a:rPr>
                         <a:t>V</a:t>
                       </a:r>
+                      <a:endParaRPr lang="en-US" sz="2400" b="1" dirty="0">
+                        <a:effectLst/>
+                        <a:latin typeface="Arial" panose="020B0604020202020204" pitchFamily="34" charset="0"/>
+                        <a:ea typeface="黑体" panose="02010609060101010101" pitchFamily="49" charset="-122"/>
+                        <a:cs typeface="Times New Roman" panose="02020603050405020304" pitchFamily="18" charset="0"/>
+                      </a:endParaRPr>
                     </a:p>
                   </a:txBody>
                   <a:tcPr anchor="ctr"/>
@@ -5787,6 +5131,12 @@
                         </a:rPr>
                         <a:t>M</a:t>
                       </a:r>
+                      <a:endParaRPr lang="en-US" sz="2400" b="1" dirty="0">
+                        <a:effectLst/>
+                        <a:latin typeface="Arial" panose="020B0604020202020204" pitchFamily="34" charset="0"/>
+                        <a:ea typeface="黑体" panose="02010609060101010101" pitchFamily="49" charset="-122"/>
+                        <a:cs typeface="Times New Roman" panose="02020603050405020304" pitchFamily="18" charset="0"/>
+                      </a:endParaRPr>
                     </a:p>
                   </a:txBody>
                   <a:tcPr anchor="ctr"/>
@@ -5806,6 +5156,12 @@
                         </a:rPr>
                         <a:t>R</a:t>
                       </a:r>
+                      <a:endParaRPr lang="en-US" sz="2400" b="1" dirty="0">
+                        <a:effectLst/>
+                        <a:latin typeface="Arial" panose="020B0604020202020204" pitchFamily="34" charset="0"/>
+                        <a:ea typeface="黑体" panose="02010609060101010101" pitchFamily="49" charset="-122"/>
+                        <a:cs typeface="Times New Roman" panose="02020603050405020304" pitchFamily="18" charset="0"/>
+                      </a:endParaRPr>
                     </a:p>
                   </a:txBody>
                   <a:tcPr anchor="ctr"/>
@@ -5825,6 +5181,12 @@
                         </a:rPr>
                         <a:t>O</a:t>
                       </a:r>
+                      <a:endParaRPr lang="en-US" sz="2400" b="1" dirty="0">
+                        <a:effectLst/>
+                        <a:latin typeface="Arial" panose="020B0604020202020204" pitchFamily="34" charset="0"/>
+                        <a:ea typeface="黑体" panose="02010609060101010101" pitchFamily="49" charset="-122"/>
+                        <a:cs typeface="Times New Roman" panose="02020603050405020304" pitchFamily="18" charset="0"/>
+                      </a:endParaRPr>
                     </a:p>
                   </a:txBody>
                   <a:tcPr anchor="ctr"/>
@@ -5844,6 +5206,12 @@
                         </a:rPr>
                         <a:t>C</a:t>
                       </a:r>
+                      <a:endParaRPr lang="en-US" sz="2400" b="1" dirty="0">
+                        <a:effectLst/>
+                        <a:latin typeface="Arial" panose="020B0604020202020204" pitchFamily="34" charset="0"/>
+                        <a:ea typeface="黑体" panose="02010609060101010101" pitchFamily="49" charset="-122"/>
+                        <a:cs typeface="Times New Roman" panose="02020603050405020304" pitchFamily="18" charset="0"/>
+                      </a:endParaRPr>
                     </a:p>
                   </a:txBody>
                   <a:tcPr anchor="ctr"/>
@@ -5863,6 +5231,12 @@
                         </a:rPr>
                         <a:t>Q</a:t>
                       </a:r>
+                      <a:endParaRPr lang="en-US" sz="2400" b="1" dirty="0">
+                        <a:effectLst/>
+                        <a:latin typeface="Arial" panose="020B0604020202020204" pitchFamily="34" charset="0"/>
+                        <a:ea typeface="黑体" panose="02010609060101010101" pitchFamily="49" charset="-122"/>
+                        <a:cs typeface="Times New Roman" panose="02020603050405020304" pitchFamily="18" charset="0"/>
+                      </a:endParaRPr>
                     </a:p>
                   </a:txBody>
                   <a:tcPr anchor="ctr"/>
@@ -5882,6 +5256,12 @@
                         </a:rPr>
                         <a:t>F</a:t>
                       </a:r>
+                      <a:endParaRPr lang="en-US" sz="2400" b="1" dirty="0">
+                        <a:effectLst/>
+                        <a:latin typeface="Arial" panose="020B0604020202020204" pitchFamily="34" charset="0"/>
+                        <a:ea typeface="黑体" panose="02010609060101010101" pitchFamily="49" charset="-122"/>
+                        <a:cs typeface="Times New Roman" panose="02020603050405020304" pitchFamily="18" charset="0"/>
+                      </a:endParaRPr>
                     </a:p>
                   </a:txBody>
                   <a:tcPr anchor="ctr"/>
@@ -5901,6 +5281,12 @@
                         </a:rPr>
                         <a:t>S</a:t>
                       </a:r>
+                      <a:endParaRPr lang="en-US" sz="2400" b="1" dirty="0">
+                        <a:effectLst/>
+                        <a:latin typeface="Arial" panose="020B0604020202020204" pitchFamily="34" charset="0"/>
+                        <a:ea typeface="黑体" panose="02010609060101010101" pitchFamily="49" charset="-122"/>
+                        <a:cs typeface="Times New Roman" panose="02020603050405020304" pitchFamily="18" charset="0"/>
+                      </a:endParaRPr>
                     </a:p>
                   </a:txBody>
                   <a:tcPr anchor="ctr"/>
@@ -5920,6 +5306,12 @@
                         </a:rPr>
                         <a:t>Y</a:t>
                       </a:r>
+                      <a:endParaRPr lang="en-US" sz="2400" b="1" dirty="0">
+                        <a:effectLst/>
+                        <a:latin typeface="Arial" panose="020B0604020202020204" pitchFamily="34" charset="0"/>
+                        <a:ea typeface="黑体" panose="02010609060101010101" pitchFamily="49" charset="-122"/>
+                        <a:cs typeface="Times New Roman" panose="02020603050405020304" pitchFamily="18" charset="0"/>
+                      </a:endParaRPr>
                     </a:p>
                   </a:txBody>
                   <a:tcPr anchor="ctr"/>
@@ -5939,6 +5331,12 @@
                         </a:rPr>
                         <a:t>H</a:t>
                       </a:r>
+                      <a:endParaRPr lang="en-US" sz="2400" b="1" dirty="0">
+                        <a:effectLst/>
+                        <a:latin typeface="Arial" panose="020B0604020202020204" pitchFamily="34" charset="0"/>
+                        <a:ea typeface="黑体" panose="02010609060101010101" pitchFamily="49" charset="-122"/>
+                        <a:cs typeface="Times New Roman" panose="02020603050405020304" pitchFamily="18" charset="0"/>
+                      </a:endParaRPr>
                     </a:p>
                   </a:txBody>
                   <a:tcPr anchor="ctr"/>
@@ -5958,6 +5356,12 @@
                         </a:rPr>
                         <a:t>W</a:t>
                       </a:r>
+                      <a:endParaRPr lang="en-US" sz="2400" b="1" dirty="0">
+                        <a:effectLst/>
+                        <a:latin typeface="Arial" panose="020B0604020202020204" pitchFamily="34" charset="0"/>
+                        <a:ea typeface="黑体" panose="02010609060101010101" pitchFamily="49" charset="-122"/>
+                        <a:cs typeface="Times New Roman" panose="02020603050405020304" pitchFamily="18" charset="0"/>
+                      </a:endParaRPr>
                     </a:p>
                   </a:txBody>
                   <a:tcPr anchor="ctr"/>
@@ -5977,6 +5381,12 @@
                         </a:rPr>
                         <a:t>G</a:t>
                       </a:r>
+                      <a:endParaRPr lang="en-US" sz="2400" b="1" dirty="0">
+                        <a:effectLst/>
+                        <a:latin typeface="Arial" panose="020B0604020202020204" pitchFamily="34" charset="0"/>
+                        <a:ea typeface="黑体" panose="02010609060101010101" pitchFamily="49" charset="-122"/>
+                        <a:cs typeface="Times New Roman" panose="02020603050405020304" pitchFamily="18" charset="0"/>
+                      </a:endParaRPr>
                     </a:p>
                   </a:txBody>
                   <a:tcPr anchor="ctr"/>
@@ -5996,6 +5406,12 @@
                         </a:rPr>
                         <a:t>L</a:t>
                       </a:r>
+                      <a:endParaRPr lang="en-US" sz="2400" b="1" dirty="0">
+                        <a:effectLst/>
+                        <a:latin typeface="Arial" panose="020B0604020202020204" pitchFamily="34" charset="0"/>
+                        <a:ea typeface="黑体" panose="02010609060101010101" pitchFamily="49" charset="-122"/>
+                        <a:cs typeface="Times New Roman" panose="02020603050405020304" pitchFamily="18" charset="0"/>
+                      </a:endParaRPr>
                     </a:p>
                   </a:txBody>
                   <a:tcPr anchor="ctr"/>
@@ -6015,6 +5431,12 @@
                         </a:rPr>
                         <a:t>Z</a:t>
                       </a:r>
+                      <a:endParaRPr lang="en-US" sz="2400" b="1" dirty="0">
+                        <a:effectLst/>
+                        <a:latin typeface="Arial" panose="020B0604020202020204" pitchFamily="34" charset="0"/>
+                        <a:ea typeface="黑体" panose="02010609060101010101" pitchFamily="49" charset="-122"/>
+                        <a:cs typeface="Times New Roman" panose="02020603050405020304" pitchFamily="18" charset="0"/>
+                      </a:endParaRPr>
                     </a:p>
                   </a:txBody>
                   <a:tcPr anchor="ctr"/>
@@ -6034,6 +5456,12 @@
                         </a:rPr>
                         <a:t>I</a:t>
                       </a:r>
+                      <a:endParaRPr lang="en-US" sz="2400" b="1" dirty="0">
+                        <a:effectLst/>
+                        <a:latin typeface="Arial" panose="020B0604020202020204" pitchFamily="34" charset="0"/>
+                        <a:ea typeface="黑体" panose="02010609060101010101" pitchFamily="49" charset="-122"/>
+                        <a:cs typeface="Times New Roman" panose="02020603050405020304" pitchFamily="18" charset="0"/>
+                      </a:endParaRPr>
                     </a:p>
                   </a:txBody>
                   <a:tcPr anchor="ctr"/>
@@ -6053,6 +5481,12 @@
                         </a:rPr>
                         <a:t>J</a:t>
                       </a:r>
+                      <a:endParaRPr lang="en-US" sz="2400" b="1" dirty="0">
+                        <a:effectLst/>
+                        <a:latin typeface="Arial" panose="020B0604020202020204" pitchFamily="34" charset="0"/>
+                        <a:ea typeface="黑体" panose="02010609060101010101" pitchFamily="49" charset="-122"/>
+                        <a:cs typeface="Times New Roman" panose="02020603050405020304" pitchFamily="18" charset="0"/>
+                      </a:endParaRPr>
                     </a:p>
                   </a:txBody>
                   <a:tcPr anchor="ctr"/>
@@ -6072,6 +5506,12 @@
                         </a:rPr>
                         <a:t>P</a:t>
                       </a:r>
+                      <a:endParaRPr lang="en-US" sz="2400" b="1" dirty="0">
+                        <a:effectLst/>
+                        <a:latin typeface="Arial" panose="020B0604020202020204" pitchFamily="34" charset="0"/>
+                        <a:ea typeface="黑体" panose="02010609060101010101" pitchFamily="49" charset="-122"/>
+                        <a:cs typeface="Times New Roman" panose="02020603050405020304" pitchFamily="18" charset="0"/>
+                      </a:endParaRPr>
                     </a:p>
                   </a:txBody>
                   <a:tcPr anchor="ctr"/>
@@ -6091,26 +5531,22 @@
                         </a:rPr>
                         <a:t>T</a:t>
                       </a:r>
+                      <a:endParaRPr lang="en-US" sz="2400" b="1" dirty="0">
+                        <a:effectLst/>
+                        <a:latin typeface="Arial" panose="020B0604020202020204" pitchFamily="34" charset="0"/>
+                        <a:ea typeface="黑体" panose="02010609060101010101" pitchFamily="49" charset="-122"/>
+                        <a:cs typeface="Times New Roman" panose="02020603050405020304" pitchFamily="18" charset="0"/>
+                      </a:endParaRPr>
                     </a:p>
                   </a:txBody>
                   <a:tcPr anchor="ctr"/>
                 </a:tc>
-                <a:extLst>
-                  <a:ext uri="{0D108BD9-81ED-4DB2-BD59-A6C34878D82A}">
-                    <a16:rowId xmlns:a16="http://schemas.microsoft.com/office/drawing/2014/main" val="3117271776"/>
-                  </a:ext>
-                </a:extLst>
               </a:tr>
             </a:tbl>
           </a:graphicData>
         </a:graphic>
       </p:graphicFrame>
     </p:spTree>
-    <p:extLst>
-      <p:ext uri="{BB962C8B-B14F-4D97-AF65-F5344CB8AC3E}">
-        <p14:creationId xmlns:p14="http://schemas.microsoft.com/office/powerpoint/2010/main" val="3225013604"/>
-      </p:ext>
-    </p:extLst>
   </p:cSld>
   <p:clrMapOvr>
     <a:masterClrMapping/>
@@ -6118,18 +5554,12 @@
 </p:sld>
 </file>
 
-<file path=ppt/slides/slide13.xml><?xml version="1.0" encoding="utf-8"?>
+<file path=ppt/slides/slide12.xml><?xml version="1.0" encoding="utf-8"?>
 <p:sld xmlns:a="http://schemas.openxmlformats.org/drawingml/2006/main" xmlns:r="http://schemas.openxmlformats.org/officeDocument/2006/relationships" xmlns:p="http://schemas.openxmlformats.org/presentationml/2006/main">
   <p:cSld>
     <p:spTree>
       <p:nvGrpSpPr>
-        <p:cNvPr id="1" name="">
-          <a:extLst>
-            <a:ext uri="{FF2B5EF4-FFF2-40B4-BE49-F238E27FC236}">
-              <a16:creationId xmlns:a16="http://schemas.microsoft.com/office/drawing/2014/main" id="{39552CD0-B1EA-7729-0152-2907224095DB}"/>
-            </a:ext>
-          </a:extLst>
-        </p:cNvPr>
+        <p:cNvPr id="1" name=""/>
         <p:cNvGrpSpPr/>
         <p:nvPr/>
       </p:nvGrpSpPr>
@@ -6143,13 +5573,7 @@
       </p:grpSpPr>
       <p:sp>
         <p:nvSpPr>
-          <p:cNvPr id="2" name="Title 17">
-            <a:extLst>
-              <a:ext uri="{FF2B5EF4-FFF2-40B4-BE49-F238E27FC236}">
-                <a16:creationId xmlns:a16="http://schemas.microsoft.com/office/drawing/2014/main" id="{7BAD000F-E96C-24EF-C83F-658DE86E97CD}"/>
-              </a:ext>
-            </a:extLst>
-          </p:cNvPr>
+          <p:cNvPr id="2" name="Title 17"/>
           <p:cNvSpPr>
             <a:spLocks noGrp="1"/>
           </p:cNvSpPr>
@@ -6232,18 +5656,28 @@
               </a:rPr>
               <a:t> 单表置换密码的破译</a:t>
             </a:r>
+            <a:endParaRPr lang="zh-CN" altLang="en-US" sz="3200" spc="0" dirty="0">
+              <a:solidFill>
+                <a:schemeClr val="tx1"/>
+              </a:solidFill>
+              <a:effectLst>
+                <a:outerShdw blurRad="38100" dist="38100" dir="2700000" algn="tl">
+                  <a:srgbClr val="000000">
+                    <a:alpha val="43137"/>
+                  </a:srgbClr>
+                </a:outerShdw>
+              </a:effectLst>
+              <a:latin typeface="Arial" panose="020B0604020202020204" pitchFamily="34" charset="0"/>
+              <a:ea typeface="黑体" panose="02010609060101010101" pitchFamily="49" charset="-122"/>
+              <a:cs typeface="Times New Roman" panose="02020603050405020304" pitchFamily="18" charset="0"/>
+              <a:sym typeface="+mn-ea"/>
+            </a:endParaRPr>
           </a:p>
         </p:txBody>
       </p:sp>
       <p:sp>
         <p:nvSpPr>
-          <p:cNvPr id="4" name="灯片编号占位符 2">
-            <a:extLst>
-              <a:ext uri="{FF2B5EF4-FFF2-40B4-BE49-F238E27FC236}">
-                <a16:creationId xmlns:a16="http://schemas.microsoft.com/office/drawing/2014/main" id="{A7A415B2-0A4F-8E64-932C-88CBF368657A}"/>
-              </a:ext>
-            </a:extLst>
-          </p:cNvPr>
+          <p:cNvPr id="4" name="灯片编号占位符 2"/>
           <p:cNvSpPr>
             <a:spLocks noGrp="1"/>
           </p:cNvSpPr>
@@ -6266,7 +5700,6 @@
                 <a:latin typeface="Arial" panose="020B0604020202020204" pitchFamily="34" charset="0"/>
                 <a:ea typeface="黑体" panose="02010609060101010101" pitchFamily="49" charset="-122"/>
               </a:rPr>
-              <a:t>13</a:t>
             </a:fld>
             <a:endParaRPr lang="zh-CN" altLang="en-US">
               <a:latin typeface="Arial" panose="020B0604020202020204" pitchFamily="34" charset="0"/>
@@ -6277,20 +5710,14 @@
       </p:sp>
       <p:pic>
         <p:nvPicPr>
-          <p:cNvPr id="5" name="Picture 5">
-            <a:extLst>
-              <a:ext uri="{FF2B5EF4-FFF2-40B4-BE49-F238E27FC236}">
-                <a16:creationId xmlns:a16="http://schemas.microsoft.com/office/drawing/2014/main" id="{9F4EB540-58ED-8A48-FD79-216765632EDF}"/>
-              </a:ext>
-            </a:extLst>
-          </p:cNvPr>
+          <p:cNvPr id="5" name="Picture 5"/>
           <p:cNvPicPr>
             <a:picLocks noChangeAspect="1" noChangeArrowheads="1"/>
           </p:cNvPicPr>
           <p:nvPr/>
         </p:nvPicPr>
         <p:blipFill>
-          <a:blip r:embed="rId3">
+          <a:blip r:embed="rId2">
             <a:extLst>
               <a:ext uri="{28A0092B-C50C-407E-A947-70E740481C1C}">
                 <a14:useLocalDpi xmlns:a14="http://schemas.microsoft.com/office/drawing/2010/main" val="0"/>
@@ -6324,13 +5751,7 @@
       </p:pic>
       <p:sp>
         <p:nvSpPr>
-          <p:cNvPr id="7" name="文本框 6">
-            <a:extLst>
-              <a:ext uri="{FF2B5EF4-FFF2-40B4-BE49-F238E27FC236}">
-                <a16:creationId xmlns:a16="http://schemas.microsoft.com/office/drawing/2014/main" id="{D4310306-CEA6-7D6E-4016-8EFFE31A9885}"/>
-              </a:ext>
-            </a:extLst>
-          </p:cNvPr>
+          <p:cNvPr id="7" name="文本框 6"/>
           <p:cNvSpPr txBox="1"/>
           <p:nvPr/>
         </p:nvSpPr>
@@ -6375,11 +5796,6 @@
         </p:txBody>
       </p:sp>
     </p:spTree>
-    <p:extLst>
-      <p:ext uri="{BB962C8B-B14F-4D97-AF65-F5344CB8AC3E}">
-        <p14:creationId xmlns:p14="http://schemas.microsoft.com/office/powerpoint/2010/main" val="3259612785"/>
-      </p:ext>
-    </p:extLst>
   </p:cSld>
   <p:clrMapOvr>
     <a:masterClrMapping/>
@@ -6387,18 +5803,12 @@
 </p:sld>
 </file>
 
-<file path=ppt/slides/slide14.xml><?xml version="1.0" encoding="utf-8"?>
+<file path=ppt/slides/slide13.xml><?xml version="1.0" encoding="utf-8"?>
 <p:sld xmlns:a="http://schemas.openxmlformats.org/drawingml/2006/main" xmlns:r="http://schemas.openxmlformats.org/officeDocument/2006/relationships" xmlns:p="http://schemas.openxmlformats.org/presentationml/2006/main">
   <p:cSld>
     <p:spTree>
       <p:nvGrpSpPr>
-        <p:cNvPr id="1" name="">
-          <a:extLst>
-            <a:ext uri="{FF2B5EF4-FFF2-40B4-BE49-F238E27FC236}">
-              <a16:creationId xmlns:a16="http://schemas.microsoft.com/office/drawing/2014/main" id="{1DB3A395-3B26-2EA8-3EF3-56DCC72F8938}"/>
-            </a:ext>
-          </a:extLst>
-        </p:cNvPr>
+        <p:cNvPr id="1" name=""/>
         <p:cNvGrpSpPr/>
         <p:nvPr/>
       </p:nvGrpSpPr>
@@ -6412,13 +5822,7 @@
       </p:grpSpPr>
       <p:sp>
         <p:nvSpPr>
-          <p:cNvPr id="2" name="Title 17">
-            <a:extLst>
-              <a:ext uri="{FF2B5EF4-FFF2-40B4-BE49-F238E27FC236}">
-                <a16:creationId xmlns:a16="http://schemas.microsoft.com/office/drawing/2014/main" id="{C1A205E8-7313-6548-1F2B-03F69335AF10}"/>
-              </a:ext>
-            </a:extLst>
-          </p:cNvPr>
+          <p:cNvPr id="2" name="Title 17"/>
           <p:cNvSpPr>
             <a:spLocks noGrp="1"/>
           </p:cNvSpPr>
@@ -6501,18 +5905,28 @@
               </a:rPr>
               <a:t> 单表置换密码的破译</a:t>
             </a:r>
+            <a:endParaRPr lang="zh-CN" altLang="en-US" sz="3200" spc="0" dirty="0">
+              <a:solidFill>
+                <a:schemeClr val="tx1"/>
+              </a:solidFill>
+              <a:effectLst>
+                <a:outerShdw blurRad="38100" dist="38100" dir="2700000" algn="tl">
+                  <a:srgbClr val="000000">
+                    <a:alpha val="43137"/>
+                  </a:srgbClr>
+                </a:outerShdw>
+              </a:effectLst>
+              <a:latin typeface="Arial" panose="020B0604020202020204" pitchFamily="34" charset="0"/>
+              <a:ea typeface="黑体" panose="02010609060101010101" pitchFamily="49" charset="-122"/>
+              <a:cs typeface="Times New Roman" panose="02020603050405020304" pitchFamily="18" charset="0"/>
+              <a:sym typeface="+mn-ea"/>
+            </a:endParaRPr>
           </a:p>
         </p:txBody>
       </p:sp>
       <p:sp>
         <p:nvSpPr>
-          <p:cNvPr id="4" name="灯片编号占位符 2">
-            <a:extLst>
-              <a:ext uri="{FF2B5EF4-FFF2-40B4-BE49-F238E27FC236}">
-                <a16:creationId xmlns:a16="http://schemas.microsoft.com/office/drawing/2014/main" id="{214BA271-EF20-7F59-65F7-B843BD58DB3E}"/>
-              </a:ext>
-            </a:extLst>
-          </p:cNvPr>
+          <p:cNvPr id="4" name="灯片编号占位符 2"/>
           <p:cNvSpPr>
             <a:spLocks noGrp="1"/>
           </p:cNvSpPr>
@@ -6535,7 +5949,6 @@
                 <a:latin typeface="Arial" panose="020B0604020202020204" pitchFamily="34" charset="0"/>
                 <a:ea typeface="黑体" panose="02010609060101010101" pitchFamily="49" charset="-122"/>
               </a:rPr>
-              <a:t>14</a:t>
             </a:fld>
             <a:endParaRPr lang="zh-CN" altLang="en-US">
               <a:latin typeface="Arial" panose="020B0604020202020204" pitchFamily="34" charset="0"/>
@@ -6546,13 +5959,7 @@
       </p:sp>
       <p:sp>
         <p:nvSpPr>
-          <p:cNvPr id="5" name="文本框 4">
-            <a:extLst>
-              <a:ext uri="{FF2B5EF4-FFF2-40B4-BE49-F238E27FC236}">
-                <a16:creationId xmlns:a16="http://schemas.microsoft.com/office/drawing/2014/main" id="{23B3D047-99EC-DDC1-E557-8BA8A20A3EA8}"/>
-              </a:ext>
-            </a:extLst>
-          </p:cNvPr>
+          <p:cNvPr id="5" name="文本框 4"/>
           <p:cNvSpPr txBox="1"/>
           <p:nvPr/>
         </p:nvSpPr>
@@ -6583,25 +5990,22 @@
               </a:rPr>
               <a:t>字母出现次数排序：</a:t>
             </a:r>
+            <a:endParaRPr lang="zh-CN" altLang="en-US" sz="2000" dirty="0">
+              <a:cs typeface="黑体" panose="02010609060101010101" pitchFamily="49" charset="-122"/>
+            </a:endParaRPr>
           </a:p>
         </p:txBody>
       </p:sp>
       <p:pic>
         <p:nvPicPr>
-          <p:cNvPr id="7" name="图片 6">
-            <a:extLst>
-              <a:ext uri="{FF2B5EF4-FFF2-40B4-BE49-F238E27FC236}">
-                <a16:creationId xmlns:a16="http://schemas.microsoft.com/office/drawing/2014/main" id="{B8B1062C-BE9C-A5B7-3C61-F4131E87D634}"/>
-              </a:ext>
-            </a:extLst>
-          </p:cNvPr>
+          <p:cNvPr id="7" name="图片 6"/>
           <p:cNvPicPr>
             <a:picLocks noChangeAspect="1"/>
           </p:cNvPicPr>
           <p:nvPr/>
         </p:nvPicPr>
         <p:blipFill>
-          <a:blip r:embed="rId3"/>
+          <a:blip r:embed="rId2"/>
           <a:stretch>
             <a:fillRect/>
           </a:stretch>
@@ -6617,11 +6021,6 @@
         </p:spPr>
       </p:pic>
     </p:spTree>
-    <p:extLst>
-      <p:ext uri="{BB962C8B-B14F-4D97-AF65-F5344CB8AC3E}">
-        <p14:creationId xmlns:p14="http://schemas.microsoft.com/office/powerpoint/2010/main" val="2455295727"/>
-      </p:ext>
-    </p:extLst>
   </p:cSld>
   <p:clrMapOvr>
     <a:masterClrMapping/>
@@ -6629,18 +6028,12 @@
 </p:sld>
 </file>
 
-<file path=ppt/slides/slide15.xml><?xml version="1.0" encoding="utf-8"?>
+<file path=ppt/slides/slide14.xml><?xml version="1.0" encoding="utf-8"?>
 <p:sld xmlns:a="http://schemas.openxmlformats.org/drawingml/2006/main" xmlns:r="http://schemas.openxmlformats.org/officeDocument/2006/relationships" xmlns:p="http://schemas.openxmlformats.org/presentationml/2006/main">
   <p:cSld>
     <p:spTree>
       <p:nvGrpSpPr>
-        <p:cNvPr id="1" name="">
-          <a:extLst>
-            <a:ext uri="{FF2B5EF4-FFF2-40B4-BE49-F238E27FC236}">
-              <a16:creationId xmlns:a16="http://schemas.microsoft.com/office/drawing/2014/main" id="{8AA419CE-1ED1-1CE5-2B9F-BFB4B783AE16}"/>
-            </a:ext>
-          </a:extLst>
-        </p:cNvPr>
+        <p:cNvPr id="1" name=""/>
         <p:cNvGrpSpPr/>
         <p:nvPr/>
       </p:nvGrpSpPr>
@@ -6654,13 +6047,7 @@
       </p:grpSpPr>
       <p:sp>
         <p:nvSpPr>
-          <p:cNvPr id="2" name="Title 17">
-            <a:extLst>
-              <a:ext uri="{FF2B5EF4-FFF2-40B4-BE49-F238E27FC236}">
-                <a16:creationId xmlns:a16="http://schemas.microsoft.com/office/drawing/2014/main" id="{4377C637-F2B0-6F84-690E-6A4624E85E11}"/>
-              </a:ext>
-            </a:extLst>
-          </p:cNvPr>
+          <p:cNvPr id="2" name="Title 17"/>
           <p:cNvSpPr>
             <a:spLocks noGrp="1"/>
           </p:cNvSpPr>
@@ -6743,18 +6130,28 @@
               </a:rPr>
               <a:t> 维吉尼亚密码的破译</a:t>
             </a:r>
+            <a:endParaRPr lang="zh-CN" altLang="en-US" sz="3200" spc="0" dirty="0">
+              <a:solidFill>
+                <a:schemeClr val="tx1"/>
+              </a:solidFill>
+              <a:effectLst>
+                <a:outerShdw blurRad="38100" dist="38100" dir="2700000" algn="tl">
+                  <a:srgbClr val="000000">
+                    <a:alpha val="43137"/>
+                  </a:srgbClr>
+                </a:outerShdw>
+              </a:effectLst>
+              <a:latin typeface="Arial" panose="020B0604020202020204" pitchFamily="34" charset="0"/>
+              <a:ea typeface="黑体" panose="02010609060101010101" pitchFamily="49" charset="-122"/>
+              <a:cs typeface="Times New Roman" panose="02020603050405020304" pitchFamily="18" charset="0"/>
+              <a:sym typeface="+mn-ea"/>
+            </a:endParaRPr>
           </a:p>
         </p:txBody>
       </p:sp>
       <p:sp>
         <p:nvSpPr>
-          <p:cNvPr id="4" name="灯片编号占位符 2">
-            <a:extLst>
-              <a:ext uri="{FF2B5EF4-FFF2-40B4-BE49-F238E27FC236}">
-                <a16:creationId xmlns:a16="http://schemas.microsoft.com/office/drawing/2014/main" id="{42535491-D983-7CAD-20B8-49772DC57D89}"/>
-              </a:ext>
-            </a:extLst>
-          </p:cNvPr>
+          <p:cNvPr id="4" name="灯片编号占位符 2"/>
           <p:cNvSpPr>
             <a:spLocks noGrp="1"/>
           </p:cNvSpPr>
@@ -6777,7 +6174,6 @@
                 <a:latin typeface="Arial" panose="020B0604020202020204" pitchFamily="34" charset="0"/>
                 <a:ea typeface="黑体" panose="02010609060101010101" pitchFamily="49" charset="-122"/>
               </a:rPr>
-              <a:t>15</a:t>
             </a:fld>
             <a:endParaRPr lang="zh-CN" altLang="en-US">
               <a:latin typeface="Arial" panose="020B0604020202020204" pitchFamily="34" charset="0"/>
@@ -6788,13 +6184,7 @@
       </p:sp>
       <p:sp>
         <p:nvSpPr>
-          <p:cNvPr id="6" name="矩形: 圆角 5">
-            <a:extLst>
-              <a:ext uri="{FF2B5EF4-FFF2-40B4-BE49-F238E27FC236}">
-                <a16:creationId xmlns:a16="http://schemas.microsoft.com/office/drawing/2014/main" id="{E93C38EB-4B8D-5EFD-A1C4-D1A9DEB5894B}"/>
-              </a:ext>
-            </a:extLst>
-          </p:cNvPr>
+          <p:cNvPr id="6" name="矩形: 圆角 5"/>
           <p:cNvSpPr/>
           <p:nvPr/>
         </p:nvSpPr>
@@ -6845,20 +6235,14 @@
           <a:p>
             <a:pPr algn="ctr"/>
             <a:endParaRPr lang="zh-CN" altLang="en-US" dirty="0">
-              <a:ea typeface="Microsoft YaHei" panose="020B0503020204020204" pitchFamily="34" charset="-122"/>
+              <a:ea typeface="微软雅黑" panose="020B0503020204020204" charset="-122"/>
             </a:endParaRPr>
           </a:p>
         </p:txBody>
       </p:sp>
       <p:sp>
         <p:nvSpPr>
-          <p:cNvPr id="8" name="文本框 7">
-            <a:extLst>
-              <a:ext uri="{FF2B5EF4-FFF2-40B4-BE49-F238E27FC236}">
-                <a16:creationId xmlns:a16="http://schemas.microsoft.com/office/drawing/2014/main" id="{8412F0E9-0437-D460-E387-4C203A418BF7}"/>
-              </a:ext>
-            </a:extLst>
-          </p:cNvPr>
+          <p:cNvPr id="8" name="文本框 7"/>
           <p:cNvSpPr txBox="1"/>
           <p:nvPr/>
         </p:nvSpPr>
@@ -6965,13 +6349,7 @@
       </p:sp>
       <p:sp>
         <p:nvSpPr>
-          <p:cNvPr id="9" name="文本框 8">
-            <a:extLst>
-              <a:ext uri="{FF2B5EF4-FFF2-40B4-BE49-F238E27FC236}">
-                <a16:creationId xmlns:a16="http://schemas.microsoft.com/office/drawing/2014/main" id="{3A2C1B76-0496-7B6E-126A-FE580898E258}"/>
-              </a:ext>
-            </a:extLst>
-          </p:cNvPr>
+          <p:cNvPr id="9" name="文本框 8"/>
           <p:cNvSpPr txBox="1"/>
           <p:nvPr/>
         </p:nvSpPr>
@@ -7021,11 +6399,6 @@
         </p:txBody>
       </p:sp>
     </p:spTree>
-    <p:extLst>
-      <p:ext uri="{BB962C8B-B14F-4D97-AF65-F5344CB8AC3E}">
-        <p14:creationId xmlns:p14="http://schemas.microsoft.com/office/powerpoint/2010/main" val="2665892412"/>
-      </p:ext>
-    </p:extLst>
   </p:cSld>
   <p:clrMapOvr>
     <a:masterClrMapping/>
@@ -7033,18 +6406,12 @@
 </p:sld>
 </file>
 
-<file path=ppt/slides/slide16.xml><?xml version="1.0" encoding="utf-8"?>
+<file path=ppt/slides/slide15.xml><?xml version="1.0" encoding="utf-8"?>
 <p:sld xmlns:a="http://schemas.openxmlformats.org/drawingml/2006/main" xmlns:r="http://schemas.openxmlformats.org/officeDocument/2006/relationships" xmlns:p="http://schemas.openxmlformats.org/presentationml/2006/main">
   <p:cSld>
     <p:spTree>
       <p:nvGrpSpPr>
-        <p:cNvPr id="1" name="">
-          <a:extLst>
-            <a:ext uri="{FF2B5EF4-FFF2-40B4-BE49-F238E27FC236}">
-              <a16:creationId xmlns:a16="http://schemas.microsoft.com/office/drawing/2014/main" id="{E56C66CD-D0C6-0EE9-82FA-9BB3C4BDA25C}"/>
-            </a:ext>
-          </a:extLst>
-        </p:cNvPr>
+        <p:cNvPr id="1" name=""/>
         <p:cNvGrpSpPr/>
         <p:nvPr/>
       </p:nvGrpSpPr>
@@ -7058,13 +6425,7 @@
       </p:grpSpPr>
       <p:sp>
         <p:nvSpPr>
-          <p:cNvPr id="2" name="Title 17">
-            <a:extLst>
-              <a:ext uri="{FF2B5EF4-FFF2-40B4-BE49-F238E27FC236}">
-                <a16:creationId xmlns:a16="http://schemas.microsoft.com/office/drawing/2014/main" id="{1E480751-C623-F8AE-94D0-B4F4816CB833}"/>
-              </a:ext>
-            </a:extLst>
-          </p:cNvPr>
+          <p:cNvPr id="2" name="Title 17"/>
           <p:cNvSpPr>
             <a:spLocks noGrp="1"/>
           </p:cNvSpPr>
@@ -7147,18 +6508,28 @@
               </a:rPr>
               <a:t> 维吉尼亚密码的破译</a:t>
             </a:r>
+            <a:endParaRPr lang="zh-CN" altLang="en-US" sz="3200" spc="0" dirty="0">
+              <a:solidFill>
+                <a:schemeClr val="tx1"/>
+              </a:solidFill>
+              <a:effectLst>
+                <a:outerShdw blurRad="38100" dist="38100" dir="2700000" algn="tl">
+                  <a:srgbClr val="000000">
+                    <a:alpha val="43137"/>
+                  </a:srgbClr>
+                </a:outerShdw>
+              </a:effectLst>
+              <a:latin typeface="Arial" panose="020B0604020202020204" pitchFamily="34" charset="0"/>
+              <a:ea typeface="黑体" panose="02010609060101010101" pitchFamily="49" charset="-122"/>
+              <a:cs typeface="Times New Roman" panose="02020603050405020304" pitchFamily="18" charset="0"/>
+              <a:sym typeface="+mn-ea"/>
+            </a:endParaRPr>
           </a:p>
         </p:txBody>
       </p:sp>
       <p:sp>
         <p:nvSpPr>
-          <p:cNvPr id="4" name="灯片编号占位符 2">
-            <a:extLst>
-              <a:ext uri="{FF2B5EF4-FFF2-40B4-BE49-F238E27FC236}">
-                <a16:creationId xmlns:a16="http://schemas.microsoft.com/office/drawing/2014/main" id="{D3222E40-5BC4-DE48-772C-A4A4AA540B83}"/>
-              </a:ext>
-            </a:extLst>
-          </p:cNvPr>
+          <p:cNvPr id="4" name="灯片编号占位符 2"/>
           <p:cNvSpPr>
             <a:spLocks noGrp="1"/>
           </p:cNvSpPr>
@@ -7181,7 +6552,6 @@
                 <a:latin typeface="Arial" panose="020B0604020202020204" pitchFamily="34" charset="0"/>
                 <a:ea typeface="黑体" panose="02010609060101010101" pitchFamily="49" charset="-122"/>
               </a:rPr>
-              <a:t>16</a:t>
             </a:fld>
             <a:endParaRPr lang="zh-CN" altLang="en-US">
               <a:latin typeface="Arial" panose="020B0604020202020204" pitchFamily="34" charset="0"/>
@@ -7192,20 +6562,14 @@
       </p:sp>
       <p:pic>
         <p:nvPicPr>
-          <p:cNvPr id="3" name="图片 2">
-            <a:extLst>
-              <a:ext uri="{FF2B5EF4-FFF2-40B4-BE49-F238E27FC236}">
-                <a16:creationId xmlns:a16="http://schemas.microsoft.com/office/drawing/2014/main" id="{2C853B73-FB76-7260-1940-CBB7C3934F97}"/>
-              </a:ext>
-            </a:extLst>
-          </p:cNvPr>
+          <p:cNvPr id="3" name="图片 2"/>
           <p:cNvPicPr>
             <a:picLocks noChangeAspect="1"/>
           </p:cNvPicPr>
           <p:nvPr/>
         </p:nvPicPr>
         <p:blipFill>
-          <a:blip r:embed="rId3"/>
+          <a:blip r:embed="rId2"/>
           <a:stretch>
             <a:fillRect/>
           </a:stretch>
@@ -7222,20 +6586,14 @@
       </p:pic>
       <p:pic>
         <p:nvPicPr>
-          <p:cNvPr id="5" name="图片 4">
-            <a:extLst>
-              <a:ext uri="{FF2B5EF4-FFF2-40B4-BE49-F238E27FC236}">
-                <a16:creationId xmlns:a16="http://schemas.microsoft.com/office/drawing/2014/main" id="{8D08EAD1-81E5-ABF8-079C-E2D73B6BD48B}"/>
-              </a:ext>
-            </a:extLst>
-          </p:cNvPr>
+          <p:cNvPr id="5" name="图片 4"/>
           <p:cNvPicPr>
             <a:picLocks noChangeAspect="1"/>
           </p:cNvPicPr>
           <p:nvPr/>
         </p:nvPicPr>
         <p:blipFill>
-          <a:blip r:embed="rId4"/>
+          <a:blip r:embed="rId3"/>
           <a:stretch>
             <a:fillRect/>
           </a:stretch>
@@ -7252,13 +6610,7 @@
       </p:pic>
       <p:sp>
         <p:nvSpPr>
-          <p:cNvPr id="7" name="文本框 6">
-            <a:extLst>
-              <a:ext uri="{FF2B5EF4-FFF2-40B4-BE49-F238E27FC236}">
-                <a16:creationId xmlns:a16="http://schemas.microsoft.com/office/drawing/2014/main" id="{510A7350-0243-7B88-DDBD-D4DCCF5FF3FE}"/>
-              </a:ext>
-            </a:extLst>
-          </p:cNvPr>
+          <p:cNvPr id="7" name="文本框 6"/>
           <p:cNvSpPr txBox="1"/>
           <p:nvPr/>
         </p:nvSpPr>
@@ -7289,18 +6641,15 @@
               </a:rPr>
               <a:t>加密：</a:t>
             </a:r>
+            <a:endParaRPr lang="zh-CN" altLang="en-US" sz="2000" dirty="0">
+              <a:cs typeface="黑体" panose="02010609060101010101" pitchFamily="49" charset="-122"/>
+            </a:endParaRPr>
           </a:p>
         </p:txBody>
       </p:sp>
       <p:sp>
         <p:nvSpPr>
-          <p:cNvPr id="10" name="文本框 9">
-            <a:extLst>
-              <a:ext uri="{FF2B5EF4-FFF2-40B4-BE49-F238E27FC236}">
-                <a16:creationId xmlns:a16="http://schemas.microsoft.com/office/drawing/2014/main" id="{296310EF-F3B5-A91D-497B-4E05428FEB43}"/>
-              </a:ext>
-            </a:extLst>
-          </p:cNvPr>
+          <p:cNvPr id="10" name="文本框 9"/>
           <p:cNvSpPr txBox="1"/>
           <p:nvPr/>
         </p:nvSpPr>
@@ -7331,15 +6680,13 @@
               </a:rPr>
               <a:t>解密：</a:t>
             </a:r>
+            <a:endParaRPr lang="zh-CN" altLang="en-US" sz="2000" dirty="0">
+              <a:cs typeface="黑体" panose="02010609060101010101" pitchFamily="49" charset="-122"/>
+            </a:endParaRPr>
           </a:p>
         </p:txBody>
       </p:sp>
     </p:spTree>
-    <p:extLst>
-      <p:ext uri="{BB962C8B-B14F-4D97-AF65-F5344CB8AC3E}">
-        <p14:creationId xmlns:p14="http://schemas.microsoft.com/office/powerpoint/2010/main" val="340222876"/>
-      </p:ext>
-    </p:extLst>
   </p:cSld>
   <p:clrMapOvr>
     <a:masterClrMapping/>
@@ -7347,18 +6694,12 @@
 </p:sld>
 </file>
 
-<file path=ppt/slides/slide17.xml><?xml version="1.0" encoding="utf-8"?>
+<file path=ppt/slides/slide16.xml><?xml version="1.0" encoding="utf-8"?>
 <p:sld xmlns:a="http://schemas.openxmlformats.org/drawingml/2006/main" xmlns:r="http://schemas.openxmlformats.org/officeDocument/2006/relationships" xmlns:p="http://schemas.openxmlformats.org/presentationml/2006/main">
   <p:cSld>
     <p:spTree>
       <p:nvGrpSpPr>
-        <p:cNvPr id="1" name="">
-          <a:extLst>
-            <a:ext uri="{FF2B5EF4-FFF2-40B4-BE49-F238E27FC236}">
-              <a16:creationId xmlns:a16="http://schemas.microsoft.com/office/drawing/2014/main" id="{4C73315E-CFA6-8A87-E74D-EB85213A69CE}"/>
-            </a:ext>
-          </a:extLst>
-        </p:cNvPr>
+        <p:cNvPr id="1" name=""/>
         <p:cNvGrpSpPr/>
         <p:nvPr/>
       </p:nvGrpSpPr>
@@ -7372,13 +6713,7 @@
       </p:grpSpPr>
       <p:sp>
         <p:nvSpPr>
-          <p:cNvPr id="2" name="Title 17">
-            <a:extLst>
-              <a:ext uri="{FF2B5EF4-FFF2-40B4-BE49-F238E27FC236}">
-                <a16:creationId xmlns:a16="http://schemas.microsoft.com/office/drawing/2014/main" id="{9EF922C3-2D13-2EF1-852D-7856025ABC0B}"/>
-              </a:ext>
-            </a:extLst>
-          </p:cNvPr>
+          <p:cNvPr id="2" name="Title 17"/>
           <p:cNvSpPr>
             <a:spLocks noGrp="1"/>
           </p:cNvSpPr>
@@ -7461,18 +6796,28 @@
               </a:rPr>
               <a:t> 维吉尼亚密码的破译</a:t>
             </a:r>
+            <a:endParaRPr lang="zh-CN" altLang="en-US" sz="3200" spc="0" dirty="0">
+              <a:solidFill>
+                <a:schemeClr val="tx1"/>
+              </a:solidFill>
+              <a:effectLst>
+                <a:outerShdw blurRad="38100" dist="38100" dir="2700000" algn="tl">
+                  <a:srgbClr val="000000">
+                    <a:alpha val="43137"/>
+                  </a:srgbClr>
+                </a:outerShdw>
+              </a:effectLst>
+              <a:latin typeface="Arial" panose="020B0604020202020204" pitchFamily="34" charset="0"/>
+              <a:ea typeface="黑体" panose="02010609060101010101" pitchFamily="49" charset="-122"/>
+              <a:cs typeface="Times New Roman" panose="02020603050405020304" pitchFamily="18" charset="0"/>
+              <a:sym typeface="+mn-ea"/>
+            </a:endParaRPr>
           </a:p>
         </p:txBody>
       </p:sp>
       <p:sp>
         <p:nvSpPr>
-          <p:cNvPr id="4" name="灯片编号占位符 2">
-            <a:extLst>
-              <a:ext uri="{FF2B5EF4-FFF2-40B4-BE49-F238E27FC236}">
-                <a16:creationId xmlns:a16="http://schemas.microsoft.com/office/drawing/2014/main" id="{05D3F44B-7BFB-A08C-9D0A-41D607B94C24}"/>
-              </a:ext>
-            </a:extLst>
-          </p:cNvPr>
+          <p:cNvPr id="4" name="灯片编号占位符 2"/>
           <p:cNvSpPr>
             <a:spLocks noGrp="1"/>
           </p:cNvSpPr>
@@ -7495,7 +6840,6 @@
                 <a:latin typeface="Arial" panose="020B0604020202020204" pitchFamily="34" charset="0"/>
                 <a:ea typeface="黑体" panose="02010609060101010101" pitchFamily="49" charset="-122"/>
               </a:rPr>
-              <a:t>17</a:t>
             </a:fld>
             <a:endParaRPr lang="zh-CN" altLang="en-US">
               <a:latin typeface="Arial" panose="020B0604020202020204" pitchFamily="34" charset="0"/>
@@ -7504,17 +6848,11 @@
           </a:p>
         </p:txBody>
       </p:sp>
-      <mc:AlternateContent xmlns:mc="http://schemas.openxmlformats.org/markup-compatibility/2006" xmlns:a14="http://schemas.microsoft.com/office/drawing/2010/main">
-        <mc:Choice Requires="a14">
+      <mc:AlternateContent xmlns:mc="http://schemas.openxmlformats.org/markup-compatibility/2006">
+        <mc:Choice xmlns:a14="http://schemas.microsoft.com/office/drawing/2010/main" Requires="a14">
           <p:sp>
             <p:nvSpPr>
-              <p:cNvPr id="6" name="文本框 5">
-                <a:extLst>
-                  <a:ext uri="{FF2B5EF4-FFF2-40B4-BE49-F238E27FC236}">
-                    <a16:creationId xmlns:a16="http://schemas.microsoft.com/office/drawing/2014/main" id="{99CAB12A-81FA-CE9C-FEA2-2588705D0FF3}"/>
-                  </a:ext>
-                </a:extLst>
-              </p:cNvPr>
+              <p:cNvPr id="6" name="文本框 5"/>
               <p:cNvSpPr txBox="1"/>
               <p:nvPr/>
             </p:nvSpPr>
@@ -7613,7 +6951,13 @@
                           <a:rPr lang="zh-CN" altLang="en-US" sz="2000" i="0">
                             <a:latin typeface="Cambria Math" panose="02040503050406030204" pitchFamily="18" charset="0"/>
                           </a:rPr>
-                          <m:t>1+</m:t>
+                          <m:t>1</m:t>
+                        </m:r>
+                        <m:r>
+                          <a:rPr lang="zh-CN" altLang="en-US" sz="2000" i="0">
+                            <a:latin typeface="Cambria Math" panose="02040503050406030204" pitchFamily="18" charset="0"/>
+                          </a:rPr>
+                          <m:t>+</m:t>
                         </m:r>
                         <m:r>
                           <a:rPr lang="zh-CN" altLang="en-US" sz="2000" i="1">
@@ -7653,7 +6997,19 @@
                           <a:rPr lang="zh-CN" altLang="en-US" sz="2000" i="0">
                             <a:latin typeface="Cambria Math" panose="02040503050406030204" pitchFamily="18" charset="0"/>
                           </a:rPr>
-                          <m:t>1+2</m:t>
+                          <m:t>1</m:t>
+                        </m:r>
+                        <m:r>
+                          <a:rPr lang="zh-CN" altLang="en-US" sz="2000" i="0">
+                            <a:latin typeface="Cambria Math" panose="02040503050406030204" pitchFamily="18" charset="0"/>
+                          </a:rPr>
+                          <m:t>+</m:t>
+                        </m:r>
+                        <m:r>
+                          <a:rPr lang="zh-CN" altLang="en-US" sz="2000" i="0">
+                            <a:latin typeface="Cambria Math" panose="02040503050406030204" pitchFamily="18" charset="0"/>
+                          </a:rPr>
+                          <m:t>2</m:t>
                         </m:r>
                         <m:r>
                           <a:rPr lang="zh-CN" altLang="en-US" sz="2000" i="1">
@@ -8133,7 +7489,6 @@
                 </a:endParaRPr>
               </a:p>
               <a:p>
-                <a:pPr/>
                 <a14:m>
                   <m:oMathPara xmlns:m="http://schemas.openxmlformats.org/officeDocument/2006/math">
                     <m:oMathParaPr>
@@ -8143,8 +7498,8 @@
                       <m:nary>
                         <m:naryPr>
                           <m:chr m:val="∑"/>
+                          <m:grow m:val="on"/>
                           <m:limLoc m:val="undOvr"/>
-                          <m:grow m:val="on"/>
                           <m:ctrlPr>
                             <a:rPr lang="zh-CN" altLang="en-US" sz="2000" i="1">
                               <a:solidFill>
@@ -8263,8 +7618,8 @@
                       <m:nary>
                         <m:naryPr>
                           <m:chr m:val="∑"/>
+                          <m:grow m:val="on"/>
                           <m:limLoc m:val="undOvr"/>
-                          <m:grow m:val="on"/>
                           <m:ctrlPr>
                             <a:rPr lang="zh-CN" altLang="en-US" sz="2000" i="1" smtClean="0">
                               <a:solidFill>
@@ -8291,7 +7646,16 @@
                               </a:solidFill>
                               <a:latin typeface="Cambria Math" panose="02040503050406030204" pitchFamily="18" charset="0"/>
                             </a:rPr>
-                            <m:t>=0</m:t>
+                            <m:t>=</m:t>
+                          </m:r>
+                          <m:r>
+                            <a:rPr lang="zh-CN" altLang="en-US" sz="2000" b="0" i="0">
+                              <a:solidFill>
+                                <a:schemeClr val="tx1"/>
+                              </a:solidFill>
+                              <a:latin typeface="Cambria Math" panose="02040503050406030204" pitchFamily="18" charset="0"/>
+                            </a:rPr>
+                            <m:t>0</m:t>
                           </m:r>
                         </m:sub>
                         <m:sup>
@@ -8378,7 +7742,25 @@
                           </a:solidFill>
                           <a:latin typeface="Cambria Math" panose="02040503050406030204" pitchFamily="18" charset="0"/>
                         </a:rPr>
-                        <m:t>0.065</m:t>
+                        <m:t>0</m:t>
+                      </m:r>
+                      <m:r>
+                        <a:rPr lang="zh-CN" altLang="en-US" sz="2000" b="0" i="0" smtClean="0">
+                          <a:solidFill>
+                            <a:srgbClr val="FF0000"/>
+                          </a:solidFill>
+                          <a:latin typeface="Cambria Math" panose="02040503050406030204" pitchFamily="18" charset="0"/>
+                        </a:rPr>
+                        <m:t>.</m:t>
+                      </m:r>
+                      <m:r>
+                        <a:rPr lang="zh-CN" altLang="en-US" sz="2000" b="0" i="0" smtClean="0">
+                          <a:solidFill>
+                            <a:srgbClr val="FF0000"/>
+                          </a:solidFill>
+                          <a:latin typeface="Cambria Math" panose="02040503050406030204" pitchFamily="18" charset="0"/>
+                        </a:rPr>
+                        <m:t>065</m:t>
                       </m:r>
                     </m:oMath>
                   </m:oMathPara>
@@ -8437,7 +7819,43 @@
                         </a:solidFill>
                         <a:latin typeface="Cambria Math" panose="02040503050406030204" pitchFamily="18" charset="0"/>
                       </a:rPr>
-                      <m:t>=1,2, …</m:t>
+                      <m:t>=</m:t>
+                    </m:r>
+                    <m:r>
+                      <a:rPr lang="en-US" altLang="zh-CN" sz="2000" b="0" i="1" dirty="0" smtClean="0">
+                        <a:solidFill>
+                          <a:srgbClr val="000000"/>
+                        </a:solidFill>
+                        <a:latin typeface="Cambria Math" panose="02040503050406030204" pitchFamily="18" charset="0"/>
+                      </a:rPr>
+                      <m:t>1</m:t>
+                    </m:r>
+                    <m:r>
+                      <a:rPr lang="en-US" altLang="zh-CN" sz="2000" b="0" i="1" dirty="0" smtClean="0">
+                        <a:solidFill>
+                          <a:srgbClr val="000000"/>
+                        </a:solidFill>
+                        <a:latin typeface="Cambria Math" panose="02040503050406030204" pitchFamily="18" charset="0"/>
+                      </a:rPr>
+                      <m:t>,</m:t>
+                    </m:r>
+                    <m:r>
+                      <a:rPr lang="en-US" altLang="zh-CN" sz="2000" b="0" i="1" dirty="0" smtClean="0">
+                        <a:solidFill>
+                          <a:srgbClr val="000000"/>
+                        </a:solidFill>
+                        <a:latin typeface="Cambria Math" panose="02040503050406030204" pitchFamily="18" charset="0"/>
+                      </a:rPr>
+                      <m:t>2</m:t>
+                    </m:r>
+                    <m:r>
+                      <a:rPr lang="en-US" altLang="zh-CN" sz="2000" b="0" i="1" dirty="0" smtClean="0">
+                        <a:solidFill>
+                          <a:srgbClr val="000000"/>
+                        </a:solidFill>
+                        <a:latin typeface="Cambria Math" panose="02040503050406030204" pitchFamily="18" charset="0"/>
+                      </a:rPr>
+                      <m:t>, …</m:t>
                     </m:r>
                   </m:oMath>
                 </a14:m>
@@ -8724,7 +8142,6 @@
                 </a:endParaRPr>
               </a:p>
               <a:p>
-                <a:pPr/>
                 <a14:m>
                   <m:oMathPara xmlns:m="http://schemas.openxmlformats.org/officeDocument/2006/math">
                     <m:oMathParaPr>
@@ -8777,8 +8194,8 @@
                       <m:nary>
                         <m:naryPr>
                           <m:chr m:val="∑"/>
+                          <m:grow m:val="on"/>
                           <m:limLoc m:val="undOvr"/>
-                          <m:grow m:val="on"/>
                           <m:ctrlPr>
                             <a:rPr lang="zh-CN" altLang="en-US" sz="2000" i="1" smtClean="0">
                               <a:solidFill>
@@ -9002,7 +8419,34 @@
                         </a:solidFill>
                         <a:latin typeface="Cambria Math" panose="02040503050406030204" pitchFamily="18" charset="0"/>
                       </a:rPr>
-                      <m:t>≈0.065</m:t>
+                      <m:t>≈</m:t>
+                    </m:r>
+                    <m:r>
+                      <a:rPr lang="en-US" altLang="zh-CN" sz="2000" b="0" i="1" smtClean="0">
+                        <a:solidFill>
+                          <a:srgbClr val="000000"/>
+                        </a:solidFill>
+                        <a:latin typeface="Cambria Math" panose="02040503050406030204" pitchFamily="18" charset="0"/>
+                      </a:rPr>
+                      <m:t>0</m:t>
+                    </m:r>
+                    <m:r>
+                      <a:rPr lang="en-US" altLang="zh-CN" sz="2000" b="0" i="1" smtClean="0">
+                        <a:solidFill>
+                          <a:srgbClr val="000000"/>
+                        </a:solidFill>
+                        <a:latin typeface="Cambria Math" panose="02040503050406030204" pitchFamily="18" charset="0"/>
+                      </a:rPr>
+                      <m:t>.</m:t>
+                    </m:r>
+                    <m:r>
+                      <a:rPr lang="en-US" altLang="zh-CN" sz="2000" b="0" i="1" smtClean="0">
+                        <a:solidFill>
+                          <a:srgbClr val="000000"/>
+                        </a:solidFill>
+                        <a:latin typeface="Cambria Math" panose="02040503050406030204" pitchFamily="18" charset="0"/>
+                      </a:rPr>
+                      <m:t>065</m:t>
                     </m:r>
                   </m:oMath>
                 </a14:m>
@@ -9232,7 +8676,25 @@
                         </a:solidFill>
                         <a:latin typeface="Cambria Math" panose="02040503050406030204" pitchFamily="18" charset="0"/>
                       </a:rPr>
-                      <m:t>0.038</m:t>
+                      <m:t>0</m:t>
+                    </m:r>
+                    <m:r>
+                      <a:rPr lang="en-US" altLang="zh-CN" sz="2000" i="1" smtClean="0">
+                        <a:solidFill>
+                          <a:srgbClr val="FF0000"/>
+                        </a:solidFill>
+                        <a:latin typeface="Cambria Math" panose="02040503050406030204" pitchFamily="18" charset="0"/>
+                      </a:rPr>
+                      <m:t>.</m:t>
+                    </m:r>
+                    <m:r>
+                      <a:rPr lang="en-US" altLang="zh-CN" sz="2000" i="1" smtClean="0">
+                        <a:solidFill>
+                          <a:srgbClr val="FF0000"/>
+                        </a:solidFill>
+                        <a:latin typeface="Cambria Math" panose="02040503050406030204" pitchFamily="18" charset="0"/>
+                      </a:rPr>
+                      <m:t>038</m:t>
                     </m:r>
                   </m:oMath>
                 </a14:m>
@@ -9246,16 +8708,10 @@
             </p:txBody>
           </p:sp>
         </mc:Choice>
-        <mc:Fallback xmlns="">
+        <mc:Fallback>
           <p:sp>
             <p:nvSpPr>
-              <p:cNvPr id="6" name="文本框 5">
-                <a:extLst>
-                  <a:ext uri="{FF2B5EF4-FFF2-40B4-BE49-F238E27FC236}">
-                    <a16:creationId xmlns:a16="http://schemas.microsoft.com/office/drawing/2014/main" id="{99CAB12A-81FA-CE9C-FEA2-2588705D0FF3}"/>
-                  </a:ext>
-                </a:extLst>
-              </p:cNvPr>
+              <p:cNvPr id="6" name="文本框 5"/>
               <p:cNvSpPr txBox="1">
                 <a:spLocks noRot="1" noChangeAspect="1" noMove="1" noResize="1" noEditPoints="1" noAdjustHandles="1" noChangeArrowheads="1" noChangeShapeType="1" noTextEdit="1"/>
               </p:cNvSpPr>
@@ -9269,10 +8725,10 @@
               <a:prstGeom prst="rect">
                 <a:avLst/>
               </a:prstGeom>
-              <a:blipFill>
-                <a:blip r:embed="rId3"/>
+              <a:blipFill rotWithShape="1">
+                <a:blip r:embed="rId2"/>
                 <a:stretch>
-                  <a:fillRect l="-548" r="-2793"/>
+                  <a:fillRect l="-3" r="3" b="1"/>
                 </a:stretch>
               </a:blipFill>
             </p:spPr>
@@ -9291,17 +8747,11 @@
           </p:sp>
         </mc:Fallback>
       </mc:AlternateContent>
-      <mc:AlternateContent xmlns:mc="http://schemas.openxmlformats.org/markup-compatibility/2006" xmlns:a14="http://schemas.microsoft.com/office/drawing/2010/main">
-        <mc:Choice Requires="a14">
+      <mc:AlternateContent xmlns:mc="http://schemas.openxmlformats.org/markup-compatibility/2006">
+        <mc:Choice xmlns:a14="http://schemas.microsoft.com/office/drawing/2010/main" Requires="a14">
           <p:sp>
             <p:nvSpPr>
-              <p:cNvPr id="8" name="对话气泡: 圆角矩形 7">
-                <a:extLst>
-                  <a:ext uri="{FF2B5EF4-FFF2-40B4-BE49-F238E27FC236}">
-                    <a16:creationId xmlns:a16="http://schemas.microsoft.com/office/drawing/2014/main" id="{1EB37104-B4D7-D36F-CBBD-458B1D4C6936}"/>
-                  </a:ext>
-                </a:extLst>
-              </p:cNvPr>
+              <p:cNvPr id="8" name="对话气泡: 圆角矩形 7"/>
               <p:cNvSpPr/>
               <p:nvPr/>
             </p:nvSpPr>
@@ -9648,7 +9098,7 @@
                               <a:schemeClr val="tx1"/>
                             </a:solidFill>
                             <a:latin typeface="Cambria Math" panose="02040503050406030204" pitchFamily="18" charset="0"/>
-                            <a:ea typeface="等线" panose="02010600030101010101" pitchFamily="2" charset="-122"/>
+                            <a:ea typeface="等线" panose="02010600030101010101" charset="-122"/>
                             <a:cs typeface="Times New Roman" panose="02020603050405020304" pitchFamily="18" charset="0"/>
                           </a:rPr>
                           <m:t>𝑘</m:t>
@@ -9661,7 +9111,7 @@
                               <a:schemeClr val="tx1"/>
                             </a:solidFill>
                             <a:latin typeface="Cambria Math" panose="02040503050406030204" pitchFamily="18" charset="0"/>
-                            <a:ea typeface="等线" panose="02010600030101010101" pitchFamily="2" charset="-122"/>
+                            <a:ea typeface="等线" panose="02010600030101010101" charset="-122"/>
                             <a:cs typeface="Times New Roman" panose="02020603050405020304" pitchFamily="18" charset="0"/>
                           </a:rPr>
                           <m:t>1</m:t>
@@ -9698,16 +9148,10 @@
             </p:txBody>
           </p:sp>
         </mc:Choice>
-        <mc:Fallback xmlns="">
+        <mc:Fallback>
           <p:sp>
             <p:nvSpPr>
-              <p:cNvPr id="8" name="对话气泡: 圆角矩形 7">
-                <a:extLst>
-                  <a:ext uri="{FF2B5EF4-FFF2-40B4-BE49-F238E27FC236}">
-                    <a16:creationId xmlns:a16="http://schemas.microsoft.com/office/drawing/2014/main" id="{1EB37104-B4D7-D36F-CBBD-458B1D4C6936}"/>
-                  </a:ext>
-                </a:extLst>
-              </p:cNvPr>
+              <p:cNvPr id="8" name="对话气泡: 圆角矩形 7"/>
               <p:cNvSpPr>
                 <a:spLocks noRot="1" noChangeAspect="1" noMove="1" noResize="1" noEditPoints="1" noAdjustHandles="1" noChangeArrowheads="1" noChangeShapeType="1" noTextEdit="1"/>
               </p:cNvSpPr>
@@ -9725,16 +9169,32 @@
                   <a:gd name="adj3" fmla="val 16667"/>
                 </a:avLst>
               </a:prstGeom>
-              <a:blipFill>
-                <a:blip r:embed="rId4"/>
+              <a:blipFill rotWithShape="1">
+                <a:blip r:embed="rId3"/>
                 <a:stretch>
-                  <a:fillRect r="-4809"/>
+                  <a:fillRect l="-17124" t="-29" r="7" b="42"/>
                 </a:stretch>
               </a:blipFill>
               <a:ln>
                 <a:noFill/>
               </a:ln>
             </p:spPr>
+            <p:style>
+              <a:lnRef idx="2">
+                <a:schemeClr val="accent1">
+                  <a:shade val="15000"/>
+                </a:schemeClr>
+              </a:lnRef>
+              <a:fillRef idx="1">
+                <a:schemeClr val="accent1"/>
+              </a:fillRef>
+              <a:effectRef idx="0">
+                <a:schemeClr val="accent1"/>
+              </a:effectRef>
+              <a:fontRef idx="minor">
+                <a:schemeClr val="lt1"/>
+              </a:fontRef>
+            </p:style>
             <p:txBody>
               <a:bodyPr/>
               <a:lstStyle/>
@@ -9751,11 +9211,6 @@
         </mc:Fallback>
       </mc:AlternateContent>
     </p:spTree>
-    <p:extLst>
-      <p:ext uri="{BB962C8B-B14F-4D97-AF65-F5344CB8AC3E}">
-        <p14:creationId xmlns:p14="http://schemas.microsoft.com/office/powerpoint/2010/main" val="3159828956"/>
-      </p:ext>
-    </p:extLst>
   </p:cSld>
   <p:clrMapOvr>
     <a:masterClrMapping/>
@@ -9763,18 +9218,12 @@
 </p:sld>
 </file>
 
-<file path=ppt/slides/slide18.xml><?xml version="1.0" encoding="utf-8"?>
+<file path=ppt/slides/slide17.xml><?xml version="1.0" encoding="utf-8"?>
 <p:sld xmlns:a="http://schemas.openxmlformats.org/drawingml/2006/main" xmlns:r="http://schemas.openxmlformats.org/officeDocument/2006/relationships" xmlns:p="http://schemas.openxmlformats.org/presentationml/2006/main">
   <p:cSld>
     <p:spTree>
       <p:nvGrpSpPr>
-        <p:cNvPr id="1" name="">
-          <a:extLst>
-            <a:ext uri="{FF2B5EF4-FFF2-40B4-BE49-F238E27FC236}">
-              <a16:creationId xmlns:a16="http://schemas.microsoft.com/office/drawing/2014/main" id="{F84D8A39-E3F7-11D1-D727-7BAD6FCA1B53}"/>
-            </a:ext>
-          </a:extLst>
-        </p:cNvPr>
+        <p:cNvPr id="1" name=""/>
         <p:cNvGrpSpPr/>
         <p:nvPr/>
       </p:nvGrpSpPr>
@@ -9788,13 +9237,7 @@
       </p:grpSpPr>
       <p:sp>
         <p:nvSpPr>
-          <p:cNvPr id="2" name="Title 17">
-            <a:extLst>
-              <a:ext uri="{FF2B5EF4-FFF2-40B4-BE49-F238E27FC236}">
-                <a16:creationId xmlns:a16="http://schemas.microsoft.com/office/drawing/2014/main" id="{7C078AC6-F2B3-D848-F0D9-599F2B1365B1}"/>
-              </a:ext>
-            </a:extLst>
-          </p:cNvPr>
+          <p:cNvPr id="2" name="Title 17"/>
           <p:cNvSpPr>
             <a:spLocks noGrp="1"/>
           </p:cNvSpPr>
@@ -9877,18 +9320,28 @@
               </a:rPr>
               <a:t> 维吉尼亚密码的破译</a:t>
             </a:r>
+            <a:endParaRPr lang="zh-CN" altLang="en-US" sz="3200" spc="0" dirty="0">
+              <a:solidFill>
+                <a:schemeClr val="tx1"/>
+              </a:solidFill>
+              <a:effectLst>
+                <a:outerShdw blurRad="38100" dist="38100" dir="2700000" algn="tl">
+                  <a:srgbClr val="000000">
+                    <a:alpha val="43137"/>
+                  </a:srgbClr>
+                </a:outerShdw>
+              </a:effectLst>
+              <a:latin typeface="Arial" panose="020B0604020202020204" pitchFamily="34" charset="0"/>
+              <a:ea typeface="黑体" panose="02010609060101010101" pitchFamily="49" charset="-122"/>
+              <a:cs typeface="Times New Roman" panose="02020603050405020304" pitchFamily="18" charset="0"/>
+              <a:sym typeface="+mn-ea"/>
+            </a:endParaRPr>
           </a:p>
         </p:txBody>
       </p:sp>
       <p:sp>
         <p:nvSpPr>
-          <p:cNvPr id="4" name="灯片编号占位符 2">
-            <a:extLst>
-              <a:ext uri="{FF2B5EF4-FFF2-40B4-BE49-F238E27FC236}">
-                <a16:creationId xmlns:a16="http://schemas.microsoft.com/office/drawing/2014/main" id="{BD223A5F-B772-8E75-8DDB-AB1DC187F5AE}"/>
-              </a:ext>
-            </a:extLst>
-          </p:cNvPr>
+          <p:cNvPr id="4" name="灯片编号占位符 2"/>
           <p:cNvSpPr>
             <a:spLocks noGrp="1"/>
           </p:cNvSpPr>
@@ -9911,7 +9364,6 @@
                 <a:latin typeface="Arial" panose="020B0604020202020204" pitchFamily="34" charset="0"/>
                 <a:ea typeface="黑体" panose="02010609060101010101" pitchFamily="49" charset="-122"/>
               </a:rPr>
-              <a:t>18</a:t>
             </a:fld>
             <a:endParaRPr lang="zh-CN" altLang="en-US">
               <a:latin typeface="Arial" panose="020B0604020202020204" pitchFamily="34" charset="0"/>
@@ -9920,17 +9372,11 @@
           </a:p>
         </p:txBody>
       </p:sp>
-      <mc:AlternateContent xmlns:mc="http://schemas.openxmlformats.org/markup-compatibility/2006" xmlns:a14="http://schemas.microsoft.com/office/drawing/2010/main">
-        <mc:Choice Requires="a14">
+      <mc:AlternateContent xmlns:mc="http://schemas.openxmlformats.org/markup-compatibility/2006">
+        <mc:Choice xmlns:a14="http://schemas.microsoft.com/office/drawing/2010/main" Requires="a14">
           <p:sp>
             <p:nvSpPr>
-              <p:cNvPr id="6" name="文本框 5">
-                <a:extLst>
-                  <a:ext uri="{FF2B5EF4-FFF2-40B4-BE49-F238E27FC236}">
-                    <a16:creationId xmlns:a16="http://schemas.microsoft.com/office/drawing/2014/main" id="{0378B1EE-3F08-B554-99DE-2312A8AB500B}"/>
-                  </a:ext>
-                </a:extLst>
-              </p:cNvPr>
+              <p:cNvPr id="6" name="文本框 5"/>
               <p:cNvSpPr txBox="1"/>
               <p:nvPr/>
             </p:nvSpPr>
@@ -9950,7 +9396,7 @@
               </a:bodyPr>
               <a:lstStyle/>
               <a:p>
-                <a:pPr marL="357188" indent="-357188">
+                <a:pPr marL="357505" indent="-357505">
                   <a:lnSpc>
                     <a:spcPct val="150000"/>
                   </a:lnSpc>
@@ -10010,7 +9456,7 @@
                 <a:endParaRPr lang="en-US" altLang="zh-CN" sz="2000" dirty="0"/>
               </a:p>
               <a:p>
-                <a:pPr marL="714375" lvl="1" indent="-357188">
+                <a:pPr marL="714375" lvl="1" indent="-357505">
                   <a:lnSpc>
                     <a:spcPct val="150000"/>
                   </a:lnSpc>
@@ -10101,7 +9547,13 @@
                           <a:rPr lang="en-US" altLang="zh-CN" sz="2000" b="0" i="1" smtClean="0">
                             <a:latin typeface="Cambria Math" panose="02040503050406030204" pitchFamily="18" charset="0"/>
                           </a:rPr>
-                          <m:t>=0</m:t>
+                          <m:t>=</m:t>
+                        </m:r>
+                        <m:r>
+                          <a:rPr lang="en-US" altLang="zh-CN" sz="2000" b="0" i="1" smtClean="0">
+                            <a:latin typeface="Cambria Math" panose="02040503050406030204" pitchFamily="18" charset="0"/>
+                          </a:rPr>
+                          <m:t>0</m:t>
                         </m:r>
                       </m:sub>
                       <m:sup>
@@ -10152,14 +9604,32 @@
                       <a:rPr lang="en-US" altLang="zh-CN" sz="2000" b="0" i="1" smtClean="0">
                         <a:latin typeface="Cambria Math" panose="02040503050406030204" pitchFamily="18" charset="0"/>
                       </a:rPr>
-                      <m:t>≈0.065</m:t>
+                      <m:t>≈</m:t>
+                    </m:r>
+                    <m:r>
+                      <a:rPr lang="en-US" altLang="zh-CN" sz="2000" b="0" i="1" smtClean="0">
+                        <a:latin typeface="Cambria Math" panose="02040503050406030204" pitchFamily="18" charset="0"/>
+                      </a:rPr>
+                      <m:t>0</m:t>
+                    </m:r>
+                    <m:r>
+                      <a:rPr lang="en-US" altLang="zh-CN" sz="2000" b="0" i="1" smtClean="0">
+                        <a:latin typeface="Cambria Math" panose="02040503050406030204" pitchFamily="18" charset="0"/>
+                      </a:rPr>
+                      <m:t>.</m:t>
+                    </m:r>
+                    <m:r>
+                      <a:rPr lang="en-US" altLang="zh-CN" sz="2000" b="0" i="1" smtClean="0">
+                        <a:latin typeface="Cambria Math" panose="02040503050406030204" pitchFamily="18" charset="0"/>
+                      </a:rPr>
+                      <m:t>065</m:t>
                     </m:r>
                   </m:oMath>
                 </a14:m>
                 <a:endParaRPr lang="en-US" altLang="zh-CN" sz="2000" b="0" dirty="0"/>
               </a:p>
               <a:p>
-                <a:pPr marL="714375" lvl="1" indent="-357188">
+                <a:pPr marL="714375" lvl="1" indent="-357505">
                   <a:lnSpc>
                     <a:spcPct val="150000"/>
                   </a:lnSpc>
@@ -10200,7 +9670,43 @@
                         </a:solidFill>
                         <a:latin typeface="Cambria Math" panose="02040503050406030204" pitchFamily="18" charset="0"/>
                       </a:rPr>
-                      <m:t>=1,2, …</m:t>
+                      <m:t>=</m:t>
+                    </m:r>
+                    <m:r>
+                      <a:rPr lang="en-US" altLang="zh-CN" sz="2000" i="1" dirty="0">
+                        <a:solidFill>
+                          <a:srgbClr val="000000"/>
+                        </a:solidFill>
+                        <a:latin typeface="Cambria Math" panose="02040503050406030204" pitchFamily="18" charset="0"/>
+                      </a:rPr>
+                      <m:t>1</m:t>
+                    </m:r>
+                    <m:r>
+                      <a:rPr lang="en-US" altLang="zh-CN" sz="2000" i="1" dirty="0">
+                        <a:solidFill>
+                          <a:srgbClr val="000000"/>
+                        </a:solidFill>
+                        <a:latin typeface="Cambria Math" panose="02040503050406030204" pitchFamily="18" charset="0"/>
+                      </a:rPr>
+                      <m:t>,</m:t>
+                    </m:r>
+                    <m:r>
+                      <a:rPr lang="en-US" altLang="zh-CN" sz="2000" i="1" dirty="0">
+                        <a:solidFill>
+                          <a:srgbClr val="000000"/>
+                        </a:solidFill>
+                        <a:latin typeface="Cambria Math" panose="02040503050406030204" pitchFamily="18" charset="0"/>
+                      </a:rPr>
+                      <m:t>2</m:t>
+                    </m:r>
+                    <m:r>
+                      <a:rPr lang="en-US" altLang="zh-CN" sz="2000" i="1" dirty="0">
+                        <a:solidFill>
+                          <a:srgbClr val="000000"/>
+                        </a:solidFill>
+                        <a:latin typeface="Cambria Math" panose="02040503050406030204" pitchFamily="18" charset="0"/>
+                      </a:rPr>
+                      <m:t>, …</m:t>
                     </m:r>
                   </m:oMath>
                 </a14:m>
@@ -10410,8 +9916,8 @@
                     <m:nary>
                       <m:naryPr>
                         <m:chr m:val="∑"/>
+                        <m:grow m:val="on"/>
                         <m:limLoc m:val="undOvr"/>
-                        <m:grow m:val="on"/>
                         <m:ctrlPr>
                           <a:rPr lang="zh-CN" altLang="zh-CN" sz="2000" i="1">
                             <a:solidFill>
@@ -10440,7 +9946,17 @@
                             <a:latin typeface="Cambria Math" panose="02040503050406030204" pitchFamily="18" charset="0"/>
                             <a:ea typeface="Cambria Math" panose="02040503050406030204" pitchFamily="18" charset="0"/>
                           </a:rPr>
-                          <m:t>=0</m:t>
+                          <m:t>=</m:t>
+                        </m:r>
+                        <m:r>
+                          <a:rPr lang="en-US" altLang="zh-CN" sz="2000" i="1">
+                            <a:solidFill>
+                              <a:srgbClr val="FF0000"/>
+                            </a:solidFill>
+                            <a:latin typeface="Cambria Math" panose="02040503050406030204" pitchFamily="18" charset="0"/>
+                            <a:ea typeface="Cambria Math" panose="02040503050406030204" pitchFamily="18" charset="0"/>
+                          </a:rPr>
+                          <m:t>0</m:t>
                         </m:r>
                       </m:sub>
                       <m:sup>
@@ -10665,7 +10181,7 @@
                 </a:endParaRPr>
               </a:p>
               <a:p>
-                <a:pPr marL="1171575" lvl="2" indent="-357188">
+                <a:pPr marL="1171575" lvl="2" indent="-357505">
                   <a:lnSpc>
                     <a:spcPct val="150000"/>
                   </a:lnSpc>
@@ -10836,7 +10352,7 @@
                 <a:endParaRPr lang="en-US" altLang="zh-CN" sz="2000" dirty="0"/>
               </a:p>
               <a:p>
-                <a:pPr marL="714375" lvl="1" indent="-357188">
+                <a:pPr marL="714375" lvl="1" indent="-357505">
                   <a:lnSpc>
                     <a:spcPct val="150000"/>
                   </a:lnSpc>
@@ -10890,7 +10406,34 @@
                         </a:solidFill>
                         <a:latin typeface="Cambria Math" panose="02040503050406030204" pitchFamily="18" charset="0"/>
                       </a:rPr>
-                      <m:t>≈0.065</m:t>
+                      <m:t>≈</m:t>
+                    </m:r>
+                    <m:r>
+                      <a:rPr lang="en-US" altLang="zh-CN" sz="2000" b="0" i="1" smtClean="0">
+                        <a:solidFill>
+                          <a:srgbClr val="000000"/>
+                        </a:solidFill>
+                        <a:latin typeface="Cambria Math" panose="02040503050406030204" pitchFamily="18" charset="0"/>
+                      </a:rPr>
+                      <m:t>0</m:t>
+                    </m:r>
+                    <m:r>
+                      <a:rPr lang="en-US" altLang="zh-CN" sz="2000" b="0" i="1" smtClean="0">
+                        <a:solidFill>
+                          <a:srgbClr val="000000"/>
+                        </a:solidFill>
+                        <a:latin typeface="Cambria Math" panose="02040503050406030204" pitchFamily="18" charset="0"/>
+                      </a:rPr>
+                      <m:t>.</m:t>
+                    </m:r>
+                    <m:r>
+                      <a:rPr lang="en-US" altLang="zh-CN" sz="2000" b="0" i="1" smtClean="0">
+                        <a:solidFill>
+                          <a:srgbClr val="000000"/>
+                        </a:solidFill>
+                        <a:latin typeface="Cambria Math" panose="02040503050406030204" pitchFamily="18" charset="0"/>
+                      </a:rPr>
+                      <m:t>065</m:t>
                     </m:r>
                   </m:oMath>
                 </a14:m>
@@ -10932,7 +10475,7 @@
                 <a:endParaRPr lang="zh-CN" altLang="zh-CN" sz="2000" dirty="0"/>
               </a:p>
               <a:p>
-                <a:pPr marL="357188" indent="-357188" algn="just">
+                <a:pPr marL="357505" indent="-357505" algn="just">
                   <a:lnSpc>
                     <a:spcPct val="150000"/>
                   </a:lnSpc>
@@ -10954,7 +10497,7 @@
                 </a:endParaRPr>
               </a:p>
               <a:p>
-                <a:pPr marL="714375" lvl="1" indent="-357188" algn="just">
+                <a:pPr marL="714375" lvl="1" indent="-357505" algn="just">
                   <a:lnSpc>
                     <a:spcPct val="150000"/>
                   </a:lnSpc>
@@ -11112,7 +10655,37 @@
                       <a:rPr lang="en-US" altLang="zh-CN" sz="2000" b="0" i="1" smtClean="0">
                         <a:latin typeface="Cambria Math" panose="02040503050406030204" pitchFamily="18" charset="0"/>
                       </a:rPr>
-                      <m:t>=0,1,…,25</m:t>
+                      <m:t>=</m:t>
+                    </m:r>
+                    <m:r>
+                      <a:rPr lang="en-US" altLang="zh-CN" sz="2000" b="0" i="1" smtClean="0">
+                        <a:latin typeface="Cambria Math" panose="02040503050406030204" pitchFamily="18" charset="0"/>
+                      </a:rPr>
+                      <m:t>0</m:t>
+                    </m:r>
+                    <m:r>
+                      <a:rPr lang="en-US" altLang="zh-CN" sz="2000" b="0" i="1" smtClean="0">
+                        <a:latin typeface="Cambria Math" panose="02040503050406030204" pitchFamily="18" charset="0"/>
+                      </a:rPr>
+                      <m:t>,</m:t>
+                    </m:r>
+                    <m:r>
+                      <a:rPr lang="en-US" altLang="zh-CN" sz="2000" b="0" i="1" smtClean="0">
+                        <a:latin typeface="Cambria Math" panose="02040503050406030204" pitchFamily="18" charset="0"/>
+                      </a:rPr>
+                      <m:t>1</m:t>
+                    </m:r>
+                    <m:r>
+                      <a:rPr lang="en-US" altLang="zh-CN" sz="2000" b="0" i="1" smtClean="0">
+                        <a:latin typeface="Cambria Math" panose="02040503050406030204" pitchFamily="18" charset="0"/>
+                      </a:rPr>
+                      <m:t>,…,</m:t>
+                    </m:r>
+                    <m:r>
+                      <a:rPr lang="en-US" altLang="zh-CN" sz="2000" b="0" i="1" smtClean="0">
+                        <a:latin typeface="Cambria Math" panose="02040503050406030204" pitchFamily="18" charset="0"/>
+                      </a:rPr>
+                      <m:t>25</m:t>
                     </m:r>
                   </m:oMath>
                 </a14:m>
@@ -11202,7 +10775,17 @@
                             <a:latin typeface="Cambria Math" panose="02040503050406030204" pitchFamily="18" charset="0"/>
                             <a:cs typeface="Times New Roman" panose="02020603050405020304" pitchFamily="18" charset="0"/>
                           </a:rPr>
-                          <m:t>=0</m:t>
+                          <m:t>=</m:t>
+                        </m:r>
+                        <m:r>
+                          <a:rPr lang="en-US" altLang="zh-CN" sz="2000" i="1" kern="100">
+                            <a:solidFill>
+                              <a:srgbClr val="FF0000"/>
+                            </a:solidFill>
+                            <a:latin typeface="Cambria Math" panose="02040503050406030204" pitchFamily="18" charset="0"/>
+                            <a:cs typeface="Times New Roman" panose="02020603050405020304" pitchFamily="18" charset="0"/>
+                          </a:rPr>
+                          <m:t>0</m:t>
                         </m:r>
                       </m:sub>
                       <m:sup>
@@ -11341,7 +10924,17 @@
                                 <a:latin typeface="Cambria Math" panose="02040503050406030204" pitchFamily="18" charset="0"/>
                                 <a:cs typeface="Times New Roman" panose="02020603050405020304" pitchFamily="18" charset="0"/>
                               </a:rPr>
-                              <m:t> 26</m:t>
+                              <m:t> </m:t>
+                            </m:r>
+                            <m:r>
+                              <a:rPr lang="en-US" altLang="zh-CN" sz="2000" i="1" kern="100">
+                                <a:solidFill>
+                                  <a:srgbClr val="FF0000"/>
+                                </a:solidFill>
+                                <a:latin typeface="Cambria Math" panose="02040503050406030204" pitchFamily="18" charset="0"/>
+                                <a:cs typeface="Times New Roman" panose="02020603050405020304" pitchFamily="18" charset="0"/>
+                              </a:rPr>
+                              <m:t>26</m:t>
                             </m:r>
                           </m:sub>
                         </m:sSub>
@@ -11374,7 +10967,7 @@
                 </a:endParaRPr>
               </a:p>
               <a:p>
-                <a:pPr marL="714375" lvl="1" indent="-357188" algn="just">
+                <a:pPr marL="714375" lvl="1" indent="-357505" algn="just">
                   <a:lnSpc>
                     <a:spcPct val="150000"/>
                   </a:lnSpc>
@@ -11421,7 +11014,25 @@
                       <a:rPr lang="en-US" altLang="zh-CN" sz="2000" i="1">
                         <a:latin typeface="Cambria Math" panose="02040503050406030204" pitchFamily="18" charset="0"/>
                       </a:rPr>
-                      <m:t>≈0.065</m:t>
+                      <m:t>≈</m:t>
+                    </m:r>
+                    <m:r>
+                      <a:rPr lang="en-US" altLang="zh-CN" sz="2000" i="1">
+                        <a:latin typeface="Cambria Math" panose="02040503050406030204" pitchFamily="18" charset="0"/>
+                      </a:rPr>
+                      <m:t>0</m:t>
+                    </m:r>
+                    <m:r>
+                      <a:rPr lang="en-US" altLang="zh-CN" sz="2000" i="1">
+                        <a:latin typeface="Cambria Math" panose="02040503050406030204" pitchFamily="18" charset="0"/>
+                      </a:rPr>
+                      <m:t>.</m:t>
+                    </m:r>
+                    <m:r>
+                      <a:rPr lang="en-US" altLang="zh-CN" sz="2000" i="1">
+                        <a:latin typeface="Cambria Math" panose="02040503050406030204" pitchFamily="18" charset="0"/>
+                      </a:rPr>
+                      <m:t>065</m:t>
                     </m:r>
                   </m:oMath>
                 </a14:m>
@@ -11449,16 +11060,10 @@
             </p:txBody>
           </p:sp>
         </mc:Choice>
-        <mc:Fallback xmlns="">
+        <mc:Fallback>
           <p:sp>
             <p:nvSpPr>
-              <p:cNvPr id="6" name="文本框 5">
-                <a:extLst>
-                  <a:ext uri="{FF2B5EF4-FFF2-40B4-BE49-F238E27FC236}">
-                    <a16:creationId xmlns:a16="http://schemas.microsoft.com/office/drawing/2014/main" id="{0378B1EE-3F08-B554-99DE-2312A8AB500B}"/>
-                  </a:ext>
-                </a:extLst>
-              </p:cNvPr>
+              <p:cNvPr id="6" name="文本框 5"/>
               <p:cNvSpPr txBox="1">
                 <a:spLocks noRot="1" noChangeAspect="1" noMove="1" noResize="1" noEditPoints="1" noAdjustHandles="1" noChangeArrowheads="1" noChangeShapeType="1" noTextEdit="1"/>
               </p:cNvSpPr>
@@ -11472,10 +11077,10 @@
               <a:prstGeom prst="rect">
                 <a:avLst/>
               </a:prstGeom>
-              <a:blipFill>
-                <a:blip r:embed="rId3"/>
+              <a:blipFill rotWithShape="1">
+                <a:blip r:embed="rId2"/>
                 <a:stretch>
-                  <a:fillRect l="-495" b="-4160"/>
+                  <a:fillRect l="-4" t="-7" r="1" b="-541"/>
                 </a:stretch>
               </a:blipFill>
             </p:spPr>
@@ -11496,13 +11101,7 @@
       </mc:AlternateContent>
       <p:sp>
         <p:nvSpPr>
-          <p:cNvPr id="7" name="文本框 6">
-            <a:extLst>
-              <a:ext uri="{FF2B5EF4-FFF2-40B4-BE49-F238E27FC236}">
-                <a16:creationId xmlns:a16="http://schemas.microsoft.com/office/drawing/2014/main" id="{821FEDD8-30F8-3B65-6232-0B84EC441D34}"/>
-              </a:ext>
-            </a:extLst>
-          </p:cNvPr>
+          <p:cNvPr id="7" name="文本框 6"/>
           <p:cNvSpPr txBox="1"/>
           <p:nvPr/>
         </p:nvSpPr>
@@ -11558,6 +11157,10 @@
               </a:rPr>
               <a:t>[0.082, 0.015, 0.028, 0.043, 0.127, 0.022, 0.020, 0.061, 0.070,</a:t>
             </a:r>
+            <a:endParaRPr lang="en-US" altLang="zh-CN" sz="1800" b="1" kern="100" dirty="0">
+              <a:latin typeface="Courier New" panose="02070309020205020404" pitchFamily="49" charset="0"/>
+              <a:cs typeface="Courier New" panose="02070309020205020404" pitchFamily="49" charset="0"/>
+            </a:endParaRPr>
           </a:p>
           <a:p>
             <a:pPr algn="just"/>
@@ -11575,6 +11178,10 @@
               </a:rPr>
               <a:t> 0.002, 0.008, 0.040, 0.024, 0.067, 0.075, 0.019, 0.001, 0.060,</a:t>
             </a:r>
+            <a:endParaRPr lang="en-US" altLang="zh-CN" sz="1800" b="1" kern="100" dirty="0">
+              <a:latin typeface="Courier New" panose="02070309020205020404" pitchFamily="49" charset="0"/>
+              <a:cs typeface="Courier New" panose="02070309020205020404" pitchFamily="49" charset="0"/>
+            </a:endParaRPr>
           </a:p>
           <a:p>
             <a:pPr algn="just"/>
@@ -11600,11 +11207,6 @@
         </p:txBody>
       </p:sp>
     </p:spTree>
-    <p:extLst>
-      <p:ext uri="{BB962C8B-B14F-4D97-AF65-F5344CB8AC3E}">
-        <p14:creationId xmlns:p14="http://schemas.microsoft.com/office/powerpoint/2010/main" val="4148709001"/>
-      </p:ext>
-    </p:extLst>
   </p:cSld>
   <p:clrMapOvr>
     <a:masterClrMapping/>
@@ -11612,18 +11214,12 @@
 </p:sld>
 </file>
 
-<file path=ppt/slides/slide19.xml><?xml version="1.0" encoding="utf-8"?>
+<file path=ppt/slides/slide18.xml><?xml version="1.0" encoding="utf-8"?>
 <p:sld xmlns:a="http://schemas.openxmlformats.org/drawingml/2006/main" xmlns:r="http://schemas.openxmlformats.org/officeDocument/2006/relationships" xmlns:p="http://schemas.openxmlformats.org/presentationml/2006/main">
   <p:cSld>
     <p:spTree>
       <p:nvGrpSpPr>
-        <p:cNvPr id="1" name="">
-          <a:extLst>
-            <a:ext uri="{FF2B5EF4-FFF2-40B4-BE49-F238E27FC236}">
-              <a16:creationId xmlns:a16="http://schemas.microsoft.com/office/drawing/2014/main" id="{68762DC0-D421-1389-717A-C62454EC2578}"/>
-            </a:ext>
-          </a:extLst>
-        </p:cNvPr>
+        <p:cNvPr id="1" name=""/>
         <p:cNvGrpSpPr/>
         <p:nvPr/>
       </p:nvGrpSpPr>
@@ -11637,13 +11233,7 @@
       </p:grpSpPr>
       <p:sp>
         <p:nvSpPr>
-          <p:cNvPr id="2" name="Title 17">
-            <a:extLst>
-              <a:ext uri="{FF2B5EF4-FFF2-40B4-BE49-F238E27FC236}">
-                <a16:creationId xmlns:a16="http://schemas.microsoft.com/office/drawing/2014/main" id="{E5265BC4-7ACC-4211-D480-5289A3FEC6B8}"/>
-              </a:ext>
-            </a:extLst>
-          </p:cNvPr>
+          <p:cNvPr id="2" name="Title 17"/>
           <p:cNvSpPr>
             <a:spLocks noGrp="1"/>
           </p:cNvSpPr>
@@ -11726,18 +11316,28 @@
               </a:rPr>
               <a:t> 维吉尼亚密码的破译</a:t>
             </a:r>
+            <a:endParaRPr lang="zh-CN" altLang="en-US" sz="3200" spc="0" dirty="0">
+              <a:solidFill>
+                <a:schemeClr val="tx1"/>
+              </a:solidFill>
+              <a:effectLst>
+                <a:outerShdw blurRad="38100" dist="38100" dir="2700000" algn="tl">
+                  <a:srgbClr val="000000">
+                    <a:alpha val="43137"/>
+                  </a:srgbClr>
+                </a:outerShdw>
+              </a:effectLst>
+              <a:latin typeface="Arial" panose="020B0604020202020204" pitchFamily="34" charset="0"/>
+              <a:ea typeface="黑体" panose="02010609060101010101" pitchFamily="49" charset="-122"/>
+              <a:cs typeface="Times New Roman" panose="02020603050405020304" pitchFamily="18" charset="0"/>
+              <a:sym typeface="+mn-ea"/>
+            </a:endParaRPr>
           </a:p>
         </p:txBody>
       </p:sp>
       <p:sp>
         <p:nvSpPr>
-          <p:cNvPr id="4" name="灯片编号占位符 2">
-            <a:extLst>
-              <a:ext uri="{FF2B5EF4-FFF2-40B4-BE49-F238E27FC236}">
-                <a16:creationId xmlns:a16="http://schemas.microsoft.com/office/drawing/2014/main" id="{E73AC466-C99C-3BC0-2999-9A359ED85CAB}"/>
-              </a:ext>
-            </a:extLst>
-          </p:cNvPr>
+          <p:cNvPr id="4" name="灯片编号占位符 2"/>
           <p:cNvSpPr>
             <a:spLocks noGrp="1"/>
           </p:cNvSpPr>
@@ -11760,7 +11360,6 @@
                 <a:latin typeface="Arial" panose="020B0604020202020204" pitchFamily="34" charset="0"/>
                 <a:ea typeface="黑体" panose="02010609060101010101" pitchFamily="49" charset="-122"/>
               </a:rPr>
-              <a:t>19</a:t>
             </a:fld>
             <a:endParaRPr lang="zh-CN" altLang="en-US">
               <a:latin typeface="Arial" panose="020B0604020202020204" pitchFamily="34" charset="0"/>
@@ -11771,13 +11370,7 @@
       </p:sp>
       <p:sp>
         <p:nvSpPr>
-          <p:cNvPr id="7" name="文本框 6">
-            <a:extLst>
-              <a:ext uri="{FF2B5EF4-FFF2-40B4-BE49-F238E27FC236}">
-                <a16:creationId xmlns:a16="http://schemas.microsoft.com/office/drawing/2014/main" id="{BF0B7B8E-BF9C-E1FD-78AE-995D3316F9C3}"/>
-              </a:ext>
-            </a:extLst>
-          </p:cNvPr>
+          <p:cNvPr id="7" name="文本框 6"/>
           <p:cNvSpPr txBox="1"/>
           <p:nvPr/>
         </p:nvSpPr>
@@ -11822,11 +11415,6 @@
         </p:txBody>
       </p:sp>
     </p:spTree>
-    <p:extLst>
-      <p:ext uri="{BB962C8B-B14F-4D97-AF65-F5344CB8AC3E}">
-        <p14:creationId xmlns:p14="http://schemas.microsoft.com/office/powerpoint/2010/main" val="4041551800"/>
-      </p:ext>
-    </p:extLst>
   </p:cSld>
   <p:clrMapOvr>
     <a:masterClrMapping/>
@@ -11834,7 +11422,7 @@
 </p:sld>
 </file>
 
-<file path=ppt/slides/slide2.xml><?xml version="1.0" encoding="utf-8"?>
+<file path=ppt/slides/slide19.xml><?xml version="1.0" encoding="utf-8"?>
 <p:sld xmlns:a="http://schemas.openxmlformats.org/drawingml/2006/main" xmlns:r="http://schemas.openxmlformats.org/officeDocument/2006/relationships" xmlns:p="http://schemas.openxmlformats.org/presentationml/2006/main">
   <p:cSld>
     <p:spTree>
@@ -11853,13 +11441,7 @@
       </p:grpSpPr>
       <p:sp>
         <p:nvSpPr>
-          <p:cNvPr id="4" name="Title 17">
-            <a:extLst>
-              <a:ext uri="{FF2B5EF4-FFF2-40B4-BE49-F238E27FC236}">
-                <a16:creationId xmlns:a16="http://schemas.microsoft.com/office/drawing/2014/main" id="{8E9958B0-039D-435C-B6EA-45698465CAD1}"/>
-              </a:ext>
-            </a:extLst>
-          </p:cNvPr>
+          <p:cNvPr id="2" name="Title 17"/>
           <p:cNvSpPr>
             <a:spLocks noGrp="1"/>
           </p:cNvSpPr>
@@ -11871,8 +11453,8 @@
         </p:nvSpPr>
         <p:spPr>
           <a:xfrm>
-            <a:off x="1054879" y="2428451"/>
-            <a:ext cx="10082247" cy="833562"/>
+            <a:off x="352270" y="331211"/>
+            <a:ext cx="4572727" cy="587340"/>
           </a:xfrm>
           <a:prstGeom prst="rect">
             <a:avLst/>
@@ -11904,13 +11486,8 @@
             </a:lvl1pPr>
           </a:lstStyle>
           <a:p>
-            <a:pPr algn="ctr">
-              <a:spcAft>
-                <a:spcPts val="1200"/>
-              </a:spcAft>
-            </a:pPr>
-            <a:r>
-              <a:rPr lang="zh-CN" altLang="en-US" sz="4800" spc="0" dirty="0">
+            <a:r>
+              <a:rPr lang="en-US" altLang="zh-CN" sz="3200" spc="0" dirty="0">
                 <a:solidFill>
                   <a:schemeClr val="tx1"/>
                 </a:solidFill>
@@ -11923,12 +11500,31 @@
                 </a:effectLst>
                 <a:latin typeface="Arial" panose="020B0604020202020204" pitchFamily="34" charset="0"/>
                 <a:ea typeface="黑体" panose="02010609060101010101" pitchFamily="49" charset="-122"/>
-                <a:cs typeface="微软雅黑" panose="020B0503020204020204" charset="-122"/>
+                <a:cs typeface="Times New Roman" panose="02020603050405020304" pitchFamily="18" charset="0"/>
                 <a:sym typeface="+mn-ea"/>
               </a:rPr>
-              <a:t>第一章：现代密码学介绍和古典密码</a:t>
-            </a:r>
-            <a:endParaRPr lang="en-US" altLang="zh-CN" spc="0" dirty="0">
+              <a:t>1.5</a:t>
+            </a:r>
+            <a:r>
+              <a:rPr lang="zh-CN" altLang="en-US" sz="3200" spc="0" dirty="0">
+                <a:solidFill>
+                  <a:schemeClr val="tx1"/>
+                </a:solidFill>
+                <a:effectLst>
+                  <a:outerShdw blurRad="38100" dist="38100" dir="2700000" algn="tl">
+                    <a:srgbClr val="000000">
+                      <a:alpha val="43137"/>
+                    </a:srgbClr>
+                  </a:outerShdw>
+                </a:effectLst>
+                <a:latin typeface="Arial" panose="020B0604020202020204" pitchFamily="34" charset="0"/>
+                <a:ea typeface="黑体" panose="02010609060101010101" pitchFamily="49" charset="-122"/>
+                <a:cs typeface="Times New Roman" panose="02020603050405020304" pitchFamily="18" charset="0"/>
+                <a:sym typeface="+mn-ea"/>
+              </a:rPr>
+              <a:t> 维吉尼亚密码的破译</a:t>
+            </a:r>
+            <a:endParaRPr lang="zh-CN" altLang="en-US" sz="3200" spc="0" dirty="0">
               <a:solidFill>
                 <a:schemeClr val="tx1"/>
               </a:solidFill>
@@ -11941,7 +11537,7 @@
               </a:effectLst>
               <a:latin typeface="Arial" panose="020B0604020202020204" pitchFamily="34" charset="0"/>
               <a:ea typeface="黑体" panose="02010609060101010101" pitchFamily="49" charset="-122"/>
-              <a:cs typeface="微软雅黑" panose="020B0503020204020204" charset="-122"/>
+              <a:cs typeface="Times New Roman" panose="02020603050405020304" pitchFamily="18" charset="0"/>
               <a:sym typeface="+mn-ea"/>
             </a:endParaRPr>
           </a:p>
@@ -11949,13 +11545,7 @@
       </p:sp>
       <p:sp>
         <p:nvSpPr>
-          <p:cNvPr id="3" name="灯片编号占位符 2">
-            <a:extLst>
-              <a:ext uri="{FF2B5EF4-FFF2-40B4-BE49-F238E27FC236}">
-                <a16:creationId xmlns:a16="http://schemas.microsoft.com/office/drawing/2014/main" id="{53D6B380-C42E-47CD-BCA8-CC70511F521E}"/>
-              </a:ext>
-            </a:extLst>
-          </p:cNvPr>
+          <p:cNvPr id="4" name="灯片编号占位符 2"/>
           <p:cNvSpPr>
             <a:spLocks noGrp="1"/>
           </p:cNvSpPr>
@@ -11963,7 +11553,12 @@
             <p:ph type="sldNum" sz="quarter" idx="12"/>
           </p:nvPr>
         </p:nvSpPr>
-        <p:spPr/>
+        <p:spPr>
+          <a:xfrm>
+            <a:off x="10134600" y="6492875"/>
+            <a:ext cx="2057400" cy="365125"/>
+          </a:xfrm>
+        </p:spPr>
         <p:txBody>
           <a:bodyPr/>
           <a:lstStyle/>
@@ -11973,7 +11568,6 @@
                 <a:latin typeface="Arial" panose="020B0604020202020204" pitchFamily="34" charset="0"/>
                 <a:ea typeface="黑体" panose="02010609060101010101" pitchFamily="49" charset="-122"/>
               </a:rPr>
-              <a:t>2</a:t>
             </a:fld>
             <a:endParaRPr lang="zh-CN" altLang="en-US">
               <a:latin typeface="Arial" panose="020B0604020202020204" pitchFamily="34" charset="0"/>
@@ -11982,12 +11576,551 @@
           </a:p>
         </p:txBody>
       </p:sp>
+      <p:sp>
+        <p:nvSpPr>
+          <p:cNvPr id="7" name="文本框 6"/>
+          <p:cNvSpPr txBox="1"/>
+          <p:nvPr/>
+        </p:nvSpPr>
+        <p:spPr>
+          <a:xfrm>
+            <a:off x="1561604" y="1293100"/>
+            <a:ext cx="4686795" cy="494238"/>
+          </a:xfrm>
+          <a:prstGeom prst="rect">
+            <a:avLst/>
+          </a:prstGeom>
+          <a:noFill/>
+        </p:spPr>
+        <p:txBody>
+          <a:bodyPr wrap="square" rtlCol="0">
+            <a:spAutoFit/>
+          </a:bodyPr>
+          <a:lstStyle/>
+          <a:p>
+            <a:pPr>
+              <a:lnSpc>
+                <a:spcPct val="150000"/>
+              </a:lnSpc>
+            </a:pPr>
+            <a:r>
+              <a:rPr lang="zh-CN" altLang="en-US" sz="2000" dirty="0">
+                <a:cs typeface="黑体" panose="02010609060101010101" pitchFamily="49" charset="-122"/>
+              </a:rPr>
+              <a:t>计算给定密钥长度的重合指数：</a:t>
+            </a:r>
+            <a:endParaRPr lang="zh-CN" altLang="en-US" sz="2000" dirty="0">
+              <a:cs typeface="黑体" panose="02010609060101010101" pitchFamily="49" charset="-122"/>
+            </a:endParaRPr>
+          </a:p>
+        </p:txBody>
+      </p:sp>
+      <p:pic>
+        <p:nvPicPr>
+          <p:cNvPr id="6" name="图片 5"/>
+          <p:cNvPicPr>
+            <a:picLocks noChangeAspect="1"/>
+          </p:cNvPicPr>
+          <p:nvPr/>
+        </p:nvPicPr>
+        <p:blipFill>
+          <a:blip r:embed="rId2"/>
+          <a:stretch>
+            <a:fillRect/>
+          </a:stretch>
+        </p:blipFill>
+        <p:spPr>
+          <a:xfrm>
+            <a:off x="1579161" y="1959935"/>
+            <a:ext cx="9051234" cy="3919160"/>
+          </a:xfrm>
+          <a:prstGeom prst="rect">
+            <a:avLst/>
+          </a:prstGeom>
+        </p:spPr>
+      </p:pic>
     </p:spTree>
-    <p:extLst>
-      <p:ext uri="{BB962C8B-B14F-4D97-AF65-F5344CB8AC3E}">
-        <p14:creationId xmlns:p14="http://schemas.microsoft.com/office/powerpoint/2010/main" val="1319030535"/>
-      </p:ext>
-    </p:extLst>
+  </p:cSld>
+  <p:clrMapOvr>
+    <a:masterClrMapping/>
+  </p:clrMapOvr>
+</p:sld>
+</file>
+
+<file path=ppt/slides/slide2.xml><?xml version="1.0" encoding="utf-8"?>
+<p:sld xmlns:a="http://schemas.openxmlformats.org/drawingml/2006/main" xmlns:r="http://schemas.openxmlformats.org/officeDocument/2006/relationships" xmlns:p="http://schemas.openxmlformats.org/presentationml/2006/main">
+  <p:cSld>
+    <p:spTree>
+      <p:nvGrpSpPr>
+        <p:cNvPr id="1" name=""/>
+        <p:cNvGrpSpPr/>
+        <p:nvPr/>
+      </p:nvGrpSpPr>
+      <p:grpSpPr>
+        <a:xfrm>
+          <a:off x="0" y="0"/>
+          <a:ext cx="0" cy="0"/>
+          <a:chOff x="0" y="0"/>
+          <a:chExt cx="0" cy="0"/>
+        </a:xfrm>
+      </p:grpSpPr>
+      <p:sp>
+        <p:nvSpPr>
+          <p:cNvPr id="2" name="Title 17"/>
+          <p:cNvSpPr>
+            <a:spLocks noGrp="1"/>
+          </p:cNvSpPr>
+          <p:nvPr>
+            <p:custDataLst>
+              <p:tags r:id="rId1"/>
+            </p:custDataLst>
+          </p:nvPr>
+        </p:nvSpPr>
+        <p:spPr>
+          <a:xfrm>
+            <a:off x="352270" y="331211"/>
+            <a:ext cx="3336811" cy="587340"/>
+          </a:xfrm>
+          <a:prstGeom prst="rect">
+            <a:avLst/>
+          </a:prstGeom>
+          <a:noFill/>
+        </p:spPr>
+        <p:txBody>
+          <a:bodyPr vert="horz" wrap="none" lIns="90170" tIns="46990" rIns="90170" bIns="46990" rtlCol="0" anchor="ctr" anchorCtr="0">
+            <a:spAutoFit/>
+          </a:bodyPr>
+          <a:lstStyle>
+            <a:lvl1pPr algn="l" defTabSz="914400" rtl="0" eaLnBrk="1" fontAlgn="auto" latinLnBrk="0" hangingPunct="1">
+              <a:lnSpc>
+                <a:spcPct val="100000"/>
+              </a:lnSpc>
+              <a:spcBef>
+                <a:spcPct val="0"/>
+              </a:spcBef>
+              <a:buNone/>
+              <a:defRPr lang="zh-CN" altLang="en-US" sz="2800" b="1" u="none" strike="noStrike" kern="1200" cap="none" spc="300" normalizeH="0" baseline="0">
+                <a:solidFill>
+                  <a:schemeClr val="accent1"/>
+                </a:solidFill>
+                <a:uFillTx/>
+                <a:latin typeface="+mn-lt"/>
+                <a:ea typeface="+mn-ea"/>
+                <a:cs typeface="+mn-cs"/>
+              </a:defRPr>
+            </a:lvl1pPr>
+          </a:lstStyle>
+          <a:p>
+            <a:r>
+              <a:rPr lang="en-US" altLang="zh-CN" sz="3200" spc="0" dirty="0">
+                <a:solidFill>
+                  <a:schemeClr val="tx1"/>
+                </a:solidFill>
+                <a:effectLst>
+                  <a:outerShdw blurRad="38100" dist="38100" dir="2700000" algn="tl">
+                    <a:srgbClr val="000000">
+                      <a:alpha val="43137"/>
+                    </a:srgbClr>
+                  </a:outerShdw>
+                </a:effectLst>
+                <a:latin typeface="Arial" panose="020B0604020202020204" pitchFamily="34" charset="0"/>
+                <a:ea typeface="黑体" panose="02010609060101010101" pitchFamily="49" charset="-122"/>
+                <a:cs typeface="Times New Roman" panose="02020603050405020304" pitchFamily="18" charset="0"/>
+                <a:sym typeface="+mn-ea"/>
+              </a:rPr>
+              <a:t>1.1 </a:t>
+            </a:r>
+            <a:r>
+              <a:rPr lang="zh-CN" altLang="en-US" sz="3200" spc="0" dirty="0">
+                <a:solidFill>
+                  <a:schemeClr val="tx1"/>
+                </a:solidFill>
+                <a:effectLst>
+                  <a:outerShdw blurRad="38100" dist="38100" dir="2700000" algn="tl">
+                    <a:srgbClr val="000000">
+                      <a:alpha val="43137"/>
+                    </a:srgbClr>
+                  </a:outerShdw>
+                </a:effectLst>
+                <a:latin typeface="Arial" panose="020B0604020202020204" pitchFamily="34" charset="0"/>
+                <a:ea typeface="黑体" panose="02010609060101010101" pitchFamily="49" charset="-122"/>
+                <a:cs typeface="Times New Roman" panose="02020603050405020304" pitchFamily="18" charset="0"/>
+                <a:sym typeface="+mn-ea"/>
+              </a:rPr>
+              <a:t>实验平台介绍</a:t>
+            </a:r>
+            <a:endParaRPr lang="zh-CN" altLang="en-US" sz="3200" spc="0" dirty="0">
+              <a:solidFill>
+                <a:schemeClr val="tx1"/>
+              </a:solidFill>
+              <a:effectLst>
+                <a:outerShdw blurRad="38100" dist="38100" dir="2700000" algn="tl">
+                  <a:srgbClr val="000000">
+                    <a:alpha val="43137"/>
+                  </a:srgbClr>
+                </a:outerShdw>
+              </a:effectLst>
+              <a:latin typeface="Arial" panose="020B0604020202020204" pitchFamily="34" charset="0"/>
+              <a:ea typeface="黑体" panose="02010609060101010101" pitchFamily="49" charset="-122"/>
+              <a:cs typeface="Times New Roman" panose="02020603050405020304" pitchFamily="18" charset="0"/>
+              <a:sym typeface="+mn-ea"/>
+            </a:endParaRPr>
+          </a:p>
+        </p:txBody>
+      </p:sp>
+      <p:sp>
+        <p:nvSpPr>
+          <p:cNvPr id="4" name="灯片编号占位符 2"/>
+          <p:cNvSpPr>
+            <a:spLocks noGrp="1"/>
+          </p:cNvSpPr>
+          <p:nvPr>
+            <p:ph type="sldNum" sz="quarter" idx="12"/>
+          </p:nvPr>
+        </p:nvSpPr>
+        <p:spPr>
+          <a:xfrm>
+            <a:off x="10134600" y="6492875"/>
+            <a:ext cx="2057400" cy="365125"/>
+          </a:xfrm>
+        </p:spPr>
+        <p:txBody>
+          <a:bodyPr/>
+          <a:lstStyle/>
+          <a:p>
+            <a:fld id="{4CDDC869-2817-46DD-8681-5A192428703D}" type="slidenum">
+              <a:rPr lang="zh-CN" altLang="en-US" smtClean="0">
+                <a:latin typeface="Arial" panose="020B0604020202020204" pitchFamily="34" charset="0"/>
+                <a:ea typeface="黑体" panose="02010609060101010101" pitchFamily="49" charset="-122"/>
+              </a:rPr>
+            </a:fld>
+            <a:endParaRPr lang="zh-CN" altLang="en-US">
+              <a:latin typeface="Arial" panose="020B0604020202020204" pitchFamily="34" charset="0"/>
+              <a:ea typeface="黑体" panose="02010609060101010101" pitchFamily="49" charset="-122"/>
+            </a:endParaRPr>
+          </a:p>
+        </p:txBody>
+      </p:sp>
+      <p:sp>
+        <p:nvSpPr>
+          <p:cNvPr id="9" name="文本框 8"/>
+          <p:cNvSpPr txBox="1"/>
+          <p:nvPr/>
+        </p:nvSpPr>
+        <p:spPr>
+          <a:xfrm>
+            <a:off x="548022" y="1357204"/>
+            <a:ext cx="10817965" cy="2340897"/>
+          </a:xfrm>
+          <a:prstGeom prst="rect">
+            <a:avLst/>
+          </a:prstGeom>
+          <a:noFill/>
+        </p:spPr>
+        <p:txBody>
+          <a:bodyPr wrap="square" rtlCol="0">
+            <a:spAutoFit/>
+          </a:bodyPr>
+          <a:lstStyle/>
+          <a:p>
+            <a:pPr marL="0" marR="0" lvl="0" indent="0" algn="l" defTabSz="914400" rtl="0" eaLnBrk="1" fontAlgn="auto" latinLnBrk="0" hangingPunct="1">
+              <a:lnSpc>
+                <a:spcPct val="150000"/>
+              </a:lnSpc>
+              <a:spcBef>
+                <a:spcPts val="0"/>
+              </a:spcBef>
+              <a:spcAft>
+                <a:spcPts val="0"/>
+              </a:spcAft>
+              <a:buClrTx/>
+              <a:buSzTx/>
+              <a:buFontTx/>
+              <a:buNone/>
+              <a:defRPr/>
+            </a:pPr>
+            <a:r>
+              <a:rPr kumimoji="0" lang="zh-CN" altLang="en-US" sz="2000" b="0" i="0" u="none" strike="noStrike" kern="1200" cap="none" spc="0" normalizeH="0" baseline="0" noProof="0" dirty="0">
+                <a:ln>
+                  <a:noFill/>
+                </a:ln>
+                <a:effectLst/>
+                <a:uLnTx/>
+                <a:uFillTx/>
+                <a:cs typeface="黑体" panose="02010609060101010101" pitchFamily="49" charset="-122"/>
+              </a:rPr>
+              <a:t>软件：</a:t>
+            </a:r>
+            <a:r>
+              <a:rPr kumimoji="0" lang="en-US" altLang="zh-CN" sz="2000" b="0" i="0" u="none" strike="noStrike" kern="1200" cap="none" spc="0" normalizeH="0" baseline="0" noProof="0" dirty="0" err="1">
+                <a:ln>
+                  <a:noFill/>
+                </a:ln>
+                <a:effectLst/>
+                <a:uLnTx/>
+                <a:uFillTx/>
+                <a:cs typeface="黑体" panose="02010609060101010101" pitchFamily="49" charset="-122"/>
+              </a:rPr>
+              <a:t>SageMath</a:t>
+            </a:r>
+            <a:endParaRPr lang="en-US" altLang="zh-CN" sz="2000" dirty="0">
+              <a:cs typeface="黑体" panose="02010609060101010101" pitchFamily="49" charset="-122"/>
+            </a:endParaRPr>
+          </a:p>
+          <a:p>
+            <a:pPr marL="0" marR="0" lvl="0" indent="0" algn="l" defTabSz="914400" rtl="0" eaLnBrk="1" fontAlgn="auto" latinLnBrk="0" hangingPunct="1">
+              <a:lnSpc>
+                <a:spcPct val="150000"/>
+              </a:lnSpc>
+              <a:spcBef>
+                <a:spcPts val="0"/>
+              </a:spcBef>
+              <a:spcAft>
+                <a:spcPts val="0"/>
+              </a:spcAft>
+              <a:buClrTx/>
+              <a:buSzTx/>
+              <a:buFontTx/>
+              <a:buNone/>
+              <a:defRPr/>
+            </a:pPr>
+            <a:r>
+              <a:rPr kumimoji="0" lang="zh-CN" altLang="en-US" sz="2000" b="0" i="0" u="none" strike="noStrike" kern="1200" cap="none" spc="0" normalizeH="0" baseline="0" noProof="0" dirty="0">
+                <a:ln>
+                  <a:noFill/>
+                </a:ln>
+                <a:effectLst/>
+                <a:uLnTx/>
+                <a:uFillTx/>
+                <a:cs typeface="黑体" panose="02010609060101010101" pitchFamily="49" charset="-122"/>
+              </a:rPr>
+              <a:t>版本：</a:t>
+            </a:r>
+            <a:r>
+              <a:rPr kumimoji="0" lang="en-US" altLang="zh-CN" sz="2000" b="0" i="0" u="none" strike="noStrike" kern="1200" cap="none" spc="0" normalizeH="0" baseline="0" noProof="0" dirty="0">
+                <a:ln>
+                  <a:noFill/>
+                </a:ln>
+                <a:effectLst/>
+                <a:uLnTx/>
+                <a:uFillTx/>
+                <a:cs typeface="黑体" panose="02010609060101010101" pitchFamily="49" charset="-122"/>
+              </a:rPr>
+              <a:t>9.3</a:t>
+            </a:r>
+            <a:endParaRPr kumimoji="0" lang="en-US" altLang="zh-CN" sz="2000" b="0" i="0" u="none" strike="noStrike" kern="1200" cap="none" spc="0" normalizeH="0" baseline="0" noProof="0" dirty="0">
+              <a:ln>
+                <a:noFill/>
+              </a:ln>
+              <a:effectLst/>
+              <a:uLnTx/>
+              <a:uFillTx/>
+              <a:cs typeface="黑体" panose="02010609060101010101" pitchFamily="49" charset="-122"/>
+            </a:endParaRPr>
+          </a:p>
+          <a:p>
+            <a:pPr marL="0" marR="0" lvl="0" indent="0" algn="l" defTabSz="914400" rtl="0" eaLnBrk="1" fontAlgn="auto" latinLnBrk="0" hangingPunct="1">
+              <a:lnSpc>
+                <a:spcPct val="150000"/>
+              </a:lnSpc>
+              <a:spcBef>
+                <a:spcPts val="0"/>
+              </a:spcBef>
+              <a:spcAft>
+                <a:spcPts val="0"/>
+              </a:spcAft>
+              <a:buClrTx/>
+              <a:buSzTx/>
+              <a:buFontTx/>
+              <a:buNone/>
+              <a:defRPr/>
+            </a:pPr>
+            <a:r>
+              <a:rPr kumimoji="0" lang="en-US" altLang="zh-CN" sz="2000" b="0" i="0" u="none" strike="noStrike" kern="1200" cap="none" spc="0" normalizeH="0" baseline="0" noProof="0" dirty="0" err="1">
+                <a:ln>
+                  <a:noFill/>
+                </a:ln>
+                <a:effectLst/>
+                <a:uLnTx/>
+                <a:uFillTx/>
+                <a:cs typeface="黑体" panose="02010609060101010101" pitchFamily="49" charset="-122"/>
+              </a:rPr>
+              <a:t>SageMath</a:t>
+            </a:r>
+            <a:r>
+              <a:rPr kumimoji="0" lang="zh-CN" altLang="en-US" sz="2000" b="0" i="0" u="none" strike="noStrike" kern="1200" cap="none" spc="0" normalizeH="0" baseline="0" noProof="0" dirty="0">
+                <a:ln>
+                  <a:noFill/>
+                </a:ln>
+                <a:effectLst/>
+                <a:uLnTx/>
+                <a:uFillTx/>
+                <a:cs typeface="黑体" panose="02010609060101010101" pitchFamily="49" charset="-122"/>
+              </a:rPr>
+              <a:t>（简称 </a:t>
+            </a:r>
+            <a:r>
+              <a:rPr kumimoji="0" lang="en-US" altLang="zh-CN" sz="2000" b="0" i="0" u="none" strike="noStrike" kern="1200" cap="none" spc="0" normalizeH="0" baseline="0" noProof="0" dirty="0">
+                <a:ln>
+                  <a:noFill/>
+                </a:ln>
+                <a:effectLst/>
+                <a:uLnTx/>
+                <a:uFillTx/>
+                <a:cs typeface="黑体" panose="02010609060101010101" pitchFamily="49" charset="-122"/>
+              </a:rPr>
+              <a:t>Sage</a:t>
+            </a:r>
+            <a:r>
+              <a:rPr kumimoji="0" lang="zh-CN" altLang="en-US" sz="2000" b="0" i="0" u="none" strike="noStrike" kern="1200" cap="none" spc="0" normalizeH="0" baseline="0" noProof="0" dirty="0">
+                <a:ln>
+                  <a:noFill/>
+                </a:ln>
+                <a:effectLst/>
+                <a:uLnTx/>
+                <a:uFillTx/>
+                <a:cs typeface="黑体" panose="02010609060101010101" pitchFamily="49" charset="-122"/>
+              </a:rPr>
+              <a:t>）是一款开源数学软件系统，旨在提供一种集成的、统一的环境来执行各类数学计算。它的目标是替代像 </a:t>
+            </a:r>
+            <a:r>
+              <a:rPr kumimoji="0" lang="en-US" altLang="zh-CN" sz="2000" b="0" i="0" u="none" strike="noStrike" kern="1200" cap="none" spc="0" normalizeH="0" baseline="0" noProof="0" dirty="0">
+                <a:ln>
+                  <a:noFill/>
+                </a:ln>
+                <a:effectLst/>
+                <a:uLnTx/>
+                <a:uFillTx/>
+                <a:cs typeface="黑体" panose="02010609060101010101" pitchFamily="49" charset="-122"/>
+              </a:rPr>
+              <a:t>Mathematica</a:t>
+            </a:r>
+            <a:r>
+              <a:rPr kumimoji="0" lang="zh-CN" altLang="en-US" sz="2000" b="0" i="0" u="none" strike="noStrike" kern="1200" cap="none" spc="0" normalizeH="0" baseline="0" noProof="0" dirty="0">
+                <a:ln>
+                  <a:noFill/>
+                </a:ln>
+                <a:effectLst/>
+                <a:uLnTx/>
+                <a:uFillTx/>
+                <a:cs typeface="黑体" panose="02010609060101010101" pitchFamily="49" charset="-122"/>
+              </a:rPr>
+              <a:t>、</a:t>
+            </a:r>
+            <a:r>
+              <a:rPr kumimoji="0" lang="en-US" altLang="zh-CN" sz="2000" b="0" i="0" u="none" strike="noStrike" kern="1200" cap="none" spc="0" normalizeH="0" baseline="0" noProof="0" dirty="0">
+                <a:ln>
+                  <a:noFill/>
+                </a:ln>
+                <a:effectLst/>
+                <a:uLnTx/>
+                <a:uFillTx/>
+                <a:cs typeface="黑体" panose="02010609060101010101" pitchFamily="49" charset="-122"/>
+              </a:rPr>
+              <a:t>Maple</a:t>
+            </a:r>
+            <a:r>
+              <a:rPr kumimoji="0" lang="zh-CN" altLang="en-US" sz="2000" b="0" i="0" u="none" strike="noStrike" kern="1200" cap="none" spc="0" normalizeH="0" baseline="0" noProof="0" dirty="0">
+                <a:ln>
+                  <a:noFill/>
+                </a:ln>
+                <a:effectLst/>
+                <a:uLnTx/>
+                <a:uFillTx/>
+                <a:cs typeface="黑体" panose="02010609060101010101" pitchFamily="49" charset="-122"/>
+              </a:rPr>
+              <a:t>、</a:t>
+            </a:r>
+            <a:r>
+              <a:rPr kumimoji="0" lang="en-US" altLang="zh-CN" sz="2000" b="0" i="0" u="none" strike="noStrike" kern="1200" cap="none" spc="0" normalizeH="0" baseline="0" noProof="0" dirty="0" err="1">
+                <a:ln>
+                  <a:noFill/>
+                </a:ln>
+                <a:effectLst/>
+                <a:uLnTx/>
+                <a:uFillTx/>
+                <a:cs typeface="黑体" panose="02010609060101010101" pitchFamily="49" charset="-122"/>
+              </a:rPr>
+              <a:t>Matlab</a:t>
+            </a:r>
+            <a:r>
+              <a:rPr kumimoji="0" lang="en-US" altLang="zh-CN" sz="2000" b="0" i="0" u="none" strike="noStrike" kern="1200" cap="none" spc="0" normalizeH="0" baseline="0" noProof="0" dirty="0">
+                <a:ln>
+                  <a:noFill/>
+                </a:ln>
+                <a:effectLst/>
+                <a:uLnTx/>
+                <a:uFillTx/>
+                <a:cs typeface="黑体" panose="02010609060101010101" pitchFamily="49" charset="-122"/>
+              </a:rPr>
+              <a:t> </a:t>
+            </a:r>
+            <a:r>
+              <a:rPr kumimoji="0" lang="zh-CN" altLang="en-US" sz="2000" b="0" i="0" u="none" strike="noStrike" kern="1200" cap="none" spc="0" normalizeH="0" baseline="0" noProof="0" dirty="0">
+                <a:ln>
+                  <a:noFill/>
+                </a:ln>
+                <a:effectLst/>
+                <a:uLnTx/>
+                <a:uFillTx/>
+                <a:cs typeface="黑体" panose="02010609060101010101" pitchFamily="49" charset="-122"/>
+              </a:rPr>
+              <a:t>这样的商业数学软件，同时提供比这些软件更广泛的数学功能，且完全免费。</a:t>
+            </a:r>
+            <a:endParaRPr kumimoji="0" lang="zh-CN" altLang="en-US" sz="2000" b="0" i="0" u="none" strike="noStrike" kern="1200" cap="none" spc="0" normalizeH="0" baseline="0" noProof="0" dirty="0">
+              <a:ln>
+                <a:noFill/>
+              </a:ln>
+              <a:effectLst/>
+              <a:uLnTx/>
+              <a:uFillTx/>
+              <a:cs typeface="黑体" panose="02010609060101010101" pitchFamily="49" charset="-122"/>
+            </a:endParaRPr>
+          </a:p>
+        </p:txBody>
+      </p:sp>
+      <p:pic>
+        <p:nvPicPr>
+          <p:cNvPr id="12" name="Picture 2" descr="undefined"/>
+          <p:cNvPicPr>
+            <a:picLocks noChangeAspect="1" noChangeArrowheads="1"/>
+          </p:cNvPicPr>
+          <p:nvPr/>
+        </p:nvPicPr>
+        <p:blipFill>
+          <a:blip r:embed="rId2" cstate="print">
+            <a:extLst>
+              <a:ext uri="{28A0092B-C50C-407E-A947-70E740481C1C}">
+                <a14:useLocalDpi xmlns:a14="http://schemas.microsoft.com/office/drawing/2010/main" val="0"/>
+              </a:ext>
+            </a:extLst>
+          </a:blip>
+          <a:srcRect/>
+          <a:stretch>
+            <a:fillRect/>
+          </a:stretch>
+        </p:blipFill>
+        <p:spPr bwMode="auto">
+          <a:xfrm>
+            <a:off x="3689080" y="4210217"/>
+            <a:ext cx="4535848" cy="1179438"/>
+          </a:xfrm>
+          <a:prstGeom prst="rect">
+            <a:avLst/>
+          </a:prstGeom>
+          <a:noFill/>
+          <a:extLst>
+            <a:ext uri="{909E8E84-426E-40DD-AFC4-6F175D3DCCD1}">
+              <a14:hiddenFill xmlns:a14="http://schemas.microsoft.com/office/drawing/2010/main">
+                <a:solidFill>
+                  <a:srgbClr val="FFFFFF"/>
+                </a:solidFill>
+              </a14:hiddenFill>
+            </a:ext>
+          </a:extLst>
+        </p:spPr>
+      </p:pic>
+    </p:spTree>
   </p:cSld>
   <p:clrMapOvr>
     <a:masterClrMapping/>
@@ -12097,6 +12230,22 @@
               </a:rPr>
               <a:t> 维吉尼亚密码的破译</a:t>
             </a:r>
+            <a:endParaRPr lang="zh-CN" altLang="en-US" sz="3200" spc="0" dirty="0">
+              <a:solidFill>
+                <a:schemeClr val="tx1"/>
+              </a:solidFill>
+              <a:effectLst>
+                <a:outerShdw blurRad="38100" dist="38100" dir="2700000" algn="tl">
+                  <a:srgbClr val="000000">
+                    <a:alpha val="43137"/>
+                  </a:srgbClr>
+                </a:outerShdw>
+              </a:effectLst>
+              <a:latin typeface="Arial" panose="020B0604020202020204" pitchFamily="34" charset="0"/>
+              <a:ea typeface="黑体" panose="02010609060101010101" pitchFamily="49" charset="-122"/>
+              <a:cs typeface="Times New Roman" panose="02020603050405020304" pitchFamily="18" charset="0"/>
+              <a:sym typeface="+mn-ea"/>
+            </a:endParaRPr>
           </a:p>
         </p:txBody>
       </p:sp>
@@ -12125,7 +12274,6 @@
                 <a:latin typeface="Arial" panose="020B0604020202020204" pitchFamily="34" charset="0"/>
                 <a:ea typeface="黑体" panose="02010609060101010101" pitchFamily="49" charset="-122"/>
               </a:rPr>
-              <a:t>20</a:t>
             </a:fld>
             <a:endParaRPr lang="zh-CN" altLang="en-US">
               <a:latin typeface="Arial" panose="020B0604020202020204" pitchFamily="34" charset="0"/>
@@ -12136,238 +12284,7 @@
       </p:sp>
       <p:sp>
         <p:nvSpPr>
-          <p:cNvPr id="7" name="文本框 6"/>
-          <p:cNvSpPr txBox="1"/>
-          <p:nvPr/>
-        </p:nvSpPr>
-        <p:spPr>
-          <a:xfrm>
-            <a:off x="1561604" y="1293100"/>
-            <a:ext cx="4686795" cy="494238"/>
-          </a:xfrm>
-          <a:prstGeom prst="rect">
-            <a:avLst/>
-          </a:prstGeom>
-          <a:noFill/>
-        </p:spPr>
-        <p:txBody>
-          <a:bodyPr wrap="square" rtlCol="0">
-            <a:spAutoFit/>
-          </a:bodyPr>
-          <a:lstStyle/>
-          <a:p>
-            <a:pPr>
-              <a:lnSpc>
-                <a:spcPct val="150000"/>
-              </a:lnSpc>
-            </a:pPr>
-            <a:r>
-              <a:rPr lang="zh-CN" altLang="en-US" sz="2000" dirty="0">
-                <a:cs typeface="黑体" panose="02010609060101010101" pitchFamily="49" charset="-122"/>
-              </a:rPr>
-              <a:t>计算给定密钥长度的重合指数：</a:t>
-            </a:r>
-          </a:p>
-        </p:txBody>
-      </p:sp>
-      <p:pic>
-        <p:nvPicPr>
-          <p:cNvPr id="6" name="图片 5"/>
-          <p:cNvPicPr>
-            <a:picLocks noChangeAspect="1"/>
-          </p:cNvPicPr>
-          <p:nvPr/>
-        </p:nvPicPr>
-        <p:blipFill>
-          <a:blip r:embed="rId3"/>
-          <a:stretch>
-            <a:fillRect/>
-          </a:stretch>
-        </p:blipFill>
-        <p:spPr>
-          <a:xfrm>
-            <a:off x="1579161" y="1959935"/>
-            <a:ext cx="9051234" cy="3919160"/>
-          </a:xfrm>
-          <a:prstGeom prst="rect">
-            <a:avLst/>
-          </a:prstGeom>
-        </p:spPr>
-      </p:pic>
-    </p:spTree>
-  </p:cSld>
-  <p:clrMapOvr>
-    <a:masterClrMapping/>
-  </p:clrMapOvr>
-</p:sld>
-</file>
-
-<file path=ppt/slides/slide21.xml><?xml version="1.0" encoding="utf-8"?>
-<p:sld xmlns:a="http://schemas.openxmlformats.org/drawingml/2006/main" xmlns:r="http://schemas.openxmlformats.org/officeDocument/2006/relationships" xmlns:p="http://schemas.openxmlformats.org/presentationml/2006/main">
-  <p:cSld>
-    <p:spTree>
-      <p:nvGrpSpPr>
-        <p:cNvPr id="1" name="">
-          <a:extLst>
-            <a:ext uri="{FF2B5EF4-FFF2-40B4-BE49-F238E27FC236}">
-              <a16:creationId xmlns:a16="http://schemas.microsoft.com/office/drawing/2014/main" id="{201BA04C-1709-33ED-F5C1-5F0186ECDFE1}"/>
-            </a:ext>
-          </a:extLst>
-        </p:cNvPr>
-        <p:cNvGrpSpPr/>
-        <p:nvPr/>
-      </p:nvGrpSpPr>
-      <p:grpSpPr>
-        <a:xfrm>
-          <a:off x="0" y="0"/>
-          <a:ext cx="0" cy="0"/>
-          <a:chOff x="0" y="0"/>
-          <a:chExt cx="0" cy="0"/>
-        </a:xfrm>
-      </p:grpSpPr>
-      <p:sp>
-        <p:nvSpPr>
-          <p:cNvPr id="2" name="Title 17">
-            <a:extLst>
-              <a:ext uri="{FF2B5EF4-FFF2-40B4-BE49-F238E27FC236}">
-                <a16:creationId xmlns:a16="http://schemas.microsoft.com/office/drawing/2014/main" id="{F6184CC2-4A96-7933-C96E-1F3C7521BCE9}"/>
-              </a:ext>
-            </a:extLst>
-          </p:cNvPr>
-          <p:cNvSpPr>
-            <a:spLocks noGrp="1"/>
-          </p:cNvSpPr>
-          <p:nvPr>
-            <p:custDataLst>
-              <p:tags r:id="rId1"/>
-            </p:custDataLst>
-          </p:nvPr>
-        </p:nvSpPr>
-        <p:spPr>
-          <a:xfrm>
-            <a:off x="352270" y="331211"/>
-            <a:ext cx="4572727" cy="587340"/>
-          </a:xfrm>
-          <a:prstGeom prst="rect">
-            <a:avLst/>
-          </a:prstGeom>
-          <a:noFill/>
-        </p:spPr>
-        <p:txBody>
-          <a:bodyPr vert="horz" wrap="none" lIns="90170" tIns="46990" rIns="90170" bIns="46990" rtlCol="0" anchor="ctr" anchorCtr="0">
-            <a:spAutoFit/>
-          </a:bodyPr>
-          <a:lstStyle>
-            <a:lvl1pPr algn="l" defTabSz="914400" rtl="0" eaLnBrk="1" fontAlgn="auto" latinLnBrk="0" hangingPunct="1">
-              <a:lnSpc>
-                <a:spcPct val="100000"/>
-              </a:lnSpc>
-              <a:spcBef>
-                <a:spcPct val="0"/>
-              </a:spcBef>
-              <a:buNone/>
-              <a:defRPr lang="zh-CN" altLang="en-US" sz="2800" b="1" u="none" strike="noStrike" kern="1200" cap="none" spc="300" normalizeH="0" baseline="0">
-                <a:solidFill>
-                  <a:schemeClr val="accent1"/>
-                </a:solidFill>
-                <a:uFillTx/>
-                <a:latin typeface="+mn-lt"/>
-                <a:ea typeface="+mn-ea"/>
-                <a:cs typeface="+mn-cs"/>
-              </a:defRPr>
-            </a:lvl1pPr>
-          </a:lstStyle>
-          <a:p>
-            <a:r>
-              <a:rPr lang="en-US" altLang="zh-CN" sz="3200" spc="0" dirty="0">
-                <a:solidFill>
-                  <a:schemeClr val="tx1"/>
-                </a:solidFill>
-                <a:effectLst>
-                  <a:outerShdw blurRad="38100" dist="38100" dir="2700000" algn="tl">
-                    <a:srgbClr val="000000">
-                      <a:alpha val="43137"/>
-                    </a:srgbClr>
-                  </a:outerShdw>
-                </a:effectLst>
-                <a:latin typeface="Arial" panose="020B0604020202020204" pitchFamily="34" charset="0"/>
-                <a:ea typeface="黑体" panose="02010609060101010101" pitchFamily="49" charset="-122"/>
-                <a:cs typeface="Times New Roman" panose="02020603050405020304" pitchFamily="18" charset="0"/>
-                <a:sym typeface="+mn-ea"/>
-              </a:rPr>
-              <a:t>1.5</a:t>
-            </a:r>
-            <a:r>
-              <a:rPr lang="zh-CN" altLang="en-US" sz="3200" spc="0" dirty="0">
-                <a:solidFill>
-                  <a:schemeClr val="tx1"/>
-                </a:solidFill>
-                <a:effectLst>
-                  <a:outerShdw blurRad="38100" dist="38100" dir="2700000" algn="tl">
-                    <a:srgbClr val="000000">
-                      <a:alpha val="43137"/>
-                    </a:srgbClr>
-                  </a:outerShdw>
-                </a:effectLst>
-                <a:latin typeface="Arial" panose="020B0604020202020204" pitchFamily="34" charset="0"/>
-                <a:ea typeface="黑体" panose="02010609060101010101" pitchFamily="49" charset="-122"/>
-                <a:cs typeface="Times New Roman" panose="02020603050405020304" pitchFamily="18" charset="0"/>
-                <a:sym typeface="+mn-ea"/>
-              </a:rPr>
-              <a:t> 维吉尼亚密码的破译</a:t>
-            </a:r>
-          </a:p>
-        </p:txBody>
-      </p:sp>
-      <p:sp>
-        <p:nvSpPr>
-          <p:cNvPr id="4" name="灯片编号占位符 2">
-            <a:extLst>
-              <a:ext uri="{FF2B5EF4-FFF2-40B4-BE49-F238E27FC236}">
-                <a16:creationId xmlns:a16="http://schemas.microsoft.com/office/drawing/2014/main" id="{3898207C-2EEA-40EC-4E3B-99094BD00D83}"/>
-              </a:ext>
-            </a:extLst>
-          </p:cNvPr>
-          <p:cNvSpPr>
-            <a:spLocks noGrp="1"/>
-          </p:cNvSpPr>
-          <p:nvPr>
-            <p:ph type="sldNum" sz="quarter" idx="12"/>
-          </p:nvPr>
-        </p:nvSpPr>
-        <p:spPr>
-          <a:xfrm>
-            <a:off x="10134600" y="6492875"/>
-            <a:ext cx="2057400" cy="365125"/>
-          </a:xfrm>
-        </p:spPr>
-        <p:txBody>
-          <a:bodyPr/>
-          <a:lstStyle/>
-          <a:p>
-            <a:fld id="{4CDDC869-2817-46DD-8681-5A192428703D}" type="slidenum">
-              <a:rPr lang="zh-CN" altLang="en-US" smtClean="0">
-                <a:latin typeface="Arial" panose="020B0604020202020204" pitchFamily="34" charset="0"/>
-                <a:ea typeface="黑体" panose="02010609060101010101" pitchFamily="49" charset="-122"/>
-              </a:rPr>
-              <a:t>21</a:t>
-            </a:fld>
-            <a:endParaRPr lang="zh-CN" altLang="en-US">
-              <a:latin typeface="Arial" panose="020B0604020202020204" pitchFamily="34" charset="0"/>
-              <a:ea typeface="黑体" panose="02010609060101010101" pitchFamily="49" charset="-122"/>
-            </a:endParaRPr>
-          </a:p>
-        </p:txBody>
-      </p:sp>
-      <p:sp>
-        <p:nvSpPr>
-          <p:cNvPr id="10" name="文本框 9">
-            <a:extLst>
-              <a:ext uri="{FF2B5EF4-FFF2-40B4-BE49-F238E27FC236}">
-                <a16:creationId xmlns:a16="http://schemas.microsoft.com/office/drawing/2014/main" id="{D6832610-AD3A-7C4F-C150-A1025642C9FD}"/>
-              </a:ext>
-            </a:extLst>
-          </p:cNvPr>
+          <p:cNvPr id="10" name="文本框 9"/>
           <p:cNvSpPr txBox="1"/>
           <p:nvPr/>
         </p:nvSpPr>
@@ -12398,25 +12315,22 @@
               </a:rPr>
               <a:t>计算所有的重合指数：</a:t>
             </a:r>
+            <a:endParaRPr lang="zh-CN" altLang="en-US" sz="2000" dirty="0">
+              <a:cs typeface="黑体" panose="02010609060101010101" pitchFamily="49" charset="-122"/>
+            </a:endParaRPr>
           </a:p>
         </p:txBody>
       </p:sp>
       <p:pic>
         <p:nvPicPr>
-          <p:cNvPr id="8" name="图片 7">
-            <a:extLst>
-              <a:ext uri="{FF2B5EF4-FFF2-40B4-BE49-F238E27FC236}">
-                <a16:creationId xmlns:a16="http://schemas.microsoft.com/office/drawing/2014/main" id="{A298453A-E987-272F-9514-B8D545340BE6}"/>
-              </a:ext>
-            </a:extLst>
-          </p:cNvPr>
+          <p:cNvPr id="8" name="图片 7"/>
           <p:cNvPicPr>
             <a:picLocks noChangeAspect="1"/>
           </p:cNvPicPr>
           <p:nvPr/>
         </p:nvPicPr>
         <p:blipFill>
-          <a:blip r:embed="rId3"/>
+          <a:blip r:embed="rId2"/>
           <a:stretch>
             <a:fillRect/>
           </a:stretch>
@@ -12432,11 +12346,6 @@
         </p:spPr>
       </p:pic>
     </p:spTree>
-    <p:extLst>
-      <p:ext uri="{BB962C8B-B14F-4D97-AF65-F5344CB8AC3E}">
-        <p14:creationId xmlns:p14="http://schemas.microsoft.com/office/powerpoint/2010/main" val="476428676"/>
-      </p:ext>
-    </p:extLst>
   </p:cSld>
   <p:clrMapOvr>
     <a:masterClrMapping/>
@@ -12444,7 +12353,7 @@
 </p:sld>
 </file>
 
-<file path=ppt/slides/slide22.xml><?xml version="1.0" encoding="utf-8"?>
+<file path=ppt/slides/slide21.xml><?xml version="1.0" encoding="utf-8"?>
 <p:sld xmlns:a="http://schemas.openxmlformats.org/drawingml/2006/main" xmlns:r="http://schemas.openxmlformats.org/officeDocument/2006/relationships" xmlns:p="http://schemas.openxmlformats.org/presentationml/2006/main">
   <p:cSld>
     <p:spTree>
@@ -12546,6 +12455,22 @@
               </a:rPr>
               <a:t> 维吉尼亚密码的破译</a:t>
             </a:r>
+            <a:endParaRPr lang="zh-CN" altLang="en-US" sz="3200" spc="0" dirty="0">
+              <a:solidFill>
+                <a:schemeClr val="tx1"/>
+              </a:solidFill>
+              <a:effectLst>
+                <a:outerShdw blurRad="38100" dist="38100" dir="2700000" algn="tl">
+                  <a:srgbClr val="000000">
+                    <a:alpha val="43137"/>
+                  </a:srgbClr>
+                </a:outerShdw>
+              </a:effectLst>
+              <a:latin typeface="Arial" panose="020B0604020202020204" pitchFamily="34" charset="0"/>
+              <a:ea typeface="黑体" panose="02010609060101010101" pitchFamily="49" charset="-122"/>
+              <a:cs typeface="Times New Roman" panose="02020603050405020304" pitchFamily="18" charset="0"/>
+              <a:sym typeface="+mn-ea"/>
+            </a:endParaRPr>
           </a:p>
         </p:txBody>
       </p:sp>
@@ -12574,7 +12499,6 @@
                 <a:latin typeface="Arial" panose="020B0604020202020204" pitchFamily="34" charset="0"/>
                 <a:ea typeface="黑体" panose="02010609060101010101" pitchFamily="49" charset="-122"/>
               </a:rPr>
-              <a:t>22</a:t>
             </a:fld>
             <a:endParaRPr lang="zh-CN" altLang="en-US">
               <a:latin typeface="Arial" panose="020B0604020202020204" pitchFamily="34" charset="0"/>
@@ -12622,6 +12546,9 @@
               </a:rPr>
               <a:t>：</a:t>
             </a:r>
+            <a:endParaRPr lang="zh-CN" altLang="en-US" sz="2000" dirty="0">
+              <a:cs typeface="黑体" panose="02010609060101010101" pitchFamily="49" charset="-122"/>
+            </a:endParaRPr>
           </a:p>
         </p:txBody>
       </p:sp>
@@ -12634,7 +12561,7 @@
           <p:nvPr/>
         </p:nvPicPr>
         <p:blipFill>
-          <a:blip r:embed="rId3"/>
+          <a:blip r:embed="rId2"/>
           <a:stretch>
             <a:fillRect/>
           </a:stretch>
@@ -12662,13 +12589,7 @@
   <p:cSld>
     <p:spTree>
       <p:nvGrpSpPr>
-        <p:cNvPr id="1" name="">
-          <a:extLst>
-            <a:ext uri="{FF2B5EF4-FFF2-40B4-BE49-F238E27FC236}">
-              <a16:creationId xmlns:a16="http://schemas.microsoft.com/office/drawing/2014/main" id="{07480192-40B3-D79F-4304-7A06AAC23186}"/>
-            </a:ext>
-          </a:extLst>
-        </p:cNvPr>
+        <p:cNvPr id="1" name=""/>
         <p:cNvGrpSpPr/>
         <p:nvPr/>
       </p:nvGrpSpPr>
@@ -12682,13 +12603,7 @@
       </p:grpSpPr>
       <p:sp>
         <p:nvSpPr>
-          <p:cNvPr id="2" name="Title 17">
-            <a:extLst>
-              <a:ext uri="{FF2B5EF4-FFF2-40B4-BE49-F238E27FC236}">
-                <a16:creationId xmlns:a16="http://schemas.microsoft.com/office/drawing/2014/main" id="{452D2E19-4937-4BA3-1E14-CBB4EDAFC5C7}"/>
-              </a:ext>
-            </a:extLst>
-          </p:cNvPr>
+          <p:cNvPr id="2" name="Title 17"/>
           <p:cNvSpPr>
             <a:spLocks noGrp="1"/>
           </p:cNvSpPr>
@@ -12771,18 +12686,28 @@
               </a:rPr>
               <a:t>实验平台介绍</a:t>
             </a:r>
+            <a:endParaRPr lang="zh-CN" altLang="en-US" sz="3200" spc="0" dirty="0">
+              <a:solidFill>
+                <a:schemeClr val="tx1"/>
+              </a:solidFill>
+              <a:effectLst>
+                <a:outerShdw blurRad="38100" dist="38100" dir="2700000" algn="tl">
+                  <a:srgbClr val="000000">
+                    <a:alpha val="43137"/>
+                  </a:srgbClr>
+                </a:outerShdw>
+              </a:effectLst>
+              <a:latin typeface="Arial" panose="020B0604020202020204" pitchFamily="34" charset="0"/>
+              <a:ea typeface="黑体" panose="02010609060101010101" pitchFamily="49" charset="-122"/>
+              <a:cs typeface="Times New Roman" panose="02020603050405020304" pitchFamily="18" charset="0"/>
+              <a:sym typeface="+mn-ea"/>
+            </a:endParaRPr>
           </a:p>
         </p:txBody>
       </p:sp>
       <p:sp>
         <p:nvSpPr>
-          <p:cNvPr id="4" name="灯片编号占位符 2">
-            <a:extLst>
-              <a:ext uri="{FF2B5EF4-FFF2-40B4-BE49-F238E27FC236}">
-                <a16:creationId xmlns:a16="http://schemas.microsoft.com/office/drawing/2014/main" id="{C01C294E-B86E-DA6D-C396-DA5F683711F3}"/>
-              </a:ext>
-            </a:extLst>
-          </p:cNvPr>
+          <p:cNvPr id="4" name="灯片编号占位符 2"/>
           <p:cNvSpPr>
             <a:spLocks noGrp="1"/>
           </p:cNvSpPr>
@@ -12805,7 +12730,6 @@
                 <a:latin typeface="Arial" panose="020B0604020202020204" pitchFamily="34" charset="0"/>
                 <a:ea typeface="黑体" panose="02010609060101010101" pitchFamily="49" charset="-122"/>
               </a:rPr>
-              <a:t>3</a:t>
             </a:fld>
             <a:endParaRPr lang="zh-CN" altLang="en-US">
               <a:latin typeface="Arial" panose="020B0604020202020204" pitchFamily="34" charset="0"/>
@@ -12816,20 +12740,14 @@
       </p:sp>
       <p:sp>
         <p:nvSpPr>
-          <p:cNvPr id="9" name="文本框 8">
-            <a:extLst>
-              <a:ext uri="{FF2B5EF4-FFF2-40B4-BE49-F238E27FC236}">
-                <a16:creationId xmlns:a16="http://schemas.microsoft.com/office/drawing/2014/main" id="{41B92868-29EB-7F67-135F-24D6AF873E3A}"/>
-              </a:ext>
-            </a:extLst>
-          </p:cNvPr>
+          <p:cNvPr id="9" name="文本框 8"/>
           <p:cNvSpPr txBox="1"/>
           <p:nvPr/>
         </p:nvSpPr>
         <p:spPr>
           <a:xfrm>
             <a:off x="548022" y="1357204"/>
-            <a:ext cx="10817965" cy="2340897"/>
+            <a:ext cx="10817965" cy="1417568"/>
           </a:xfrm>
           <a:prstGeom prst="rect">
             <a:avLst/>
@@ -12868,10 +12786,10 @@
                 <a:uFillTx/>
                 <a:cs typeface="黑体" panose="02010609060101010101" pitchFamily="49" charset="-122"/>
               </a:rPr>
-              <a:t>软件：</a:t>
-            </a:r>
-            <a:r>
-              <a:rPr kumimoji="0" lang="en-US" altLang="zh-CN" sz="2000" b="0" i="0" u="none" strike="noStrike" kern="1200" cap="none" spc="0" normalizeH="0" baseline="0" noProof="0" dirty="0" err="1">
+              <a:t>将多个开源数学软件（如 </a:t>
+            </a:r>
+            <a:r>
+              <a:rPr kumimoji="0" lang="en-US" altLang="zh-CN" sz="2000" b="0" i="0" u="none" strike="noStrike" kern="1200" cap="none" spc="0" normalizeH="0" baseline="0" noProof="0" dirty="0">
                 <a:ln>
                   <a:noFill/>
                 </a:ln>
@@ -12880,29 +12798,8 @@
                 <a:uFillTx/>
                 <a:cs typeface="黑体" panose="02010609060101010101" pitchFamily="49" charset="-122"/>
               </a:rPr>
-              <a:t>SageMath</a:t>
-            </a:r>
-            <a:endParaRPr lang="en-US" altLang="zh-CN" sz="2000" dirty="0">
-              <a:cs typeface="黑体" panose="02010609060101010101" pitchFamily="49" charset="-122"/>
-            </a:endParaRPr>
-          </a:p>
-          <a:p>
-            <a:pPr marL="0" marR="0" lvl="0" indent="0" algn="l" defTabSz="914400" rtl="0" eaLnBrk="1" fontAlgn="auto" latinLnBrk="0" hangingPunct="1">
-              <a:lnSpc>
-                <a:spcPct val="150000"/>
-              </a:lnSpc>
-              <a:spcBef>
-                <a:spcPts val="0"/>
-              </a:spcBef>
-              <a:spcAft>
-                <a:spcPts val="0"/>
-              </a:spcAft>
-              <a:buClrTx/>
-              <a:buSzTx/>
-              <a:buFontTx/>
-              <a:buNone/>
-              <a:defRPr/>
-            </a:pPr>
+              <a:t>NumPy</a:t>
+            </a:r>
             <a:r>
               <a:rPr kumimoji="0" lang="zh-CN" altLang="en-US" sz="2000" b="0" i="0" u="none" strike="noStrike" kern="1200" cap="none" spc="0" normalizeH="0" baseline="0" noProof="0" dirty="0">
                 <a:ln>
@@ -12913,7 +12810,7 @@
                 <a:uFillTx/>
                 <a:cs typeface="黑体" panose="02010609060101010101" pitchFamily="49" charset="-122"/>
               </a:rPr>
-              <a:t>版本：</a:t>
+              <a:t>、</a:t>
             </a:r>
             <a:r>
               <a:rPr kumimoji="0" lang="en-US" altLang="zh-CN" sz="2000" b="0" i="0" u="none" strike="noStrike" kern="1200" cap="none" spc="0" normalizeH="0" baseline="0" noProof="0" dirty="0">
@@ -12925,37 +12822,7 @@
                 <a:uFillTx/>
                 <a:cs typeface="黑体" panose="02010609060101010101" pitchFamily="49" charset="-122"/>
               </a:rPr>
-              <a:t>9.3</a:t>
-            </a:r>
-          </a:p>
-          <a:p>
-            <a:pPr marL="0" marR="0" lvl="0" indent="0" algn="l" defTabSz="914400" rtl="0" eaLnBrk="1" fontAlgn="auto" latinLnBrk="0" hangingPunct="1">
-              <a:lnSpc>
-                <a:spcPct val="150000"/>
-              </a:lnSpc>
-              <a:spcBef>
-                <a:spcPts val="0"/>
-              </a:spcBef>
-              <a:spcAft>
-                <a:spcPts val="0"/>
-              </a:spcAft>
-              <a:buClrTx/>
-              <a:buSzTx/>
-              <a:buFontTx/>
-              <a:buNone/>
-              <a:defRPr/>
-            </a:pPr>
-            <a:r>
-              <a:rPr kumimoji="0" lang="en-US" altLang="zh-CN" sz="2000" b="0" i="0" u="none" strike="noStrike" kern="1200" cap="none" spc="0" normalizeH="0" baseline="0" noProof="0" dirty="0" err="1">
-                <a:ln>
-                  <a:noFill/>
-                </a:ln>
-                <a:effectLst/>
-                <a:uLnTx/>
-                <a:uFillTx/>
-                <a:cs typeface="黑体" panose="02010609060101010101" pitchFamily="49" charset="-122"/>
-              </a:rPr>
-              <a:t>SageMath</a:t>
+              <a:t>SciPy</a:t>
             </a:r>
             <a:r>
               <a:rPr kumimoji="0" lang="zh-CN" altLang="en-US" sz="2000" b="0" i="0" u="none" strike="noStrike" kern="1200" cap="none" spc="0" normalizeH="0" baseline="0" noProof="0" dirty="0">
@@ -12967,7 +12834,7 @@
                 <a:uFillTx/>
                 <a:cs typeface="黑体" panose="02010609060101010101" pitchFamily="49" charset="-122"/>
               </a:rPr>
-              <a:t>（简称 </a:t>
+              <a:t>、</a:t>
             </a:r>
             <a:r>
               <a:rPr kumimoji="0" lang="en-US" altLang="zh-CN" sz="2000" b="0" i="0" u="none" strike="noStrike" kern="1200" cap="none" spc="0" normalizeH="0" baseline="0" noProof="0" dirty="0">
@@ -12979,7 +12846,7 @@
                 <a:uFillTx/>
                 <a:cs typeface="黑体" panose="02010609060101010101" pitchFamily="49" charset="-122"/>
               </a:rPr>
-              <a:t>Sage</a:t>
+              <a:t>Maxima</a:t>
             </a:r>
             <a:r>
               <a:rPr kumimoji="0" lang="zh-CN" altLang="en-US" sz="2000" b="0" i="0" u="none" strike="noStrike" kern="1200" cap="none" spc="0" normalizeH="0" baseline="0" noProof="0" dirty="0">
@@ -12991,7 +12858,7 @@
                 <a:uFillTx/>
                 <a:cs typeface="黑体" panose="02010609060101010101" pitchFamily="49" charset="-122"/>
               </a:rPr>
-              <a:t>）是一款开源数学软件系统，旨在提供一种集成的、统一的环境来执行各类数学计算。它的目标是替代像 </a:t>
+              <a:t>、</a:t>
             </a:r>
             <a:r>
               <a:rPr kumimoji="0" lang="en-US" altLang="zh-CN" sz="2000" b="0" i="0" u="none" strike="noStrike" kern="1200" cap="none" spc="0" normalizeH="0" baseline="0" noProof="0" dirty="0">
@@ -13003,7 +12870,7 @@
                 <a:uFillTx/>
                 <a:cs typeface="黑体" panose="02010609060101010101" pitchFamily="49" charset="-122"/>
               </a:rPr>
-              <a:t>Mathematica</a:t>
+              <a:t>R</a:t>
             </a:r>
             <a:r>
               <a:rPr kumimoji="0" lang="zh-CN" altLang="en-US" sz="2000" b="0" i="0" u="none" strike="noStrike" kern="1200" cap="none" spc="0" normalizeH="0" baseline="0" noProof="0" dirty="0">
@@ -13027,7 +12894,7 @@
                 <a:uFillTx/>
                 <a:cs typeface="黑体" panose="02010609060101010101" pitchFamily="49" charset="-122"/>
               </a:rPr>
-              <a:t>Maple</a:t>
+              <a:t>SymPy</a:t>
             </a:r>
             <a:r>
               <a:rPr kumimoji="0" lang="zh-CN" altLang="en-US" sz="2000" b="0" i="0" u="none" strike="noStrike" kern="1200" cap="none" spc="0" normalizeH="0" baseline="0" noProof="0" dirty="0">
@@ -13042,18 +12909,6 @@
               <a:t>、</a:t>
             </a:r>
             <a:r>
-              <a:rPr kumimoji="0" lang="en-US" altLang="zh-CN" sz="2000" b="0" i="0" u="none" strike="noStrike" kern="1200" cap="none" spc="0" normalizeH="0" baseline="0" noProof="0" dirty="0" err="1">
-                <a:ln>
-                  <a:noFill/>
-                </a:ln>
-                <a:effectLst/>
-                <a:uLnTx/>
-                <a:uFillTx/>
-                <a:cs typeface="黑体" panose="02010609060101010101" pitchFamily="49" charset="-122"/>
-              </a:rPr>
-              <a:t>Matlab</a:t>
-            </a:r>
-            <a:r>
               <a:rPr kumimoji="0" lang="en-US" altLang="zh-CN" sz="2000" b="0" i="0" u="none" strike="noStrike" kern="1200" cap="none" spc="0" normalizeH="0" baseline="0" noProof="0" dirty="0">
                 <a:ln>
                   <a:noFill/>
@@ -13063,7 +12918,7 @@
                 <a:uFillTx/>
                 <a:cs typeface="黑体" panose="02010609060101010101" pitchFamily="49" charset="-122"/>
               </a:rPr>
-              <a:t> </a:t>
+              <a:t>Magma </a:t>
             </a:r>
             <a:r>
               <a:rPr kumimoji="0" lang="zh-CN" altLang="en-US" sz="2000" b="0" i="0" u="none" strike="noStrike" kern="1200" cap="none" spc="0" normalizeH="0" baseline="0" noProof="0" dirty="0">
@@ -13075,27 +12930,30 @@
                 <a:uFillTx/>
                 <a:cs typeface="黑体" panose="02010609060101010101" pitchFamily="49" charset="-122"/>
               </a:rPr>
-              <a:t>这样的商业数学软件，同时提供比这些软件更广泛的数学功能，且完全免费。</a:t>
-            </a:r>
+              <a:t>等）整合在一起，形成了一个具有一致界面的数学计算平台。用户可以在一个环境中进行从基础数学到高级研究的各种计算，包括代数、数论、几何、代数几何、统计学等领域的计算。</a:t>
+            </a:r>
+            <a:endParaRPr kumimoji="0" lang="zh-CN" altLang="en-US" sz="2000" b="0" i="0" u="none" strike="noStrike" kern="1200" cap="none" spc="0" normalizeH="0" baseline="0" noProof="0" dirty="0">
+              <a:ln>
+                <a:noFill/>
+              </a:ln>
+              <a:effectLst/>
+              <a:uLnTx/>
+              <a:uFillTx/>
+              <a:cs typeface="黑体" panose="02010609060101010101" pitchFamily="49" charset="-122"/>
+            </a:endParaRPr>
           </a:p>
         </p:txBody>
       </p:sp>
       <p:pic>
         <p:nvPicPr>
-          <p:cNvPr id="12" name="Picture 2" descr="undefined">
-            <a:extLst>
-              <a:ext uri="{FF2B5EF4-FFF2-40B4-BE49-F238E27FC236}">
-                <a16:creationId xmlns:a16="http://schemas.microsoft.com/office/drawing/2014/main" id="{A34B486E-F39C-488A-A88D-D694B887C41E}"/>
-              </a:ext>
-            </a:extLst>
-          </p:cNvPr>
+          <p:cNvPr id="12" name="Picture 2" descr="undefined"/>
           <p:cNvPicPr>
             <a:picLocks noChangeAspect="1" noChangeArrowheads="1"/>
           </p:cNvPicPr>
           <p:nvPr/>
         </p:nvPicPr>
         <p:blipFill>
-          <a:blip r:embed="rId3" cstate="print">
+          <a:blip r:embed="rId2" cstate="print">
             <a:extLst>
               <a:ext uri="{28A0092B-C50C-407E-A947-70E740481C1C}">
                 <a14:useLocalDpi xmlns:a14="http://schemas.microsoft.com/office/drawing/2010/main" val="0"/>
@@ -13128,11 +12986,6 @@
         </p:spPr>
       </p:pic>
     </p:spTree>
-    <p:extLst>
-      <p:ext uri="{BB962C8B-B14F-4D97-AF65-F5344CB8AC3E}">
-        <p14:creationId xmlns:p14="http://schemas.microsoft.com/office/powerpoint/2010/main" val="3536371505"/>
-      </p:ext>
-    </p:extLst>
   </p:cSld>
   <p:clrMapOvr>
     <a:masterClrMapping/>
@@ -13145,13 +12998,7 @@
   <p:cSld>
     <p:spTree>
       <p:nvGrpSpPr>
-        <p:cNvPr id="1" name="">
-          <a:extLst>
-            <a:ext uri="{FF2B5EF4-FFF2-40B4-BE49-F238E27FC236}">
-              <a16:creationId xmlns:a16="http://schemas.microsoft.com/office/drawing/2014/main" id="{A57B5C10-4F32-9864-B30E-DDF3251F77D6}"/>
-            </a:ext>
-          </a:extLst>
-        </p:cNvPr>
+        <p:cNvPr id="1" name=""/>
         <p:cNvGrpSpPr/>
         <p:nvPr/>
       </p:nvGrpSpPr>
@@ -13165,13 +13012,7 @@
       </p:grpSpPr>
       <p:sp>
         <p:nvSpPr>
-          <p:cNvPr id="2" name="Title 17">
-            <a:extLst>
-              <a:ext uri="{FF2B5EF4-FFF2-40B4-BE49-F238E27FC236}">
-                <a16:creationId xmlns:a16="http://schemas.microsoft.com/office/drawing/2014/main" id="{9D5096CD-9746-D2C8-CEDA-8C713DAFBFBA}"/>
-              </a:ext>
-            </a:extLst>
-          </p:cNvPr>
+          <p:cNvPr id="2" name="Title 17"/>
           <p:cNvSpPr>
             <a:spLocks noGrp="1"/>
           </p:cNvSpPr>
@@ -13254,18 +13095,28 @@
               </a:rPr>
               <a:t>实验平台介绍</a:t>
             </a:r>
+            <a:endParaRPr lang="zh-CN" altLang="en-US" sz="3200" spc="0" dirty="0">
+              <a:solidFill>
+                <a:schemeClr val="tx1"/>
+              </a:solidFill>
+              <a:effectLst>
+                <a:outerShdw blurRad="38100" dist="38100" dir="2700000" algn="tl">
+                  <a:srgbClr val="000000">
+                    <a:alpha val="43137"/>
+                  </a:srgbClr>
+                </a:outerShdw>
+              </a:effectLst>
+              <a:latin typeface="Arial" panose="020B0604020202020204" pitchFamily="34" charset="0"/>
+              <a:ea typeface="黑体" panose="02010609060101010101" pitchFamily="49" charset="-122"/>
+              <a:cs typeface="Times New Roman" panose="02020603050405020304" pitchFamily="18" charset="0"/>
+              <a:sym typeface="+mn-ea"/>
+            </a:endParaRPr>
           </a:p>
         </p:txBody>
       </p:sp>
       <p:sp>
         <p:nvSpPr>
-          <p:cNvPr id="4" name="灯片编号占位符 2">
-            <a:extLst>
-              <a:ext uri="{FF2B5EF4-FFF2-40B4-BE49-F238E27FC236}">
-                <a16:creationId xmlns:a16="http://schemas.microsoft.com/office/drawing/2014/main" id="{C35F6A70-46B5-0BD2-FD59-C6CA6769E7B9}"/>
-              </a:ext>
-            </a:extLst>
-          </p:cNvPr>
+          <p:cNvPr id="4" name="灯片编号占位符 2"/>
           <p:cNvSpPr>
             <a:spLocks noGrp="1"/>
           </p:cNvSpPr>
@@ -13288,7 +13139,6 @@
                 <a:latin typeface="Arial" panose="020B0604020202020204" pitchFamily="34" charset="0"/>
                 <a:ea typeface="黑体" panose="02010609060101010101" pitchFamily="49" charset="-122"/>
               </a:rPr>
-              <a:t>4</a:t>
             </a:fld>
             <a:endParaRPr lang="zh-CN" altLang="en-US">
               <a:latin typeface="Arial" panose="020B0604020202020204" pitchFamily="34" charset="0"/>
@@ -13299,20 +13149,14 @@
       </p:sp>
       <p:sp>
         <p:nvSpPr>
-          <p:cNvPr id="9" name="文本框 8">
-            <a:extLst>
-              <a:ext uri="{FF2B5EF4-FFF2-40B4-BE49-F238E27FC236}">
-                <a16:creationId xmlns:a16="http://schemas.microsoft.com/office/drawing/2014/main" id="{D22D087B-B835-F56C-FD27-B5744F2903AD}"/>
-              </a:ext>
-            </a:extLst>
-          </p:cNvPr>
+          <p:cNvPr id="9" name="文本框 8"/>
           <p:cNvSpPr txBox="1"/>
           <p:nvPr/>
         </p:nvSpPr>
         <p:spPr>
           <a:xfrm>
-            <a:off x="548022" y="1357204"/>
-            <a:ext cx="10817965" cy="1417568"/>
+            <a:off x="548021" y="1294576"/>
+            <a:ext cx="10817965" cy="1879232"/>
           </a:xfrm>
           <a:prstGeom prst="rect">
             <a:avLst/>
@@ -13342,6 +13186,30 @@
               <a:defRPr/>
             </a:pPr>
             <a:r>
+              <a:rPr kumimoji="0" lang="en-US" altLang="zh-CN" sz="2000" b="0" i="0" u="none" strike="noStrike" kern="1200" cap="none" spc="0" normalizeH="0" baseline="0" noProof="0" dirty="0" err="1">
+                <a:ln>
+                  <a:noFill/>
+                </a:ln>
+                <a:effectLst/>
+                <a:uLnTx/>
+                <a:uFillTx/>
+                <a:cs typeface="黑体" panose="02010609060101010101" pitchFamily="49" charset="-122"/>
+              </a:rPr>
+              <a:t>SageMath</a:t>
+            </a:r>
+            <a:r>
+              <a:rPr kumimoji="0" lang="en-US" altLang="zh-CN" sz="2000" b="0" i="0" u="none" strike="noStrike" kern="1200" cap="none" spc="0" normalizeH="0" baseline="0" noProof="0" dirty="0">
+                <a:ln>
+                  <a:noFill/>
+                </a:ln>
+                <a:effectLst/>
+                <a:uLnTx/>
+                <a:uFillTx/>
+                <a:cs typeface="黑体" panose="02010609060101010101" pitchFamily="49" charset="-122"/>
+              </a:rPr>
+              <a:t> </a:t>
+            </a:r>
+            <a:r>
               <a:rPr kumimoji="0" lang="zh-CN" altLang="en-US" sz="2000" b="0" i="0" u="none" strike="noStrike" kern="1200" cap="none" spc="0" normalizeH="0" baseline="0" noProof="0" dirty="0">
                 <a:ln>
                   <a:noFill/>
@@ -13351,7 +13219,7 @@
                 <a:uFillTx/>
                 <a:cs typeface="黑体" panose="02010609060101010101" pitchFamily="49" charset="-122"/>
               </a:rPr>
-              <a:t>将多个开源数学软件（如 </a:t>
+              <a:t>通过 命令行界面（</a:t>
             </a:r>
             <a:r>
               <a:rPr kumimoji="0" lang="en-US" altLang="zh-CN" sz="2000" b="0" i="0" u="none" strike="noStrike" kern="1200" cap="none" spc="0" normalizeH="0" baseline="0" noProof="0" dirty="0">
@@ -13363,7 +13231,7 @@
                 <a:uFillTx/>
                 <a:cs typeface="黑体" panose="02010609060101010101" pitchFamily="49" charset="-122"/>
               </a:rPr>
-              <a:t>NumPy</a:t>
+              <a:t>CLI</a:t>
             </a:r>
             <a:r>
               <a:rPr kumimoji="0" lang="zh-CN" altLang="en-US" sz="2000" b="0" i="0" u="none" strike="noStrike" kern="1200" cap="none" spc="0" normalizeH="0" baseline="0" noProof="0" dirty="0">
@@ -13375,7 +13243,7 @@
                 <a:uFillTx/>
                 <a:cs typeface="黑体" panose="02010609060101010101" pitchFamily="49" charset="-122"/>
               </a:rPr>
-              <a:t>、</a:t>
+              <a:t>）、图形用户界面（</a:t>
             </a:r>
             <a:r>
               <a:rPr kumimoji="0" lang="en-US" altLang="zh-CN" sz="2000" b="0" i="0" u="none" strike="noStrike" kern="1200" cap="none" spc="0" normalizeH="0" baseline="0" noProof="0" dirty="0">
@@ -13387,7 +13255,7 @@
                 <a:uFillTx/>
                 <a:cs typeface="黑体" panose="02010609060101010101" pitchFamily="49" charset="-122"/>
               </a:rPr>
-              <a:t>SciPy</a:t>
+              <a:t>GUI</a:t>
             </a:r>
             <a:r>
               <a:rPr kumimoji="0" lang="zh-CN" altLang="en-US" sz="2000" b="0" i="0" u="none" strike="noStrike" kern="1200" cap="none" spc="0" normalizeH="0" baseline="0" noProof="0" dirty="0">
@@ -13399,7 +13267,19 @@
                 <a:uFillTx/>
                 <a:cs typeface="黑体" panose="02010609060101010101" pitchFamily="49" charset="-122"/>
               </a:rPr>
-              <a:t>、</a:t>
+              <a:t>）和网页界面（如 </a:t>
+            </a:r>
+            <a:r>
+              <a:rPr kumimoji="0" lang="en-US" altLang="zh-CN" sz="2000" b="0" i="0" u="none" strike="noStrike" kern="1200" cap="none" spc="0" normalizeH="0" baseline="0" noProof="0" dirty="0" err="1">
+                <a:ln>
+                  <a:noFill/>
+                </a:ln>
+                <a:effectLst/>
+                <a:uLnTx/>
+                <a:uFillTx/>
+                <a:cs typeface="黑体" panose="02010609060101010101" pitchFamily="49" charset="-122"/>
+              </a:rPr>
+              <a:t>SageMathCell</a:t>
             </a:r>
             <a:r>
               <a:rPr kumimoji="0" lang="en-US" altLang="zh-CN" sz="2000" b="0" i="0" u="none" strike="noStrike" kern="1200" cap="none" spc="0" normalizeH="0" baseline="0" noProof="0" dirty="0">
@@ -13411,7 +13291,7 @@
                 <a:uFillTx/>
                 <a:cs typeface="黑体" panose="02010609060101010101" pitchFamily="49" charset="-122"/>
               </a:rPr>
-              <a:t>Maxima</a:t>
+              <a:t> </a:t>
             </a:r>
             <a:r>
               <a:rPr kumimoji="0" lang="zh-CN" altLang="en-US" sz="2000" b="0" i="0" u="none" strike="noStrike" kern="1200" cap="none" spc="0" normalizeH="0" baseline="0" noProof="0" dirty="0">
@@ -13423,7 +13303,19 @@
                 <a:uFillTx/>
                 <a:cs typeface="黑体" panose="02010609060101010101" pitchFamily="49" charset="-122"/>
               </a:rPr>
-              <a:t>、</a:t>
+              <a:t>和 </a:t>
+            </a:r>
+            <a:r>
+              <a:rPr kumimoji="0" lang="en-US" altLang="zh-CN" sz="2000" b="0" i="0" u="none" strike="noStrike" kern="1200" cap="none" spc="0" normalizeH="0" baseline="0" noProof="0" dirty="0" err="1">
+                <a:ln>
+                  <a:noFill/>
+                </a:ln>
+                <a:effectLst/>
+                <a:uLnTx/>
+                <a:uFillTx/>
+                <a:cs typeface="黑体" panose="02010609060101010101" pitchFamily="49" charset="-122"/>
+              </a:rPr>
+              <a:t>Jupyter</a:t>
             </a:r>
             <a:r>
               <a:rPr kumimoji="0" lang="en-US" altLang="zh-CN" sz="2000" b="0" i="0" u="none" strike="noStrike" kern="1200" cap="none" spc="0" normalizeH="0" baseline="0" noProof="0" dirty="0">
@@ -13435,7 +13327,7 @@
                 <a:uFillTx/>
                 <a:cs typeface="黑体" panose="02010609060101010101" pitchFamily="49" charset="-122"/>
               </a:rPr>
-              <a:t>R</a:t>
+              <a:t> notebooks</a:t>
             </a:r>
             <a:r>
               <a:rPr kumimoji="0" lang="zh-CN" altLang="en-US" sz="2000" b="0" i="0" u="none" strike="noStrike" kern="1200" cap="none" spc="0" normalizeH="0" baseline="0" noProof="0" dirty="0">
@@ -13447,7 +13339,7 @@
                 <a:uFillTx/>
                 <a:cs typeface="黑体" panose="02010609060101010101" pitchFamily="49" charset="-122"/>
               </a:rPr>
-              <a:t>、</a:t>
+              <a:t>）等多种方式进行交互。它的基本编程语言是 </a:t>
             </a:r>
             <a:r>
               <a:rPr kumimoji="0" lang="en-US" altLang="zh-CN" sz="2000" b="0" i="0" u="none" strike="noStrike" kern="1200" cap="none" spc="0" normalizeH="0" baseline="0" noProof="0" dirty="0">
@@ -13459,7 +13351,7 @@
                 <a:uFillTx/>
                 <a:cs typeface="黑体" panose="02010609060101010101" pitchFamily="49" charset="-122"/>
               </a:rPr>
-              <a:t>SymPy</a:t>
+              <a:t>Python</a:t>
             </a:r>
             <a:r>
               <a:rPr kumimoji="0" lang="zh-CN" altLang="en-US" sz="2000" b="0" i="0" u="none" strike="noStrike" kern="1200" cap="none" spc="0" normalizeH="0" baseline="0" noProof="0" dirty="0">
@@ -13471,7 +13363,7 @@
                 <a:uFillTx/>
                 <a:cs typeface="黑体" panose="02010609060101010101" pitchFamily="49" charset="-122"/>
               </a:rPr>
-              <a:t>、</a:t>
+              <a:t>，用户可以通过编写 </a:t>
             </a:r>
             <a:r>
               <a:rPr kumimoji="0" lang="en-US" altLang="zh-CN" sz="2000" b="0" i="0" u="none" strike="noStrike" kern="1200" cap="none" spc="0" normalizeH="0" baseline="0" noProof="0" dirty="0">
@@ -13483,7 +13375,7 @@
                 <a:uFillTx/>
                 <a:cs typeface="黑体" panose="02010609060101010101" pitchFamily="49" charset="-122"/>
               </a:rPr>
-              <a:t>Magma </a:t>
+              <a:t>Python </a:t>
             </a:r>
             <a:r>
               <a:rPr kumimoji="0" lang="zh-CN" altLang="en-US" sz="2000" b="0" i="0" u="none" strike="noStrike" kern="1200" cap="none" spc="0" normalizeH="0" baseline="0" noProof="0" dirty="0">
@@ -13495,64 +13387,589 @@
                 <a:uFillTx/>
                 <a:cs typeface="黑体" panose="02010609060101010101" pitchFamily="49" charset="-122"/>
               </a:rPr>
-              <a:t>等）整合在一起，形成了一个具有一致界面的数学计算平台。用户可以在一个环境中进行从基础数学到高级研究的各种计算，包括代数、数论、几何、代数几何、统计学等领域的计算。</a:t>
-            </a:r>
+              <a:t>代码来操作 </a:t>
+            </a:r>
+            <a:r>
+              <a:rPr kumimoji="0" lang="en-US" altLang="zh-CN" sz="2000" b="0" i="0" u="none" strike="noStrike" kern="1200" cap="none" spc="0" normalizeH="0" baseline="0" noProof="0" dirty="0" err="1">
+                <a:ln>
+                  <a:noFill/>
+                </a:ln>
+                <a:effectLst/>
+                <a:uLnTx/>
+                <a:uFillTx/>
+                <a:cs typeface="黑体" panose="02010609060101010101" pitchFamily="49" charset="-122"/>
+              </a:rPr>
+              <a:t>SageMath</a:t>
+            </a:r>
+            <a:r>
+              <a:rPr kumimoji="0" lang="en-US" altLang="zh-CN" sz="2000" b="0" i="0" u="none" strike="noStrike" kern="1200" cap="none" spc="0" normalizeH="0" baseline="0" noProof="0" dirty="0">
+                <a:ln>
+                  <a:noFill/>
+                </a:ln>
+                <a:effectLst/>
+                <a:uLnTx/>
+                <a:uFillTx/>
+                <a:cs typeface="黑体" panose="02010609060101010101" pitchFamily="49" charset="-122"/>
+              </a:rPr>
+              <a:t> </a:t>
+            </a:r>
+            <a:r>
+              <a:rPr kumimoji="0" lang="zh-CN" altLang="en-US" sz="2000" b="0" i="0" u="none" strike="noStrike" kern="1200" cap="none" spc="0" normalizeH="0" baseline="0" noProof="0" dirty="0">
+                <a:ln>
+                  <a:noFill/>
+                </a:ln>
+                <a:effectLst/>
+                <a:uLnTx/>
+                <a:uFillTx/>
+                <a:cs typeface="黑体" panose="02010609060101010101" pitchFamily="49" charset="-122"/>
+              </a:rPr>
+              <a:t>提供的数学功能。</a:t>
+            </a:r>
+            <a:endParaRPr kumimoji="0" lang="en-US" altLang="zh-CN" sz="2000" b="0" i="0" u="none" strike="noStrike" kern="1200" cap="none" spc="0" normalizeH="0" baseline="0" noProof="0" dirty="0">
+              <a:ln>
+                <a:noFill/>
+              </a:ln>
+              <a:effectLst/>
+              <a:uLnTx/>
+              <a:uFillTx/>
+              <a:cs typeface="黑体" panose="02010609060101010101" pitchFamily="49" charset="-122"/>
+            </a:endParaRPr>
+          </a:p>
+          <a:p>
+            <a:pPr marL="0" marR="0" lvl="0" indent="0" algn="l" defTabSz="914400" rtl="0" eaLnBrk="1" fontAlgn="auto" latinLnBrk="0" hangingPunct="1">
+              <a:lnSpc>
+                <a:spcPct val="150000"/>
+              </a:lnSpc>
+              <a:spcBef>
+                <a:spcPts val="0"/>
+              </a:spcBef>
+              <a:spcAft>
+                <a:spcPts val="0"/>
+              </a:spcAft>
+              <a:buClrTx/>
+              <a:buSzTx/>
+              <a:buFontTx/>
+              <a:buNone/>
+              <a:defRPr/>
+            </a:pPr>
+            <a:r>
+              <a:rPr lang="zh-CN" altLang="en-US" sz="2000" dirty="0">
+                <a:cs typeface="黑体" panose="02010609060101010101" pitchFamily="49" charset="-122"/>
+              </a:rPr>
+              <a:t>例如：</a:t>
+            </a:r>
+            <a:endParaRPr lang="en-US" altLang="zh-CN" sz="2000" dirty="0">
+              <a:cs typeface="黑体" panose="02010609060101010101" pitchFamily="49" charset="-122"/>
+            </a:endParaRPr>
           </a:p>
         </p:txBody>
       </p:sp>
-      <p:pic>
-        <p:nvPicPr>
-          <p:cNvPr id="12" name="Picture 2" descr="undefined">
-            <a:extLst>
-              <a:ext uri="{FF2B5EF4-FFF2-40B4-BE49-F238E27FC236}">
-                <a16:creationId xmlns:a16="http://schemas.microsoft.com/office/drawing/2014/main" id="{AD98A00F-F2D1-FFA4-D8A3-ED2330629656}"/>
-              </a:ext>
-            </a:extLst>
-          </p:cNvPr>
-          <p:cNvPicPr>
-            <a:picLocks noChangeAspect="1" noChangeArrowheads="1"/>
-          </p:cNvPicPr>
+      <p:sp>
+        <p:nvSpPr>
+          <p:cNvPr id="7" name="文本框 6"/>
+          <p:cNvSpPr txBox="1"/>
           <p:nvPr/>
-        </p:nvPicPr>
-        <p:blipFill>
-          <a:blip r:embed="rId3" cstate="print">
-            <a:extLst>
-              <a:ext uri="{28A0092B-C50C-407E-A947-70E740481C1C}">
-                <a14:useLocalDpi xmlns:a14="http://schemas.microsoft.com/office/drawing/2010/main" val="0"/>
-              </a:ext>
-            </a:extLst>
-          </a:blip>
-          <a:srcRect/>
-          <a:stretch>
-            <a:fillRect/>
-          </a:stretch>
-        </p:blipFill>
-        <p:spPr bwMode="auto">
+        </p:nvSpPr>
+        <p:spPr>
           <a:xfrm>
-            <a:off x="3689080" y="4210217"/>
-            <a:ext cx="4535848" cy="1179438"/>
+            <a:off x="2907859" y="3173808"/>
+            <a:ext cx="6098290" cy="3381695"/>
           </a:xfrm>
           <a:prstGeom prst="rect">
             <a:avLst/>
           </a:prstGeom>
-          <a:noFill/>
-          <a:extLst>
-            <a:ext uri="{909E8E84-426E-40DD-AFC4-6F175D3DCCD1}">
-              <a14:hiddenFill xmlns:a14="http://schemas.microsoft.com/office/drawing/2010/main">
+          <a:solidFill>
+            <a:schemeClr val="tx1">
+              <a:lumMod val="85000"/>
+              <a:lumOff val="15000"/>
+            </a:schemeClr>
+          </a:solidFill>
+        </p:spPr>
+        <p:txBody>
+          <a:bodyPr wrap="square">
+            <a:spAutoFit/>
+          </a:bodyPr>
+          <a:lstStyle/>
+          <a:p>
+            <a:pPr marL="0" marR="0" lvl="0" indent="0" algn="l" defTabSz="914400" rtl="0" eaLnBrk="1" fontAlgn="auto" latinLnBrk="0" hangingPunct="1">
+              <a:lnSpc>
+                <a:spcPct val="150000"/>
+              </a:lnSpc>
+              <a:spcBef>
+                <a:spcPts val="0"/>
+              </a:spcBef>
+              <a:spcAft>
+                <a:spcPts val="0"/>
+              </a:spcAft>
+              <a:buClrTx/>
+              <a:buSzTx/>
+              <a:buFontTx/>
+              <a:buNone/>
+              <a:defRPr/>
+            </a:pPr>
+            <a:r>
+              <a:rPr kumimoji="0" lang="en-US" altLang="zh-CN" b="0" i="0" u="none" strike="noStrike" kern="1200" cap="none" spc="0" normalizeH="0" baseline="0" noProof="0" dirty="0">
+                <a:ln>
+                  <a:noFill/>
+                </a:ln>
                 <a:solidFill>
-                  <a:srgbClr val="FFFFFF"/>
+                  <a:schemeClr val="bg1"/>
                 </a:solidFill>
-              </a14:hiddenFill>
-            </a:ext>
-          </a:extLst>
-        </p:spPr>
-      </p:pic>
+                <a:effectLst/>
+                <a:uLnTx/>
+                <a:uFillTx/>
+                <a:latin typeface="Courier New" panose="02070309020205020404" pitchFamily="49" charset="0"/>
+                <a:ea typeface="宋体" panose="02010600030101010101" pitchFamily="2" charset="-122"/>
+                <a:cs typeface="Courier New" panose="02070309020205020404" pitchFamily="49" charset="0"/>
+              </a:rPr>
+              <a:t># </a:t>
+            </a:r>
+            <a:r>
+              <a:rPr kumimoji="0" lang="zh-CN" altLang="en-US" b="0" i="0" u="none" strike="noStrike" kern="1200" cap="none" spc="0" normalizeH="0" baseline="0" noProof="0" dirty="0">
+                <a:ln>
+                  <a:noFill/>
+                </a:ln>
+                <a:solidFill>
+                  <a:schemeClr val="bg1"/>
+                </a:solidFill>
+                <a:effectLst/>
+                <a:uLnTx/>
+                <a:uFillTx/>
+                <a:latin typeface="Courier New" panose="02070309020205020404" pitchFamily="49" charset="0"/>
+                <a:ea typeface="宋体" panose="02010600030101010101" pitchFamily="2" charset="-122"/>
+                <a:cs typeface="Courier New" panose="02070309020205020404" pitchFamily="49" charset="0"/>
+              </a:rPr>
+              <a:t>创建一个多项式</a:t>
+            </a:r>
+            <a:endParaRPr kumimoji="0" lang="zh-CN" altLang="en-US" b="0" i="0" u="none" strike="noStrike" kern="1200" cap="none" spc="0" normalizeH="0" baseline="0" noProof="0" dirty="0">
+              <a:ln>
+                <a:noFill/>
+              </a:ln>
+              <a:solidFill>
+                <a:schemeClr val="bg1"/>
+              </a:solidFill>
+              <a:effectLst/>
+              <a:uLnTx/>
+              <a:uFillTx/>
+              <a:latin typeface="Courier New" panose="02070309020205020404" pitchFamily="49" charset="0"/>
+              <a:ea typeface="宋体" panose="02010600030101010101" pitchFamily="2" charset="-122"/>
+              <a:cs typeface="Courier New" panose="02070309020205020404" pitchFamily="49" charset="0"/>
+            </a:endParaRPr>
+          </a:p>
+          <a:p>
+            <a:pPr marL="0" marR="0" lvl="0" indent="0" algn="l" defTabSz="914400" rtl="0" eaLnBrk="1" fontAlgn="auto" latinLnBrk="0" hangingPunct="1">
+              <a:lnSpc>
+                <a:spcPct val="150000"/>
+              </a:lnSpc>
+              <a:spcBef>
+                <a:spcPts val="0"/>
+              </a:spcBef>
+              <a:spcAft>
+                <a:spcPts val="0"/>
+              </a:spcAft>
+              <a:buClrTx/>
+              <a:buSzTx/>
+              <a:buFontTx/>
+              <a:buNone/>
+              <a:defRPr/>
+            </a:pPr>
+            <a:r>
+              <a:rPr kumimoji="0" lang="en-US" altLang="zh-CN" b="0" i="0" u="none" strike="noStrike" kern="1200" cap="none" spc="0" normalizeH="0" baseline="0" noProof="0" dirty="0">
+                <a:ln>
+                  <a:noFill/>
+                </a:ln>
+                <a:solidFill>
+                  <a:schemeClr val="bg1"/>
+                </a:solidFill>
+                <a:effectLst/>
+                <a:uLnTx/>
+                <a:uFillTx/>
+                <a:latin typeface="Courier New" panose="02070309020205020404" pitchFamily="49" charset="0"/>
+                <a:ea typeface="宋体" panose="02010600030101010101" pitchFamily="2" charset="-122"/>
+                <a:cs typeface="Courier New" panose="02070309020205020404" pitchFamily="49" charset="0"/>
+              </a:rPr>
+              <a:t>R.&lt;x&gt; = </a:t>
+            </a:r>
+            <a:r>
+              <a:rPr kumimoji="0" lang="en-US" altLang="zh-CN" b="0" i="0" u="none" strike="noStrike" kern="1200" cap="none" spc="0" normalizeH="0" baseline="0" noProof="0" dirty="0" err="1">
+                <a:ln>
+                  <a:noFill/>
+                </a:ln>
+                <a:solidFill>
+                  <a:schemeClr val="bg1"/>
+                </a:solidFill>
+                <a:effectLst/>
+                <a:uLnTx/>
+                <a:uFillTx/>
+                <a:latin typeface="Courier New" panose="02070309020205020404" pitchFamily="49" charset="0"/>
+                <a:ea typeface="宋体" panose="02010600030101010101" pitchFamily="2" charset="-122"/>
+                <a:cs typeface="Courier New" panose="02070309020205020404" pitchFamily="49" charset="0"/>
+              </a:rPr>
+              <a:t>PolynomialRing</a:t>
+            </a:r>
+            <a:r>
+              <a:rPr kumimoji="0" lang="en-US" altLang="zh-CN" b="0" i="0" u="none" strike="noStrike" kern="1200" cap="none" spc="0" normalizeH="0" baseline="0" noProof="0" dirty="0">
+                <a:ln>
+                  <a:noFill/>
+                </a:ln>
+                <a:solidFill>
+                  <a:schemeClr val="bg1"/>
+                </a:solidFill>
+                <a:effectLst/>
+                <a:uLnTx/>
+                <a:uFillTx/>
+                <a:latin typeface="Courier New" panose="02070309020205020404" pitchFamily="49" charset="0"/>
+                <a:ea typeface="宋体" panose="02010600030101010101" pitchFamily="2" charset="-122"/>
+                <a:cs typeface="Courier New" panose="02070309020205020404" pitchFamily="49" charset="0"/>
+              </a:rPr>
+              <a:t>(QQ)</a:t>
+            </a:r>
+            <a:endParaRPr kumimoji="0" lang="en-US" altLang="zh-CN" b="0" i="0" u="none" strike="noStrike" kern="1200" cap="none" spc="0" normalizeH="0" baseline="0" noProof="0" dirty="0">
+              <a:ln>
+                <a:noFill/>
+              </a:ln>
+              <a:solidFill>
+                <a:schemeClr val="bg1"/>
+              </a:solidFill>
+              <a:effectLst/>
+              <a:uLnTx/>
+              <a:uFillTx/>
+              <a:latin typeface="Courier New" panose="02070309020205020404" pitchFamily="49" charset="0"/>
+              <a:ea typeface="宋体" panose="02010600030101010101" pitchFamily="2" charset="-122"/>
+              <a:cs typeface="Courier New" panose="02070309020205020404" pitchFamily="49" charset="0"/>
+            </a:endParaRPr>
+          </a:p>
+          <a:p>
+            <a:pPr marL="0" marR="0" lvl="0" indent="0" algn="l" defTabSz="914400" rtl="0" eaLnBrk="1" fontAlgn="auto" latinLnBrk="0" hangingPunct="1">
+              <a:lnSpc>
+                <a:spcPct val="150000"/>
+              </a:lnSpc>
+              <a:spcBef>
+                <a:spcPts val="0"/>
+              </a:spcBef>
+              <a:spcAft>
+                <a:spcPts val="0"/>
+              </a:spcAft>
+              <a:buClrTx/>
+              <a:buSzTx/>
+              <a:buFontTx/>
+              <a:buNone/>
+              <a:defRPr/>
+            </a:pPr>
+            <a:r>
+              <a:rPr kumimoji="0" lang="en-US" altLang="zh-CN" b="0" i="0" u="none" strike="noStrike" kern="1200" cap="none" spc="0" normalizeH="0" baseline="0" noProof="0" dirty="0">
+                <a:ln>
+                  <a:noFill/>
+                </a:ln>
+                <a:solidFill>
+                  <a:schemeClr val="bg1"/>
+                </a:solidFill>
+                <a:effectLst/>
+                <a:uLnTx/>
+                <a:uFillTx/>
+                <a:latin typeface="Courier New" panose="02070309020205020404" pitchFamily="49" charset="0"/>
+                <a:ea typeface="宋体" panose="02010600030101010101" pitchFamily="2" charset="-122"/>
+                <a:cs typeface="Courier New" panose="02070309020205020404" pitchFamily="49" charset="0"/>
+              </a:rPr>
+              <a:t>f = x^3 + 2*x + 1</a:t>
+            </a:r>
+            <a:endParaRPr kumimoji="0" lang="en-US" altLang="zh-CN" b="0" i="0" u="none" strike="noStrike" kern="1200" cap="none" spc="0" normalizeH="0" baseline="0" noProof="0" dirty="0">
+              <a:ln>
+                <a:noFill/>
+              </a:ln>
+              <a:solidFill>
+                <a:schemeClr val="bg1"/>
+              </a:solidFill>
+              <a:effectLst/>
+              <a:uLnTx/>
+              <a:uFillTx/>
+              <a:latin typeface="Courier New" panose="02070309020205020404" pitchFamily="49" charset="0"/>
+              <a:ea typeface="宋体" panose="02010600030101010101" pitchFamily="2" charset="-122"/>
+              <a:cs typeface="Courier New" panose="02070309020205020404" pitchFamily="49" charset="0"/>
+            </a:endParaRPr>
+          </a:p>
+          <a:p>
+            <a:pPr marL="0" marR="0" lvl="0" indent="0" algn="l" defTabSz="914400" rtl="0" eaLnBrk="1" fontAlgn="auto" latinLnBrk="0" hangingPunct="1">
+              <a:lnSpc>
+                <a:spcPct val="150000"/>
+              </a:lnSpc>
+              <a:spcBef>
+                <a:spcPts val="0"/>
+              </a:spcBef>
+              <a:spcAft>
+                <a:spcPts val="0"/>
+              </a:spcAft>
+              <a:buClrTx/>
+              <a:buSzTx/>
+              <a:buFontTx/>
+              <a:buNone/>
+              <a:defRPr/>
+            </a:pPr>
+            <a:r>
+              <a:rPr kumimoji="0" lang="en-US" altLang="zh-CN" b="0" i="0" u="none" strike="noStrike" kern="1200" cap="none" spc="0" normalizeH="0" baseline="0" noProof="0" dirty="0" err="1">
+                <a:ln>
+                  <a:noFill/>
+                </a:ln>
+                <a:solidFill>
+                  <a:schemeClr val="bg1"/>
+                </a:solidFill>
+                <a:effectLst/>
+                <a:uLnTx/>
+                <a:uFillTx/>
+                <a:latin typeface="Courier New" panose="02070309020205020404" pitchFamily="49" charset="0"/>
+                <a:ea typeface="宋体" panose="02010600030101010101" pitchFamily="2" charset="-122"/>
+                <a:cs typeface="Courier New" panose="02070309020205020404" pitchFamily="49" charset="0"/>
+              </a:rPr>
+              <a:t>f.factor</a:t>
+            </a:r>
+            <a:r>
+              <a:rPr kumimoji="0" lang="en-US" altLang="zh-CN" b="0" i="0" u="none" strike="noStrike" kern="1200" cap="none" spc="0" normalizeH="0" baseline="0" noProof="0" dirty="0">
+                <a:ln>
+                  <a:noFill/>
+                </a:ln>
+                <a:solidFill>
+                  <a:schemeClr val="bg1"/>
+                </a:solidFill>
+                <a:effectLst/>
+                <a:uLnTx/>
+                <a:uFillTx/>
+                <a:latin typeface="Courier New" panose="02070309020205020404" pitchFamily="49" charset="0"/>
+                <a:ea typeface="宋体" panose="02010600030101010101" pitchFamily="2" charset="-122"/>
+                <a:cs typeface="Courier New" panose="02070309020205020404" pitchFamily="49" charset="0"/>
+              </a:rPr>
+              <a:t>()</a:t>
+            </a:r>
+            <a:endParaRPr kumimoji="0" lang="en-US" altLang="zh-CN" b="0" i="0" u="none" strike="noStrike" kern="1200" cap="none" spc="0" normalizeH="0" baseline="0" noProof="0" dirty="0">
+              <a:ln>
+                <a:noFill/>
+              </a:ln>
+              <a:solidFill>
+                <a:schemeClr val="bg1"/>
+              </a:solidFill>
+              <a:effectLst/>
+              <a:uLnTx/>
+              <a:uFillTx/>
+              <a:latin typeface="Courier New" panose="02070309020205020404" pitchFamily="49" charset="0"/>
+              <a:ea typeface="宋体" panose="02010600030101010101" pitchFamily="2" charset="-122"/>
+              <a:cs typeface="Courier New" panose="02070309020205020404" pitchFamily="49" charset="0"/>
+            </a:endParaRPr>
+          </a:p>
+          <a:p>
+            <a:pPr marL="0" marR="0" lvl="0" indent="0" algn="l" defTabSz="914400" rtl="0" eaLnBrk="1" fontAlgn="auto" latinLnBrk="0" hangingPunct="1">
+              <a:lnSpc>
+                <a:spcPct val="150000"/>
+              </a:lnSpc>
+              <a:spcBef>
+                <a:spcPts val="0"/>
+              </a:spcBef>
+              <a:spcAft>
+                <a:spcPts val="0"/>
+              </a:spcAft>
+              <a:buClrTx/>
+              <a:buSzTx/>
+              <a:buFontTx/>
+              <a:buNone/>
+              <a:defRPr/>
+            </a:pPr>
+            <a:endParaRPr kumimoji="0" lang="en-US" altLang="zh-CN" b="0" i="0" u="none" strike="noStrike" kern="1200" cap="none" spc="0" normalizeH="0" baseline="0" noProof="0" dirty="0">
+              <a:ln>
+                <a:noFill/>
+              </a:ln>
+              <a:solidFill>
+                <a:schemeClr val="bg1"/>
+              </a:solidFill>
+              <a:effectLst/>
+              <a:uLnTx/>
+              <a:uFillTx/>
+              <a:latin typeface="Courier New" panose="02070309020205020404" pitchFamily="49" charset="0"/>
+              <a:ea typeface="宋体" panose="02010600030101010101" pitchFamily="2" charset="-122"/>
+              <a:cs typeface="Courier New" panose="02070309020205020404" pitchFamily="49" charset="0"/>
+            </a:endParaRPr>
+          </a:p>
+          <a:p>
+            <a:pPr marL="0" marR="0" lvl="0" indent="0" algn="l" defTabSz="914400" rtl="0" eaLnBrk="1" fontAlgn="auto" latinLnBrk="0" hangingPunct="1">
+              <a:lnSpc>
+                <a:spcPct val="150000"/>
+              </a:lnSpc>
+              <a:spcBef>
+                <a:spcPts val="0"/>
+              </a:spcBef>
+              <a:spcAft>
+                <a:spcPts val="0"/>
+              </a:spcAft>
+              <a:buClrTx/>
+              <a:buSzTx/>
+              <a:buFontTx/>
+              <a:buNone/>
+              <a:defRPr/>
+            </a:pPr>
+            <a:r>
+              <a:rPr kumimoji="0" lang="en-US" altLang="zh-CN" b="0" i="0" u="none" strike="noStrike" kern="1200" cap="none" spc="0" normalizeH="0" baseline="0" noProof="0" dirty="0">
+                <a:ln>
+                  <a:noFill/>
+                </a:ln>
+                <a:solidFill>
+                  <a:schemeClr val="bg1"/>
+                </a:solidFill>
+                <a:effectLst/>
+                <a:uLnTx/>
+                <a:uFillTx/>
+                <a:latin typeface="Courier New" panose="02070309020205020404" pitchFamily="49" charset="0"/>
+                <a:ea typeface="宋体" panose="02010600030101010101" pitchFamily="2" charset="-122"/>
+                <a:cs typeface="Courier New" panose="02070309020205020404" pitchFamily="49" charset="0"/>
+              </a:rPr>
+              <a:t># </a:t>
+            </a:r>
+            <a:r>
+              <a:rPr kumimoji="0" lang="zh-CN" altLang="en-US" b="0" i="0" u="none" strike="noStrike" kern="1200" cap="none" spc="0" normalizeH="0" baseline="0" noProof="0" dirty="0">
+                <a:ln>
+                  <a:noFill/>
+                </a:ln>
+                <a:solidFill>
+                  <a:schemeClr val="bg1"/>
+                </a:solidFill>
+                <a:effectLst/>
+                <a:uLnTx/>
+                <a:uFillTx/>
+                <a:latin typeface="Courier New" panose="02070309020205020404" pitchFamily="49" charset="0"/>
+                <a:ea typeface="宋体" panose="02010600030101010101" pitchFamily="2" charset="-122"/>
+                <a:cs typeface="Courier New" panose="02070309020205020404" pitchFamily="49" charset="0"/>
+              </a:rPr>
+              <a:t>计算矩阵的特征值</a:t>
+            </a:r>
+            <a:endParaRPr kumimoji="0" lang="zh-CN" altLang="en-US" b="0" i="0" u="none" strike="noStrike" kern="1200" cap="none" spc="0" normalizeH="0" baseline="0" noProof="0" dirty="0">
+              <a:ln>
+                <a:noFill/>
+              </a:ln>
+              <a:solidFill>
+                <a:schemeClr val="bg1"/>
+              </a:solidFill>
+              <a:effectLst/>
+              <a:uLnTx/>
+              <a:uFillTx/>
+              <a:latin typeface="Courier New" panose="02070309020205020404" pitchFamily="49" charset="0"/>
+              <a:ea typeface="宋体" panose="02010600030101010101" pitchFamily="2" charset="-122"/>
+              <a:cs typeface="Courier New" panose="02070309020205020404" pitchFamily="49" charset="0"/>
+            </a:endParaRPr>
+          </a:p>
+          <a:p>
+            <a:pPr marL="0" marR="0" lvl="0" indent="0" algn="l" defTabSz="914400" rtl="0" eaLnBrk="1" fontAlgn="auto" latinLnBrk="0" hangingPunct="1">
+              <a:lnSpc>
+                <a:spcPct val="150000"/>
+              </a:lnSpc>
+              <a:spcBef>
+                <a:spcPts val="0"/>
+              </a:spcBef>
+              <a:spcAft>
+                <a:spcPts val="0"/>
+              </a:spcAft>
+              <a:buClrTx/>
+              <a:buSzTx/>
+              <a:buFontTx/>
+              <a:buNone/>
+              <a:defRPr/>
+            </a:pPr>
+            <a:r>
+              <a:rPr kumimoji="0" lang="en-US" altLang="zh-CN" b="0" i="0" u="none" strike="noStrike" kern="1200" cap="none" spc="0" normalizeH="0" baseline="0" noProof="0" dirty="0">
+                <a:ln>
+                  <a:noFill/>
+                </a:ln>
+                <a:solidFill>
+                  <a:schemeClr val="bg1"/>
+                </a:solidFill>
+                <a:effectLst/>
+                <a:uLnTx/>
+                <a:uFillTx/>
+                <a:latin typeface="Courier New" panose="02070309020205020404" pitchFamily="49" charset="0"/>
+                <a:ea typeface="宋体" panose="02010600030101010101" pitchFamily="2" charset="-122"/>
+                <a:cs typeface="Courier New" panose="02070309020205020404" pitchFamily="49" charset="0"/>
+              </a:rPr>
+              <a:t>A = Matrix([[1, 2], [3, 4]])</a:t>
+            </a:r>
+            <a:endParaRPr kumimoji="0" lang="en-US" altLang="zh-CN" b="0" i="0" u="none" strike="noStrike" kern="1200" cap="none" spc="0" normalizeH="0" baseline="0" noProof="0" dirty="0">
+              <a:ln>
+                <a:noFill/>
+              </a:ln>
+              <a:solidFill>
+                <a:schemeClr val="bg1"/>
+              </a:solidFill>
+              <a:effectLst/>
+              <a:uLnTx/>
+              <a:uFillTx/>
+              <a:latin typeface="Courier New" panose="02070309020205020404" pitchFamily="49" charset="0"/>
+              <a:ea typeface="宋体" panose="02010600030101010101" pitchFamily="2" charset="-122"/>
+              <a:cs typeface="Courier New" panose="02070309020205020404" pitchFamily="49" charset="0"/>
+            </a:endParaRPr>
+          </a:p>
+          <a:p>
+            <a:pPr marL="0" marR="0" lvl="0" indent="0" algn="l" defTabSz="914400" rtl="0" eaLnBrk="1" fontAlgn="auto" latinLnBrk="0" hangingPunct="1">
+              <a:lnSpc>
+                <a:spcPct val="150000"/>
+              </a:lnSpc>
+              <a:spcBef>
+                <a:spcPts val="0"/>
+              </a:spcBef>
+              <a:spcAft>
+                <a:spcPts val="0"/>
+              </a:spcAft>
+              <a:buClrTx/>
+              <a:buSzTx/>
+              <a:buFontTx/>
+              <a:buNone/>
+              <a:defRPr/>
+            </a:pPr>
+            <a:r>
+              <a:rPr kumimoji="0" lang="en-US" altLang="zh-CN" b="0" i="0" u="none" strike="noStrike" kern="1200" cap="none" spc="0" normalizeH="0" baseline="0" noProof="0" dirty="0" err="1">
+                <a:ln>
+                  <a:noFill/>
+                </a:ln>
+                <a:solidFill>
+                  <a:schemeClr val="bg1"/>
+                </a:solidFill>
+                <a:effectLst/>
+                <a:uLnTx/>
+                <a:uFillTx/>
+                <a:latin typeface="Courier New" panose="02070309020205020404" pitchFamily="49" charset="0"/>
+                <a:ea typeface="宋体" panose="02010600030101010101" pitchFamily="2" charset="-122"/>
+                <a:cs typeface="Courier New" panose="02070309020205020404" pitchFamily="49" charset="0"/>
+              </a:rPr>
+              <a:t>A.eigenvalues</a:t>
+            </a:r>
+            <a:r>
+              <a:rPr kumimoji="0" lang="en-US" altLang="zh-CN" b="0" i="0" u="none" strike="noStrike" kern="1200" cap="none" spc="0" normalizeH="0" baseline="0" noProof="0" dirty="0">
+                <a:ln>
+                  <a:noFill/>
+                </a:ln>
+                <a:solidFill>
+                  <a:schemeClr val="bg1"/>
+                </a:solidFill>
+                <a:effectLst/>
+                <a:uLnTx/>
+                <a:uFillTx/>
+                <a:latin typeface="Courier New" panose="02070309020205020404" pitchFamily="49" charset="0"/>
+                <a:ea typeface="宋体" panose="02010600030101010101" pitchFamily="2" charset="-122"/>
+                <a:cs typeface="Courier New" panose="02070309020205020404" pitchFamily="49" charset="0"/>
+              </a:rPr>
+              <a:t>()</a:t>
+            </a:r>
+            <a:endParaRPr kumimoji="0" lang="en-US" altLang="zh-CN" b="0" i="0" u="none" strike="noStrike" kern="1200" cap="none" spc="0" normalizeH="0" baseline="0" noProof="0" dirty="0">
+              <a:ln>
+                <a:noFill/>
+              </a:ln>
+              <a:solidFill>
+                <a:schemeClr val="bg1"/>
+              </a:solidFill>
+              <a:effectLst/>
+              <a:uLnTx/>
+              <a:uFillTx/>
+              <a:latin typeface="Courier New" panose="02070309020205020404" pitchFamily="49" charset="0"/>
+              <a:ea typeface="宋体" panose="02010600030101010101" pitchFamily="2" charset="-122"/>
+              <a:cs typeface="Courier New" panose="02070309020205020404" pitchFamily="49" charset="0"/>
+            </a:endParaRPr>
+          </a:p>
+        </p:txBody>
+      </p:sp>
     </p:spTree>
-    <p:extLst>
-      <p:ext uri="{BB962C8B-B14F-4D97-AF65-F5344CB8AC3E}">
-        <p14:creationId xmlns:p14="http://schemas.microsoft.com/office/powerpoint/2010/main" val="1885170667"/>
-      </p:ext>
-    </p:extLst>
   </p:cSld>
   <p:clrMapOvr>
     <a:masterClrMapping/>
@@ -13565,13 +13982,7 @@
   <p:cSld>
     <p:spTree>
       <p:nvGrpSpPr>
-        <p:cNvPr id="1" name="">
-          <a:extLst>
-            <a:ext uri="{FF2B5EF4-FFF2-40B4-BE49-F238E27FC236}">
-              <a16:creationId xmlns:a16="http://schemas.microsoft.com/office/drawing/2014/main" id="{777E8980-014B-8CD4-24E6-81582F873C0A}"/>
-            </a:ext>
-          </a:extLst>
-        </p:cNvPr>
+        <p:cNvPr id="1" name=""/>
         <p:cNvGrpSpPr/>
         <p:nvPr/>
       </p:nvGrpSpPr>
@@ -13585,13 +13996,7 @@
       </p:grpSpPr>
       <p:sp>
         <p:nvSpPr>
-          <p:cNvPr id="2" name="Title 17">
-            <a:extLst>
-              <a:ext uri="{FF2B5EF4-FFF2-40B4-BE49-F238E27FC236}">
-                <a16:creationId xmlns:a16="http://schemas.microsoft.com/office/drawing/2014/main" id="{C445758D-CB53-7814-79D8-1B6BE6E25100}"/>
-              </a:ext>
-            </a:extLst>
-          </p:cNvPr>
+          <p:cNvPr id="2" name="Title 17"/>
           <p:cNvSpPr>
             <a:spLocks noGrp="1"/>
           </p:cNvSpPr>
@@ -13653,7 +14058,7 @@
                 <a:cs typeface="Times New Roman" panose="02020603050405020304" pitchFamily="18" charset="0"/>
                 <a:sym typeface="+mn-ea"/>
               </a:rPr>
-              <a:t>1.1 </a:t>
+              <a:t>1.2 </a:t>
             </a:r>
             <a:r>
               <a:rPr lang="zh-CN" altLang="en-US" sz="3200" spc="0" dirty="0">
@@ -13672,20 +14077,30 @@
                 <a:cs typeface="Times New Roman" panose="02020603050405020304" pitchFamily="18" charset="0"/>
                 <a:sym typeface="+mn-ea"/>
               </a:rPr>
-              <a:t>实验平台介绍</a:t>
-            </a:r>
+              <a:t>实验平台使用</a:t>
+            </a:r>
+            <a:endParaRPr lang="zh-CN" altLang="en-US" sz="3200" spc="0" dirty="0">
+              <a:solidFill>
+                <a:schemeClr val="tx1"/>
+              </a:solidFill>
+              <a:effectLst>
+                <a:outerShdw blurRad="38100" dist="38100" dir="2700000" algn="tl">
+                  <a:srgbClr val="000000">
+                    <a:alpha val="43137"/>
+                  </a:srgbClr>
+                </a:outerShdw>
+              </a:effectLst>
+              <a:latin typeface="Arial" panose="020B0604020202020204" pitchFamily="34" charset="0"/>
+              <a:ea typeface="黑体" panose="02010609060101010101" pitchFamily="49" charset="-122"/>
+              <a:cs typeface="Times New Roman" panose="02020603050405020304" pitchFamily="18" charset="0"/>
+              <a:sym typeface="+mn-ea"/>
+            </a:endParaRPr>
           </a:p>
         </p:txBody>
       </p:sp>
       <p:sp>
         <p:nvSpPr>
-          <p:cNvPr id="4" name="灯片编号占位符 2">
-            <a:extLst>
-              <a:ext uri="{FF2B5EF4-FFF2-40B4-BE49-F238E27FC236}">
-                <a16:creationId xmlns:a16="http://schemas.microsoft.com/office/drawing/2014/main" id="{9729B051-C18F-CFAF-7AD9-C94EB1014A1A}"/>
-              </a:ext>
-            </a:extLst>
-          </p:cNvPr>
+          <p:cNvPr id="4" name="灯片编号占位符 2"/>
           <p:cNvSpPr>
             <a:spLocks noGrp="1"/>
           </p:cNvSpPr>
@@ -13708,7 +14123,6 @@
                 <a:latin typeface="Arial" panose="020B0604020202020204" pitchFamily="34" charset="0"/>
                 <a:ea typeface="黑体" panose="02010609060101010101" pitchFamily="49" charset="-122"/>
               </a:rPr>
-              <a:t>5</a:t>
             </a:fld>
             <a:endParaRPr lang="zh-CN" altLang="en-US">
               <a:latin typeface="Arial" panose="020B0604020202020204" pitchFamily="34" charset="0"/>
@@ -13719,20 +14133,14 @@
       </p:sp>
       <p:sp>
         <p:nvSpPr>
-          <p:cNvPr id="9" name="文本框 8">
-            <a:extLst>
-              <a:ext uri="{FF2B5EF4-FFF2-40B4-BE49-F238E27FC236}">
-                <a16:creationId xmlns:a16="http://schemas.microsoft.com/office/drawing/2014/main" id="{23F17E5F-9BC2-36C3-C21E-9838D9916553}"/>
-              </a:ext>
-            </a:extLst>
-          </p:cNvPr>
+          <p:cNvPr id="9" name="文本框 8"/>
           <p:cNvSpPr txBox="1"/>
           <p:nvPr/>
         </p:nvSpPr>
         <p:spPr>
           <a:xfrm>
             <a:off x="548021" y="1294576"/>
-            <a:ext cx="10817965" cy="1879232"/>
+            <a:ext cx="10817965" cy="496996"/>
           </a:xfrm>
           <a:prstGeom prst="rect">
             <a:avLst/>
@@ -13762,277 +14170,10 @@
               <a:defRPr/>
             </a:pPr>
             <a:r>
-              <a:rPr kumimoji="0" lang="en-US" altLang="zh-CN" sz="2000" b="0" i="0" u="none" strike="noStrike" kern="1200" cap="none" spc="0" normalizeH="0" baseline="0" noProof="0" dirty="0" err="1">
-                <a:ln>
-                  <a:noFill/>
-                </a:ln>
-                <a:effectLst/>
-                <a:uLnTx/>
-                <a:uFillTx/>
-                <a:cs typeface="黑体" panose="02010609060101010101" pitchFamily="49" charset="-122"/>
-              </a:rPr>
-              <a:t>SageMath</a:t>
-            </a:r>
-            <a:r>
-              <a:rPr kumimoji="0" lang="en-US" altLang="zh-CN" sz="2000" b="0" i="0" u="none" strike="noStrike" kern="1200" cap="none" spc="0" normalizeH="0" baseline="0" noProof="0" dirty="0">
-                <a:ln>
-                  <a:noFill/>
-                </a:ln>
-                <a:effectLst/>
-                <a:uLnTx/>
-                <a:uFillTx/>
-                <a:cs typeface="黑体" panose="02010609060101010101" pitchFamily="49" charset="-122"/>
-              </a:rPr>
-              <a:t> </a:t>
-            </a:r>
-            <a:r>
-              <a:rPr kumimoji="0" lang="zh-CN" altLang="en-US" sz="2000" b="0" i="0" u="none" strike="noStrike" kern="1200" cap="none" spc="0" normalizeH="0" baseline="0" noProof="0" dirty="0">
-                <a:ln>
-                  <a:noFill/>
-                </a:ln>
-                <a:effectLst/>
-                <a:uLnTx/>
-                <a:uFillTx/>
-                <a:cs typeface="黑体" panose="02010609060101010101" pitchFamily="49" charset="-122"/>
-              </a:rPr>
-              <a:t>通过 命令行界面（</a:t>
-            </a:r>
-            <a:r>
-              <a:rPr kumimoji="0" lang="en-US" altLang="zh-CN" sz="2000" b="0" i="0" u="none" strike="noStrike" kern="1200" cap="none" spc="0" normalizeH="0" baseline="0" noProof="0" dirty="0">
-                <a:ln>
-                  <a:noFill/>
-                </a:ln>
-                <a:effectLst/>
-                <a:uLnTx/>
-                <a:uFillTx/>
-                <a:cs typeface="黑体" panose="02010609060101010101" pitchFamily="49" charset="-122"/>
-              </a:rPr>
-              <a:t>CLI</a:t>
-            </a:r>
-            <a:r>
-              <a:rPr kumimoji="0" lang="zh-CN" altLang="en-US" sz="2000" b="0" i="0" u="none" strike="noStrike" kern="1200" cap="none" spc="0" normalizeH="0" baseline="0" noProof="0" dirty="0">
-                <a:ln>
-                  <a:noFill/>
-                </a:ln>
-                <a:effectLst/>
-                <a:uLnTx/>
-                <a:uFillTx/>
-                <a:cs typeface="黑体" panose="02010609060101010101" pitchFamily="49" charset="-122"/>
-              </a:rPr>
-              <a:t>）、图形用户界面（</a:t>
-            </a:r>
-            <a:r>
-              <a:rPr kumimoji="0" lang="en-US" altLang="zh-CN" sz="2000" b="0" i="0" u="none" strike="noStrike" kern="1200" cap="none" spc="0" normalizeH="0" baseline="0" noProof="0" dirty="0">
-                <a:ln>
-                  <a:noFill/>
-                </a:ln>
-                <a:effectLst/>
-                <a:uLnTx/>
-                <a:uFillTx/>
-                <a:cs typeface="黑体" panose="02010609060101010101" pitchFamily="49" charset="-122"/>
-              </a:rPr>
-              <a:t>GUI</a:t>
-            </a:r>
-            <a:r>
-              <a:rPr kumimoji="0" lang="zh-CN" altLang="en-US" sz="2000" b="0" i="0" u="none" strike="noStrike" kern="1200" cap="none" spc="0" normalizeH="0" baseline="0" noProof="0" dirty="0">
-                <a:ln>
-                  <a:noFill/>
-                </a:ln>
-                <a:effectLst/>
-                <a:uLnTx/>
-                <a:uFillTx/>
-                <a:cs typeface="黑体" panose="02010609060101010101" pitchFamily="49" charset="-122"/>
-              </a:rPr>
-              <a:t>）和网页界面（如 </a:t>
-            </a:r>
-            <a:r>
-              <a:rPr kumimoji="0" lang="en-US" altLang="zh-CN" sz="2000" b="0" i="0" u="none" strike="noStrike" kern="1200" cap="none" spc="0" normalizeH="0" baseline="0" noProof="0" dirty="0" err="1">
-                <a:ln>
-                  <a:noFill/>
-                </a:ln>
-                <a:effectLst/>
-                <a:uLnTx/>
-                <a:uFillTx/>
-                <a:cs typeface="黑体" panose="02010609060101010101" pitchFamily="49" charset="-122"/>
-              </a:rPr>
-              <a:t>SageMathCell</a:t>
-            </a:r>
-            <a:r>
-              <a:rPr kumimoji="0" lang="en-US" altLang="zh-CN" sz="2000" b="0" i="0" u="none" strike="noStrike" kern="1200" cap="none" spc="0" normalizeH="0" baseline="0" noProof="0" dirty="0">
-                <a:ln>
-                  <a:noFill/>
-                </a:ln>
-                <a:effectLst/>
-                <a:uLnTx/>
-                <a:uFillTx/>
-                <a:cs typeface="黑体" panose="02010609060101010101" pitchFamily="49" charset="-122"/>
-              </a:rPr>
-              <a:t> </a:t>
-            </a:r>
-            <a:r>
-              <a:rPr kumimoji="0" lang="zh-CN" altLang="en-US" sz="2000" b="0" i="0" u="none" strike="noStrike" kern="1200" cap="none" spc="0" normalizeH="0" baseline="0" noProof="0" dirty="0">
-                <a:ln>
-                  <a:noFill/>
-                </a:ln>
-                <a:effectLst/>
-                <a:uLnTx/>
-                <a:uFillTx/>
-                <a:cs typeface="黑体" panose="02010609060101010101" pitchFamily="49" charset="-122"/>
-              </a:rPr>
-              <a:t>和 </a:t>
-            </a:r>
-            <a:r>
-              <a:rPr kumimoji="0" lang="en-US" altLang="zh-CN" sz="2000" b="0" i="0" u="none" strike="noStrike" kern="1200" cap="none" spc="0" normalizeH="0" baseline="0" noProof="0" dirty="0" err="1">
-                <a:ln>
-                  <a:noFill/>
-                </a:ln>
-                <a:effectLst/>
-                <a:uLnTx/>
-                <a:uFillTx/>
-                <a:cs typeface="黑体" panose="02010609060101010101" pitchFamily="49" charset="-122"/>
-              </a:rPr>
-              <a:t>Jupyter</a:t>
-            </a:r>
-            <a:r>
-              <a:rPr kumimoji="0" lang="en-US" altLang="zh-CN" sz="2000" b="0" i="0" u="none" strike="noStrike" kern="1200" cap="none" spc="0" normalizeH="0" baseline="0" noProof="0" dirty="0">
-                <a:ln>
-                  <a:noFill/>
-                </a:ln>
-                <a:effectLst/>
-                <a:uLnTx/>
-                <a:uFillTx/>
-                <a:cs typeface="黑体" panose="02010609060101010101" pitchFamily="49" charset="-122"/>
-              </a:rPr>
-              <a:t> notebooks</a:t>
-            </a:r>
-            <a:r>
-              <a:rPr kumimoji="0" lang="zh-CN" altLang="en-US" sz="2000" b="0" i="0" u="none" strike="noStrike" kern="1200" cap="none" spc="0" normalizeH="0" baseline="0" noProof="0" dirty="0">
-                <a:ln>
-                  <a:noFill/>
-                </a:ln>
-                <a:effectLst/>
-                <a:uLnTx/>
-                <a:uFillTx/>
-                <a:cs typeface="黑体" panose="02010609060101010101" pitchFamily="49" charset="-122"/>
-              </a:rPr>
-              <a:t>）等多种方式进行交互。它的基本编程语言是 </a:t>
-            </a:r>
-            <a:r>
-              <a:rPr kumimoji="0" lang="en-US" altLang="zh-CN" sz="2000" b="0" i="0" u="none" strike="noStrike" kern="1200" cap="none" spc="0" normalizeH="0" baseline="0" noProof="0" dirty="0">
-                <a:ln>
-                  <a:noFill/>
-                </a:ln>
-                <a:effectLst/>
-                <a:uLnTx/>
-                <a:uFillTx/>
-                <a:cs typeface="黑体" panose="02010609060101010101" pitchFamily="49" charset="-122"/>
-              </a:rPr>
-              <a:t>Python</a:t>
-            </a:r>
-            <a:r>
-              <a:rPr kumimoji="0" lang="zh-CN" altLang="en-US" sz="2000" b="0" i="0" u="none" strike="noStrike" kern="1200" cap="none" spc="0" normalizeH="0" baseline="0" noProof="0" dirty="0">
-                <a:ln>
-                  <a:noFill/>
-                </a:ln>
-                <a:effectLst/>
-                <a:uLnTx/>
-                <a:uFillTx/>
-                <a:cs typeface="黑体" panose="02010609060101010101" pitchFamily="49" charset="-122"/>
-              </a:rPr>
-              <a:t>，用户可以通过编写 </a:t>
-            </a:r>
-            <a:r>
-              <a:rPr kumimoji="0" lang="en-US" altLang="zh-CN" sz="2000" b="0" i="0" u="none" strike="noStrike" kern="1200" cap="none" spc="0" normalizeH="0" baseline="0" noProof="0" dirty="0">
-                <a:ln>
-                  <a:noFill/>
-                </a:ln>
-                <a:effectLst/>
-                <a:uLnTx/>
-                <a:uFillTx/>
-                <a:cs typeface="黑体" panose="02010609060101010101" pitchFamily="49" charset="-122"/>
-              </a:rPr>
-              <a:t>Python </a:t>
-            </a:r>
-            <a:r>
-              <a:rPr kumimoji="0" lang="zh-CN" altLang="en-US" sz="2000" b="0" i="0" u="none" strike="noStrike" kern="1200" cap="none" spc="0" normalizeH="0" baseline="0" noProof="0" dirty="0">
-                <a:ln>
-                  <a:noFill/>
-                </a:ln>
-                <a:effectLst/>
-                <a:uLnTx/>
-                <a:uFillTx/>
-                <a:cs typeface="黑体" panose="02010609060101010101" pitchFamily="49" charset="-122"/>
-              </a:rPr>
-              <a:t>代码来操作 </a:t>
-            </a:r>
-            <a:r>
-              <a:rPr kumimoji="0" lang="en-US" altLang="zh-CN" sz="2000" b="0" i="0" u="none" strike="noStrike" kern="1200" cap="none" spc="0" normalizeH="0" baseline="0" noProof="0" dirty="0" err="1">
-                <a:ln>
-                  <a:noFill/>
-                </a:ln>
-                <a:effectLst/>
-                <a:uLnTx/>
-                <a:uFillTx/>
-                <a:cs typeface="黑体" panose="02010609060101010101" pitchFamily="49" charset="-122"/>
-              </a:rPr>
-              <a:t>SageMath</a:t>
-            </a:r>
-            <a:r>
-              <a:rPr kumimoji="0" lang="en-US" altLang="zh-CN" sz="2000" b="0" i="0" u="none" strike="noStrike" kern="1200" cap="none" spc="0" normalizeH="0" baseline="0" noProof="0" dirty="0">
-                <a:ln>
-                  <a:noFill/>
-                </a:ln>
-                <a:effectLst/>
-                <a:uLnTx/>
-                <a:uFillTx/>
-                <a:cs typeface="黑体" panose="02010609060101010101" pitchFamily="49" charset="-122"/>
-              </a:rPr>
-              <a:t> </a:t>
-            </a:r>
-            <a:r>
-              <a:rPr kumimoji="0" lang="zh-CN" altLang="en-US" sz="2000" b="0" i="0" u="none" strike="noStrike" kern="1200" cap="none" spc="0" normalizeH="0" baseline="0" noProof="0" dirty="0">
-                <a:ln>
-                  <a:noFill/>
-                </a:ln>
-                <a:effectLst/>
-                <a:uLnTx/>
-                <a:uFillTx/>
-                <a:cs typeface="黑体" panose="02010609060101010101" pitchFamily="49" charset="-122"/>
-              </a:rPr>
-              <a:t>提供的数学功能。</a:t>
-            </a:r>
-            <a:endParaRPr kumimoji="0" lang="en-US" altLang="zh-CN" sz="2000" b="0" i="0" u="none" strike="noStrike" kern="1200" cap="none" spc="0" normalizeH="0" baseline="0" noProof="0" dirty="0">
-              <a:ln>
-                <a:noFill/>
-              </a:ln>
-              <a:effectLst/>
-              <a:uLnTx/>
-              <a:uFillTx/>
-              <a:cs typeface="黑体" panose="02010609060101010101" pitchFamily="49" charset="-122"/>
-            </a:endParaRPr>
-          </a:p>
-          <a:p>
-            <a:pPr marL="0" marR="0" lvl="0" indent="0" algn="l" defTabSz="914400" rtl="0" eaLnBrk="1" fontAlgn="auto" latinLnBrk="0" hangingPunct="1">
-              <a:lnSpc>
-                <a:spcPct val="150000"/>
-              </a:lnSpc>
-              <a:spcBef>
-                <a:spcPts val="0"/>
-              </a:spcBef>
-              <a:spcAft>
-                <a:spcPts val="0"/>
-              </a:spcAft>
-              <a:buClrTx/>
-              <a:buSzTx/>
-              <a:buFontTx/>
-              <a:buNone/>
-              <a:defRPr/>
-            </a:pPr>
-            <a:r>
               <a:rPr lang="zh-CN" altLang="en-US" sz="2000" dirty="0">
                 <a:cs typeface="黑体" panose="02010609060101010101" pitchFamily="49" charset="-122"/>
               </a:rPr>
-              <a:t>例如：</a:t>
+              <a:t>交互式：</a:t>
             </a:r>
             <a:endParaRPr lang="en-US" altLang="zh-CN" sz="2000" dirty="0">
               <a:cs typeface="黑体" panose="02010609060101010101" pitchFamily="49" charset="-122"/>
@@ -14040,425 +14181,31 @@
           </a:p>
         </p:txBody>
       </p:sp>
-      <p:sp>
-        <p:nvSpPr>
-          <p:cNvPr id="7" name="文本框 6">
-            <a:extLst>
-              <a:ext uri="{FF2B5EF4-FFF2-40B4-BE49-F238E27FC236}">
-                <a16:creationId xmlns:a16="http://schemas.microsoft.com/office/drawing/2014/main" id="{3C8842EE-1BEC-B266-DF51-E8C6BBCB2C71}"/>
-              </a:ext>
-            </a:extLst>
-          </p:cNvPr>
-          <p:cNvSpPr txBox="1"/>
+      <p:pic>
+        <p:nvPicPr>
+          <p:cNvPr id="5" name="图片 4"/>
+          <p:cNvPicPr>
+            <a:picLocks noChangeAspect="1"/>
+          </p:cNvPicPr>
           <p:nvPr/>
-        </p:nvSpPr>
+        </p:nvPicPr>
+        <p:blipFill>
+          <a:blip r:embed="rId2"/>
+          <a:stretch>
+            <a:fillRect/>
+          </a:stretch>
+        </p:blipFill>
         <p:spPr>
           <a:xfrm>
-            <a:off x="2907859" y="3173808"/>
-            <a:ext cx="6098290" cy="3381695"/>
+            <a:off x="1016560" y="2370221"/>
+            <a:ext cx="10048875" cy="3133725"/>
           </a:xfrm>
           <a:prstGeom prst="rect">
             <a:avLst/>
           </a:prstGeom>
-          <a:solidFill>
-            <a:schemeClr val="tx1">
-              <a:lumMod val="85000"/>
-              <a:lumOff val="15000"/>
-            </a:schemeClr>
-          </a:solidFill>
         </p:spPr>
-        <p:txBody>
-          <a:bodyPr wrap="square">
-            <a:spAutoFit/>
-          </a:bodyPr>
-          <a:lstStyle/>
-          <a:p>
-            <a:pPr marL="0" marR="0" lvl="0" indent="0" algn="l" defTabSz="914400" rtl="0" eaLnBrk="1" fontAlgn="auto" latinLnBrk="0" hangingPunct="1">
-              <a:lnSpc>
-                <a:spcPct val="150000"/>
-              </a:lnSpc>
-              <a:spcBef>
-                <a:spcPts val="0"/>
-              </a:spcBef>
-              <a:spcAft>
-                <a:spcPts val="0"/>
-              </a:spcAft>
-              <a:buClrTx/>
-              <a:buSzTx/>
-              <a:buFontTx/>
-              <a:buNone/>
-              <a:defRPr/>
-            </a:pPr>
-            <a:r>
-              <a:rPr kumimoji="0" lang="en-US" altLang="zh-CN" b="0" i="0" u="none" strike="noStrike" kern="1200" cap="none" spc="0" normalizeH="0" baseline="0" noProof="0" dirty="0">
-                <a:ln>
-                  <a:noFill/>
-                </a:ln>
-                <a:solidFill>
-                  <a:schemeClr val="bg1"/>
-                </a:solidFill>
-                <a:effectLst/>
-                <a:uLnTx/>
-                <a:uFillTx/>
-                <a:latin typeface="Courier New" panose="02070309020205020404" pitchFamily="49" charset="0"/>
-                <a:ea typeface="宋体" panose="02010600030101010101" pitchFamily="2" charset="-122"/>
-                <a:cs typeface="Courier New" panose="02070309020205020404" pitchFamily="49" charset="0"/>
-              </a:rPr>
-              <a:t># </a:t>
-            </a:r>
-            <a:r>
-              <a:rPr kumimoji="0" lang="zh-CN" altLang="en-US" b="0" i="0" u="none" strike="noStrike" kern="1200" cap="none" spc="0" normalizeH="0" baseline="0" noProof="0" dirty="0">
-                <a:ln>
-                  <a:noFill/>
-                </a:ln>
-                <a:solidFill>
-                  <a:schemeClr val="bg1"/>
-                </a:solidFill>
-                <a:effectLst/>
-                <a:uLnTx/>
-                <a:uFillTx/>
-                <a:latin typeface="Courier New" panose="02070309020205020404" pitchFamily="49" charset="0"/>
-                <a:ea typeface="宋体" panose="02010600030101010101" pitchFamily="2" charset="-122"/>
-                <a:cs typeface="Courier New" panose="02070309020205020404" pitchFamily="49" charset="0"/>
-              </a:rPr>
-              <a:t>创建一个多项式</a:t>
-            </a:r>
-          </a:p>
-          <a:p>
-            <a:pPr marL="0" marR="0" lvl="0" indent="0" algn="l" defTabSz="914400" rtl="0" eaLnBrk="1" fontAlgn="auto" latinLnBrk="0" hangingPunct="1">
-              <a:lnSpc>
-                <a:spcPct val="150000"/>
-              </a:lnSpc>
-              <a:spcBef>
-                <a:spcPts val="0"/>
-              </a:spcBef>
-              <a:spcAft>
-                <a:spcPts val="0"/>
-              </a:spcAft>
-              <a:buClrTx/>
-              <a:buSzTx/>
-              <a:buFontTx/>
-              <a:buNone/>
-              <a:defRPr/>
-            </a:pPr>
-            <a:r>
-              <a:rPr kumimoji="0" lang="en-US" altLang="zh-CN" b="0" i="0" u="none" strike="noStrike" kern="1200" cap="none" spc="0" normalizeH="0" baseline="0" noProof="0" dirty="0">
-                <a:ln>
-                  <a:noFill/>
-                </a:ln>
-                <a:solidFill>
-                  <a:schemeClr val="bg1"/>
-                </a:solidFill>
-                <a:effectLst/>
-                <a:uLnTx/>
-                <a:uFillTx/>
-                <a:latin typeface="Courier New" panose="02070309020205020404" pitchFamily="49" charset="0"/>
-                <a:ea typeface="宋体" panose="02010600030101010101" pitchFamily="2" charset="-122"/>
-                <a:cs typeface="Courier New" panose="02070309020205020404" pitchFamily="49" charset="0"/>
-              </a:rPr>
-              <a:t>R.&lt;x&gt; = </a:t>
-            </a:r>
-            <a:r>
-              <a:rPr kumimoji="0" lang="en-US" altLang="zh-CN" b="0" i="0" u="none" strike="noStrike" kern="1200" cap="none" spc="0" normalizeH="0" baseline="0" noProof="0" dirty="0" err="1">
-                <a:ln>
-                  <a:noFill/>
-                </a:ln>
-                <a:solidFill>
-                  <a:schemeClr val="bg1"/>
-                </a:solidFill>
-                <a:effectLst/>
-                <a:uLnTx/>
-                <a:uFillTx/>
-                <a:latin typeface="Courier New" panose="02070309020205020404" pitchFamily="49" charset="0"/>
-                <a:ea typeface="宋体" panose="02010600030101010101" pitchFamily="2" charset="-122"/>
-                <a:cs typeface="Courier New" panose="02070309020205020404" pitchFamily="49" charset="0"/>
-              </a:rPr>
-              <a:t>PolynomialRing</a:t>
-            </a:r>
-            <a:r>
-              <a:rPr kumimoji="0" lang="en-US" altLang="zh-CN" b="0" i="0" u="none" strike="noStrike" kern="1200" cap="none" spc="0" normalizeH="0" baseline="0" noProof="0" dirty="0">
-                <a:ln>
-                  <a:noFill/>
-                </a:ln>
-                <a:solidFill>
-                  <a:schemeClr val="bg1"/>
-                </a:solidFill>
-                <a:effectLst/>
-                <a:uLnTx/>
-                <a:uFillTx/>
-                <a:latin typeface="Courier New" panose="02070309020205020404" pitchFamily="49" charset="0"/>
-                <a:ea typeface="宋体" panose="02010600030101010101" pitchFamily="2" charset="-122"/>
-                <a:cs typeface="Courier New" panose="02070309020205020404" pitchFamily="49" charset="0"/>
-              </a:rPr>
-              <a:t>(QQ)</a:t>
-            </a:r>
-          </a:p>
-          <a:p>
-            <a:pPr marL="0" marR="0" lvl="0" indent="0" algn="l" defTabSz="914400" rtl="0" eaLnBrk="1" fontAlgn="auto" latinLnBrk="0" hangingPunct="1">
-              <a:lnSpc>
-                <a:spcPct val="150000"/>
-              </a:lnSpc>
-              <a:spcBef>
-                <a:spcPts val="0"/>
-              </a:spcBef>
-              <a:spcAft>
-                <a:spcPts val="0"/>
-              </a:spcAft>
-              <a:buClrTx/>
-              <a:buSzTx/>
-              <a:buFontTx/>
-              <a:buNone/>
-              <a:defRPr/>
-            </a:pPr>
-            <a:r>
-              <a:rPr kumimoji="0" lang="en-US" altLang="zh-CN" b="0" i="0" u="none" strike="noStrike" kern="1200" cap="none" spc="0" normalizeH="0" baseline="0" noProof="0" dirty="0">
-                <a:ln>
-                  <a:noFill/>
-                </a:ln>
-                <a:solidFill>
-                  <a:schemeClr val="bg1"/>
-                </a:solidFill>
-                <a:effectLst/>
-                <a:uLnTx/>
-                <a:uFillTx/>
-                <a:latin typeface="Courier New" panose="02070309020205020404" pitchFamily="49" charset="0"/>
-                <a:ea typeface="宋体" panose="02010600030101010101" pitchFamily="2" charset="-122"/>
-                <a:cs typeface="Courier New" panose="02070309020205020404" pitchFamily="49" charset="0"/>
-              </a:rPr>
-              <a:t>f = x^3 + 2*x + 1</a:t>
-            </a:r>
-          </a:p>
-          <a:p>
-            <a:pPr marL="0" marR="0" lvl="0" indent="0" algn="l" defTabSz="914400" rtl="0" eaLnBrk="1" fontAlgn="auto" latinLnBrk="0" hangingPunct="1">
-              <a:lnSpc>
-                <a:spcPct val="150000"/>
-              </a:lnSpc>
-              <a:spcBef>
-                <a:spcPts val="0"/>
-              </a:spcBef>
-              <a:spcAft>
-                <a:spcPts val="0"/>
-              </a:spcAft>
-              <a:buClrTx/>
-              <a:buSzTx/>
-              <a:buFontTx/>
-              <a:buNone/>
-              <a:defRPr/>
-            </a:pPr>
-            <a:r>
-              <a:rPr kumimoji="0" lang="en-US" altLang="zh-CN" b="0" i="0" u="none" strike="noStrike" kern="1200" cap="none" spc="0" normalizeH="0" baseline="0" noProof="0" dirty="0" err="1">
-                <a:ln>
-                  <a:noFill/>
-                </a:ln>
-                <a:solidFill>
-                  <a:schemeClr val="bg1"/>
-                </a:solidFill>
-                <a:effectLst/>
-                <a:uLnTx/>
-                <a:uFillTx/>
-                <a:latin typeface="Courier New" panose="02070309020205020404" pitchFamily="49" charset="0"/>
-                <a:ea typeface="宋体" panose="02010600030101010101" pitchFamily="2" charset="-122"/>
-                <a:cs typeface="Courier New" panose="02070309020205020404" pitchFamily="49" charset="0"/>
-              </a:rPr>
-              <a:t>f.factor</a:t>
-            </a:r>
-            <a:r>
-              <a:rPr kumimoji="0" lang="en-US" altLang="zh-CN" b="0" i="0" u="none" strike="noStrike" kern="1200" cap="none" spc="0" normalizeH="0" baseline="0" noProof="0" dirty="0">
-                <a:ln>
-                  <a:noFill/>
-                </a:ln>
-                <a:solidFill>
-                  <a:schemeClr val="bg1"/>
-                </a:solidFill>
-                <a:effectLst/>
-                <a:uLnTx/>
-                <a:uFillTx/>
-                <a:latin typeface="Courier New" panose="02070309020205020404" pitchFamily="49" charset="0"/>
-                <a:ea typeface="宋体" panose="02010600030101010101" pitchFamily="2" charset="-122"/>
-                <a:cs typeface="Courier New" panose="02070309020205020404" pitchFamily="49" charset="0"/>
-              </a:rPr>
-              <a:t>()</a:t>
-            </a:r>
-          </a:p>
-          <a:p>
-            <a:pPr marL="0" marR="0" lvl="0" indent="0" algn="l" defTabSz="914400" rtl="0" eaLnBrk="1" fontAlgn="auto" latinLnBrk="0" hangingPunct="1">
-              <a:lnSpc>
-                <a:spcPct val="150000"/>
-              </a:lnSpc>
-              <a:spcBef>
-                <a:spcPts val="0"/>
-              </a:spcBef>
-              <a:spcAft>
-                <a:spcPts val="0"/>
-              </a:spcAft>
-              <a:buClrTx/>
-              <a:buSzTx/>
-              <a:buFontTx/>
-              <a:buNone/>
-              <a:defRPr/>
-            </a:pPr>
-            <a:endParaRPr kumimoji="0" lang="en-US" altLang="zh-CN" b="0" i="0" u="none" strike="noStrike" kern="1200" cap="none" spc="0" normalizeH="0" baseline="0" noProof="0" dirty="0">
-              <a:ln>
-                <a:noFill/>
-              </a:ln>
-              <a:solidFill>
-                <a:schemeClr val="bg1"/>
-              </a:solidFill>
-              <a:effectLst/>
-              <a:uLnTx/>
-              <a:uFillTx/>
-              <a:latin typeface="Courier New" panose="02070309020205020404" pitchFamily="49" charset="0"/>
-              <a:ea typeface="宋体" panose="02010600030101010101" pitchFamily="2" charset="-122"/>
-              <a:cs typeface="Courier New" panose="02070309020205020404" pitchFamily="49" charset="0"/>
-            </a:endParaRPr>
-          </a:p>
-          <a:p>
-            <a:pPr marL="0" marR="0" lvl="0" indent="0" algn="l" defTabSz="914400" rtl="0" eaLnBrk="1" fontAlgn="auto" latinLnBrk="0" hangingPunct="1">
-              <a:lnSpc>
-                <a:spcPct val="150000"/>
-              </a:lnSpc>
-              <a:spcBef>
-                <a:spcPts val="0"/>
-              </a:spcBef>
-              <a:spcAft>
-                <a:spcPts val="0"/>
-              </a:spcAft>
-              <a:buClrTx/>
-              <a:buSzTx/>
-              <a:buFontTx/>
-              <a:buNone/>
-              <a:defRPr/>
-            </a:pPr>
-            <a:r>
-              <a:rPr kumimoji="0" lang="en-US" altLang="zh-CN" b="0" i="0" u="none" strike="noStrike" kern="1200" cap="none" spc="0" normalizeH="0" baseline="0" noProof="0" dirty="0">
-                <a:ln>
-                  <a:noFill/>
-                </a:ln>
-                <a:solidFill>
-                  <a:schemeClr val="bg1"/>
-                </a:solidFill>
-                <a:effectLst/>
-                <a:uLnTx/>
-                <a:uFillTx/>
-                <a:latin typeface="Courier New" panose="02070309020205020404" pitchFamily="49" charset="0"/>
-                <a:ea typeface="宋体" panose="02010600030101010101" pitchFamily="2" charset="-122"/>
-                <a:cs typeface="Courier New" panose="02070309020205020404" pitchFamily="49" charset="0"/>
-              </a:rPr>
-              <a:t># </a:t>
-            </a:r>
-            <a:r>
-              <a:rPr kumimoji="0" lang="zh-CN" altLang="en-US" b="0" i="0" u="none" strike="noStrike" kern="1200" cap="none" spc="0" normalizeH="0" baseline="0" noProof="0" dirty="0">
-                <a:ln>
-                  <a:noFill/>
-                </a:ln>
-                <a:solidFill>
-                  <a:schemeClr val="bg1"/>
-                </a:solidFill>
-                <a:effectLst/>
-                <a:uLnTx/>
-                <a:uFillTx/>
-                <a:latin typeface="Courier New" panose="02070309020205020404" pitchFamily="49" charset="0"/>
-                <a:ea typeface="宋体" panose="02010600030101010101" pitchFamily="2" charset="-122"/>
-                <a:cs typeface="Courier New" panose="02070309020205020404" pitchFamily="49" charset="0"/>
-              </a:rPr>
-              <a:t>计算矩阵的特征值</a:t>
-            </a:r>
-          </a:p>
-          <a:p>
-            <a:pPr marL="0" marR="0" lvl="0" indent="0" algn="l" defTabSz="914400" rtl="0" eaLnBrk="1" fontAlgn="auto" latinLnBrk="0" hangingPunct="1">
-              <a:lnSpc>
-                <a:spcPct val="150000"/>
-              </a:lnSpc>
-              <a:spcBef>
-                <a:spcPts val="0"/>
-              </a:spcBef>
-              <a:spcAft>
-                <a:spcPts val="0"/>
-              </a:spcAft>
-              <a:buClrTx/>
-              <a:buSzTx/>
-              <a:buFontTx/>
-              <a:buNone/>
-              <a:defRPr/>
-            </a:pPr>
-            <a:r>
-              <a:rPr kumimoji="0" lang="en-US" altLang="zh-CN" b="0" i="0" u="none" strike="noStrike" kern="1200" cap="none" spc="0" normalizeH="0" baseline="0" noProof="0" dirty="0">
-                <a:ln>
-                  <a:noFill/>
-                </a:ln>
-                <a:solidFill>
-                  <a:schemeClr val="bg1"/>
-                </a:solidFill>
-                <a:effectLst/>
-                <a:uLnTx/>
-                <a:uFillTx/>
-                <a:latin typeface="Courier New" panose="02070309020205020404" pitchFamily="49" charset="0"/>
-                <a:ea typeface="宋体" panose="02010600030101010101" pitchFamily="2" charset="-122"/>
-                <a:cs typeface="Courier New" panose="02070309020205020404" pitchFamily="49" charset="0"/>
-              </a:rPr>
-              <a:t>A = Matrix([[1, 2], [3, 4]])</a:t>
-            </a:r>
-          </a:p>
-          <a:p>
-            <a:pPr marL="0" marR="0" lvl="0" indent="0" algn="l" defTabSz="914400" rtl="0" eaLnBrk="1" fontAlgn="auto" latinLnBrk="0" hangingPunct="1">
-              <a:lnSpc>
-                <a:spcPct val="150000"/>
-              </a:lnSpc>
-              <a:spcBef>
-                <a:spcPts val="0"/>
-              </a:spcBef>
-              <a:spcAft>
-                <a:spcPts val="0"/>
-              </a:spcAft>
-              <a:buClrTx/>
-              <a:buSzTx/>
-              <a:buFontTx/>
-              <a:buNone/>
-              <a:defRPr/>
-            </a:pPr>
-            <a:r>
-              <a:rPr kumimoji="0" lang="en-US" altLang="zh-CN" b="0" i="0" u="none" strike="noStrike" kern="1200" cap="none" spc="0" normalizeH="0" baseline="0" noProof="0" dirty="0" err="1">
-                <a:ln>
-                  <a:noFill/>
-                </a:ln>
-                <a:solidFill>
-                  <a:schemeClr val="bg1"/>
-                </a:solidFill>
-                <a:effectLst/>
-                <a:uLnTx/>
-                <a:uFillTx/>
-                <a:latin typeface="Courier New" panose="02070309020205020404" pitchFamily="49" charset="0"/>
-                <a:ea typeface="宋体" panose="02010600030101010101" pitchFamily="2" charset="-122"/>
-                <a:cs typeface="Courier New" panose="02070309020205020404" pitchFamily="49" charset="0"/>
-              </a:rPr>
-              <a:t>A.eigenvalues</a:t>
-            </a:r>
-            <a:r>
-              <a:rPr kumimoji="0" lang="en-US" altLang="zh-CN" b="0" i="0" u="none" strike="noStrike" kern="1200" cap="none" spc="0" normalizeH="0" baseline="0" noProof="0" dirty="0">
-                <a:ln>
-                  <a:noFill/>
-                </a:ln>
-                <a:solidFill>
-                  <a:schemeClr val="bg1"/>
-                </a:solidFill>
-                <a:effectLst/>
-                <a:uLnTx/>
-                <a:uFillTx/>
-                <a:latin typeface="Courier New" panose="02070309020205020404" pitchFamily="49" charset="0"/>
-                <a:ea typeface="宋体" panose="02010600030101010101" pitchFamily="2" charset="-122"/>
-                <a:cs typeface="Courier New" panose="02070309020205020404" pitchFamily="49" charset="0"/>
-              </a:rPr>
-              <a:t>()</a:t>
-            </a:r>
-          </a:p>
-        </p:txBody>
-      </p:sp>
+      </p:pic>
     </p:spTree>
-    <p:extLst>
-      <p:ext uri="{BB962C8B-B14F-4D97-AF65-F5344CB8AC3E}">
-        <p14:creationId xmlns:p14="http://schemas.microsoft.com/office/powerpoint/2010/main" val="3414754080"/>
-      </p:ext>
-    </p:extLst>
   </p:cSld>
   <p:clrMapOvr>
     <a:masterClrMapping/>
@@ -14471,13 +14218,7 @@
   <p:cSld>
     <p:spTree>
       <p:nvGrpSpPr>
-        <p:cNvPr id="1" name="">
-          <a:extLst>
-            <a:ext uri="{FF2B5EF4-FFF2-40B4-BE49-F238E27FC236}">
-              <a16:creationId xmlns:a16="http://schemas.microsoft.com/office/drawing/2014/main" id="{D528E8AD-736A-4B65-9640-C76B572E4EEF}"/>
-            </a:ext>
-          </a:extLst>
-        </p:cNvPr>
+        <p:cNvPr id="1" name=""/>
         <p:cNvGrpSpPr/>
         <p:nvPr/>
       </p:nvGrpSpPr>
@@ -14491,13 +14232,7 @@
       </p:grpSpPr>
       <p:sp>
         <p:nvSpPr>
-          <p:cNvPr id="2" name="Title 17">
-            <a:extLst>
-              <a:ext uri="{FF2B5EF4-FFF2-40B4-BE49-F238E27FC236}">
-                <a16:creationId xmlns:a16="http://schemas.microsoft.com/office/drawing/2014/main" id="{7FFE79B8-D429-B86A-C6F5-C204F59BA4E1}"/>
-              </a:ext>
-            </a:extLst>
-          </p:cNvPr>
+          <p:cNvPr id="2" name="Title 17"/>
           <p:cNvSpPr>
             <a:spLocks noGrp="1"/>
           </p:cNvSpPr>
@@ -14580,18 +14315,28 @@
               </a:rPr>
               <a:t>实验平台使用</a:t>
             </a:r>
+            <a:endParaRPr lang="zh-CN" altLang="en-US" sz="3200" spc="0" dirty="0">
+              <a:solidFill>
+                <a:schemeClr val="tx1"/>
+              </a:solidFill>
+              <a:effectLst>
+                <a:outerShdw blurRad="38100" dist="38100" dir="2700000" algn="tl">
+                  <a:srgbClr val="000000">
+                    <a:alpha val="43137"/>
+                  </a:srgbClr>
+                </a:outerShdw>
+              </a:effectLst>
+              <a:latin typeface="Arial" panose="020B0604020202020204" pitchFamily="34" charset="0"/>
+              <a:ea typeface="黑体" panose="02010609060101010101" pitchFamily="49" charset="-122"/>
+              <a:cs typeface="Times New Roman" panose="02020603050405020304" pitchFamily="18" charset="0"/>
+              <a:sym typeface="+mn-ea"/>
+            </a:endParaRPr>
           </a:p>
         </p:txBody>
       </p:sp>
       <p:sp>
         <p:nvSpPr>
-          <p:cNvPr id="4" name="灯片编号占位符 2">
-            <a:extLst>
-              <a:ext uri="{FF2B5EF4-FFF2-40B4-BE49-F238E27FC236}">
-                <a16:creationId xmlns:a16="http://schemas.microsoft.com/office/drawing/2014/main" id="{3201DBB4-08E2-0ADF-78FC-4D0B2B9D6147}"/>
-              </a:ext>
-            </a:extLst>
-          </p:cNvPr>
+          <p:cNvPr id="4" name="灯片编号占位符 2"/>
           <p:cNvSpPr>
             <a:spLocks noGrp="1"/>
           </p:cNvSpPr>
@@ -14614,7 +14359,6 @@
                 <a:latin typeface="Arial" panose="020B0604020202020204" pitchFamily="34" charset="0"/>
                 <a:ea typeface="黑体" panose="02010609060101010101" pitchFamily="49" charset="-122"/>
               </a:rPr>
-              <a:t>6</a:t>
             </a:fld>
             <a:endParaRPr lang="zh-CN" altLang="en-US">
               <a:latin typeface="Arial" panose="020B0604020202020204" pitchFamily="34" charset="0"/>
@@ -14625,20 +14369,14 @@
       </p:sp>
       <p:sp>
         <p:nvSpPr>
-          <p:cNvPr id="9" name="文本框 8">
-            <a:extLst>
-              <a:ext uri="{FF2B5EF4-FFF2-40B4-BE49-F238E27FC236}">
-                <a16:creationId xmlns:a16="http://schemas.microsoft.com/office/drawing/2014/main" id="{C98315AF-E7BA-A971-0252-21D84FD1F81B}"/>
-              </a:ext>
-            </a:extLst>
-          </p:cNvPr>
+          <p:cNvPr id="9" name="文本框 8"/>
           <p:cNvSpPr txBox="1"/>
           <p:nvPr/>
         </p:nvSpPr>
         <p:spPr>
           <a:xfrm>
-            <a:off x="548021" y="1294576"/>
-            <a:ext cx="10817965" cy="496996"/>
+            <a:off x="609600" y="1154422"/>
+            <a:ext cx="10817965" cy="958660"/>
           </a:xfrm>
           <a:prstGeom prst="rect">
             <a:avLst/>
@@ -14671,9 +14409,102 @@
               <a:rPr lang="zh-CN" altLang="en-US" sz="2000" dirty="0">
                 <a:cs typeface="黑体" panose="02010609060101010101" pitchFamily="49" charset="-122"/>
               </a:rPr>
-              <a:t>交互式：</a:t>
+              <a:t>运行脚本 </a:t>
+            </a:r>
+            <a:r>
+              <a:rPr lang="en-US" altLang="zh-CN" sz="2000" dirty="0" err="1">
+                <a:cs typeface="黑体" panose="02010609060101010101" pitchFamily="49" charset="-122"/>
+              </a:rPr>
+              <a:t>test.sage</a:t>
+            </a:r>
+            <a:r>
+              <a:rPr lang="zh-CN" altLang="en-US" sz="2000" dirty="0">
+                <a:cs typeface="黑体" panose="02010609060101010101" pitchFamily="49" charset="-122"/>
+              </a:rPr>
+              <a:t>：</a:t>
+            </a:r>
+            <a:r>
+              <a:rPr lang="en-US" altLang="zh-CN" sz="2000" dirty="0">
+                <a:cs typeface="黑体" panose="02010609060101010101" pitchFamily="49" charset="-122"/>
+              </a:rPr>
+              <a:t>%</a:t>
+            </a:r>
+            <a:r>
+              <a:rPr lang="en-US" altLang="zh-CN" sz="2000" dirty="0" err="1">
+                <a:cs typeface="黑体" panose="02010609060101010101" pitchFamily="49" charset="-122"/>
+              </a:rPr>
+              <a:t>runfile</a:t>
+            </a:r>
+            <a:r>
+              <a:rPr lang="en-US" altLang="zh-CN" sz="2000" dirty="0">
+                <a:cs typeface="黑体" panose="02010609060101010101" pitchFamily="49" charset="-122"/>
+              </a:rPr>
+              <a:t> </a:t>
+            </a:r>
+            <a:r>
+              <a:rPr lang="en-US" altLang="zh-CN" sz="2000" dirty="0" err="1">
+                <a:cs typeface="黑体" panose="02010609060101010101" pitchFamily="49" charset="-122"/>
+              </a:rPr>
+              <a:t>your_file_name</a:t>
             </a:r>
             <a:endParaRPr lang="en-US" altLang="zh-CN" sz="2000" dirty="0">
+              <a:cs typeface="黑体" panose="02010609060101010101" pitchFamily="49" charset="-122"/>
+            </a:endParaRPr>
+          </a:p>
+          <a:p>
+            <a:pPr marL="0" marR="0" lvl="0" indent="0" algn="l" defTabSz="914400" rtl="0" eaLnBrk="1" fontAlgn="auto" latinLnBrk="0" hangingPunct="1">
+              <a:lnSpc>
+                <a:spcPct val="150000"/>
+              </a:lnSpc>
+              <a:spcBef>
+                <a:spcPts val="0"/>
+              </a:spcBef>
+              <a:spcAft>
+                <a:spcPts val="0"/>
+              </a:spcAft>
+              <a:buClrTx/>
+              <a:buSzTx/>
+              <a:buFontTx/>
+              <a:buNone/>
+              <a:defRPr/>
+            </a:pPr>
+            <a:r>
+              <a:rPr lang="zh-CN" altLang="en-US" sz="2000" dirty="0">
+                <a:cs typeface="黑体" panose="02010609060101010101" pitchFamily="49" charset="-122"/>
+              </a:rPr>
+              <a:t>脚本的</a:t>
+            </a:r>
+            <a:r>
+              <a:rPr lang="zh-CN" altLang="en-US" sz="2000" b="1" dirty="0">
+                <a:solidFill>
+                  <a:srgbClr val="FF0000"/>
+                </a:solidFill>
+                <a:cs typeface="黑体" panose="02010609060101010101" pitchFamily="49" charset="-122"/>
+              </a:rPr>
+              <a:t>语法和 </a:t>
+            </a:r>
+            <a:r>
+              <a:rPr lang="en-US" altLang="zh-CN" sz="2000" b="1" dirty="0">
+                <a:solidFill>
+                  <a:srgbClr val="FF0000"/>
+                </a:solidFill>
+                <a:cs typeface="黑体" panose="02010609060101010101" pitchFamily="49" charset="-122"/>
+              </a:rPr>
+              <a:t>python </a:t>
+            </a:r>
+            <a:r>
+              <a:rPr lang="zh-CN" altLang="en-US" sz="2000" b="1" dirty="0">
+                <a:solidFill>
+                  <a:srgbClr val="FF0000"/>
+                </a:solidFill>
+                <a:cs typeface="黑体" panose="02010609060101010101" pitchFamily="49" charset="-122"/>
+              </a:rPr>
+              <a:t>完全一致</a:t>
+            </a:r>
+            <a:endParaRPr lang="en-US" altLang="zh-CN" sz="2000" b="1" dirty="0">
+              <a:solidFill>
+                <a:srgbClr val="FF0000"/>
+              </a:solidFill>
               <a:cs typeface="黑体" panose="02010609060101010101" pitchFamily="49" charset="-122"/>
             </a:endParaRPr>
           </a:p>
@@ -14681,13 +14512,31 @@
       </p:sp>
       <p:pic>
         <p:nvPicPr>
-          <p:cNvPr id="5" name="图片 4">
-            <a:extLst>
-              <a:ext uri="{FF2B5EF4-FFF2-40B4-BE49-F238E27FC236}">
-                <a16:creationId xmlns:a16="http://schemas.microsoft.com/office/drawing/2014/main" id="{BC5C1FD6-4AF7-48AA-6283-30EA66DF1D7F}"/>
-              </a:ext>
-            </a:extLst>
-          </p:cNvPr>
+          <p:cNvPr id="8" name="图片 7"/>
+          <p:cNvPicPr>
+            <a:picLocks noChangeAspect="1"/>
+          </p:cNvPicPr>
+          <p:nvPr/>
+        </p:nvPicPr>
+        <p:blipFill>
+          <a:blip r:embed="rId2"/>
+          <a:stretch>
+            <a:fillRect/>
+          </a:stretch>
+        </p:blipFill>
+        <p:spPr>
+          <a:xfrm>
+            <a:off x="846149" y="2604530"/>
+            <a:ext cx="5172433" cy="3099048"/>
+          </a:xfrm>
+          <a:prstGeom prst="rect">
+            <a:avLst/>
+          </a:prstGeom>
+        </p:spPr>
+      </p:pic>
+      <p:pic>
+        <p:nvPicPr>
+          <p:cNvPr id="11" name="图片 10"/>
           <p:cNvPicPr>
             <a:picLocks noChangeAspect="1"/>
           </p:cNvPicPr>
@@ -14701,8 +14550,8 @@
         </p:blipFill>
         <p:spPr>
           <a:xfrm>
-            <a:off x="1016560" y="2370221"/>
-            <a:ext cx="10048875" cy="3133725"/>
+            <a:off x="6743806" y="2604530"/>
+            <a:ext cx="4284789" cy="1570733"/>
           </a:xfrm>
           <a:prstGeom prst="rect">
             <a:avLst/>
@@ -14710,11 +14559,6 @@
         </p:spPr>
       </p:pic>
     </p:spTree>
-    <p:extLst>
-      <p:ext uri="{BB962C8B-B14F-4D97-AF65-F5344CB8AC3E}">
-        <p14:creationId xmlns:p14="http://schemas.microsoft.com/office/powerpoint/2010/main" val="821040793"/>
-      </p:ext>
-    </p:extLst>
   </p:cSld>
   <p:clrMapOvr>
     <a:masterClrMapping/>
@@ -14727,13 +14571,7 @@
   <p:cSld>
     <p:spTree>
       <p:nvGrpSpPr>
-        <p:cNvPr id="1" name="">
-          <a:extLst>
-            <a:ext uri="{FF2B5EF4-FFF2-40B4-BE49-F238E27FC236}">
-              <a16:creationId xmlns:a16="http://schemas.microsoft.com/office/drawing/2014/main" id="{6D7020C5-A307-6895-0604-4C15CA8605A1}"/>
-            </a:ext>
-          </a:extLst>
-        </p:cNvPr>
+        <p:cNvPr id="1" name=""/>
         <p:cNvGrpSpPr/>
         <p:nvPr/>
       </p:nvGrpSpPr>
@@ -14747,13 +14585,7 @@
       </p:grpSpPr>
       <p:sp>
         <p:nvSpPr>
-          <p:cNvPr id="2" name="Title 17">
-            <a:extLst>
-              <a:ext uri="{FF2B5EF4-FFF2-40B4-BE49-F238E27FC236}">
-                <a16:creationId xmlns:a16="http://schemas.microsoft.com/office/drawing/2014/main" id="{65BD036B-6C84-7C7F-FCEC-77F9B039958C}"/>
-              </a:ext>
-            </a:extLst>
-          </p:cNvPr>
+          <p:cNvPr id="2" name="Title 17"/>
           <p:cNvSpPr>
             <a:spLocks noGrp="1"/>
           </p:cNvSpPr>
@@ -14836,18 +14668,28 @@
               </a:rPr>
               <a:t>实验平台使用</a:t>
             </a:r>
+            <a:endParaRPr lang="zh-CN" altLang="en-US" sz="3200" spc="0" dirty="0">
+              <a:solidFill>
+                <a:schemeClr val="tx1"/>
+              </a:solidFill>
+              <a:effectLst>
+                <a:outerShdw blurRad="38100" dist="38100" dir="2700000" algn="tl">
+                  <a:srgbClr val="000000">
+                    <a:alpha val="43137"/>
+                  </a:srgbClr>
+                </a:outerShdw>
+              </a:effectLst>
+              <a:latin typeface="Arial" panose="020B0604020202020204" pitchFamily="34" charset="0"/>
+              <a:ea typeface="黑体" panose="02010609060101010101" pitchFamily="49" charset="-122"/>
+              <a:cs typeface="Times New Roman" panose="02020603050405020304" pitchFamily="18" charset="0"/>
+              <a:sym typeface="+mn-ea"/>
+            </a:endParaRPr>
           </a:p>
         </p:txBody>
       </p:sp>
       <p:sp>
         <p:nvSpPr>
-          <p:cNvPr id="4" name="灯片编号占位符 2">
-            <a:extLst>
-              <a:ext uri="{FF2B5EF4-FFF2-40B4-BE49-F238E27FC236}">
-                <a16:creationId xmlns:a16="http://schemas.microsoft.com/office/drawing/2014/main" id="{9E541049-D36E-0D2B-E9E8-A64C9D6E87EC}"/>
-              </a:ext>
-            </a:extLst>
-          </p:cNvPr>
+          <p:cNvPr id="4" name="灯片编号占位符 2"/>
           <p:cNvSpPr>
             <a:spLocks noGrp="1"/>
           </p:cNvSpPr>
@@ -14870,7 +14712,6 @@
                 <a:latin typeface="Arial" panose="020B0604020202020204" pitchFamily="34" charset="0"/>
                 <a:ea typeface="黑体" panose="02010609060101010101" pitchFamily="49" charset="-122"/>
               </a:rPr>
-              <a:t>7</a:t>
             </a:fld>
             <a:endParaRPr lang="zh-CN" altLang="en-US">
               <a:latin typeface="Arial" panose="020B0604020202020204" pitchFamily="34" charset="0"/>
@@ -14881,392 +14722,7 @@
       </p:sp>
       <p:sp>
         <p:nvSpPr>
-          <p:cNvPr id="9" name="文本框 8">
-            <a:extLst>
-              <a:ext uri="{FF2B5EF4-FFF2-40B4-BE49-F238E27FC236}">
-                <a16:creationId xmlns:a16="http://schemas.microsoft.com/office/drawing/2014/main" id="{F2BB19FC-B99C-EED8-8B33-9DD26F0E12BE}"/>
-              </a:ext>
-            </a:extLst>
-          </p:cNvPr>
-          <p:cNvSpPr txBox="1"/>
-          <p:nvPr/>
-        </p:nvSpPr>
-        <p:spPr>
-          <a:xfrm>
-            <a:off x="609600" y="1154422"/>
-            <a:ext cx="10817965" cy="958660"/>
-          </a:xfrm>
-          <a:prstGeom prst="rect">
-            <a:avLst/>
-          </a:prstGeom>
-          <a:noFill/>
-        </p:spPr>
-        <p:txBody>
-          <a:bodyPr wrap="square" rtlCol="0">
-            <a:spAutoFit/>
-          </a:bodyPr>
-          <a:lstStyle/>
-          <a:p>
-            <a:pPr marL="0" marR="0" lvl="0" indent="0" algn="l" defTabSz="914400" rtl="0" eaLnBrk="1" fontAlgn="auto" latinLnBrk="0" hangingPunct="1">
-              <a:lnSpc>
-                <a:spcPct val="150000"/>
-              </a:lnSpc>
-              <a:spcBef>
-                <a:spcPts val="0"/>
-              </a:spcBef>
-              <a:spcAft>
-                <a:spcPts val="0"/>
-              </a:spcAft>
-              <a:buClrTx/>
-              <a:buSzTx/>
-              <a:buFontTx/>
-              <a:buNone/>
-              <a:defRPr/>
-            </a:pPr>
-            <a:r>
-              <a:rPr lang="zh-CN" altLang="en-US" sz="2000" dirty="0">
-                <a:cs typeface="黑体" panose="02010609060101010101" pitchFamily="49" charset="-122"/>
-              </a:rPr>
-              <a:t>运行脚本 </a:t>
-            </a:r>
-            <a:r>
-              <a:rPr lang="en-US" altLang="zh-CN" sz="2000" dirty="0" err="1">
-                <a:cs typeface="黑体" panose="02010609060101010101" pitchFamily="49" charset="-122"/>
-              </a:rPr>
-              <a:t>test.sage</a:t>
-            </a:r>
-            <a:r>
-              <a:rPr lang="zh-CN" altLang="en-US" sz="2000" dirty="0">
-                <a:cs typeface="黑体" panose="02010609060101010101" pitchFamily="49" charset="-122"/>
-              </a:rPr>
-              <a:t>：</a:t>
-            </a:r>
-            <a:r>
-              <a:rPr lang="en-US" altLang="zh-CN" sz="2000" dirty="0">
-                <a:cs typeface="黑体" panose="02010609060101010101" pitchFamily="49" charset="-122"/>
-              </a:rPr>
-              <a:t>%</a:t>
-            </a:r>
-            <a:r>
-              <a:rPr lang="en-US" altLang="zh-CN" sz="2000" dirty="0" err="1">
-                <a:cs typeface="黑体" panose="02010609060101010101" pitchFamily="49" charset="-122"/>
-              </a:rPr>
-              <a:t>runfile</a:t>
-            </a:r>
-            <a:r>
-              <a:rPr lang="en-US" altLang="zh-CN" sz="2000" dirty="0">
-                <a:cs typeface="黑体" panose="02010609060101010101" pitchFamily="49" charset="-122"/>
-              </a:rPr>
-              <a:t> </a:t>
-            </a:r>
-            <a:r>
-              <a:rPr lang="en-US" altLang="zh-CN" sz="2000" dirty="0" err="1">
-                <a:cs typeface="黑体" panose="02010609060101010101" pitchFamily="49" charset="-122"/>
-              </a:rPr>
-              <a:t>your_file_name</a:t>
-            </a:r>
-            <a:endParaRPr lang="en-US" altLang="zh-CN" sz="2000" dirty="0">
-              <a:cs typeface="黑体" panose="02010609060101010101" pitchFamily="49" charset="-122"/>
-            </a:endParaRPr>
-          </a:p>
-          <a:p>
-            <a:pPr marL="0" marR="0" lvl="0" indent="0" algn="l" defTabSz="914400" rtl="0" eaLnBrk="1" fontAlgn="auto" latinLnBrk="0" hangingPunct="1">
-              <a:lnSpc>
-                <a:spcPct val="150000"/>
-              </a:lnSpc>
-              <a:spcBef>
-                <a:spcPts val="0"/>
-              </a:spcBef>
-              <a:spcAft>
-                <a:spcPts val="0"/>
-              </a:spcAft>
-              <a:buClrTx/>
-              <a:buSzTx/>
-              <a:buFontTx/>
-              <a:buNone/>
-              <a:defRPr/>
-            </a:pPr>
-            <a:r>
-              <a:rPr lang="zh-CN" altLang="en-US" sz="2000" dirty="0">
-                <a:cs typeface="黑体" panose="02010609060101010101" pitchFamily="49" charset="-122"/>
-              </a:rPr>
-              <a:t>脚本的</a:t>
-            </a:r>
-            <a:r>
-              <a:rPr lang="zh-CN" altLang="en-US" sz="2000" b="1" dirty="0">
-                <a:solidFill>
-                  <a:srgbClr val="FF0000"/>
-                </a:solidFill>
-                <a:cs typeface="黑体" panose="02010609060101010101" pitchFamily="49" charset="-122"/>
-              </a:rPr>
-              <a:t>语法和 </a:t>
-            </a:r>
-            <a:r>
-              <a:rPr lang="en-US" altLang="zh-CN" sz="2000" b="1" dirty="0">
-                <a:solidFill>
-                  <a:srgbClr val="FF0000"/>
-                </a:solidFill>
-                <a:cs typeface="黑体" panose="02010609060101010101" pitchFamily="49" charset="-122"/>
-              </a:rPr>
-              <a:t>python </a:t>
-            </a:r>
-            <a:r>
-              <a:rPr lang="zh-CN" altLang="en-US" sz="2000" b="1" dirty="0">
-                <a:solidFill>
-                  <a:srgbClr val="FF0000"/>
-                </a:solidFill>
-                <a:cs typeface="黑体" panose="02010609060101010101" pitchFamily="49" charset="-122"/>
-              </a:rPr>
-              <a:t>完全一致</a:t>
-            </a:r>
-            <a:endParaRPr lang="en-US" altLang="zh-CN" sz="2000" b="1" dirty="0">
-              <a:solidFill>
-                <a:srgbClr val="FF0000"/>
-              </a:solidFill>
-              <a:cs typeface="黑体" panose="02010609060101010101" pitchFamily="49" charset="-122"/>
-            </a:endParaRPr>
-          </a:p>
-        </p:txBody>
-      </p:sp>
-      <p:pic>
-        <p:nvPicPr>
-          <p:cNvPr id="8" name="图片 7">
-            <a:extLst>
-              <a:ext uri="{FF2B5EF4-FFF2-40B4-BE49-F238E27FC236}">
-                <a16:creationId xmlns:a16="http://schemas.microsoft.com/office/drawing/2014/main" id="{2B26B19B-6C4E-3329-CE5B-6DCAC08499BA}"/>
-              </a:ext>
-            </a:extLst>
-          </p:cNvPr>
-          <p:cNvPicPr>
-            <a:picLocks noChangeAspect="1"/>
-          </p:cNvPicPr>
-          <p:nvPr/>
-        </p:nvPicPr>
-        <p:blipFill>
-          <a:blip r:embed="rId3"/>
-          <a:stretch>
-            <a:fillRect/>
-          </a:stretch>
-        </p:blipFill>
-        <p:spPr>
-          <a:xfrm>
-            <a:off x="846149" y="2604530"/>
-            <a:ext cx="5172433" cy="3099048"/>
-          </a:xfrm>
-          <a:prstGeom prst="rect">
-            <a:avLst/>
-          </a:prstGeom>
-        </p:spPr>
-      </p:pic>
-      <p:pic>
-        <p:nvPicPr>
-          <p:cNvPr id="11" name="图片 10">
-            <a:extLst>
-              <a:ext uri="{FF2B5EF4-FFF2-40B4-BE49-F238E27FC236}">
-                <a16:creationId xmlns:a16="http://schemas.microsoft.com/office/drawing/2014/main" id="{00AC2929-B4BC-BF6D-823E-294BDC4E7C3D}"/>
-              </a:ext>
-            </a:extLst>
-          </p:cNvPr>
-          <p:cNvPicPr>
-            <a:picLocks noChangeAspect="1"/>
-          </p:cNvPicPr>
-          <p:nvPr/>
-        </p:nvPicPr>
-        <p:blipFill>
-          <a:blip r:embed="rId4"/>
-          <a:stretch>
-            <a:fillRect/>
-          </a:stretch>
-        </p:blipFill>
-        <p:spPr>
-          <a:xfrm>
-            <a:off x="6743806" y="2604530"/>
-            <a:ext cx="4284789" cy="1570733"/>
-          </a:xfrm>
-          <a:prstGeom prst="rect">
-            <a:avLst/>
-          </a:prstGeom>
-        </p:spPr>
-      </p:pic>
-    </p:spTree>
-    <p:extLst>
-      <p:ext uri="{BB962C8B-B14F-4D97-AF65-F5344CB8AC3E}">
-        <p14:creationId xmlns:p14="http://schemas.microsoft.com/office/powerpoint/2010/main" val="2619121978"/>
-      </p:ext>
-    </p:extLst>
-  </p:cSld>
-  <p:clrMapOvr>
-    <a:masterClrMapping/>
-  </p:clrMapOvr>
-</p:sld>
-</file>
-
-<file path=ppt/slides/slide8.xml><?xml version="1.0" encoding="utf-8"?>
-<p:sld xmlns:a="http://schemas.openxmlformats.org/drawingml/2006/main" xmlns:r="http://schemas.openxmlformats.org/officeDocument/2006/relationships" xmlns:p="http://schemas.openxmlformats.org/presentationml/2006/main">
-  <p:cSld>
-    <p:spTree>
-      <p:nvGrpSpPr>
-        <p:cNvPr id="1" name="">
-          <a:extLst>
-            <a:ext uri="{FF2B5EF4-FFF2-40B4-BE49-F238E27FC236}">
-              <a16:creationId xmlns:a16="http://schemas.microsoft.com/office/drawing/2014/main" id="{8757B8F9-FAE0-8654-C46F-F3D99467C6F9}"/>
-            </a:ext>
-          </a:extLst>
-        </p:cNvPr>
-        <p:cNvGrpSpPr/>
-        <p:nvPr/>
-      </p:nvGrpSpPr>
-      <p:grpSpPr>
-        <a:xfrm>
-          <a:off x="0" y="0"/>
-          <a:ext cx="0" cy="0"/>
-          <a:chOff x="0" y="0"/>
-          <a:chExt cx="0" cy="0"/>
-        </a:xfrm>
-      </p:grpSpPr>
-      <p:sp>
-        <p:nvSpPr>
-          <p:cNvPr id="2" name="Title 17">
-            <a:extLst>
-              <a:ext uri="{FF2B5EF4-FFF2-40B4-BE49-F238E27FC236}">
-                <a16:creationId xmlns:a16="http://schemas.microsoft.com/office/drawing/2014/main" id="{A092076C-A271-9BA3-4D5D-4E4F16479524}"/>
-              </a:ext>
-            </a:extLst>
-          </p:cNvPr>
-          <p:cNvSpPr>
-            <a:spLocks noGrp="1"/>
-          </p:cNvSpPr>
-          <p:nvPr>
-            <p:custDataLst>
-              <p:tags r:id="rId1"/>
-            </p:custDataLst>
-          </p:nvPr>
-        </p:nvSpPr>
-        <p:spPr>
-          <a:xfrm>
-            <a:off x="352270" y="331211"/>
-            <a:ext cx="3336811" cy="587340"/>
-          </a:xfrm>
-          <a:prstGeom prst="rect">
-            <a:avLst/>
-          </a:prstGeom>
-          <a:noFill/>
-        </p:spPr>
-        <p:txBody>
-          <a:bodyPr vert="horz" wrap="none" lIns="90170" tIns="46990" rIns="90170" bIns="46990" rtlCol="0" anchor="ctr" anchorCtr="0">
-            <a:spAutoFit/>
-          </a:bodyPr>
-          <a:lstStyle>
-            <a:lvl1pPr algn="l" defTabSz="914400" rtl="0" eaLnBrk="1" fontAlgn="auto" latinLnBrk="0" hangingPunct="1">
-              <a:lnSpc>
-                <a:spcPct val="100000"/>
-              </a:lnSpc>
-              <a:spcBef>
-                <a:spcPct val="0"/>
-              </a:spcBef>
-              <a:buNone/>
-              <a:defRPr lang="zh-CN" altLang="en-US" sz="2800" b="1" u="none" strike="noStrike" kern="1200" cap="none" spc="300" normalizeH="0" baseline="0">
-                <a:solidFill>
-                  <a:schemeClr val="accent1"/>
-                </a:solidFill>
-                <a:uFillTx/>
-                <a:latin typeface="+mn-lt"/>
-                <a:ea typeface="+mn-ea"/>
-                <a:cs typeface="+mn-cs"/>
-              </a:defRPr>
-            </a:lvl1pPr>
-          </a:lstStyle>
-          <a:p>
-            <a:r>
-              <a:rPr lang="en-US" altLang="zh-CN" sz="3200" spc="0" dirty="0">
-                <a:solidFill>
-                  <a:schemeClr val="tx1"/>
-                </a:solidFill>
-                <a:effectLst>
-                  <a:outerShdw blurRad="38100" dist="38100" dir="2700000" algn="tl">
-                    <a:srgbClr val="000000">
-                      <a:alpha val="43137"/>
-                    </a:srgbClr>
-                  </a:outerShdw>
-                </a:effectLst>
-                <a:latin typeface="Arial" panose="020B0604020202020204" pitchFamily="34" charset="0"/>
-                <a:ea typeface="黑体" panose="02010609060101010101" pitchFamily="49" charset="-122"/>
-                <a:cs typeface="Times New Roman" panose="02020603050405020304" pitchFamily="18" charset="0"/>
-                <a:sym typeface="+mn-ea"/>
-              </a:rPr>
-              <a:t>1.2 </a:t>
-            </a:r>
-            <a:r>
-              <a:rPr lang="zh-CN" altLang="en-US" sz="3200" spc="0" dirty="0">
-                <a:solidFill>
-                  <a:schemeClr val="tx1"/>
-                </a:solidFill>
-                <a:effectLst>
-                  <a:outerShdw blurRad="38100" dist="38100" dir="2700000" algn="tl">
-                    <a:srgbClr val="000000">
-                      <a:alpha val="43137"/>
-                    </a:srgbClr>
-                  </a:outerShdw>
-                </a:effectLst>
-                <a:latin typeface="Arial" panose="020B0604020202020204" pitchFamily="34" charset="0"/>
-                <a:ea typeface="黑体" panose="02010609060101010101" pitchFamily="49" charset="-122"/>
-                <a:cs typeface="Times New Roman" panose="02020603050405020304" pitchFamily="18" charset="0"/>
-                <a:sym typeface="+mn-ea"/>
-              </a:rPr>
-              <a:t>实验平台使用</a:t>
-            </a:r>
-          </a:p>
-        </p:txBody>
-      </p:sp>
-      <p:sp>
-        <p:nvSpPr>
-          <p:cNvPr id="4" name="灯片编号占位符 2">
-            <a:extLst>
-              <a:ext uri="{FF2B5EF4-FFF2-40B4-BE49-F238E27FC236}">
-                <a16:creationId xmlns:a16="http://schemas.microsoft.com/office/drawing/2014/main" id="{3E285CFF-1259-03AE-EACF-0587E216939A}"/>
-              </a:ext>
-            </a:extLst>
-          </p:cNvPr>
-          <p:cNvSpPr>
-            <a:spLocks noGrp="1"/>
-          </p:cNvSpPr>
-          <p:nvPr>
-            <p:ph type="sldNum" sz="quarter" idx="12"/>
-          </p:nvPr>
-        </p:nvSpPr>
-        <p:spPr>
-          <a:xfrm>
-            <a:off x="10134600" y="6492875"/>
-            <a:ext cx="2057400" cy="365125"/>
-          </a:xfrm>
-        </p:spPr>
-        <p:txBody>
-          <a:bodyPr/>
-          <a:lstStyle/>
-          <a:p>
-            <a:fld id="{4CDDC869-2817-46DD-8681-5A192428703D}" type="slidenum">
-              <a:rPr lang="zh-CN" altLang="en-US" smtClean="0">
-                <a:latin typeface="Arial" panose="020B0604020202020204" pitchFamily="34" charset="0"/>
-                <a:ea typeface="黑体" panose="02010609060101010101" pitchFamily="49" charset="-122"/>
-              </a:rPr>
-              <a:t>8</a:t>
-            </a:fld>
-            <a:endParaRPr lang="zh-CN" altLang="en-US">
-              <a:latin typeface="Arial" panose="020B0604020202020204" pitchFamily="34" charset="0"/>
-              <a:ea typeface="黑体" panose="02010609060101010101" pitchFamily="49" charset="-122"/>
-            </a:endParaRPr>
-          </a:p>
-        </p:txBody>
-      </p:sp>
-      <p:sp>
-        <p:nvSpPr>
-          <p:cNvPr id="9" name="文本框 8">
-            <a:extLst>
-              <a:ext uri="{FF2B5EF4-FFF2-40B4-BE49-F238E27FC236}">
-                <a16:creationId xmlns:a16="http://schemas.microsoft.com/office/drawing/2014/main" id="{9E301220-FD7C-BEE3-A229-2792AB83D153}"/>
-              </a:ext>
-            </a:extLst>
-          </p:cNvPr>
+          <p:cNvPr id="9" name="文本框 8"/>
           <p:cNvSpPr txBox="1"/>
           <p:nvPr/>
         </p:nvSpPr>
@@ -15328,20 +14784,14 @@
       </p:sp>
       <p:pic>
         <p:nvPicPr>
-          <p:cNvPr id="3" name="图片 2">
-            <a:extLst>
-              <a:ext uri="{FF2B5EF4-FFF2-40B4-BE49-F238E27FC236}">
-                <a16:creationId xmlns:a16="http://schemas.microsoft.com/office/drawing/2014/main" id="{6D8D02A8-60EE-5F6A-47CD-3F676AF7BD9F}"/>
-              </a:ext>
-            </a:extLst>
-          </p:cNvPr>
+          <p:cNvPr id="3" name="图片 2"/>
           <p:cNvPicPr>
             <a:picLocks noChangeAspect="1"/>
           </p:cNvPicPr>
           <p:nvPr/>
         </p:nvPicPr>
         <p:blipFill>
-          <a:blip r:embed="rId3"/>
+          <a:blip r:embed="rId2"/>
           <a:stretch>
             <a:fillRect/>
           </a:stretch>
@@ -15358,20 +14808,14 @@
       </p:pic>
       <p:pic>
         <p:nvPicPr>
-          <p:cNvPr id="6" name="图片 5">
-            <a:extLst>
-              <a:ext uri="{FF2B5EF4-FFF2-40B4-BE49-F238E27FC236}">
-                <a16:creationId xmlns:a16="http://schemas.microsoft.com/office/drawing/2014/main" id="{AA35C133-8333-B238-A608-B29AC4E4EDBF}"/>
-              </a:ext>
-            </a:extLst>
-          </p:cNvPr>
+          <p:cNvPr id="6" name="图片 5"/>
           <p:cNvPicPr>
             <a:picLocks noChangeAspect="1"/>
           </p:cNvPicPr>
           <p:nvPr/>
         </p:nvPicPr>
         <p:blipFill>
-          <a:blip r:embed="rId4"/>
+          <a:blip r:embed="rId3"/>
           <a:stretch>
             <a:fillRect/>
           </a:stretch>
@@ -15387,11 +14831,6 @@
         </p:spPr>
       </p:pic>
     </p:spTree>
-    <p:extLst>
-      <p:ext uri="{BB962C8B-B14F-4D97-AF65-F5344CB8AC3E}">
-        <p14:creationId xmlns:p14="http://schemas.microsoft.com/office/powerpoint/2010/main" val="1979777786"/>
-      </p:ext>
-    </p:extLst>
   </p:cSld>
   <p:clrMapOvr>
     <a:masterClrMapping/>
@@ -15399,18 +14838,12 @@
 </p:sld>
 </file>
 
-<file path=ppt/slides/slide9.xml><?xml version="1.0" encoding="utf-8"?>
+<file path=ppt/slides/slide8.xml><?xml version="1.0" encoding="utf-8"?>
 <p:sld xmlns:a="http://schemas.openxmlformats.org/drawingml/2006/main" xmlns:r="http://schemas.openxmlformats.org/officeDocument/2006/relationships" xmlns:p="http://schemas.openxmlformats.org/presentationml/2006/main">
   <p:cSld>
     <p:spTree>
       <p:nvGrpSpPr>
-        <p:cNvPr id="1" name="">
-          <a:extLst>
-            <a:ext uri="{FF2B5EF4-FFF2-40B4-BE49-F238E27FC236}">
-              <a16:creationId xmlns:a16="http://schemas.microsoft.com/office/drawing/2014/main" id="{201A3EE1-FB2A-3736-5FF0-85B7CE39C813}"/>
-            </a:ext>
-          </a:extLst>
-        </p:cNvPr>
+        <p:cNvPr id="1" name=""/>
         <p:cNvGrpSpPr/>
         <p:nvPr/>
       </p:nvGrpSpPr>
@@ -15424,13 +14857,7 @@
       </p:grpSpPr>
       <p:sp>
         <p:nvSpPr>
-          <p:cNvPr id="2" name="Title 17">
-            <a:extLst>
-              <a:ext uri="{FF2B5EF4-FFF2-40B4-BE49-F238E27FC236}">
-                <a16:creationId xmlns:a16="http://schemas.microsoft.com/office/drawing/2014/main" id="{55F361B9-0F92-DD36-0157-91BC19B4B5A1}"/>
-              </a:ext>
-            </a:extLst>
-          </p:cNvPr>
+          <p:cNvPr id="2" name="Title 17"/>
           <p:cNvSpPr>
             <a:spLocks noGrp="1"/>
           </p:cNvSpPr>
@@ -15513,18 +14940,28 @@
               </a:rPr>
               <a:t> 凯撒密码（位移密码）</a:t>
             </a:r>
+            <a:endParaRPr lang="zh-CN" altLang="en-US" sz="3200" spc="0" dirty="0">
+              <a:solidFill>
+                <a:schemeClr val="tx1"/>
+              </a:solidFill>
+              <a:effectLst>
+                <a:outerShdw blurRad="38100" dist="38100" dir="2700000" algn="tl">
+                  <a:srgbClr val="000000">
+                    <a:alpha val="43137"/>
+                  </a:srgbClr>
+                </a:outerShdw>
+              </a:effectLst>
+              <a:latin typeface="Arial" panose="020B0604020202020204" pitchFamily="34" charset="0"/>
+              <a:ea typeface="黑体" panose="02010609060101010101" pitchFamily="49" charset="-122"/>
+              <a:cs typeface="Times New Roman" panose="02020603050405020304" pitchFamily="18" charset="0"/>
+              <a:sym typeface="+mn-ea"/>
+            </a:endParaRPr>
           </a:p>
         </p:txBody>
       </p:sp>
       <p:sp>
         <p:nvSpPr>
-          <p:cNvPr id="4" name="灯片编号占位符 2">
-            <a:extLst>
-              <a:ext uri="{FF2B5EF4-FFF2-40B4-BE49-F238E27FC236}">
-                <a16:creationId xmlns:a16="http://schemas.microsoft.com/office/drawing/2014/main" id="{E45056DF-389C-6F9D-4AFF-609BABE8526C}"/>
-              </a:ext>
-            </a:extLst>
-          </p:cNvPr>
+          <p:cNvPr id="4" name="灯片编号占位符 2"/>
           <p:cNvSpPr>
             <a:spLocks noGrp="1"/>
           </p:cNvSpPr>
@@ -15547,7 +14984,6 @@
                 <a:latin typeface="Arial" panose="020B0604020202020204" pitchFamily="34" charset="0"/>
                 <a:ea typeface="黑体" panose="02010609060101010101" pitchFamily="49" charset="-122"/>
               </a:rPr>
-              <a:t>9</a:t>
             </a:fld>
             <a:endParaRPr lang="zh-CN" altLang="en-US">
               <a:latin typeface="Arial" panose="020B0604020202020204" pitchFamily="34" charset="0"/>
@@ -15558,13 +14994,7 @@
       </p:sp>
       <p:sp>
         <p:nvSpPr>
-          <p:cNvPr id="5" name="文本框 4">
-            <a:extLst>
-              <a:ext uri="{FF2B5EF4-FFF2-40B4-BE49-F238E27FC236}">
-                <a16:creationId xmlns:a16="http://schemas.microsoft.com/office/drawing/2014/main" id="{2723FE32-B072-C00D-5F85-1AAEA6261599}"/>
-              </a:ext>
-            </a:extLst>
-          </p:cNvPr>
+          <p:cNvPr id="5" name="文本框 4"/>
           <p:cNvSpPr txBox="1"/>
           <p:nvPr/>
         </p:nvSpPr>
@@ -15607,6 +15037,9 @@
               </a:rPr>
               <a:t>）选择密钥</a:t>
             </a:r>
+            <a:endParaRPr lang="zh-CN" altLang="en-US" sz="2000" dirty="0">
+              <a:cs typeface="黑体" panose="02010609060101010101" pitchFamily="49" charset="-122"/>
+            </a:endParaRPr>
           </a:p>
           <a:p>
             <a:pPr>
@@ -15644,6 +15077,9 @@
               </a:rPr>
               <a:t>位。</a:t>
             </a:r>
+            <a:endParaRPr lang="zh-CN" altLang="en-US" sz="2000" dirty="0">
+              <a:cs typeface="黑体" panose="02010609060101010101" pitchFamily="49" charset="-122"/>
+            </a:endParaRPr>
           </a:p>
           <a:p>
             <a:pPr>
@@ -15679,6 +15115,9 @@
               </a:rPr>
               <a:t>）加密</a:t>
             </a:r>
+            <a:endParaRPr lang="zh-CN" altLang="en-US" sz="2000" dirty="0">
+              <a:cs typeface="黑体" panose="02010609060101010101" pitchFamily="49" charset="-122"/>
+            </a:endParaRPr>
           </a:p>
           <a:p>
             <a:pPr>
@@ -15720,6 +15159,9 @@
               </a:rPr>
               <a:t>Z -&gt; C</a:t>
             </a:r>
+            <a:endParaRPr lang="en-US" altLang="zh-CN" sz="2000" dirty="0">
+              <a:cs typeface="黑体" panose="02010609060101010101" pitchFamily="49" charset="-122"/>
+            </a:endParaRPr>
           </a:p>
           <a:p>
             <a:pPr>
@@ -15755,28 +15197,25 @@
               </a:rPr>
               <a:t>）得到密文</a:t>
             </a:r>
+            <a:endParaRPr lang="zh-CN" altLang="en-US" sz="2000" dirty="0">
+              <a:cs typeface="黑体" panose="02010609060101010101" pitchFamily="49" charset="-122"/>
+            </a:endParaRPr>
           </a:p>
         </p:txBody>
       </p:sp>
       <p:pic>
         <p:nvPicPr>
-          <p:cNvPr id="7" name="图片 7" descr="Caesar3">
-            <a:extLst>
-              <a:ext uri="{FF2B5EF4-FFF2-40B4-BE49-F238E27FC236}">
-                <a16:creationId xmlns:a16="http://schemas.microsoft.com/office/drawing/2014/main" id="{3DC48C05-7DA2-BA55-7640-4EAC77243724}"/>
-              </a:ext>
-            </a:extLst>
-          </p:cNvPr>
+          <p:cNvPr id="7" name="图片 7" descr="Caesar3"/>
           <p:cNvPicPr>
             <a:picLocks noChangeAspect="1"/>
           </p:cNvPicPr>
           <p:nvPr/>
         </p:nvPicPr>
         <p:blipFill>
-          <a:blip r:embed="rId3">
+          <a:blip r:embed="rId2">
             <a:extLst>
               <a:ext uri="{96DAC541-7B7A-43D3-8B79-37D633B846F1}">
-                <asvg:svgBlip xmlns:asvg="http://schemas.microsoft.com/office/drawing/2016/SVG/main" r:embed="rId4"/>
+                <asvg:svgBlip xmlns:asvg="http://schemas.microsoft.com/office/drawing/2016/SVG/main" r:embed="rId3"/>
               </a:ext>
             </a:extLst>
           </a:blip>
@@ -15795,11 +15234,296 @@
         </p:spPr>
       </p:pic>
     </p:spTree>
-    <p:extLst>
-      <p:ext uri="{BB962C8B-B14F-4D97-AF65-F5344CB8AC3E}">
-        <p14:creationId xmlns:p14="http://schemas.microsoft.com/office/powerpoint/2010/main" val="2449380494"/>
-      </p:ext>
-    </p:extLst>
+  </p:cSld>
+  <p:clrMapOvr>
+    <a:masterClrMapping/>
+  </p:clrMapOvr>
+</p:sld>
+</file>
+
+<file path=ppt/slides/slide9.xml><?xml version="1.0" encoding="utf-8"?>
+<p:sld xmlns:a="http://schemas.openxmlformats.org/drawingml/2006/main" xmlns:r="http://schemas.openxmlformats.org/officeDocument/2006/relationships" xmlns:p="http://schemas.openxmlformats.org/presentationml/2006/main">
+  <p:cSld>
+    <p:spTree>
+      <p:nvGrpSpPr>
+        <p:cNvPr id="1" name=""/>
+        <p:cNvGrpSpPr/>
+        <p:nvPr/>
+      </p:nvGrpSpPr>
+      <p:grpSpPr>
+        <a:xfrm>
+          <a:off x="0" y="0"/>
+          <a:ext cx="0" cy="0"/>
+          <a:chOff x="0" y="0"/>
+          <a:chExt cx="0" cy="0"/>
+        </a:xfrm>
+      </p:grpSpPr>
+      <p:sp>
+        <p:nvSpPr>
+          <p:cNvPr id="4" name="灯片编号占位符 2"/>
+          <p:cNvSpPr>
+            <a:spLocks noGrp="1"/>
+          </p:cNvSpPr>
+          <p:nvPr>
+            <p:ph type="sldNum" sz="quarter" idx="12"/>
+          </p:nvPr>
+        </p:nvSpPr>
+        <p:spPr>
+          <a:xfrm>
+            <a:off x="10134600" y="6492875"/>
+            <a:ext cx="2057400" cy="365125"/>
+          </a:xfrm>
+        </p:spPr>
+        <p:txBody>
+          <a:bodyPr/>
+          <a:lstStyle/>
+          <a:p>
+            <a:fld id="{4CDDC869-2817-46DD-8681-5A192428703D}" type="slidenum">
+              <a:rPr lang="zh-CN" altLang="en-US" smtClean="0">
+                <a:latin typeface="Arial" panose="020B0604020202020204" pitchFamily="34" charset="0"/>
+                <a:ea typeface="黑体" panose="02010609060101010101" pitchFamily="49" charset="-122"/>
+              </a:rPr>
+            </a:fld>
+            <a:endParaRPr lang="zh-CN" altLang="en-US">
+              <a:latin typeface="Arial" panose="020B0604020202020204" pitchFamily="34" charset="0"/>
+              <a:ea typeface="黑体" panose="02010609060101010101" pitchFamily="49" charset="-122"/>
+            </a:endParaRPr>
+          </a:p>
+        </p:txBody>
+      </p:sp>
+      <p:pic>
+        <p:nvPicPr>
+          <p:cNvPr id="6" name="图片 5"/>
+          <p:cNvPicPr>
+            <a:picLocks noChangeAspect="1"/>
+          </p:cNvPicPr>
+          <p:nvPr/>
+        </p:nvPicPr>
+        <p:blipFill>
+          <a:blip r:embed="rId1"/>
+          <a:srcRect r="2290"/>
+          <a:stretch>
+            <a:fillRect/>
+          </a:stretch>
+        </p:blipFill>
+        <p:spPr>
+          <a:xfrm>
+            <a:off x="159765" y="1508244"/>
+            <a:ext cx="5991237" cy="4951765"/>
+          </a:xfrm>
+          <a:prstGeom prst="rect">
+            <a:avLst/>
+          </a:prstGeom>
+        </p:spPr>
+      </p:pic>
+      <p:sp>
+        <p:nvSpPr>
+          <p:cNvPr id="8" name="文本框 7"/>
+          <p:cNvSpPr txBox="1"/>
+          <p:nvPr/>
+        </p:nvSpPr>
+        <p:spPr>
+          <a:xfrm>
+            <a:off x="104763" y="966279"/>
+            <a:ext cx="1893232" cy="494238"/>
+          </a:xfrm>
+          <a:prstGeom prst="rect">
+            <a:avLst/>
+          </a:prstGeom>
+          <a:noFill/>
+        </p:spPr>
+        <p:txBody>
+          <a:bodyPr wrap="square" rtlCol="0">
+            <a:spAutoFit/>
+          </a:bodyPr>
+          <a:lstStyle/>
+          <a:p>
+            <a:pPr>
+              <a:lnSpc>
+                <a:spcPct val="150000"/>
+              </a:lnSpc>
+            </a:pPr>
+            <a:r>
+              <a:rPr lang="zh-CN" altLang="en-US" sz="2000" dirty="0">
+                <a:cs typeface="黑体" panose="02010609060101010101" pitchFamily="49" charset="-122"/>
+              </a:rPr>
+              <a:t>加密：</a:t>
+            </a:r>
+            <a:endParaRPr lang="zh-CN" altLang="en-US" sz="2000" dirty="0">
+              <a:cs typeface="黑体" panose="02010609060101010101" pitchFamily="49" charset="-122"/>
+            </a:endParaRPr>
+          </a:p>
+        </p:txBody>
+      </p:sp>
+      <p:pic>
+        <p:nvPicPr>
+          <p:cNvPr id="9" name="图片 8"/>
+          <p:cNvPicPr>
+            <a:picLocks noChangeAspect="1"/>
+          </p:cNvPicPr>
+          <p:nvPr/>
+        </p:nvPicPr>
+        <p:blipFill rotWithShape="1">
+          <a:blip r:embed="rId2"/>
+          <a:srcRect l="676" r="10655"/>
+          <a:stretch>
+            <a:fillRect/>
+          </a:stretch>
+        </p:blipFill>
+        <p:spPr>
+          <a:xfrm>
+            <a:off x="6248926" y="1508245"/>
+            <a:ext cx="5838311" cy="4951765"/>
+          </a:xfrm>
+          <a:prstGeom prst="rect">
+            <a:avLst/>
+          </a:prstGeom>
+        </p:spPr>
+      </p:pic>
+      <p:sp>
+        <p:nvSpPr>
+          <p:cNvPr id="10" name="文本框 9"/>
+          <p:cNvSpPr txBox="1"/>
+          <p:nvPr/>
+        </p:nvSpPr>
+        <p:spPr>
+          <a:xfrm>
+            <a:off x="6248926" y="966279"/>
+            <a:ext cx="1893232" cy="494238"/>
+          </a:xfrm>
+          <a:prstGeom prst="rect">
+            <a:avLst/>
+          </a:prstGeom>
+          <a:noFill/>
+        </p:spPr>
+        <p:txBody>
+          <a:bodyPr wrap="square" rtlCol="0">
+            <a:spAutoFit/>
+          </a:bodyPr>
+          <a:lstStyle/>
+          <a:p>
+            <a:pPr>
+              <a:lnSpc>
+                <a:spcPct val="150000"/>
+              </a:lnSpc>
+            </a:pPr>
+            <a:r>
+              <a:rPr lang="zh-CN" altLang="en-US" sz="2000" dirty="0">
+                <a:cs typeface="黑体" panose="02010609060101010101" pitchFamily="49" charset="-122"/>
+              </a:rPr>
+              <a:t>解密：</a:t>
+            </a:r>
+            <a:endParaRPr lang="zh-CN" altLang="en-US" sz="2000" dirty="0">
+              <a:cs typeface="黑体" panose="02010609060101010101" pitchFamily="49" charset="-122"/>
+            </a:endParaRPr>
+          </a:p>
+        </p:txBody>
+      </p:sp>
+      <p:sp>
+        <p:nvSpPr>
+          <p:cNvPr id="11" name="Title 17"/>
+          <p:cNvSpPr>
+            <a:spLocks noGrp="1"/>
+          </p:cNvSpPr>
+          <p:nvPr>
+            <p:custDataLst>
+              <p:tags r:id="rId3"/>
+            </p:custDataLst>
+          </p:nvPr>
+        </p:nvSpPr>
+        <p:spPr>
+          <a:xfrm>
+            <a:off x="352270" y="331211"/>
+            <a:ext cx="4984698" cy="587340"/>
+          </a:xfrm>
+          <a:prstGeom prst="rect">
+            <a:avLst/>
+          </a:prstGeom>
+          <a:noFill/>
+        </p:spPr>
+        <p:txBody>
+          <a:bodyPr vert="horz" wrap="none" lIns="90170" tIns="46990" rIns="90170" bIns="46990" rtlCol="0" anchor="ctr" anchorCtr="0">
+            <a:spAutoFit/>
+          </a:bodyPr>
+          <a:lstStyle>
+            <a:lvl1pPr algn="l" defTabSz="914400" rtl="0" eaLnBrk="1" fontAlgn="auto" latinLnBrk="0" hangingPunct="1">
+              <a:lnSpc>
+                <a:spcPct val="100000"/>
+              </a:lnSpc>
+              <a:spcBef>
+                <a:spcPct val="0"/>
+              </a:spcBef>
+              <a:buNone/>
+              <a:defRPr lang="zh-CN" altLang="en-US" sz="2800" b="1" u="none" strike="noStrike" kern="1200" cap="none" spc="300" normalizeH="0" baseline="0">
+                <a:solidFill>
+                  <a:schemeClr val="accent1"/>
+                </a:solidFill>
+                <a:uFillTx/>
+                <a:latin typeface="+mn-lt"/>
+                <a:ea typeface="+mn-ea"/>
+                <a:cs typeface="+mn-cs"/>
+              </a:defRPr>
+            </a:lvl1pPr>
+          </a:lstStyle>
+          <a:p>
+            <a:r>
+              <a:rPr lang="en-US" altLang="zh-CN" sz="3200" spc="0" dirty="0">
+                <a:solidFill>
+                  <a:schemeClr val="tx1"/>
+                </a:solidFill>
+                <a:effectLst>
+                  <a:outerShdw blurRad="38100" dist="38100" dir="2700000" algn="tl">
+                    <a:srgbClr val="000000">
+                      <a:alpha val="43137"/>
+                    </a:srgbClr>
+                  </a:outerShdw>
+                </a:effectLst>
+                <a:latin typeface="Arial" panose="020B0604020202020204" pitchFamily="34" charset="0"/>
+                <a:ea typeface="黑体" panose="02010609060101010101" pitchFamily="49" charset="-122"/>
+                <a:cs typeface="Times New Roman" panose="02020603050405020304" pitchFamily="18" charset="0"/>
+                <a:sym typeface="+mn-ea"/>
+              </a:rPr>
+              <a:t>1.3</a:t>
+            </a:r>
+            <a:r>
+              <a:rPr lang="zh-CN" altLang="en-US" sz="3200" spc="0" dirty="0">
+                <a:solidFill>
+                  <a:schemeClr val="tx1"/>
+                </a:solidFill>
+                <a:effectLst>
+                  <a:outerShdw blurRad="38100" dist="38100" dir="2700000" algn="tl">
+                    <a:srgbClr val="000000">
+                      <a:alpha val="43137"/>
+                    </a:srgbClr>
+                  </a:outerShdw>
+                </a:effectLst>
+                <a:latin typeface="Arial" panose="020B0604020202020204" pitchFamily="34" charset="0"/>
+                <a:ea typeface="黑体" panose="02010609060101010101" pitchFamily="49" charset="-122"/>
+                <a:cs typeface="Times New Roman" panose="02020603050405020304" pitchFamily="18" charset="0"/>
+                <a:sym typeface="+mn-ea"/>
+              </a:rPr>
+              <a:t> 凯撒密码（位移密码）</a:t>
+            </a:r>
+            <a:endParaRPr lang="zh-CN" altLang="en-US" sz="3200" spc="0" dirty="0">
+              <a:solidFill>
+                <a:schemeClr val="tx1"/>
+              </a:solidFill>
+              <a:effectLst>
+                <a:outerShdw blurRad="38100" dist="38100" dir="2700000" algn="tl">
+                  <a:srgbClr val="000000">
+                    <a:alpha val="43137"/>
+                  </a:srgbClr>
+                </a:outerShdw>
+              </a:effectLst>
+              <a:latin typeface="Arial" panose="020B0604020202020204" pitchFamily="34" charset="0"/>
+              <a:ea typeface="黑体" panose="02010609060101010101" pitchFamily="49" charset="-122"/>
+              <a:cs typeface="Times New Roman" panose="02020603050405020304" pitchFamily="18" charset="0"/>
+              <a:sym typeface="+mn-ea"/>
+            </a:endParaRPr>
+          </a:p>
+        </p:txBody>
+      </p:sp>
+    </p:spTree>
   </p:cSld>
   <p:clrMapOvr>
     <a:masterClrMapping/>
@@ -15808,7 +15532,7 @@
 </file>
 
 <file path=ppt/tags/tag1.xml><?xml version="1.0" encoding="utf-8"?>
-<p:tagLst xmlns:a="http://schemas.openxmlformats.org/drawingml/2006/main" xmlns:r="http://schemas.openxmlformats.org/officeDocument/2006/relationships" xmlns:p="http://schemas.openxmlformats.org/presentationml/2006/main">
+<p:tagLst xmlns:p="http://schemas.openxmlformats.org/presentationml/2006/main">
   <p:tag name="KSO_WM_UNIT_TEXT_FILL_FORE_SCHEMECOLOR_INDEX_BRIGHTNESS" val="0"/>
   <p:tag name="KSO_WM_UNIT_TEXT_FILL_FORE_SCHEMECOLOR_INDEX" val="5"/>
   <p:tag name="KSO_WM_UNIT_TEXT_FILL_TYPE" val="1"/>
@@ -15816,7 +15540,7 @@
 </file>
 
 <file path=ppt/tags/tag10.xml><?xml version="1.0" encoding="utf-8"?>
-<p:tagLst xmlns:a="http://schemas.openxmlformats.org/drawingml/2006/main" xmlns:r="http://schemas.openxmlformats.org/officeDocument/2006/relationships" xmlns:p="http://schemas.openxmlformats.org/presentationml/2006/main">
+<p:tagLst xmlns:p="http://schemas.openxmlformats.org/presentationml/2006/main">
   <p:tag name="KSO_WM_UNIT_TEXT_FILL_FORE_SCHEMECOLOR_INDEX_BRIGHTNESS" val="0"/>
   <p:tag name="KSO_WM_UNIT_TEXT_FILL_FORE_SCHEMECOLOR_INDEX" val="5"/>
   <p:tag name="KSO_WM_UNIT_TEXT_FILL_TYPE" val="1"/>
@@ -15824,7 +15548,7 @@
 </file>
 
 <file path=ppt/tags/tag11.xml><?xml version="1.0" encoding="utf-8"?>
-<p:tagLst xmlns:a="http://schemas.openxmlformats.org/drawingml/2006/main" xmlns:r="http://schemas.openxmlformats.org/officeDocument/2006/relationships" xmlns:p="http://schemas.openxmlformats.org/presentationml/2006/main">
+<p:tagLst xmlns:p="http://schemas.openxmlformats.org/presentationml/2006/main">
   <p:tag name="KSO_WM_UNIT_TEXT_FILL_FORE_SCHEMECOLOR_INDEX_BRIGHTNESS" val="0"/>
   <p:tag name="KSO_WM_UNIT_TEXT_FILL_FORE_SCHEMECOLOR_INDEX" val="5"/>
   <p:tag name="KSO_WM_UNIT_TEXT_FILL_TYPE" val="1"/>
@@ -15832,7 +15556,7 @@
 </file>
 
 <file path=ppt/tags/tag12.xml><?xml version="1.0" encoding="utf-8"?>
-<p:tagLst xmlns:a="http://schemas.openxmlformats.org/drawingml/2006/main" xmlns:r="http://schemas.openxmlformats.org/officeDocument/2006/relationships" xmlns:p="http://schemas.openxmlformats.org/presentationml/2006/main">
+<p:tagLst xmlns:p="http://schemas.openxmlformats.org/presentationml/2006/main">
   <p:tag name="KSO_WM_UNIT_TEXT_FILL_FORE_SCHEMECOLOR_INDEX_BRIGHTNESS" val="0"/>
   <p:tag name="KSO_WM_UNIT_TEXT_FILL_FORE_SCHEMECOLOR_INDEX" val="5"/>
   <p:tag name="KSO_WM_UNIT_TEXT_FILL_TYPE" val="1"/>
@@ -15840,7 +15564,7 @@
 </file>
 
 <file path=ppt/tags/tag13.xml><?xml version="1.0" encoding="utf-8"?>
-<p:tagLst xmlns:a="http://schemas.openxmlformats.org/drawingml/2006/main" xmlns:r="http://schemas.openxmlformats.org/officeDocument/2006/relationships" xmlns:p="http://schemas.openxmlformats.org/presentationml/2006/main">
+<p:tagLst xmlns:p="http://schemas.openxmlformats.org/presentationml/2006/main">
   <p:tag name="KSO_WM_UNIT_TEXT_FILL_FORE_SCHEMECOLOR_INDEX_BRIGHTNESS" val="0"/>
   <p:tag name="KSO_WM_UNIT_TEXT_FILL_FORE_SCHEMECOLOR_INDEX" val="5"/>
   <p:tag name="KSO_WM_UNIT_TEXT_FILL_TYPE" val="1"/>
@@ -15848,7 +15572,7 @@
 </file>
 
 <file path=ppt/tags/tag14.xml><?xml version="1.0" encoding="utf-8"?>
-<p:tagLst xmlns:a="http://schemas.openxmlformats.org/drawingml/2006/main" xmlns:r="http://schemas.openxmlformats.org/officeDocument/2006/relationships" xmlns:p="http://schemas.openxmlformats.org/presentationml/2006/main">
+<p:tagLst xmlns:p="http://schemas.openxmlformats.org/presentationml/2006/main">
   <p:tag name="KSO_WM_UNIT_TEXT_FILL_FORE_SCHEMECOLOR_INDEX_BRIGHTNESS" val="0"/>
   <p:tag name="KSO_WM_UNIT_TEXT_FILL_FORE_SCHEMECOLOR_INDEX" val="5"/>
   <p:tag name="KSO_WM_UNIT_TEXT_FILL_TYPE" val="1"/>
@@ -15856,7 +15580,7 @@
 </file>
 
 <file path=ppt/tags/tag15.xml><?xml version="1.0" encoding="utf-8"?>
-<p:tagLst xmlns:a="http://schemas.openxmlformats.org/drawingml/2006/main" xmlns:r="http://schemas.openxmlformats.org/officeDocument/2006/relationships" xmlns:p="http://schemas.openxmlformats.org/presentationml/2006/main">
+<p:tagLst xmlns:p="http://schemas.openxmlformats.org/presentationml/2006/main">
   <p:tag name="KSO_WM_UNIT_TEXT_FILL_FORE_SCHEMECOLOR_INDEX_BRIGHTNESS" val="0"/>
   <p:tag name="KSO_WM_UNIT_TEXT_FILL_FORE_SCHEMECOLOR_INDEX" val="5"/>
   <p:tag name="KSO_WM_UNIT_TEXT_FILL_TYPE" val="1"/>
@@ -15864,7 +15588,7 @@
 </file>
 
 <file path=ppt/tags/tag16.xml><?xml version="1.0" encoding="utf-8"?>
-<p:tagLst xmlns:a="http://schemas.openxmlformats.org/drawingml/2006/main" xmlns:r="http://schemas.openxmlformats.org/officeDocument/2006/relationships" xmlns:p="http://schemas.openxmlformats.org/presentationml/2006/main">
+<p:tagLst xmlns:p="http://schemas.openxmlformats.org/presentationml/2006/main">
   <p:tag name="KSO_WM_UNIT_TEXT_FILL_FORE_SCHEMECOLOR_INDEX_BRIGHTNESS" val="0"/>
   <p:tag name="KSO_WM_UNIT_TEXT_FILL_FORE_SCHEMECOLOR_INDEX" val="5"/>
   <p:tag name="KSO_WM_UNIT_TEXT_FILL_TYPE" val="1"/>
@@ -15872,7 +15596,7 @@
 </file>
 
 <file path=ppt/tags/tag17.xml><?xml version="1.0" encoding="utf-8"?>
-<p:tagLst xmlns:a="http://schemas.openxmlformats.org/drawingml/2006/main" xmlns:r="http://schemas.openxmlformats.org/officeDocument/2006/relationships" xmlns:p="http://schemas.openxmlformats.org/presentationml/2006/main">
+<p:tagLst xmlns:p="http://schemas.openxmlformats.org/presentationml/2006/main">
   <p:tag name="KSO_WM_UNIT_TEXT_FILL_FORE_SCHEMECOLOR_INDEX_BRIGHTNESS" val="0"/>
   <p:tag name="KSO_WM_UNIT_TEXT_FILL_FORE_SCHEMECOLOR_INDEX" val="5"/>
   <p:tag name="KSO_WM_UNIT_TEXT_FILL_TYPE" val="1"/>
@@ -15880,7 +15604,7 @@
 </file>
 
 <file path=ppt/tags/tag18.xml><?xml version="1.0" encoding="utf-8"?>
-<p:tagLst xmlns:a="http://schemas.openxmlformats.org/drawingml/2006/main" xmlns:r="http://schemas.openxmlformats.org/officeDocument/2006/relationships" xmlns:p="http://schemas.openxmlformats.org/presentationml/2006/main">
+<p:tagLst xmlns:p="http://schemas.openxmlformats.org/presentationml/2006/main">
   <p:tag name="KSO_WM_UNIT_TEXT_FILL_FORE_SCHEMECOLOR_INDEX_BRIGHTNESS" val="0"/>
   <p:tag name="KSO_WM_UNIT_TEXT_FILL_FORE_SCHEMECOLOR_INDEX" val="5"/>
   <p:tag name="KSO_WM_UNIT_TEXT_FILL_TYPE" val="1"/>
@@ -15888,7 +15612,7 @@
 </file>
 
 <file path=ppt/tags/tag19.xml><?xml version="1.0" encoding="utf-8"?>
-<p:tagLst xmlns:a="http://schemas.openxmlformats.org/drawingml/2006/main" xmlns:r="http://schemas.openxmlformats.org/officeDocument/2006/relationships" xmlns:p="http://schemas.openxmlformats.org/presentationml/2006/main">
+<p:tagLst xmlns:p="http://schemas.openxmlformats.org/presentationml/2006/main">
   <p:tag name="KSO_WM_UNIT_TEXT_FILL_FORE_SCHEMECOLOR_INDEX_BRIGHTNESS" val="0"/>
   <p:tag name="KSO_WM_UNIT_TEXT_FILL_FORE_SCHEMECOLOR_INDEX" val="5"/>
   <p:tag name="KSO_WM_UNIT_TEXT_FILL_TYPE" val="1"/>
@@ -15896,7 +15620,7 @@
 </file>
 
 <file path=ppt/tags/tag2.xml><?xml version="1.0" encoding="utf-8"?>
-<p:tagLst xmlns:a="http://schemas.openxmlformats.org/drawingml/2006/main" xmlns:r="http://schemas.openxmlformats.org/officeDocument/2006/relationships" xmlns:p="http://schemas.openxmlformats.org/presentationml/2006/main">
+<p:tagLst xmlns:p="http://schemas.openxmlformats.org/presentationml/2006/main">
   <p:tag name="KSO_WM_UNIT_TEXT_FILL_FORE_SCHEMECOLOR_INDEX_BRIGHTNESS" val="0"/>
   <p:tag name="KSO_WM_UNIT_TEXT_FILL_FORE_SCHEMECOLOR_INDEX" val="5"/>
   <p:tag name="KSO_WM_UNIT_TEXT_FILL_TYPE" val="1"/>
@@ -15904,7 +15628,7 @@
 </file>
 
 <file path=ppt/tags/tag20.xml><?xml version="1.0" encoding="utf-8"?>
-<p:tagLst xmlns:a="http://schemas.openxmlformats.org/drawingml/2006/main" xmlns:r="http://schemas.openxmlformats.org/officeDocument/2006/relationships" xmlns:p="http://schemas.openxmlformats.org/presentationml/2006/main">
+<p:tagLst xmlns:p="http://schemas.openxmlformats.org/presentationml/2006/main">
   <p:tag name="KSO_WM_UNIT_TEXT_FILL_FORE_SCHEMECOLOR_INDEX_BRIGHTNESS" val="0"/>
   <p:tag name="KSO_WM_UNIT_TEXT_FILL_FORE_SCHEMECOLOR_INDEX" val="5"/>
   <p:tag name="KSO_WM_UNIT_TEXT_FILL_TYPE" val="1"/>
@@ -15912,15 +15636,7 @@
 </file>
 
 <file path=ppt/tags/tag21.xml><?xml version="1.0" encoding="utf-8"?>
-<p:tagLst xmlns:a="http://schemas.openxmlformats.org/drawingml/2006/main" xmlns:r="http://schemas.openxmlformats.org/officeDocument/2006/relationships" xmlns:p="http://schemas.openxmlformats.org/presentationml/2006/main">
-  <p:tag name="KSO_WM_UNIT_TEXT_FILL_FORE_SCHEMECOLOR_INDEX_BRIGHTNESS" val="0"/>
-  <p:tag name="KSO_WM_UNIT_TEXT_FILL_FORE_SCHEMECOLOR_INDEX" val="5"/>
-  <p:tag name="KSO_WM_UNIT_TEXT_FILL_TYPE" val="1"/>
-</p:tagLst>
-</file>
-
-<file path=ppt/tags/tag22.xml><?xml version="1.0" encoding="utf-8"?>
-<p:tagLst xmlns:a="http://schemas.openxmlformats.org/drawingml/2006/main" xmlns:r="http://schemas.openxmlformats.org/officeDocument/2006/relationships" xmlns:p="http://schemas.openxmlformats.org/presentationml/2006/main">
+<p:tagLst xmlns:p="http://schemas.openxmlformats.org/presentationml/2006/main">
   <p:tag name="KSO_WM_UNIT_TEXT_FILL_FORE_SCHEMECOLOR_INDEX_BRIGHTNESS" val="0"/>
   <p:tag name="KSO_WM_UNIT_TEXT_FILL_FORE_SCHEMECOLOR_INDEX" val="5"/>
   <p:tag name="KSO_WM_UNIT_TEXT_FILL_TYPE" val="1"/>
@@ -15928,7 +15644,7 @@
 </file>
 
 <file path=ppt/tags/tag3.xml><?xml version="1.0" encoding="utf-8"?>
-<p:tagLst xmlns:a="http://schemas.openxmlformats.org/drawingml/2006/main" xmlns:r="http://schemas.openxmlformats.org/officeDocument/2006/relationships" xmlns:p="http://schemas.openxmlformats.org/presentationml/2006/main">
+<p:tagLst xmlns:p="http://schemas.openxmlformats.org/presentationml/2006/main">
   <p:tag name="KSO_WM_UNIT_TEXT_FILL_FORE_SCHEMECOLOR_INDEX_BRIGHTNESS" val="0"/>
   <p:tag name="KSO_WM_UNIT_TEXT_FILL_FORE_SCHEMECOLOR_INDEX" val="5"/>
   <p:tag name="KSO_WM_UNIT_TEXT_FILL_TYPE" val="1"/>
@@ -15936,7 +15652,7 @@
 </file>
 
 <file path=ppt/tags/tag4.xml><?xml version="1.0" encoding="utf-8"?>
-<p:tagLst xmlns:a="http://schemas.openxmlformats.org/drawingml/2006/main" xmlns:r="http://schemas.openxmlformats.org/officeDocument/2006/relationships" xmlns:p="http://schemas.openxmlformats.org/presentationml/2006/main">
+<p:tagLst xmlns:p="http://schemas.openxmlformats.org/presentationml/2006/main">
   <p:tag name="KSO_WM_UNIT_TEXT_FILL_FORE_SCHEMECOLOR_INDEX_BRIGHTNESS" val="0"/>
   <p:tag name="KSO_WM_UNIT_TEXT_FILL_FORE_SCHEMECOLOR_INDEX" val="5"/>
   <p:tag name="KSO_WM_UNIT_TEXT_FILL_TYPE" val="1"/>
@@ -15944,7 +15660,7 @@
 </file>
 
 <file path=ppt/tags/tag5.xml><?xml version="1.0" encoding="utf-8"?>
-<p:tagLst xmlns:a="http://schemas.openxmlformats.org/drawingml/2006/main" xmlns:r="http://schemas.openxmlformats.org/officeDocument/2006/relationships" xmlns:p="http://schemas.openxmlformats.org/presentationml/2006/main">
+<p:tagLst xmlns:p="http://schemas.openxmlformats.org/presentationml/2006/main">
   <p:tag name="KSO_WM_UNIT_TEXT_FILL_FORE_SCHEMECOLOR_INDEX_BRIGHTNESS" val="0"/>
   <p:tag name="KSO_WM_UNIT_TEXT_FILL_FORE_SCHEMECOLOR_INDEX" val="5"/>
   <p:tag name="KSO_WM_UNIT_TEXT_FILL_TYPE" val="1"/>
@@ -15952,7 +15668,7 @@
 </file>
 
 <file path=ppt/tags/tag6.xml><?xml version="1.0" encoding="utf-8"?>
-<p:tagLst xmlns:a="http://schemas.openxmlformats.org/drawingml/2006/main" xmlns:r="http://schemas.openxmlformats.org/officeDocument/2006/relationships" xmlns:p="http://schemas.openxmlformats.org/presentationml/2006/main">
+<p:tagLst xmlns:p="http://schemas.openxmlformats.org/presentationml/2006/main">
   <p:tag name="KSO_WM_UNIT_TEXT_FILL_FORE_SCHEMECOLOR_INDEX_BRIGHTNESS" val="0"/>
   <p:tag name="KSO_WM_UNIT_TEXT_FILL_FORE_SCHEMECOLOR_INDEX" val="5"/>
   <p:tag name="KSO_WM_UNIT_TEXT_FILL_TYPE" val="1"/>
@@ -15960,7 +15676,7 @@
 </file>
 
 <file path=ppt/tags/tag7.xml><?xml version="1.0" encoding="utf-8"?>
-<p:tagLst xmlns:a="http://schemas.openxmlformats.org/drawingml/2006/main" xmlns:r="http://schemas.openxmlformats.org/officeDocument/2006/relationships" xmlns:p="http://schemas.openxmlformats.org/presentationml/2006/main">
+<p:tagLst xmlns:p="http://schemas.openxmlformats.org/presentationml/2006/main">
   <p:tag name="KSO_WM_UNIT_TEXT_FILL_FORE_SCHEMECOLOR_INDEX_BRIGHTNESS" val="0"/>
   <p:tag name="KSO_WM_UNIT_TEXT_FILL_FORE_SCHEMECOLOR_INDEX" val="5"/>
   <p:tag name="KSO_WM_UNIT_TEXT_FILL_TYPE" val="1"/>
@@ -15968,7 +15684,7 @@
 </file>
 
 <file path=ppt/tags/tag8.xml><?xml version="1.0" encoding="utf-8"?>
-<p:tagLst xmlns:a="http://schemas.openxmlformats.org/drawingml/2006/main" xmlns:r="http://schemas.openxmlformats.org/officeDocument/2006/relationships" xmlns:p="http://schemas.openxmlformats.org/presentationml/2006/main">
+<p:tagLst xmlns:p="http://schemas.openxmlformats.org/presentationml/2006/main">
   <p:tag name="KSO_WM_UNIT_TEXT_FILL_FORE_SCHEMECOLOR_INDEX_BRIGHTNESS" val="0"/>
   <p:tag name="KSO_WM_UNIT_TEXT_FILL_FORE_SCHEMECOLOR_INDEX" val="5"/>
   <p:tag name="KSO_WM_UNIT_TEXT_FILL_TYPE" val="1"/>
@@ -15976,7 +15692,7 @@
 </file>
 
 <file path=ppt/tags/tag9.xml><?xml version="1.0" encoding="utf-8"?>
-<p:tagLst xmlns:a="http://schemas.openxmlformats.org/drawingml/2006/main" xmlns:r="http://schemas.openxmlformats.org/officeDocument/2006/relationships" xmlns:p="http://schemas.openxmlformats.org/presentationml/2006/main">
+<p:tagLst xmlns:p="http://schemas.openxmlformats.org/presentationml/2006/main">
   <p:tag name="KSO_WM_UNIT_TEXT_FILL_FORE_SCHEMECOLOR_INDEX_BRIGHTNESS" val="0"/>
   <p:tag name="KSO_WM_UNIT_TEXT_FILL_FORE_SCHEMECOLOR_INDEX" val="5"/>
   <p:tag name="KSO_WM_UNIT_TEXT_FILL_TYPE" val="1"/>
@@ -16195,10 +15911,9 @@
       </a:style>
     </a:lnDef>
   </a:objectDefaults>
-  <a:extraClrSchemeLst/>
   <a:extLst>
     <a:ext uri="{05A4C25C-085E-4340-85A3-A5531E510DB2}">
-      <thm15:themeFamily xmlns:thm15="http://schemas.microsoft.com/office/thememl/2012/main" name="Office Theme" id="{2E142A2C-CD16-42D6-873A-C26D2A0506FA}" vid="{1BDDFF52-6CD6-40A5-AB3C-68EB2F1E4D0A}"/>
+      <thm15:themeFamily xmlns:thm15="http://schemas.microsoft.com/office/thememl/2012/main" name="Office Theme" id="{62F939B6-93AF-4DB8-9C6B-D6C7DFDC589F}" vid="{4A3C46E8-61CC-4603-A589-7422A47A8E4A}"/>
     </a:ext>
   </a:extLst>
 </a:theme>
@@ -16247,7 +15962,7 @@
     </a:clrScheme>
     <a:fontScheme name="Office">
       <a:majorFont>
-        <a:latin typeface="等线 Light" panose="02110004020202020204"/>
+        <a:latin typeface="等线 Light"/>
         <a:ea typeface=""/>
         <a:cs typeface=""/>
         <a:font script="Jpan" typeface="游ゴシック Light"/>
@@ -16280,26 +15995,9 @@
         <a:font script="Viet" typeface="Times New Roman"/>
         <a:font script="Uigh" typeface="Microsoft Uighur"/>
         <a:font script="Geor" typeface="Sylfaen"/>
-        <a:font script="Armn" typeface="Arial"/>
-        <a:font script="Bugi" typeface="Leelawadee UI"/>
-        <a:font script="Bopo" typeface="Microsoft JhengHei"/>
-        <a:font script="Java" typeface="Javanese Text"/>
-        <a:font script="Lisu" typeface="Segoe UI"/>
-        <a:font script="Mymr" typeface="Myanmar Text"/>
-        <a:font script="Nkoo" typeface="Ebrima"/>
-        <a:font script="Olck" typeface="Nirmala UI"/>
-        <a:font script="Osma" typeface="Ebrima"/>
-        <a:font script="Phag" typeface="Phagspa"/>
-        <a:font script="Syrn" typeface="Estrangelo Edessa"/>
-        <a:font script="Syrj" typeface="Estrangelo Edessa"/>
-        <a:font script="Syre" typeface="Estrangelo Edessa"/>
-        <a:font script="Sora" typeface="Nirmala UI"/>
-        <a:font script="Tale" typeface="Microsoft Tai Le"/>
-        <a:font script="Talu" typeface="Microsoft New Tai Lue"/>
-        <a:font script="Tfng" typeface="Ebrima"/>
       </a:majorFont>
       <a:minorFont>
-        <a:latin typeface="等线" panose="02110004020202020204"/>
+        <a:latin typeface="等线"/>
         <a:ea typeface=""/>
         <a:cs typeface=""/>
         <a:font script="Jpan" typeface="游ゴシック"/>
@@ -16332,23 +16030,6 @@
         <a:font script="Viet" typeface="Arial"/>
         <a:font script="Uigh" typeface="Microsoft Uighur"/>
         <a:font script="Geor" typeface="Sylfaen"/>
-        <a:font script="Armn" typeface="Arial"/>
-        <a:font script="Bugi" typeface="Leelawadee UI"/>
-        <a:font script="Bopo" typeface="Microsoft JhengHei"/>
-        <a:font script="Java" typeface="Javanese Text"/>
-        <a:font script="Lisu" typeface="Segoe UI"/>
-        <a:font script="Mymr" typeface="Myanmar Text"/>
-        <a:font script="Nkoo" typeface="Ebrima"/>
-        <a:font script="Olck" typeface="Nirmala UI"/>
-        <a:font script="Osma" typeface="Ebrima"/>
-        <a:font script="Phag" typeface="Phagspa"/>
-        <a:font script="Syrn" typeface="Estrangelo Edessa"/>
-        <a:font script="Syrj" typeface="Estrangelo Edessa"/>
-        <a:font script="Syre" typeface="Estrangelo Edessa"/>
-        <a:font script="Sora" typeface="Nirmala UI"/>
-        <a:font script="Tale" typeface="Microsoft Tai Le"/>
-        <a:font script="Talu" typeface="Microsoft New Tai Lue"/>
-        <a:font script="Tfng" typeface="Ebrima"/>
       </a:minorFont>
     </a:fontScheme>
     <a:fmtScheme name="Office">
@@ -16510,10 +16191,9 @@
       </a:style>
     </a:lnDef>
   </a:objectDefaults>
-  <a:extraClrSchemeLst/>
   <a:extLst>
     <a:ext uri="{05A4C25C-085E-4340-85A3-A5531E510DB2}">
-      <thm15:themeFamily xmlns:thm15="http://schemas.microsoft.com/office/thememl/2012/main" name="Office Theme" id="{2E142A2C-CD16-42D6-873A-C26D2A0506FA}" vid="{1BDDFF52-6CD6-40A5-AB3C-68EB2F1E4D0A}"/>
+      <thm15:themeFamily xmlns:thm15="http://schemas.microsoft.com/office/thememl/2012/main" name="Office Theme" id="{62F939B6-93AF-4DB8-9C6B-D6C7DFDC589F}" vid="{4A3C46E8-61CC-4603-A589-7422A47A8E4A}"/>
     </a:ext>
   </a:extLst>
 </a:theme>
